--- a/docs/Typescript Demo.pptx
+++ b/docs/Typescript Demo.pptx
@@ -5,7 +5,7 @@
     <p:sldMasterId id="2147483648" r:id="rId1"/>
   </p:sldMasterIdLst>
   <p:notesMasterIdLst>
-    <p:notesMasterId r:id="rId93"/>
+    <p:notesMasterId r:id="rId92"/>
   </p:notesMasterIdLst>
   <p:sldIdLst>
     <p:sldId id="256" r:id="rId2"/>
@@ -91,14 +91,13 @@
     <p:sldId id="341" r:id="rId82"/>
     <p:sldId id="342" r:id="rId83"/>
     <p:sldId id="343" r:id="rId84"/>
-    <p:sldId id="344" r:id="rId85"/>
-    <p:sldId id="345" r:id="rId86"/>
-    <p:sldId id="346" r:id="rId87"/>
-    <p:sldId id="347" r:id="rId88"/>
-    <p:sldId id="335" r:id="rId89"/>
-    <p:sldId id="295" r:id="rId90"/>
-    <p:sldId id="296" r:id="rId91"/>
-    <p:sldId id="297" r:id="rId92"/>
+    <p:sldId id="345" r:id="rId85"/>
+    <p:sldId id="346" r:id="rId86"/>
+    <p:sldId id="347" r:id="rId87"/>
+    <p:sldId id="335" r:id="rId88"/>
+    <p:sldId id="295" r:id="rId89"/>
+    <p:sldId id="296" r:id="rId90"/>
+    <p:sldId id="297" r:id="rId91"/>
   </p:sldIdLst>
   <p:sldSz cx="9144000" cy="5143500" type="screen16x9"/>
   <p:notesSz cx="6858000" cy="9144000"/>
@@ -5836,7 +5835,7 @@
     </p:spTree>
     <p:extLst>
       <p:ext uri="{BB962C8B-B14F-4D97-AF65-F5344CB8AC3E}">
-        <p14:creationId xmlns:p14="http://schemas.microsoft.com/office/powerpoint/2010/main" val="1288156140"/>
+        <p14:creationId xmlns:p14="http://schemas.microsoft.com/office/powerpoint/2010/main" val="3495522261"/>
       </p:ext>
     </p:extLst>
   </p:cSld>
@@ -5902,7 +5901,7 @@
     </p:spTree>
     <p:extLst>
       <p:ext uri="{BB962C8B-B14F-4D97-AF65-F5344CB8AC3E}">
-        <p14:creationId xmlns:p14="http://schemas.microsoft.com/office/powerpoint/2010/main" val="3495522261"/>
+        <p14:creationId xmlns:p14="http://schemas.microsoft.com/office/powerpoint/2010/main" val="4123657194"/>
       </p:ext>
     </p:extLst>
   </p:cSld>
@@ -5968,7 +5967,7 @@
     </p:spTree>
     <p:extLst>
       <p:ext uri="{BB962C8B-B14F-4D97-AF65-F5344CB8AC3E}">
-        <p14:creationId xmlns:p14="http://schemas.microsoft.com/office/powerpoint/2010/main" val="4123657194"/>
+        <p14:creationId xmlns:p14="http://schemas.microsoft.com/office/powerpoint/2010/main" val="2453267986"/>
       </p:ext>
     </p:extLst>
   </p:cSld>
@@ -5997,7 +5996,7 @@
       </p:grpSpPr>
       <p:sp>
         <p:nvSpPr>
-          <p:cNvPr id="2" name="Slide Image Placeholder 1"/>
+          <p:cNvPr id="486" name="Shape 486"/>
           <p:cNvSpPr>
             <a:spLocks noGrp="1" noRot="1" noChangeAspect="1"/>
           </p:cNvSpPr>
@@ -6010,31 +6009,65 @@
             <a:off x="381000" y="685800"/>
             <a:ext cx="6096000" cy="3429000"/>
           </a:xfrm>
-        </p:spPr>
-      </p:sp>
-      <p:sp>
-        <p:nvSpPr>
-          <p:cNvPr id="3" name="Notes Placeholder 2"/>
+          <a:prstGeom prst="rect">
+            <a:avLst/>
+          </a:prstGeom>
+        </p:spPr>
+        <p:txBody>
+          <a:bodyPr/>
+          <a:lstStyle/>
+          <a:p>
+            <a:endParaRPr/>
+          </a:p>
+        </p:txBody>
+      </p:sp>
+      <p:sp>
+        <p:nvSpPr>
+          <p:cNvPr id="487" name="Shape 487"/>
           <p:cNvSpPr>
             <a:spLocks noGrp="1"/>
           </p:cNvSpPr>
           <p:nvPr>
-            <p:ph type="body" idx="1"/>
+            <p:ph type="body" sz="quarter" idx="1"/>
           </p:nvPr>
         </p:nvSpPr>
-        <p:spPr/>
+        <p:spPr>
+          <a:prstGeom prst="rect">
+            <a:avLst/>
+          </a:prstGeom>
+        </p:spPr>
         <p:txBody>
           <a:bodyPr/>
           <a:lstStyle/>
           <a:p>
-            <a:endParaRPr lang="en-IN" dirty="0"/>
+            <a:pPr marL="158750" indent="0">
+              <a:lnSpc>
+                <a:spcPct val="80000"/>
+              </a:lnSpc>
+              <a:buClr>
+                <a:srgbClr val="000000"/>
+              </a:buClr>
+              <a:buSzPts val="1700"/>
+              <a:buFont typeface="Arial"/>
+              <a:buNone/>
+              <a:defRPr sz="1700">
+                <a:solidFill>
+                  <a:srgbClr val="E6E6E6"/>
+                </a:solidFill>
+                <a:latin typeface="Segoe UI"/>
+                <a:ea typeface="Segoe UI"/>
+                <a:cs typeface="Segoe UI"/>
+                <a:sym typeface="Segoe UI"/>
+              </a:defRPr>
+            </a:pPr>
+            <a:endParaRPr dirty="0"/>
           </a:p>
         </p:txBody>
       </p:sp>
     </p:spTree>
     <p:extLst>
       <p:ext uri="{BB962C8B-B14F-4D97-AF65-F5344CB8AC3E}">
-        <p14:creationId xmlns:p14="http://schemas.microsoft.com/office/powerpoint/2010/main" val="2453267986"/>
+        <p14:creationId xmlns:p14="http://schemas.microsoft.com/office/powerpoint/2010/main" val="2585048538"/>
       </p:ext>
     </p:extLst>
   </p:cSld>
@@ -6063,7 +6096,7 @@
       </p:grpSpPr>
       <p:sp>
         <p:nvSpPr>
-          <p:cNvPr id="486" name="Shape 486"/>
+          <p:cNvPr id="493" name="Shape 493"/>
           <p:cNvSpPr>
             <a:spLocks noGrp="1" noRot="1" noChangeAspect="1"/>
           </p:cNvSpPr>
@@ -6072,10 +6105,6 @@
           </p:nvPr>
         </p:nvSpPr>
         <p:spPr>
-          <a:xfrm>
-            <a:off x="381000" y="685800"/>
-            <a:ext cx="6096000" cy="3429000"/>
-          </a:xfrm>
           <a:prstGeom prst="rect">
             <a:avLst/>
           </a:prstGeom>
@@ -6090,7 +6119,7 @@
       </p:sp>
       <p:sp>
         <p:nvSpPr>
-          <p:cNvPr id="487" name="Shape 487"/>
+          <p:cNvPr id="494" name="Shape 494"/>
           <p:cNvSpPr>
             <a:spLocks noGrp="1"/>
           </p:cNvSpPr>
@@ -6107,7 +6136,7 @@
           <a:bodyPr/>
           <a:lstStyle/>
           <a:p>
-            <a:pPr marL="158750" indent="0">
+            <a:pPr marL="457200" indent="-298450">
               <a:lnSpc>
                 <a:spcPct val="80000"/>
               </a:lnSpc>
@@ -6116,7 +6145,7 @@
               </a:buClr>
               <a:buSzPts val="1700"/>
               <a:buFont typeface="Arial"/>
-              <a:buNone/>
+              <a:buChar char="●"/>
               <a:defRPr sz="1700">
                 <a:solidFill>
                   <a:srgbClr val="E6E6E6"/>
@@ -6127,14 +6156,68 @@
                 <a:sym typeface="Segoe UI"/>
               </a:defRPr>
             </a:pPr>
-            <a:endParaRPr dirty="0"/>
+            <a:r>
+              <a:t>JavaScript, one of the world's most-used programming languages, has become the official language of the web. Developers use it to write cross-platform applications that can run on any platform and in any browser.</a:t>
+            </a:r>
+            <a:endParaRPr sz="900"/>
+          </a:p>
+          <a:p>
+            <a:pPr marL="457200" indent="-298450">
+              <a:lnSpc>
+                <a:spcPct val="80000"/>
+              </a:lnSpc>
+              <a:buClr>
+                <a:srgbClr val="000000"/>
+              </a:buClr>
+              <a:buSzPts val="1700"/>
+              <a:buFont typeface="Arial"/>
+              <a:buChar char="●"/>
+              <a:defRPr sz="1700">
+                <a:solidFill>
+                  <a:srgbClr val="E6E6E6"/>
+                </a:solidFill>
+                <a:latin typeface="Segoe UI"/>
+                <a:ea typeface="Segoe UI"/>
+                <a:cs typeface="Segoe UI"/>
+                <a:sym typeface="Segoe UI"/>
+              </a:defRPr>
+            </a:pPr>
+            <a:r>
+              <a:t>Although JavaScript is used to create cross-platform apps, it wasn't conceived for large apps involving thousands, or even millions, of lines of code. JavaScript lacks some of the features of more mature languages that power today's sophisticated applications. Integrated development editors (IDEs) can find it challenging to manage JavaScript and maintain these large code bases.</a:t>
+            </a:r>
+            <a:endParaRPr sz="900"/>
+          </a:p>
+          <a:p>
+            <a:pPr marL="457200" indent="-298450">
+              <a:lnSpc>
+                <a:spcPct val="80000"/>
+              </a:lnSpc>
+              <a:buClr>
+                <a:srgbClr val="000000"/>
+              </a:buClr>
+              <a:buSzPts val="1700"/>
+              <a:buFont typeface="Arial"/>
+              <a:buChar char="●"/>
+              <a:defRPr sz="1700">
+                <a:solidFill>
+                  <a:srgbClr val="E6E6E6"/>
+                </a:solidFill>
+                <a:latin typeface="Segoe UI"/>
+                <a:ea typeface="Segoe UI"/>
+                <a:cs typeface="Segoe UI"/>
+                <a:sym typeface="Segoe UI"/>
+              </a:defRPr>
+            </a:pPr>
+            <a:r>
+              <a:t>TypeScript addresses the limitations of JavaScript, doing so without compromising the key value proposition of JavaScript: the ability to run your code anywhere and on every platform, browser, or host.</a:t>
+            </a:r>
           </a:p>
         </p:txBody>
       </p:sp>
     </p:spTree>
     <p:extLst>
       <p:ext uri="{BB962C8B-B14F-4D97-AF65-F5344CB8AC3E}">
-        <p14:creationId xmlns:p14="http://schemas.microsoft.com/office/powerpoint/2010/main" val="2585048538"/>
+        <p14:creationId xmlns:p14="http://schemas.microsoft.com/office/powerpoint/2010/main" val="3790177090"/>
       </p:ext>
     </p:extLst>
   </p:cSld>
@@ -6163,156 +6246,6 @@
       </p:grpSpPr>
       <p:sp>
         <p:nvSpPr>
-          <p:cNvPr id="493" name="Shape 493"/>
-          <p:cNvSpPr>
-            <a:spLocks noGrp="1" noRot="1" noChangeAspect="1"/>
-          </p:cNvSpPr>
-          <p:nvPr>
-            <p:ph type="sldImg"/>
-          </p:nvPr>
-        </p:nvSpPr>
-        <p:spPr>
-          <a:prstGeom prst="rect">
-            <a:avLst/>
-          </a:prstGeom>
-        </p:spPr>
-        <p:txBody>
-          <a:bodyPr/>
-          <a:lstStyle/>
-          <a:p>
-            <a:endParaRPr/>
-          </a:p>
-        </p:txBody>
-      </p:sp>
-      <p:sp>
-        <p:nvSpPr>
-          <p:cNvPr id="494" name="Shape 494"/>
-          <p:cNvSpPr>
-            <a:spLocks noGrp="1"/>
-          </p:cNvSpPr>
-          <p:nvPr>
-            <p:ph type="body" sz="quarter" idx="1"/>
-          </p:nvPr>
-        </p:nvSpPr>
-        <p:spPr>
-          <a:prstGeom prst="rect">
-            <a:avLst/>
-          </a:prstGeom>
-        </p:spPr>
-        <p:txBody>
-          <a:bodyPr/>
-          <a:lstStyle/>
-          <a:p>
-            <a:pPr marL="457200" indent="-298450">
-              <a:lnSpc>
-                <a:spcPct val="80000"/>
-              </a:lnSpc>
-              <a:buClr>
-                <a:srgbClr val="000000"/>
-              </a:buClr>
-              <a:buSzPts val="1700"/>
-              <a:buFont typeface="Arial"/>
-              <a:buChar char="●"/>
-              <a:defRPr sz="1700">
-                <a:solidFill>
-                  <a:srgbClr val="E6E6E6"/>
-                </a:solidFill>
-                <a:latin typeface="Segoe UI"/>
-                <a:ea typeface="Segoe UI"/>
-                <a:cs typeface="Segoe UI"/>
-                <a:sym typeface="Segoe UI"/>
-              </a:defRPr>
-            </a:pPr>
-            <a:r>
-              <a:t>JavaScript, one of the world's most-used programming languages, has become the official language of the web. Developers use it to write cross-platform applications that can run on any platform and in any browser.</a:t>
-            </a:r>
-            <a:endParaRPr sz="900"/>
-          </a:p>
-          <a:p>
-            <a:pPr marL="457200" indent="-298450">
-              <a:lnSpc>
-                <a:spcPct val="80000"/>
-              </a:lnSpc>
-              <a:buClr>
-                <a:srgbClr val="000000"/>
-              </a:buClr>
-              <a:buSzPts val="1700"/>
-              <a:buFont typeface="Arial"/>
-              <a:buChar char="●"/>
-              <a:defRPr sz="1700">
-                <a:solidFill>
-                  <a:srgbClr val="E6E6E6"/>
-                </a:solidFill>
-                <a:latin typeface="Segoe UI"/>
-                <a:ea typeface="Segoe UI"/>
-                <a:cs typeface="Segoe UI"/>
-                <a:sym typeface="Segoe UI"/>
-              </a:defRPr>
-            </a:pPr>
-            <a:r>
-              <a:t>Although JavaScript is used to create cross-platform apps, it wasn't conceived for large apps involving thousands, or even millions, of lines of code. JavaScript lacks some of the features of more mature languages that power today's sophisticated applications. Integrated development editors (IDEs) can find it challenging to manage JavaScript and maintain these large code bases.</a:t>
-            </a:r>
-            <a:endParaRPr sz="900"/>
-          </a:p>
-          <a:p>
-            <a:pPr marL="457200" indent="-298450">
-              <a:lnSpc>
-                <a:spcPct val="80000"/>
-              </a:lnSpc>
-              <a:buClr>
-                <a:srgbClr val="000000"/>
-              </a:buClr>
-              <a:buSzPts val="1700"/>
-              <a:buFont typeface="Arial"/>
-              <a:buChar char="●"/>
-              <a:defRPr sz="1700">
-                <a:solidFill>
-                  <a:srgbClr val="E6E6E6"/>
-                </a:solidFill>
-                <a:latin typeface="Segoe UI"/>
-                <a:ea typeface="Segoe UI"/>
-                <a:cs typeface="Segoe UI"/>
-                <a:sym typeface="Segoe UI"/>
-              </a:defRPr>
-            </a:pPr>
-            <a:r>
-              <a:t>TypeScript addresses the limitations of JavaScript, doing so without compromising the key value proposition of JavaScript: the ability to run your code anywhere and on every platform, browser, or host.</a:t>
-            </a:r>
-          </a:p>
-        </p:txBody>
-      </p:sp>
-    </p:spTree>
-    <p:extLst>
-      <p:ext uri="{BB962C8B-B14F-4D97-AF65-F5344CB8AC3E}">
-        <p14:creationId xmlns:p14="http://schemas.microsoft.com/office/powerpoint/2010/main" val="3790177090"/>
-      </p:ext>
-    </p:extLst>
-  </p:cSld>
-  <p:clrMapOvr>
-    <a:masterClrMapping/>
-  </p:clrMapOvr>
-</p:notes>
-</file>
-
-<file path=ppt/notesSlides/notesSlide58.xml><?xml version="1.0" encoding="utf-8"?>
-<p:notes xmlns:a="http://schemas.openxmlformats.org/drawingml/2006/main" xmlns:r="http://schemas.openxmlformats.org/officeDocument/2006/relationships" xmlns:p="http://schemas.openxmlformats.org/presentationml/2006/main">
-  <p:cSld>
-    <p:spTree>
-      <p:nvGrpSpPr>
-        <p:cNvPr id="1" name=""/>
-        <p:cNvGrpSpPr/>
-        <p:nvPr/>
-      </p:nvGrpSpPr>
-      <p:grpSpPr>
-        <a:xfrm>
-          <a:off x="0" y="0"/>
-          <a:ext cx="0" cy="0"/>
-          <a:chOff x="0" y="0"/>
-          <a:chExt cx="0" cy="0"/>
-        </a:xfrm>
-      </p:grpSpPr>
-      <p:sp>
-        <p:nvSpPr>
           <p:cNvPr id="502" name="Shape 502"/>
           <p:cNvSpPr>
             <a:spLocks noGrp="1" noRot="1" noChangeAspect="1"/>
@@ -6391,7 +6324,7 @@
 </p:notes>
 </file>
 
-<file path=ppt/notesSlides/notesSlide59.xml><?xml version="1.0" encoding="utf-8"?>
+<file path=ppt/notesSlides/notesSlide58.xml><?xml version="1.0" encoding="utf-8"?>
 <p:notes xmlns:a="http://schemas.openxmlformats.org/drawingml/2006/main" xmlns:r="http://schemas.openxmlformats.org/officeDocument/2006/relationships" xmlns:p="http://schemas.openxmlformats.org/presentationml/2006/main">
   <p:cSld>
     <p:spTree>
@@ -8523,7 +8456,7 @@
           </a:ln>
           <a:extLst>
             <a:ext uri="{C572A759-6A51-4108-AA02-DFA0A04FC94B}">
-              <ma14:wrappingTextBoxFlag xmlns="" xmlns:m="http://schemas.openxmlformats.org/officeDocument/2006/math" xmlns:a14="http://schemas.microsoft.com/office/drawing/2010/main" xmlns:ma14="http://schemas.microsoft.com/office/mac/drawingml/2011/main" val="1"/>
+              <ma14:wrappingTextBoxFlag xmlns:ma14="http://schemas.microsoft.com/office/mac/drawingml/2011/main" xmlns:a14="http://schemas.microsoft.com/office/drawing/2010/main" xmlns:m="http://schemas.openxmlformats.org/officeDocument/2006/math" xmlns="" val="1"/>
             </a:ext>
           </a:extLst>
         </p:spPr>
@@ -8560,7 +8493,7 @@
           </a:ln>
           <a:extLst>
             <a:ext uri="{C572A759-6A51-4108-AA02-DFA0A04FC94B}">
-              <ma14:wrappingTextBoxFlag xmlns="" xmlns:m="http://schemas.openxmlformats.org/officeDocument/2006/math" xmlns:a14="http://schemas.microsoft.com/office/drawing/2010/main" xmlns:ma14="http://schemas.microsoft.com/office/mac/drawingml/2011/main" val="1"/>
+              <ma14:wrappingTextBoxFlag xmlns:ma14="http://schemas.microsoft.com/office/mac/drawingml/2011/main" xmlns:a14="http://schemas.microsoft.com/office/drawing/2010/main" xmlns:m="http://schemas.openxmlformats.org/officeDocument/2006/math" xmlns="" val="1"/>
             </a:ext>
           </a:extLst>
         </p:spPr>
@@ -9466,7 +9399,7 @@
           </a:ln>
           <a:extLst>
             <a:ext uri="{C572A759-6A51-4108-AA02-DFA0A04FC94B}">
-              <ma14:wrappingTextBoxFlag xmlns="" xmlns:m="http://schemas.openxmlformats.org/officeDocument/2006/math" xmlns:a14="http://schemas.microsoft.com/office/drawing/2010/main" xmlns:ma14="http://schemas.microsoft.com/office/mac/drawingml/2011/main" val="1"/>
+              <ma14:wrappingTextBoxFlag xmlns:ma14="http://schemas.microsoft.com/office/mac/drawingml/2011/main" xmlns:a14="http://schemas.microsoft.com/office/drawing/2010/main" xmlns:m="http://schemas.openxmlformats.org/officeDocument/2006/math" xmlns="" val="1"/>
             </a:ext>
           </a:extLst>
         </p:spPr>
@@ -9513,7 +9446,7 @@
           </a:ln>
           <a:extLst>
             <a:ext uri="{C572A759-6A51-4108-AA02-DFA0A04FC94B}">
-              <ma14:wrappingTextBoxFlag xmlns="" xmlns:m="http://schemas.openxmlformats.org/officeDocument/2006/math" xmlns:a14="http://schemas.microsoft.com/office/drawing/2010/main" xmlns:ma14="http://schemas.microsoft.com/office/mac/drawingml/2011/main" val="1"/>
+              <ma14:wrappingTextBoxFlag xmlns:ma14="http://schemas.microsoft.com/office/mac/drawingml/2011/main" xmlns:a14="http://schemas.microsoft.com/office/drawing/2010/main" xmlns:m="http://schemas.openxmlformats.org/officeDocument/2006/math" xmlns="" val="1"/>
             </a:ext>
           </a:extLst>
         </p:spPr>
@@ -9585,7 +9518,7 @@
           </a:ln>
           <a:extLst>
             <a:ext uri="{C572A759-6A51-4108-AA02-DFA0A04FC94B}">
-              <ma14:wrappingTextBoxFlag xmlns="" xmlns:m="http://schemas.openxmlformats.org/officeDocument/2006/math" xmlns:a14="http://schemas.microsoft.com/office/drawing/2010/main" xmlns:ma14="http://schemas.microsoft.com/office/mac/drawingml/2011/main" val="1"/>
+              <ma14:wrappingTextBoxFlag xmlns:ma14="http://schemas.microsoft.com/office/mac/drawingml/2011/main" xmlns:a14="http://schemas.microsoft.com/office/drawing/2010/main" xmlns:m="http://schemas.openxmlformats.org/officeDocument/2006/math" xmlns="" val="1"/>
             </a:ext>
           </a:extLst>
         </p:spPr>
@@ -9629,7 +9562,7 @@
           </a:ln>
           <a:extLst>
             <a:ext uri="{C572A759-6A51-4108-AA02-DFA0A04FC94B}">
-              <ma14:wrappingTextBoxFlag xmlns="" xmlns:m="http://schemas.openxmlformats.org/officeDocument/2006/math" xmlns:a14="http://schemas.microsoft.com/office/drawing/2010/main" xmlns:ma14="http://schemas.microsoft.com/office/mac/drawingml/2011/main" val="1"/>
+              <ma14:wrappingTextBoxFlag xmlns:ma14="http://schemas.microsoft.com/office/mac/drawingml/2011/main" xmlns:a14="http://schemas.microsoft.com/office/drawing/2010/main" xmlns:m="http://schemas.openxmlformats.org/officeDocument/2006/math" xmlns="" val="1"/>
             </a:ext>
           </a:extLst>
         </p:spPr>
@@ -9814,7 +9747,7 @@
           </a:ln>
           <a:extLst>
             <a:ext uri="{C572A759-6A51-4108-AA02-DFA0A04FC94B}">
-              <ma14:wrappingTextBoxFlag xmlns="" xmlns:m="http://schemas.openxmlformats.org/officeDocument/2006/math" xmlns:a14="http://schemas.microsoft.com/office/drawing/2010/main" xmlns:ma14="http://schemas.microsoft.com/office/mac/drawingml/2011/main" val="1"/>
+              <ma14:wrappingTextBoxFlag xmlns:ma14="http://schemas.microsoft.com/office/mac/drawingml/2011/main" xmlns:a14="http://schemas.microsoft.com/office/drawing/2010/main" xmlns:m="http://schemas.openxmlformats.org/officeDocument/2006/math" xmlns="" val="1"/>
             </a:ext>
           </a:extLst>
         </p:spPr>
@@ -9885,7 +9818,7 @@
           </a:ln>
           <a:extLst>
             <a:ext uri="{C572A759-6A51-4108-AA02-DFA0A04FC94B}">
-              <ma14:wrappingTextBoxFlag xmlns="" xmlns:m="http://schemas.openxmlformats.org/officeDocument/2006/math" xmlns:a14="http://schemas.microsoft.com/office/drawing/2010/main" xmlns:ma14="http://schemas.microsoft.com/office/mac/drawingml/2011/main" val="1"/>
+              <ma14:wrappingTextBoxFlag xmlns:ma14="http://schemas.microsoft.com/office/mac/drawingml/2011/main" xmlns:a14="http://schemas.microsoft.com/office/drawing/2010/main" xmlns:m="http://schemas.openxmlformats.org/officeDocument/2006/math" xmlns="" val="1"/>
             </a:ext>
           </a:extLst>
         </p:spPr>
@@ -9929,7 +9862,7 @@
           </a:ln>
           <a:extLst>
             <a:ext uri="{C572A759-6A51-4108-AA02-DFA0A04FC94B}">
-              <ma14:wrappingTextBoxFlag xmlns="" xmlns:m="http://schemas.openxmlformats.org/officeDocument/2006/math" xmlns:a14="http://schemas.microsoft.com/office/drawing/2010/main" xmlns:ma14="http://schemas.microsoft.com/office/mac/drawingml/2011/main" val="1"/>
+              <ma14:wrappingTextBoxFlag xmlns:ma14="http://schemas.microsoft.com/office/mac/drawingml/2011/main" xmlns:a14="http://schemas.microsoft.com/office/drawing/2010/main" xmlns:m="http://schemas.openxmlformats.org/officeDocument/2006/math" xmlns="" val="1"/>
             </a:ext>
           </a:extLst>
         </p:spPr>
@@ -10003,7 +9936,7 @@
         <p:fade thruBlk="1"/>
       </p:transition>
     </mc:Choice>
-    <mc:Fallback xmlns="" xmlns:m="http://schemas.openxmlformats.org/officeDocument/2006/math" xmlns:a14="http://schemas.microsoft.com/office/drawing/2010/main">
+    <mc:Fallback xmlns:a14="http://schemas.microsoft.com/office/drawing/2010/main" xmlns:m="http://schemas.openxmlformats.org/officeDocument/2006/math" xmlns="">
       <p:transition spd="slow">
         <p:fade/>
       </p:transition>
@@ -10102,7 +10035,7 @@
           </a:ln>
           <a:extLst>
             <a:ext uri="{C572A759-6A51-4108-AA02-DFA0A04FC94B}">
-              <ma14:wrappingTextBoxFlag xmlns="" xmlns:m="http://schemas.openxmlformats.org/officeDocument/2006/math" xmlns:a14="http://schemas.microsoft.com/office/drawing/2010/main" xmlns:ma14="http://schemas.microsoft.com/office/mac/drawingml/2011/main" val="1"/>
+              <ma14:wrappingTextBoxFlag xmlns:ma14="http://schemas.microsoft.com/office/mac/drawingml/2011/main" xmlns:a14="http://schemas.microsoft.com/office/drawing/2010/main" xmlns:m="http://schemas.openxmlformats.org/officeDocument/2006/math" xmlns="" val="1"/>
             </a:ext>
           </a:extLst>
         </p:spPr>
@@ -10149,7 +10082,7 @@
           </a:ln>
           <a:extLst>
             <a:ext uri="{C572A759-6A51-4108-AA02-DFA0A04FC94B}">
-              <ma14:wrappingTextBoxFlag xmlns="" xmlns:m="http://schemas.openxmlformats.org/officeDocument/2006/math" xmlns:a14="http://schemas.microsoft.com/office/drawing/2010/main" xmlns:ma14="http://schemas.microsoft.com/office/mac/drawingml/2011/main" val="1"/>
+              <ma14:wrappingTextBoxFlag xmlns:ma14="http://schemas.microsoft.com/office/mac/drawingml/2011/main" xmlns:a14="http://schemas.microsoft.com/office/drawing/2010/main" xmlns:m="http://schemas.openxmlformats.org/officeDocument/2006/math" xmlns="" val="1"/>
             </a:ext>
           </a:extLst>
         </p:spPr>
@@ -10221,7 +10154,7 @@
           </a:ln>
           <a:extLst>
             <a:ext uri="{C572A759-6A51-4108-AA02-DFA0A04FC94B}">
-              <ma14:wrappingTextBoxFlag xmlns="" xmlns:m="http://schemas.openxmlformats.org/officeDocument/2006/math" xmlns:a14="http://schemas.microsoft.com/office/drawing/2010/main" xmlns:ma14="http://schemas.microsoft.com/office/mac/drawingml/2011/main" val="1"/>
+              <ma14:wrappingTextBoxFlag xmlns:ma14="http://schemas.microsoft.com/office/mac/drawingml/2011/main" xmlns:a14="http://schemas.microsoft.com/office/drawing/2010/main" xmlns:m="http://schemas.openxmlformats.org/officeDocument/2006/math" xmlns="" val="1"/>
             </a:ext>
           </a:extLst>
         </p:spPr>
@@ -10265,7 +10198,7 @@
           </a:ln>
           <a:extLst>
             <a:ext uri="{C572A759-6A51-4108-AA02-DFA0A04FC94B}">
-              <ma14:wrappingTextBoxFlag xmlns="" xmlns:m="http://schemas.openxmlformats.org/officeDocument/2006/math" xmlns:a14="http://schemas.microsoft.com/office/drawing/2010/main" xmlns:ma14="http://schemas.microsoft.com/office/mac/drawingml/2011/main" val="1"/>
+              <ma14:wrappingTextBoxFlag xmlns:ma14="http://schemas.microsoft.com/office/mac/drawingml/2011/main" xmlns:a14="http://schemas.microsoft.com/office/drawing/2010/main" xmlns:m="http://schemas.openxmlformats.org/officeDocument/2006/math" xmlns="" val="1"/>
             </a:ext>
           </a:extLst>
         </p:spPr>
@@ -10340,7 +10273,7 @@
         <p:fade thruBlk="1"/>
       </p:transition>
     </mc:Choice>
-    <mc:Fallback xmlns="" xmlns:m="http://schemas.openxmlformats.org/officeDocument/2006/math" xmlns:a14="http://schemas.microsoft.com/office/drawing/2010/main">
+    <mc:Fallback xmlns:a14="http://schemas.microsoft.com/office/drawing/2010/main" xmlns:m="http://schemas.openxmlformats.org/officeDocument/2006/math" xmlns="">
       <p:transition spd="slow">
         <p:fade/>
       </p:transition>
@@ -10461,7 +10394,7 @@
           </a:ln>
           <a:extLst>
             <a:ext uri="{C572A759-6A51-4108-AA02-DFA0A04FC94B}">
-              <ma14:wrappingTextBoxFlag xmlns="" xmlns:m="http://schemas.openxmlformats.org/officeDocument/2006/math" xmlns:a14="http://schemas.microsoft.com/office/drawing/2010/main" xmlns:ma14="http://schemas.microsoft.com/office/mac/drawingml/2011/main" val="1"/>
+              <ma14:wrappingTextBoxFlag xmlns:ma14="http://schemas.microsoft.com/office/mac/drawingml/2011/main" xmlns:a14="http://schemas.microsoft.com/office/drawing/2010/main" xmlns:m="http://schemas.openxmlformats.org/officeDocument/2006/math" xmlns="" val="1"/>
             </a:ext>
           </a:extLst>
         </p:spPr>
@@ -10532,7 +10465,7 @@
           </a:ln>
           <a:extLst>
             <a:ext uri="{C572A759-6A51-4108-AA02-DFA0A04FC94B}">
-              <ma14:wrappingTextBoxFlag xmlns="" xmlns:m="http://schemas.openxmlformats.org/officeDocument/2006/math" xmlns:a14="http://schemas.microsoft.com/office/drawing/2010/main" xmlns:ma14="http://schemas.microsoft.com/office/mac/drawingml/2011/main" val="1"/>
+              <ma14:wrappingTextBoxFlag xmlns:ma14="http://schemas.microsoft.com/office/mac/drawingml/2011/main" xmlns:a14="http://schemas.microsoft.com/office/drawing/2010/main" xmlns:m="http://schemas.openxmlformats.org/officeDocument/2006/math" xmlns="" val="1"/>
             </a:ext>
           </a:extLst>
         </p:spPr>
@@ -10576,7 +10509,7 @@
           </a:ln>
           <a:extLst>
             <a:ext uri="{C572A759-6A51-4108-AA02-DFA0A04FC94B}">
-              <ma14:wrappingTextBoxFlag xmlns="" xmlns:m="http://schemas.openxmlformats.org/officeDocument/2006/math" xmlns:a14="http://schemas.microsoft.com/office/drawing/2010/main" xmlns:ma14="http://schemas.microsoft.com/office/mac/drawingml/2011/main" val="1"/>
+              <ma14:wrappingTextBoxFlag xmlns:ma14="http://schemas.microsoft.com/office/mac/drawingml/2011/main" xmlns:a14="http://schemas.microsoft.com/office/drawing/2010/main" xmlns:m="http://schemas.openxmlformats.org/officeDocument/2006/math" xmlns="" val="1"/>
             </a:ext>
           </a:extLst>
         </p:spPr>
@@ -10750,7 +10683,7 @@
         <p:fade thruBlk="1"/>
       </p:transition>
     </mc:Choice>
-    <mc:Fallback xmlns="" xmlns:m="http://schemas.openxmlformats.org/officeDocument/2006/math" xmlns:a14="http://schemas.microsoft.com/office/drawing/2010/main">
+    <mc:Fallback xmlns:a14="http://schemas.microsoft.com/office/drawing/2010/main" xmlns:m="http://schemas.openxmlformats.org/officeDocument/2006/math" xmlns="">
       <p:transition spd="slow">
         <p:fade/>
       </p:transition>
@@ -10871,7 +10804,7 @@
           </a:ln>
           <a:extLst>
             <a:ext uri="{C572A759-6A51-4108-AA02-DFA0A04FC94B}">
-              <ma14:wrappingTextBoxFlag xmlns="" xmlns:m="http://schemas.openxmlformats.org/officeDocument/2006/math" xmlns:a14="http://schemas.microsoft.com/office/drawing/2010/main" xmlns:ma14="http://schemas.microsoft.com/office/mac/drawingml/2011/main" val="1"/>
+              <ma14:wrappingTextBoxFlag xmlns:ma14="http://schemas.microsoft.com/office/mac/drawingml/2011/main" xmlns:a14="http://schemas.microsoft.com/office/drawing/2010/main" xmlns:m="http://schemas.openxmlformats.org/officeDocument/2006/math" xmlns="" val="1"/>
             </a:ext>
           </a:extLst>
         </p:spPr>
@@ -10942,7 +10875,7 @@
           </a:ln>
           <a:extLst>
             <a:ext uri="{C572A759-6A51-4108-AA02-DFA0A04FC94B}">
-              <ma14:wrappingTextBoxFlag xmlns="" xmlns:m="http://schemas.openxmlformats.org/officeDocument/2006/math" xmlns:a14="http://schemas.microsoft.com/office/drawing/2010/main" xmlns:ma14="http://schemas.microsoft.com/office/mac/drawingml/2011/main" val="1"/>
+              <ma14:wrappingTextBoxFlag xmlns:ma14="http://schemas.microsoft.com/office/mac/drawingml/2011/main" xmlns:a14="http://schemas.microsoft.com/office/drawing/2010/main" xmlns:m="http://schemas.openxmlformats.org/officeDocument/2006/math" xmlns="" val="1"/>
             </a:ext>
           </a:extLst>
         </p:spPr>
@@ -10986,7 +10919,7 @@
           </a:ln>
           <a:extLst>
             <a:ext uri="{C572A759-6A51-4108-AA02-DFA0A04FC94B}">
-              <ma14:wrappingTextBoxFlag xmlns="" xmlns:m="http://schemas.openxmlformats.org/officeDocument/2006/math" xmlns:a14="http://schemas.microsoft.com/office/drawing/2010/main" xmlns:ma14="http://schemas.microsoft.com/office/mac/drawingml/2011/main" val="1"/>
+              <ma14:wrappingTextBoxFlag xmlns:ma14="http://schemas.microsoft.com/office/mac/drawingml/2011/main" xmlns:a14="http://schemas.microsoft.com/office/drawing/2010/main" xmlns:m="http://schemas.openxmlformats.org/officeDocument/2006/math" xmlns="" val="1"/>
             </a:ext>
           </a:extLst>
         </p:spPr>
@@ -11140,7 +11073,7 @@
         <p:fade thruBlk="1"/>
       </p:transition>
     </mc:Choice>
-    <mc:Fallback xmlns="" xmlns:m="http://schemas.openxmlformats.org/officeDocument/2006/math" xmlns:a14="http://schemas.microsoft.com/office/drawing/2010/main">
+    <mc:Fallback xmlns:a14="http://schemas.microsoft.com/office/drawing/2010/main" xmlns:m="http://schemas.openxmlformats.org/officeDocument/2006/math" xmlns="">
       <p:transition spd="slow">
         <p:fade/>
       </p:transition>
@@ -11261,7 +11194,7 @@
           </a:ln>
           <a:extLst>
             <a:ext uri="{C572A759-6A51-4108-AA02-DFA0A04FC94B}">
-              <ma14:wrappingTextBoxFlag xmlns="" xmlns:m="http://schemas.openxmlformats.org/officeDocument/2006/math" xmlns:a14="http://schemas.microsoft.com/office/drawing/2010/main" xmlns:ma14="http://schemas.microsoft.com/office/mac/drawingml/2011/main" val="1"/>
+              <ma14:wrappingTextBoxFlag xmlns:ma14="http://schemas.microsoft.com/office/mac/drawingml/2011/main" xmlns:a14="http://schemas.microsoft.com/office/drawing/2010/main" xmlns:m="http://schemas.openxmlformats.org/officeDocument/2006/math" xmlns="" val="1"/>
             </a:ext>
           </a:extLst>
         </p:spPr>
@@ -11332,7 +11265,7 @@
           </a:ln>
           <a:extLst>
             <a:ext uri="{C572A759-6A51-4108-AA02-DFA0A04FC94B}">
-              <ma14:wrappingTextBoxFlag xmlns="" xmlns:m="http://schemas.openxmlformats.org/officeDocument/2006/math" xmlns:a14="http://schemas.microsoft.com/office/drawing/2010/main" xmlns:ma14="http://schemas.microsoft.com/office/mac/drawingml/2011/main" val="1"/>
+              <ma14:wrappingTextBoxFlag xmlns:ma14="http://schemas.microsoft.com/office/mac/drawingml/2011/main" xmlns:a14="http://schemas.microsoft.com/office/drawing/2010/main" xmlns:m="http://schemas.openxmlformats.org/officeDocument/2006/math" xmlns="" val="1"/>
             </a:ext>
           </a:extLst>
         </p:spPr>
@@ -11376,7 +11309,7 @@
           </a:ln>
           <a:extLst>
             <a:ext uri="{C572A759-6A51-4108-AA02-DFA0A04FC94B}">
-              <ma14:wrappingTextBoxFlag xmlns="" xmlns:m="http://schemas.openxmlformats.org/officeDocument/2006/math" xmlns:a14="http://schemas.microsoft.com/office/drawing/2010/main" xmlns:ma14="http://schemas.microsoft.com/office/mac/drawingml/2011/main" val="1"/>
+              <ma14:wrappingTextBoxFlag xmlns:ma14="http://schemas.microsoft.com/office/mac/drawingml/2011/main" xmlns:a14="http://schemas.microsoft.com/office/drawing/2010/main" xmlns:m="http://schemas.openxmlformats.org/officeDocument/2006/math" xmlns="" val="1"/>
             </a:ext>
           </a:extLst>
         </p:spPr>
@@ -11541,7 +11474,7 @@
             <a:effectLst/>
             <a:extLst>
               <a:ext uri="{C572A759-6A51-4108-AA02-DFA0A04FC94B}">
-                <ma14:wrappingTextBoxFlag xmlns="" xmlns:m="http://schemas.openxmlformats.org/officeDocument/2006/math" xmlns:a14="http://schemas.microsoft.com/office/drawing/2010/main" xmlns:ma14="http://schemas.microsoft.com/office/mac/drawingml/2011/main" val="1"/>
+                <ma14:wrappingTextBoxFlag xmlns:ma14="http://schemas.microsoft.com/office/mac/drawingml/2011/main" xmlns:a14="http://schemas.microsoft.com/office/drawing/2010/main" xmlns:m="http://schemas.openxmlformats.org/officeDocument/2006/math" xmlns="" val="1"/>
               </a:ext>
             </a:extLst>
           </p:spPr>
@@ -11588,7 +11521,7 @@
           </a:ln>
           <a:extLst>
             <a:ext uri="{C572A759-6A51-4108-AA02-DFA0A04FC94B}">
-              <ma14:wrappingTextBoxFlag xmlns="" xmlns:m="http://schemas.openxmlformats.org/officeDocument/2006/math" xmlns:a14="http://schemas.microsoft.com/office/drawing/2010/main" xmlns:ma14="http://schemas.microsoft.com/office/mac/drawingml/2011/main" val="1"/>
+              <ma14:wrappingTextBoxFlag xmlns:ma14="http://schemas.microsoft.com/office/mac/drawingml/2011/main" xmlns:a14="http://schemas.microsoft.com/office/drawing/2010/main" xmlns:m="http://schemas.openxmlformats.org/officeDocument/2006/math" xmlns="" val="1"/>
             </a:ext>
           </a:extLst>
         </p:spPr>
@@ -11619,7 +11552,7 @@
         <p:fade thruBlk="1"/>
       </p:transition>
     </mc:Choice>
-    <mc:Fallback xmlns="" xmlns:m="http://schemas.openxmlformats.org/officeDocument/2006/math" xmlns:a14="http://schemas.microsoft.com/office/drawing/2010/main">
+    <mc:Fallback xmlns:a14="http://schemas.microsoft.com/office/drawing/2010/main" xmlns:m="http://schemas.openxmlformats.org/officeDocument/2006/math" xmlns="">
       <p:transition spd="slow">
         <p:fade/>
       </p:transition>
@@ -11740,7 +11673,7 @@
           </a:ln>
           <a:extLst>
             <a:ext uri="{C572A759-6A51-4108-AA02-DFA0A04FC94B}">
-              <ma14:wrappingTextBoxFlag xmlns="" xmlns:m="http://schemas.openxmlformats.org/officeDocument/2006/math" xmlns:a14="http://schemas.microsoft.com/office/drawing/2010/main" xmlns:ma14="http://schemas.microsoft.com/office/mac/drawingml/2011/main" val="1"/>
+              <ma14:wrappingTextBoxFlag xmlns:ma14="http://schemas.microsoft.com/office/mac/drawingml/2011/main" xmlns:a14="http://schemas.microsoft.com/office/drawing/2010/main" xmlns:m="http://schemas.openxmlformats.org/officeDocument/2006/math" xmlns="" val="1"/>
             </a:ext>
           </a:extLst>
         </p:spPr>
@@ -11811,7 +11744,7 @@
           </a:ln>
           <a:extLst>
             <a:ext uri="{C572A759-6A51-4108-AA02-DFA0A04FC94B}">
-              <ma14:wrappingTextBoxFlag xmlns="" xmlns:m="http://schemas.openxmlformats.org/officeDocument/2006/math" xmlns:a14="http://schemas.microsoft.com/office/drawing/2010/main" xmlns:ma14="http://schemas.microsoft.com/office/mac/drawingml/2011/main" val="1"/>
+              <ma14:wrappingTextBoxFlag xmlns:ma14="http://schemas.microsoft.com/office/mac/drawingml/2011/main" xmlns:a14="http://schemas.microsoft.com/office/drawing/2010/main" xmlns:m="http://schemas.openxmlformats.org/officeDocument/2006/math" xmlns="" val="1"/>
             </a:ext>
           </a:extLst>
         </p:spPr>
@@ -11855,7 +11788,7 @@
           </a:ln>
           <a:extLst>
             <a:ext uri="{C572A759-6A51-4108-AA02-DFA0A04FC94B}">
-              <ma14:wrappingTextBoxFlag xmlns="" xmlns:m="http://schemas.openxmlformats.org/officeDocument/2006/math" xmlns:a14="http://schemas.microsoft.com/office/drawing/2010/main" xmlns:ma14="http://schemas.microsoft.com/office/mac/drawingml/2011/main" val="1"/>
+              <ma14:wrappingTextBoxFlag xmlns:ma14="http://schemas.microsoft.com/office/mac/drawingml/2011/main" xmlns:a14="http://schemas.microsoft.com/office/drawing/2010/main" xmlns:m="http://schemas.openxmlformats.org/officeDocument/2006/math" xmlns="" val="1"/>
             </a:ext>
           </a:extLst>
         </p:spPr>
@@ -12080,7 +12013,7 @@
         <p:fade thruBlk="1"/>
       </p:transition>
     </mc:Choice>
-    <mc:Fallback xmlns="" xmlns:m="http://schemas.openxmlformats.org/officeDocument/2006/math" xmlns:a14="http://schemas.microsoft.com/office/drawing/2010/main">
+    <mc:Fallback xmlns:a14="http://schemas.microsoft.com/office/drawing/2010/main" xmlns:m="http://schemas.openxmlformats.org/officeDocument/2006/math" xmlns="">
       <p:transition spd="slow">
         <p:fade/>
       </p:transition>
@@ -12278,7 +12211,7 @@
           </a:ln>
           <a:extLst>
             <a:ext uri="{C572A759-6A51-4108-AA02-DFA0A04FC94B}">
-              <ma14:wrappingTextBoxFlag xmlns="" xmlns:m="http://schemas.openxmlformats.org/officeDocument/2006/math" xmlns:a14="http://schemas.microsoft.com/office/drawing/2010/main" xmlns:ma14="http://schemas.microsoft.com/office/mac/drawingml/2011/main" val="1"/>
+              <ma14:wrappingTextBoxFlag xmlns:ma14="http://schemas.microsoft.com/office/mac/drawingml/2011/main" xmlns:a14="http://schemas.microsoft.com/office/drawing/2010/main" xmlns:m="http://schemas.openxmlformats.org/officeDocument/2006/math" xmlns="" val="1"/>
             </a:ext>
           </a:extLst>
         </p:spPr>
@@ -12349,7 +12282,7 @@
           </a:ln>
           <a:extLst>
             <a:ext uri="{C572A759-6A51-4108-AA02-DFA0A04FC94B}">
-              <ma14:wrappingTextBoxFlag xmlns="" xmlns:m="http://schemas.openxmlformats.org/officeDocument/2006/math" xmlns:a14="http://schemas.microsoft.com/office/drawing/2010/main" xmlns:ma14="http://schemas.microsoft.com/office/mac/drawingml/2011/main" val="1"/>
+              <ma14:wrappingTextBoxFlag xmlns:ma14="http://schemas.microsoft.com/office/mac/drawingml/2011/main" xmlns:a14="http://schemas.microsoft.com/office/drawing/2010/main" xmlns:m="http://schemas.openxmlformats.org/officeDocument/2006/math" xmlns="" val="1"/>
             </a:ext>
           </a:extLst>
         </p:spPr>
@@ -12393,7 +12326,7 @@
           </a:ln>
           <a:extLst>
             <a:ext uri="{C572A759-6A51-4108-AA02-DFA0A04FC94B}">
-              <ma14:wrappingTextBoxFlag xmlns="" xmlns:m="http://schemas.openxmlformats.org/officeDocument/2006/math" xmlns:a14="http://schemas.microsoft.com/office/drawing/2010/main" xmlns:ma14="http://schemas.microsoft.com/office/mac/drawingml/2011/main" val="1"/>
+              <ma14:wrappingTextBoxFlag xmlns:ma14="http://schemas.microsoft.com/office/mac/drawingml/2011/main" xmlns:a14="http://schemas.microsoft.com/office/drawing/2010/main" xmlns:m="http://schemas.openxmlformats.org/officeDocument/2006/math" xmlns="" val="1"/>
             </a:ext>
           </a:extLst>
         </p:spPr>
@@ -12559,7 +12492,7 @@
             <a:effectLst/>
             <a:extLst>
               <a:ext uri="{C572A759-6A51-4108-AA02-DFA0A04FC94B}">
-                <ma14:wrappingTextBoxFlag xmlns="" xmlns:m="http://schemas.openxmlformats.org/officeDocument/2006/math" xmlns:a14="http://schemas.microsoft.com/office/drawing/2010/main" xmlns:ma14="http://schemas.microsoft.com/office/mac/drawingml/2011/main" val="1"/>
+                <ma14:wrappingTextBoxFlag xmlns:ma14="http://schemas.microsoft.com/office/mac/drawingml/2011/main" xmlns:a14="http://schemas.microsoft.com/office/drawing/2010/main" xmlns:m="http://schemas.openxmlformats.org/officeDocument/2006/math" xmlns="" val="1"/>
               </a:ext>
             </a:extLst>
           </p:spPr>
@@ -12670,7 +12603,7 @@
             <a:effectLst/>
             <a:extLst>
               <a:ext uri="{C572A759-6A51-4108-AA02-DFA0A04FC94B}">
-                <ma14:wrappingTextBoxFlag xmlns="" xmlns:m="http://schemas.openxmlformats.org/officeDocument/2006/math" xmlns:a14="http://schemas.microsoft.com/office/drawing/2010/main" xmlns:ma14="http://schemas.microsoft.com/office/mac/drawingml/2011/main" val="1"/>
+                <ma14:wrappingTextBoxFlag xmlns:ma14="http://schemas.microsoft.com/office/mac/drawingml/2011/main" xmlns:a14="http://schemas.microsoft.com/office/drawing/2010/main" xmlns:m="http://schemas.openxmlformats.org/officeDocument/2006/math" xmlns="" val="1"/>
               </a:ext>
             </a:extLst>
           </p:spPr>
@@ -12799,7 +12732,7 @@
             <a:effectLst/>
             <a:extLst>
               <a:ext uri="{C572A759-6A51-4108-AA02-DFA0A04FC94B}">
-                <ma14:wrappingTextBoxFlag xmlns="" xmlns:m="http://schemas.openxmlformats.org/officeDocument/2006/math" xmlns:a14="http://schemas.microsoft.com/office/drawing/2010/main" xmlns:ma14="http://schemas.microsoft.com/office/mac/drawingml/2011/main" val="1"/>
+                <ma14:wrappingTextBoxFlag xmlns:ma14="http://schemas.microsoft.com/office/mac/drawingml/2011/main" xmlns:a14="http://schemas.microsoft.com/office/drawing/2010/main" xmlns:m="http://schemas.openxmlformats.org/officeDocument/2006/math" xmlns="" val="1"/>
               </a:ext>
             </a:extLst>
           </p:spPr>
@@ -12860,7 +12793,7 @@
         <p:fade thruBlk="1"/>
       </p:transition>
     </mc:Choice>
-    <mc:Fallback xmlns="" xmlns:m="http://schemas.openxmlformats.org/officeDocument/2006/math" xmlns:a14="http://schemas.microsoft.com/office/drawing/2010/main">
+    <mc:Fallback xmlns:a14="http://schemas.microsoft.com/office/drawing/2010/main" xmlns:m="http://schemas.openxmlformats.org/officeDocument/2006/math" xmlns="">
       <p:transition spd="slow">
         <p:fade/>
       </p:transition>
@@ -13058,7 +12991,7 @@
           </a:ln>
           <a:extLst>
             <a:ext uri="{C572A759-6A51-4108-AA02-DFA0A04FC94B}">
-              <ma14:wrappingTextBoxFlag xmlns="" xmlns:m="http://schemas.openxmlformats.org/officeDocument/2006/math" xmlns:a14="http://schemas.microsoft.com/office/drawing/2010/main" xmlns:ma14="http://schemas.microsoft.com/office/mac/drawingml/2011/main" val="1"/>
+              <ma14:wrappingTextBoxFlag xmlns:ma14="http://schemas.microsoft.com/office/mac/drawingml/2011/main" xmlns:a14="http://schemas.microsoft.com/office/drawing/2010/main" xmlns:m="http://schemas.openxmlformats.org/officeDocument/2006/math" xmlns="" val="1"/>
             </a:ext>
           </a:extLst>
         </p:spPr>
@@ -13129,7 +13062,7 @@
           </a:ln>
           <a:extLst>
             <a:ext uri="{C572A759-6A51-4108-AA02-DFA0A04FC94B}">
-              <ma14:wrappingTextBoxFlag xmlns="" xmlns:m="http://schemas.openxmlformats.org/officeDocument/2006/math" xmlns:a14="http://schemas.microsoft.com/office/drawing/2010/main" xmlns:ma14="http://schemas.microsoft.com/office/mac/drawingml/2011/main" val="1"/>
+              <ma14:wrappingTextBoxFlag xmlns:ma14="http://schemas.microsoft.com/office/mac/drawingml/2011/main" xmlns:a14="http://schemas.microsoft.com/office/drawing/2010/main" xmlns:m="http://schemas.openxmlformats.org/officeDocument/2006/math" xmlns="" val="1"/>
             </a:ext>
           </a:extLst>
         </p:spPr>
@@ -13173,7 +13106,7 @@
           </a:ln>
           <a:extLst>
             <a:ext uri="{C572A759-6A51-4108-AA02-DFA0A04FC94B}">
-              <ma14:wrappingTextBoxFlag xmlns="" xmlns:m="http://schemas.openxmlformats.org/officeDocument/2006/math" xmlns:a14="http://schemas.microsoft.com/office/drawing/2010/main" xmlns:ma14="http://schemas.microsoft.com/office/mac/drawingml/2011/main" val="1"/>
+              <ma14:wrappingTextBoxFlag xmlns:ma14="http://schemas.microsoft.com/office/mac/drawingml/2011/main" xmlns:a14="http://schemas.microsoft.com/office/drawing/2010/main" xmlns:m="http://schemas.openxmlformats.org/officeDocument/2006/math" xmlns="" val="1"/>
             </a:ext>
           </a:extLst>
         </p:spPr>
@@ -13297,7 +13230,7 @@
         <p:fade thruBlk="1"/>
       </p:transition>
     </mc:Choice>
-    <mc:Fallback xmlns="" xmlns:m="http://schemas.openxmlformats.org/officeDocument/2006/math" xmlns:a14="http://schemas.microsoft.com/office/drawing/2010/main">
+    <mc:Fallback xmlns:a14="http://schemas.microsoft.com/office/drawing/2010/main" xmlns:m="http://schemas.openxmlformats.org/officeDocument/2006/math" xmlns="">
       <p:transition spd="slow">
         <p:fade/>
       </p:transition>
@@ -13495,7 +13428,7 @@
           </a:ln>
           <a:extLst>
             <a:ext uri="{C572A759-6A51-4108-AA02-DFA0A04FC94B}">
-              <ma14:wrappingTextBoxFlag xmlns="" xmlns:m="http://schemas.openxmlformats.org/officeDocument/2006/math" xmlns:a14="http://schemas.microsoft.com/office/drawing/2010/main" xmlns:ma14="http://schemas.microsoft.com/office/mac/drawingml/2011/main" val="1"/>
+              <ma14:wrappingTextBoxFlag xmlns:ma14="http://schemas.microsoft.com/office/mac/drawingml/2011/main" xmlns:a14="http://schemas.microsoft.com/office/drawing/2010/main" xmlns:m="http://schemas.openxmlformats.org/officeDocument/2006/math" xmlns="" val="1"/>
             </a:ext>
           </a:extLst>
         </p:spPr>
@@ -13566,7 +13499,7 @@
           </a:ln>
           <a:extLst>
             <a:ext uri="{C572A759-6A51-4108-AA02-DFA0A04FC94B}">
-              <ma14:wrappingTextBoxFlag xmlns="" xmlns:m="http://schemas.openxmlformats.org/officeDocument/2006/math" xmlns:a14="http://schemas.microsoft.com/office/drawing/2010/main" xmlns:ma14="http://schemas.microsoft.com/office/mac/drawingml/2011/main" val="1"/>
+              <ma14:wrappingTextBoxFlag xmlns:ma14="http://schemas.microsoft.com/office/mac/drawingml/2011/main" xmlns:a14="http://schemas.microsoft.com/office/drawing/2010/main" xmlns:m="http://schemas.openxmlformats.org/officeDocument/2006/math" xmlns="" val="1"/>
             </a:ext>
           </a:extLst>
         </p:spPr>
@@ -13610,7 +13543,7 @@
           </a:ln>
           <a:extLst>
             <a:ext uri="{C572A759-6A51-4108-AA02-DFA0A04FC94B}">
-              <ma14:wrappingTextBoxFlag xmlns="" xmlns:m="http://schemas.openxmlformats.org/officeDocument/2006/math" xmlns:a14="http://schemas.microsoft.com/office/drawing/2010/main" xmlns:ma14="http://schemas.microsoft.com/office/mac/drawingml/2011/main" val="1"/>
+              <ma14:wrappingTextBoxFlag xmlns:ma14="http://schemas.microsoft.com/office/mac/drawingml/2011/main" xmlns:a14="http://schemas.microsoft.com/office/drawing/2010/main" xmlns:m="http://schemas.openxmlformats.org/officeDocument/2006/math" xmlns="" val="1"/>
             </a:ext>
           </a:extLst>
         </p:spPr>
@@ -13734,7 +13667,7 @@
         <p:fade thruBlk="1"/>
       </p:transition>
     </mc:Choice>
-    <mc:Fallback xmlns="" xmlns:m="http://schemas.openxmlformats.org/officeDocument/2006/math" xmlns:a14="http://schemas.microsoft.com/office/drawing/2010/main">
+    <mc:Fallback xmlns:a14="http://schemas.microsoft.com/office/drawing/2010/main" xmlns:m="http://schemas.openxmlformats.org/officeDocument/2006/math" xmlns="">
       <p:transition spd="slow">
         <p:fade/>
       </p:transition>
@@ -13932,7 +13865,7 @@
           </a:ln>
           <a:extLst>
             <a:ext uri="{C572A759-6A51-4108-AA02-DFA0A04FC94B}">
-              <ma14:wrappingTextBoxFlag xmlns="" xmlns:m="http://schemas.openxmlformats.org/officeDocument/2006/math" xmlns:a14="http://schemas.microsoft.com/office/drawing/2010/main" xmlns:ma14="http://schemas.microsoft.com/office/mac/drawingml/2011/main" val="1"/>
+              <ma14:wrappingTextBoxFlag xmlns:ma14="http://schemas.microsoft.com/office/mac/drawingml/2011/main" xmlns:a14="http://schemas.microsoft.com/office/drawing/2010/main" xmlns:m="http://schemas.openxmlformats.org/officeDocument/2006/math" xmlns="" val="1"/>
             </a:ext>
           </a:extLst>
         </p:spPr>
@@ -14003,7 +13936,7 @@
           </a:ln>
           <a:extLst>
             <a:ext uri="{C572A759-6A51-4108-AA02-DFA0A04FC94B}">
-              <ma14:wrappingTextBoxFlag xmlns="" xmlns:m="http://schemas.openxmlformats.org/officeDocument/2006/math" xmlns:a14="http://schemas.microsoft.com/office/drawing/2010/main" xmlns:ma14="http://schemas.microsoft.com/office/mac/drawingml/2011/main" val="1"/>
+              <ma14:wrappingTextBoxFlag xmlns:ma14="http://schemas.microsoft.com/office/mac/drawingml/2011/main" xmlns:a14="http://schemas.microsoft.com/office/drawing/2010/main" xmlns:m="http://schemas.openxmlformats.org/officeDocument/2006/math" xmlns="" val="1"/>
             </a:ext>
           </a:extLst>
         </p:spPr>
@@ -14047,7 +13980,7 @@
           </a:ln>
           <a:extLst>
             <a:ext uri="{C572A759-6A51-4108-AA02-DFA0A04FC94B}">
-              <ma14:wrappingTextBoxFlag xmlns="" xmlns:m="http://schemas.openxmlformats.org/officeDocument/2006/math" xmlns:a14="http://schemas.microsoft.com/office/drawing/2010/main" xmlns:ma14="http://schemas.microsoft.com/office/mac/drawingml/2011/main" val="1"/>
+              <ma14:wrappingTextBoxFlag xmlns:ma14="http://schemas.microsoft.com/office/mac/drawingml/2011/main" xmlns:a14="http://schemas.microsoft.com/office/drawing/2010/main" xmlns:m="http://schemas.openxmlformats.org/officeDocument/2006/math" xmlns="" val="1"/>
             </a:ext>
           </a:extLst>
         </p:spPr>
@@ -14291,7 +14224,7 @@
         <p:fade thruBlk="1"/>
       </p:transition>
     </mc:Choice>
-    <mc:Fallback xmlns="" xmlns:m="http://schemas.openxmlformats.org/officeDocument/2006/math" xmlns:a14="http://schemas.microsoft.com/office/drawing/2010/main">
+    <mc:Fallback xmlns:a14="http://schemas.microsoft.com/office/drawing/2010/main" xmlns:m="http://schemas.openxmlformats.org/officeDocument/2006/math" xmlns="">
       <p:transition spd="slow">
         <p:fade/>
       </p:transition>
@@ -14412,7 +14345,7 @@
           </a:ln>
           <a:extLst>
             <a:ext uri="{C572A759-6A51-4108-AA02-DFA0A04FC94B}">
-              <ma14:wrappingTextBoxFlag xmlns="" xmlns:m="http://schemas.openxmlformats.org/officeDocument/2006/math" xmlns:a14="http://schemas.microsoft.com/office/drawing/2010/main" xmlns:ma14="http://schemas.microsoft.com/office/mac/drawingml/2011/main" val="1"/>
+              <ma14:wrappingTextBoxFlag xmlns:ma14="http://schemas.microsoft.com/office/mac/drawingml/2011/main" xmlns:a14="http://schemas.microsoft.com/office/drawing/2010/main" xmlns:m="http://schemas.openxmlformats.org/officeDocument/2006/math" xmlns="" val="1"/>
             </a:ext>
           </a:extLst>
         </p:spPr>
@@ -14483,7 +14416,7 @@
           </a:ln>
           <a:extLst>
             <a:ext uri="{C572A759-6A51-4108-AA02-DFA0A04FC94B}">
-              <ma14:wrappingTextBoxFlag xmlns="" xmlns:m="http://schemas.openxmlformats.org/officeDocument/2006/math" xmlns:a14="http://schemas.microsoft.com/office/drawing/2010/main" xmlns:ma14="http://schemas.microsoft.com/office/mac/drawingml/2011/main" val="1"/>
+              <ma14:wrappingTextBoxFlag xmlns:ma14="http://schemas.microsoft.com/office/mac/drawingml/2011/main" xmlns:a14="http://schemas.microsoft.com/office/drawing/2010/main" xmlns:m="http://schemas.openxmlformats.org/officeDocument/2006/math" xmlns="" val="1"/>
             </a:ext>
           </a:extLst>
         </p:spPr>
@@ -14527,7 +14460,7 @@
           </a:ln>
           <a:extLst>
             <a:ext uri="{C572A759-6A51-4108-AA02-DFA0A04FC94B}">
-              <ma14:wrappingTextBoxFlag xmlns="" xmlns:m="http://schemas.openxmlformats.org/officeDocument/2006/math" xmlns:a14="http://schemas.microsoft.com/office/drawing/2010/main" xmlns:ma14="http://schemas.microsoft.com/office/mac/drawingml/2011/main" val="1"/>
+              <ma14:wrappingTextBoxFlag xmlns:ma14="http://schemas.microsoft.com/office/mac/drawingml/2011/main" xmlns:a14="http://schemas.microsoft.com/office/drawing/2010/main" xmlns:m="http://schemas.openxmlformats.org/officeDocument/2006/math" xmlns="" val="1"/>
             </a:ext>
           </a:extLst>
         </p:spPr>
@@ -14625,7 +14558,7 @@
         <p:fade thruBlk="1"/>
       </p:transition>
     </mc:Choice>
-    <mc:Fallback xmlns="" xmlns:m="http://schemas.openxmlformats.org/officeDocument/2006/math" xmlns:a14="http://schemas.microsoft.com/office/drawing/2010/main">
+    <mc:Fallback xmlns:a14="http://schemas.microsoft.com/office/drawing/2010/main" xmlns:m="http://schemas.openxmlformats.org/officeDocument/2006/math" xmlns="">
       <p:transition spd="slow">
         <p:fade/>
       </p:transition>
@@ -14746,7 +14679,7 @@
           </a:ln>
           <a:extLst>
             <a:ext uri="{C572A759-6A51-4108-AA02-DFA0A04FC94B}">
-              <ma14:wrappingTextBoxFlag xmlns="" xmlns:m="http://schemas.openxmlformats.org/officeDocument/2006/math" xmlns:a14="http://schemas.microsoft.com/office/drawing/2010/main" xmlns:ma14="http://schemas.microsoft.com/office/mac/drawingml/2011/main" val="1"/>
+              <ma14:wrappingTextBoxFlag xmlns:ma14="http://schemas.microsoft.com/office/mac/drawingml/2011/main" xmlns:a14="http://schemas.microsoft.com/office/drawing/2010/main" xmlns:m="http://schemas.openxmlformats.org/officeDocument/2006/math" xmlns="" val="1"/>
             </a:ext>
           </a:extLst>
         </p:spPr>
@@ -14817,7 +14750,7 @@
           </a:ln>
           <a:extLst>
             <a:ext uri="{C572A759-6A51-4108-AA02-DFA0A04FC94B}">
-              <ma14:wrappingTextBoxFlag xmlns="" xmlns:m="http://schemas.openxmlformats.org/officeDocument/2006/math" xmlns:a14="http://schemas.microsoft.com/office/drawing/2010/main" xmlns:ma14="http://schemas.microsoft.com/office/mac/drawingml/2011/main" val="1"/>
+              <ma14:wrappingTextBoxFlag xmlns:ma14="http://schemas.microsoft.com/office/mac/drawingml/2011/main" xmlns:a14="http://schemas.microsoft.com/office/drawing/2010/main" xmlns:m="http://schemas.openxmlformats.org/officeDocument/2006/math" xmlns="" val="1"/>
             </a:ext>
           </a:extLst>
         </p:spPr>
@@ -14861,7 +14794,7 @@
           </a:ln>
           <a:extLst>
             <a:ext uri="{C572A759-6A51-4108-AA02-DFA0A04FC94B}">
-              <ma14:wrappingTextBoxFlag xmlns="" xmlns:m="http://schemas.openxmlformats.org/officeDocument/2006/math" xmlns:a14="http://schemas.microsoft.com/office/drawing/2010/main" xmlns:ma14="http://schemas.microsoft.com/office/mac/drawingml/2011/main" val="1"/>
+              <ma14:wrappingTextBoxFlag xmlns:ma14="http://schemas.microsoft.com/office/mac/drawingml/2011/main" xmlns:a14="http://schemas.microsoft.com/office/drawing/2010/main" xmlns:m="http://schemas.openxmlformats.org/officeDocument/2006/math" xmlns="" val="1"/>
             </a:ext>
           </a:extLst>
         </p:spPr>
@@ -14978,7 +14911,7 @@
         <p:fade thruBlk="1"/>
       </p:transition>
     </mc:Choice>
-    <mc:Fallback xmlns="" xmlns:m="http://schemas.openxmlformats.org/officeDocument/2006/math" xmlns:a14="http://schemas.microsoft.com/office/drawing/2010/main">
+    <mc:Fallback xmlns:a14="http://schemas.microsoft.com/office/drawing/2010/main" xmlns:m="http://schemas.openxmlformats.org/officeDocument/2006/math" xmlns="">
       <p:transition spd="slow">
         <p:fade/>
       </p:transition>
@@ -15154,7 +15087,7 @@
           </a:ln>
           <a:extLst>
             <a:ext uri="{C572A759-6A51-4108-AA02-DFA0A04FC94B}">
-              <ma14:wrappingTextBoxFlag xmlns="" xmlns:m="http://schemas.openxmlformats.org/officeDocument/2006/math" xmlns:a14="http://schemas.microsoft.com/office/drawing/2010/main" xmlns:ma14="http://schemas.microsoft.com/office/mac/drawingml/2011/main" val="1"/>
+              <ma14:wrappingTextBoxFlag xmlns:ma14="http://schemas.microsoft.com/office/mac/drawingml/2011/main" xmlns:a14="http://schemas.microsoft.com/office/drawing/2010/main" xmlns:m="http://schemas.openxmlformats.org/officeDocument/2006/math" xmlns="" val="1"/>
             </a:ext>
           </a:extLst>
         </p:spPr>
@@ -15201,7 +15134,7 @@
           </a:ln>
           <a:extLst>
             <a:ext uri="{C572A759-6A51-4108-AA02-DFA0A04FC94B}">
-              <ma14:wrappingTextBoxFlag xmlns="" xmlns:m="http://schemas.openxmlformats.org/officeDocument/2006/math" xmlns:a14="http://schemas.microsoft.com/office/drawing/2010/main" xmlns:ma14="http://schemas.microsoft.com/office/mac/drawingml/2011/main" val="1"/>
+              <ma14:wrappingTextBoxFlag xmlns:ma14="http://schemas.microsoft.com/office/mac/drawingml/2011/main" xmlns:a14="http://schemas.microsoft.com/office/drawing/2010/main" xmlns:m="http://schemas.openxmlformats.org/officeDocument/2006/math" xmlns="" val="1"/>
             </a:ext>
           </a:extLst>
         </p:spPr>
@@ -15273,7 +15206,7 @@
           </a:ln>
           <a:extLst>
             <a:ext uri="{C572A759-6A51-4108-AA02-DFA0A04FC94B}">
-              <ma14:wrappingTextBoxFlag xmlns="" xmlns:m="http://schemas.openxmlformats.org/officeDocument/2006/math" xmlns:a14="http://schemas.microsoft.com/office/drawing/2010/main" xmlns:ma14="http://schemas.microsoft.com/office/mac/drawingml/2011/main" val="1"/>
+              <ma14:wrappingTextBoxFlag xmlns:ma14="http://schemas.microsoft.com/office/mac/drawingml/2011/main" xmlns:a14="http://schemas.microsoft.com/office/drawing/2010/main" xmlns:m="http://schemas.openxmlformats.org/officeDocument/2006/math" xmlns="" val="1"/>
             </a:ext>
           </a:extLst>
         </p:spPr>
@@ -15329,7 +15262,7 @@
           </a:ln>
           <a:extLst>
             <a:ext uri="{C572A759-6A51-4108-AA02-DFA0A04FC94B}">
-              <ma14:wrappingTextBoxFlag xmlns="" xmlns:m="http://schemas.openxmlformats.org/officeDocument/2006/math" xmlns:a14="http://schemas.microsoft.com/office/drawing/2010/main" xmlns:ma14="http://schemas.microsoft.com/office/mac/drawingml/2011/main" val="1"/>
+              <ma14:wrappingTextBoxFlag xmlns:ma14="http://schemas.microsoft.com/office/mac/drawingml/2011/main" xmlns:a14="http://schemas.microsoft.com/office/drawing/2010/main" xmlns:m="http://schemas.openxmlformats.org/officeDocument/2006/math" xmlns="" val="1"/>
             </a:ext>
           </a:extLst>
         </p:spPr>
@@ -15404,7 +15337,7 @@
         <p:fade thruBlk="1"/>
       </p:transition>
     </mc:Choice>
-    <mc:Fallback xmlns="" xmlns:m="http://schemas.openxmlformats.org/officeDocument/2006/math" xmlns:a14="http://schemas.microsoft.com/office/drawing/2010/main">
+    <mc:Fallback xmlns:a14="http://schemas.microsoft.com/office/drawing/2010/main" xmlns:m="http://schemas.openxmlformats.org/officeDocument/2006/math" xmlns="">
       <p:transition spd="slow">
         <p:fade/>
       </p:transition>
@@ -15525,7 +15458,7 @@
           </a:ln>
           <a:extLst>
             <a:ext uri="{C572A759-6A51-4108-AA02-DFA0A04FC94B}">
-              <ma14:wrappingTextBoxFlag xmlns="" xmlns:m="http://schemas.openxmlformats.org/officeDocument/2006/math" xmlns:a14="http://schemas.microsoft.com/office/drawing/2010/main" xmlns:ma14="http://schemas.microsoft.com/office/mac/drawingml/2011/main" val="1"/>
+              <ma14:wrappingTextBoxFlag xmlns:ma14="http://schemas.microsoft.com/office/mac/drawingml/2011/main" xmlns:a14="http://schemas.microsoft.com/office/drawing/2010/main" xmlns:m="http://schemas.openxmlformats.org/officeDocument/2006/math" xmlns="" val="1"/>
             </a:ext>
           </a:extLst>
         </p:spPr>
@@ -15596,7 +15529,7 @@
           </a:ln>
           <a:extLst>
             <a:ext uri="{C572A759-6A51-4108-AA02-DFA0A04FC94B}">
-              <ma14:wrappingTextBoxFlag xmlns="" xmlns:m="http://schemas.openxmlformats.org/officeDocument/2006/math" xmlns:a14="http://schemas.microsoft.com/office/drawing/2010/main" xmlns:ma14="http://schemas.microsoft.com/office/mac/drawingml/2011/main" val="1"/>
+              <ma14:wrappingTextBoxFlag xmlns:ma14="http://schemas.microsoft.com/office/mac/drawingml/2011/main" xmlns:a14="http://schemas.microsoft.com/office/drawing/2010/main" xmlns:m="http://schemas.openxmlformats.org/officeDocument/2006/math" xmlns="" val="1"/>
             </a:ext>
           </a:extLst>
         </p:spPr>
@@ -15640,7 +15573,7 @@
           </a:ln>
           <a:extLst>
             <a:ext uri="{C572A759-6A51-4108-AA02-DFA0A04FC94B}">
-              <ma14:wrappingTextBoxFlag xmlns="" xmlns:m="http://schemas.openxmlformats.org/officeDocument/2006/math" xmlns:a14="http://schemas.microsoft.com/office/drawing/2010/main" xmlns:ma14="http://schemas.microsoft.com/office/mac/drawingml/2011/main" val="1"/>
+              <ma14:wrappingTextBoxFlag xmlns:ma14="http://schemas.microsoft.com/office/mac/drawingml/2011/main" xmlns:a14="http://schemas.microsoft.com/office/drawing/2010/main" xmlns:m="http://schemas.openxmlformats.org/officeDocument/2006/math" xmlns="" val="1"/>
             </a:ext>
           </a:extLst>
         </p:spPr>
@@ -15882,7 +15815,7 @@
         <p:fade thruBlk="1"/>
       </p:transition>
     </mc:Choice>
-    <mc:Fallback xmlns="" xmlns:m="http://schemas.openxmlformats.org/officeDocument/2006/math" xmlns:a14="http://schemas.microsoft.com/office/drawing/2010/main">
+    <mc:Fallback xmlns:a14="http://schemas.microsoft.com/office/drawing/2010/main" xmlns:m="http://schemas.openxmlformats.org/officeDocument/2006/math" xmlns="">
       <p:transition spd="slow">
         <p:fade/>
       </p:transition>
@@ -16003,7 +15936,7 @@
           </a:ln>
           <a:extLst>
             <a:ext uri="{C572A759-6A51-4108-AA02-DFA0A04FC94B}">
-              <ma14:wrappingTextBoxFlag xmlns="" xmlns:m="http://schemas.openxmlformats.org/officeDocument/2006/math" xmlns:a14="http://schemas.microsoft.com/office/drawing/2010/main" xmlns:ma14="http://schemas.microsoft.com/office/mac/drawingml/2011/main" val="1"/>
+              <ma14:wrappingTextBoxFlag xmlns:ma14="http://schemas.microsoft.com/office/mac/drawingml/2011/main" xmlns:a14="http://schemas.microsoft.com/office/drawing/2010/main" xmlns:m="http://schemas.openxmlformats.org/officeDocument/2006/math" xmlns="" val="1"/>
             </a:ext>
           </a:extLst>
         </p:spPr>
@@ -16074,7 +16007,7 @@
           </a:ln>
           <a:extLst>
             <a:ext uri="{C572A759-6A51-4108-AA02-DFA0A04FC94B}">
-              <ma14:wrappingTextBoxFlag xmlns="" xmlns:m="http://schemas.openxmlformats.org/officeDocument/2006/math" xmlns:a14="http://schemas.microsoft.com/office/drawing/2010/main" xmlns:ma14="http://schemas.microsoft.com/office/mac/drawingml/2011/main" val="1"/>
+              <ma14:wrappingTextBoxFlag xmlns:ma14="http://schemas.microsoft.com/office/mac/drawingml/2011/main" xmlns:a14="http://schemas.microsoft.com/office/drawing/2010/main" xmlns:m="http://schemas.openxmlformats.org/officeDocument/2006/math" xmlns="" val="1"/>
             </a:ext>
           </a:extLst>
         </p:spPr>
@@ -16118,7 +16051,7 @@
           </a:ln>
           <a:extLst>
             <a:ext uri="{C572A759-6A51-4108-AA02-DFA0A04FC94B}">
-              <ma14:wrappingTextBoxFlag xmlns="" xmlns:m="http://schemas.openxmlformats.org/officeDocument/2006/math" xmlns:a14="http://schemas.microsoft.com/office/drawing/2010/main" xmlns:ma14="http://schemas.microsoft.com/office/mac/drawingml/2011/main" val="1"/>
+              <ma14:wrappingTextBoxFlag xmlns:ma14="http://schemas.microsoft.com/office/mac/drawingml/2011/main" xmlns:a14="http://schemas.microsoft.com/office/drawing/2010/main" xmlns:m="http://schemas.openxmlformats.org/officeDocument/2006/math" xmlns="" val="1"/>
             </a:ext>
           </a:extLst>
         </p:spPr>
@@ -16253,7 +16186,7 @@
         <p:fade thruBlk="1"/>
       </p:transition>
     </mc:Choice>
-    <mc:Fallback xmlns="" xmlns:m="http://schemas.openxmlformats.org/officeDocument/2006/math" xmlns:a14="http://schemas.microsoft.com/office/drawing/2010/main">
+    <mc:Fallback xmlns:a14="http://schemas.microsoft.com/office/drawing/2010/main" xmlns:m="http://schemas.openxmlformats.org/officeDocument/2006/math" xmlns="">
       <p:transition spd="slow">
         <p:fade/>
       </p:transition>
@@ -16374,7 +16307,7 @@
           </a:ln>
           <a:extLst>
             <a:ext uri="{C572A759-6A51-4108-AA02-DFA0A04FC94B}">
-              <ma14:wrappingTextBoxFlag xmlns="" xmlns:m="http://schemas.openxmlformats.org/officeDocument/2006/math" xmlns:a14="http://schemas.microsoft.com/office/drawing/2010/main" xmlns:ma14="http://schemas.microsoft.com/office/mac/drawingml/2011/main" val="1"/>
+              <ma14:wrappingTextBoxFlag xmlns:ma14="http://schemas.microsoft.com/office/mac/drawingml/2011/main" xmlns:a14="http://schemas.microsoft.com/office/drawing/2010/main" xmlns:m="http://schemas.openxmlformats.org/officeDocument/2006/math" xmlns="" val="1"/>
             </a:ext>
           </a:extLst>
         </p:spPr>
@@ -16445,7 +16378,7 @@
           </a:ln>
           <a:extLst>
             <a:ext uri="{C572A759-6A51-4108-AA02-DFA0A04FC94B}">
-              <ma14:wrappingTextBoxFlag xmlns="" xmlns:m="http://schemas.openxmlformats.org/officeDocument/2006/math" xmlns:a14="http://schemas.microsoft.com/office/drawing/2010/main" xmlns:ma14="http://schemas.microsoft.com/office/mac/drawingml/2011/main" val="1"/>
+              <ma14:wrappingTextBoxFlag xmlns:ma14="http://schemas.microsoft.com/office/mac/drawingml/2011/main" xmlns:a14="http://schemas.microsoft.com/office/drawing/2010/main" xmlns:m="http://schemas.openxmlformats.org/officeDocument/2006/math" xmlns="" val="1"/>
             </a:ext>
           </a:extLst>
         </p:spPr>
@@ -16489,7 +16422,7 @@
           </a:ln>
           <a:extLst>
             <a:ext uri="{C572A759-6A51-4108-AA02-DFA0A04FC94B}">
-              <ma14:wrappingTextBoxFlag xmlns="" xmlns:m="http://schemas.openxmlformats.org/officeDocument/2006/math" xmlns:a14="http://schemas.microsoft.com/office/drawing/2010/main" xmlns:ma14="http://schemas.microsoft.com/office/mac/drawingml/2011/main" val="1"/>
+              <ma14:wrappingTextBoxFlag xmlns:ma14="http://schemas.microsoft.com/office/mac/drawingml/2011/main" xmlns:a14="http://schemas.microsoft.com/office/drawing/2010/main" xmlns:m="http://schemas.openxmlformats.org/officeDocument/2006/math" xmlns="" val="1"/>
             </a:ext>
           </a:extLst>
         </p:spPr>
@@ -16607,7 +16540,7 @@
           </a:ln>
           <a:extLst>
             <a:ext uri="{C572A759-6A51-4108-AA02-DFA0A04FC94B}">
-              <ma14:wrappingTextBoxFlag xmlns="" xmlns:m="http://schemas.openxmlformats.org/officeDocument/2006/math" xmlns:a14="http://schemas.microsoft.com/office/drawing/2010/main" xmlns:ma14="http://schemas.microsoft.com/office/mac/drawingml/2011/main" val="1"/>
+              <ma14:wrappingTextBoxFlag xmlns:ma14="http://schemas.microsoft.com/office/mac/drawingml/2011/main" xmlns:a14="http://schemas.microsoft.com/office/drawing/2010/main" xmlns:m="http://schemas.openxmlformats.org/officeDocument/2006/math" xmlns="" val="1"/>
             </a:ext>
           </a:extLst>
         </p:spPr>
@@ -16643,7 +16576,7 @@
         <p:fade thruBlk="1"/>
       </p:transition>
     </mc:Choice>
-    <mc:Fallback xmlns="" xmlns:m="http://schemas.openxmlformats.org/officeDocument/2006/math" xmlns:a14="http://schemas.microsoft.com/office/drawing/2010/main">
+    <mc:Fallback xmlns:a14="http://schemas.microsoft.com/office/drawing/2010/main" xmlns:m="http://schemas.openxmlformats.org/officeDocument/2006/math" xmlns="">
       <p:transition spd="slow">
         <p:fade/>
       </p:transition>
@@ -16764,7 +16697,7 @@
           </a:ln>
           <a:extLst>
             <a:ext uri="{C572A759-6A51-4108-AA02-DFA0A04FC94B}">
-              <ma14:wrappingTextBoxFlag xmlns="" xmlns:m="http://schemas.openxmlformats.org/officeDocument/2006/math" xmlns:a14="http://schemas.microsoft.com/office/drawing/2010/main" xmlns:ma14="http://schemas.microsoft.com/office/mac/drawingml/2011/main" val="1"/>
+              <ma14:wrappingTextBoxFlag xmlns:ma14="http://schemas.microsoft.com/office/mac/drawingml/2011/main" xmlns:a14="http://schemas.microsoft.com/office/drawing/2010/main" xmlns:m="http://schemas.openxmlformats.org/officeDocument/2006/math" xmlns="" val="1"/>
             </a:ext>
           </a:extLst>
         </p:spPr>
@@ -16835,7 +16768,7 @@
           </a:ln>
           <a:extLst>
             <a:ext uri="{C572A759-6A51-4108-AA02-DFA0A04FC94B}">
-              <ma14:wrappingTextBoxFlag xmlns="" xmlns:m="http://schemas.openxmlformats.org/officeDocument/2006/math" xmlns:a14="http://schemas.microsoft.com/office/drawing/2010/main" xmlns:ma14="http://schemas.microsoft.com/office/mac/drawingml/2011/main" val="1"/>
+              <ma14:wrappingTextBoxFlag xmlns:ma14="http://schemas.microsoft.com/office/mac/drawingml/2011/main" xmlns:a14="http://schemas.microsoft.com/office/drawing/2010/main" xmlns:m="http://schemas.openxmlformats.org/officeDocument/2006/math" xmlns="" val="1"/>
             </a:ext>
           </a:extLst>
         </p:spPr>
@@ -16879,7 +16812,7 @@
           </a:ln>
           <a:extLst>
             <a:ext uri="{C572A759-6A51-4108-AA02-DFA0A04FC94B}">
-              <ma14:wrappingTextBoxFlag xmlns="" xmlns:m="http://schemas.openxmlformats.org/officeDocument/2006/math" xmlns:a14="http://schemas.microsoft.com/office/drawing/2010/main" xmlns:ma14="http://schemas.microsoft.com/office/mac/drawingml/2011/main" val="1"/>
+              <ma14:wrappingTextBoxFlag xmlns:ma14="http://schemas.microsoft.com/office/mac/drawingml/2011/main" xmlns:a14="http://schemas.microsoft.com/office/drawing/2010/main" xmlns:m="http://schemas.openxmlformats.org/officeDocument/2006/math" xmlns="" val="1"/>
             </a:ext>
           </a:extLst>
         </p:spPr>
@@ -17047,7 +16980,7 @@
           </a:ln>
           <a:extLst>
             <a:ext uri="{C572A759-6A51-4108-AA02-DFA0A04FC94B}">
-              <ma14:wrappingTextBoxFlag xmlns="" xmlns:m="http://schemas.openxmlformats.org/officeDocument/2006/math" xmlns:a14="http://schemas.microsoft.com/office/drawing/2010/main" xmlns:ma14="http://schemas.microsoft.com/office/mac/drawingml/2011/main" val="1"/>
+              <ma14:wrappingTextBoxFlag xmlns:ma14="http://schemas.microsoft.com/office/mac/drawingml/2011/main" xmlns:a14="http://schemas.microsoft.com/office/drawing/2010/main" xmlns:m="http://schemas.openxmlformats.org/officeDocument/2006/math" xmlns="" val="1"/>
             </a:ext>
           </a:extLst>
         </p:spPr>
@@ -17185,7 +17118,7 @@
           </a:ln>
           <a:extLst>
             <a:ext uri="{C572A759-6A51-4108-AA02-DFA0A04FC94B}">
-              <ma14:wrappingTextBoxFlag xmlns="" xmlns:m="http://schemas.openxmlformats.org/officeDocument/2006/math" xmlns:a14="http://schemas.microsoft.com/office/drawing/2010/main" xmlns:ma14="http://schemas.microsoft.com/office/mac/drawingml/2011/main" val="1"/>
+              <ma14:wrappingTextBoxFlag xmlns:ma14="http://schemas.microsoft.com/office/mac/drawingml/2011/main" xmlns:a14="http://schemas.microsoft.com/office/drawing/2010/main" xmlns:m="http://schemas.openxmlformats.org/officeDocument/2006/math" xmlns="" val="1"/>
             </a:ext>
           </a:extLst>
         </p:spPr>
@@ -17248,7 +17181,7 @@
         <p:fade thruBlk="1"/>
       </p:transition>
     </mc:Choice>
-    <mc:Fallback xmlns="" xmlns:m="http://schemas.openxmlformats.org/officeDocument/2006/math" xmlns:a14="http://schemas.microsoft.com/office/drawing/2010/main">
+    <mc:Fallback xmlns:a14="http://schemas.microsoft.com/office/drawing/2010/main" xmlns:m="http://schemas.openxmlformats.org/officeDocument/2006/math" xmlns="">
       <p:transition spd="slow">
         <p:fade/>
       </p:transition>
@@ -17369,7 +17302,7 @@
           </a:ln>
           <a:extLst>
             <a:ext uri="{C572A759-6A51-4108-AA02-DFA0A04FC94B}">
-              <ma14:wrappingTextBoxFlag xmlns="" xmlns:m="http://schemas.openxmlformats.org/officeDocument/2006/math" xmlns:a14="http://schemas.microsoft.com/office/drawing/2010/main" xmlns:ma14="http://schemas.microsoft.com/office/mac/drawingml/2011/main" val="1"/>
+              <ma14:wrappingTextBoxFlag xmlns:ma14="http://schemas.microsoft.com/office/mac/drawingml/2011/main" xmlns:a14="http://schemas.microsoft.com/office/drawing/2010/main" xmlns:m="http://schemas.openxmlformats.org/officeDocument/2006/math" xmlns="" val="1"/>
             </a:ext>
           </a:extLst>
         </p:spPr>
@@ -17440,7 +17373,7 @@
           </a:ln>
           <a:extLst>
             <a:ext uri="{C572A759-6A51-4108-AA02-DFA0A04FC94B}">
-              <ma14:wrappingTextBoxFlag xmlns="" xmlns:m="http://schemas.openxmlformats.org/officeDocument/2006/math" xmlns:a14="http://schemas.microsoft.com/office/drawing/2010/main" xmlns:ma14="http://schemas.microsoft.com/office/mac/drawingml/2011/main" val="1"/>
+              <ma14:wrappingTextBoxFlag xmlns:ma14="http://schemas.microsoft.com/office/mac/drawingml/2011/main" xmlns:a14="http://schemas.microsoft.com/office/drawing/2010/main" xmlns:m="http://schemas.openxmlformats.org/officeDocument/2006/math" xmlns="" val="1"/>
             </a:ext>
           </a:extLst>
         </p:spPr>
@@ -17484,7 +17417,7 @@
           </a:ln>
           <a:extLst>
             <a:ext uri="{C572A759-6A51-4108-AA02-DFA0A04FC94B}">
-              <ma14:wrappingTextBoxFlag xmlns="" xmlns:m="http://schemas.openxmlformats.org/officeDocument/2006/math" xmlns:a14="http://schemas.microsoft.com/office/drawing/2010/main" xmlns:ma14="http://schemas.microsoft.com/office/mac/drawingml/2011/main" val="1"/>
+              <ma14:wrappingTextBoxFlag xmlns:ma14="http://schemas.microsoft.com/office/mac/drawingml/2011/main" xmlns:a14="http://schemas.microsoft.com/office/drawing/2010/main" xmlns:m="http://schemas.openxmlformats.org/officeDocument/2006/math" xmlns="" val="1"/>
             </a:ext>
           </a:extLst>
         </p:spPr>
@@ -17597,7 +17530,7 @@
         <p:fade thruBlk="1"/>
       </p:transition>
     </mc:Choice>
-    <mc:Fallback xmlns="" xmlns:m="http://schemas.openxmlformats.org/officeDocument/2006/math" xmlns:a14="http://schemas.microsoft.com/office/drawing/2010/main">
+    <mc:Fallback xmlns:a14="http://schemas.microsoft.com/office/drawing/2010/main" xmlns:m="http://schemas.openxmlformats.org/officeDocument/2006/math" xmlns="">
       <p:transition spd="slow">
         <p:fade/>
       </p:transition>
@@ -17718,7 +17651,7 @@
           </a:ln>
           <a:extLst>
             <a:ext uri="{C572A759-6A51-4108-AA02-DFA0A04FC94B}">
-              <ma14:wrappingTextBoxFlag xmlns="" xmlns:m="http://schemas.openxmlformats.org/officeDocument/2006/math" xmlns:a14="http://schemas.microsoft.com/office/drawing/2010/main" xmlns:ma14="http://schemas.microsoft.com/office/mac/drawingml/2011/main" val="1"/>
+              <ma14:wrappingTextBoxFlag xmlns:ma14="http://schemas.microsoft.com/office/mac/drawingml/2011/main" xmlns:a14="http://schemas.microsoft.com/office/drawing/2010/main" xmlns:m="http://schemas.openxmlformats.org/officeDocument/2006/math" xmlns="" val="1"/>
             </a:ext>
           </a:extLst>
         </p:spPr>
@@ -17789,7 +17722,7 @@
           </a:ln>
           <a:extLst>
             <a:ext uri="{C572A759-6A51-4108-AA02-DFA0A04FC94B}">
-              <ma14:wrappingTextBoxFlag xmlns="" xmlns:m="http://schemas.openxmlformats.org/officeDocument/2006/math" xmlns:a14="http://schemas.microsoft.com/office/drawing/2010/main" xmlns:ma14="http://schemas.microsoft.com/office/mac/drawingml/2011/main" val="1"/>
+              <ma14:wrappingTextBoxFlag xmlns:ma14="http://schemas.microsoft.com/office/mac/drawingml/2011/main" xmlns:a14="http://schemas.microsoft.com/office/drawing/2010/main" xmlns:m="http://schemas.openxmlformats.org/officeDocument/2006/math" xmlns="" val="1"/>
             </a:ext>
           </a:extLst>
         </p:spPr>
@@ -17833,7 +17766,7 @@
           </a:ln>
           <a:extLst>
             <a:ext uri="{C572A759-6A51-4108-AA02-DFA0A04FC94B}">
-              <ma14:wrappingTextBoxFlag xmlns="" xmlns:m="http://schemas.openxmlformats.org/officeDocument/2006/math" xmlns:a14="http://schemas.microsoft.com/office/drawing/2010/main" xmlns:ma14="http://schemas.microsoft.com/office/mac/drawingml/2011/main" val="1"/>
+              <ma14:wrappingTextBoxFlag xmlns:ma14="http://schemas.microsoft.com/office/mac/drawingml/2011/main" xmlns:a14="http://schemas.microsoft.com/office/drawing/2010/main" xmlns:m="http://schemas.openxmlformats.org/officeDocument/2006/math" xmlns="" val="1"/>
             </a:ext>
           </a:extLst>
         </p:spPr>
@@ -18069,7 +18002,7 @@
         <p:fade thruBlk="1"/>
       </p:transition>
     </mc:Choice>
-    <mc:Fallback xmlns="" xmlns:m="http://schemas.openxmlformats.org/officeDocument/2006/math" xmlns:a14="http://schemas.microsoft.com/office/drawing/2010/main">
+    <mc:Fallback xmlns:a14="http://schemas.microsoft.com/office/drawing/2010/main" xmlns:m="http://schemas.openxmlformats.org/officeDocument/2006/math" xmlns="">
       <p:transition spd="slow">
         <p:fade/>
       </p:transition>
@@ -18190,7 +18123,7 @@
           </a:ln>
           <a:extLst>
             <a:ext uri="{C572A759-6A51-4108-AA02-DFA0A04FC94B}">
-              <ma14:wrappingTextBoxFlag xmlns="" xmlns:m="http://schemas.openxmlformats.org/officeDocument/2006/math" xmlns:a14="http://schemas.microsoft.com/office/drawing/2010/main" xmlns:ma14="http://schemas.microsoft.com/office/mac/drawingml/2011/main" val="1"/>
+              <ma14:wrappingTextBoxFlag xmlns:ma14="http://schemas.microsoft.com/office/mac/drawingml/2011/main" xmlns:a14="http://schemas.microsoft.com/office/drawing/2010/main" xmlns:m="http://schemas.openxmlformats.org/officeDocument/2006/math" xmlns="" val="1"/>
             </a:ext>
           </a:extLst>
         </p:spPr>
@@ -18261,7 +18194,7 @@
           </a:ln>
           <a:extLst>
             <a:ext uri="{C572A759-6A51-4108-AA02-DFA0A04FC94B}">
-              <ma14:wrappingTextBoxFlag xmlns="" xmlns:m="http://schemas.openxmlformats.org/officeDocument/2006/math" xmlns:a14="http://schemas.microsoft.com/office/drawing/2010/main" xmlns:ma14="http://schemas.microsoft.com/office/mac/drawingml/2011/main" val="1"/>
+              <ma14:wrappingTextBoxFlag xmlns:ma14="http://schemas.microsoft.com/office/mac/drawingml/2011/main" xmlns:a14="http://schemas.microsoft.com/office/drawing/2010/main" xmlns:m="http://schemas.openxmlformats.org/officeDocument/2006/math" xmlns="" val="1"/>
             </a:ext>
           </a:extLst>
         </p:spPr>
@@ -18305,7 +18238,7 @@
           </a:ln>
           <a:extLst>
             <a:ext uri="{C572A759-6A51-4108-AA02-DFA0A04FC94B}">
-              <ma14:wrappingTextBoxFlag xmlns="" xmlns:m="http://schemas.openxmlformats.org/officeDocument/2006/math" xmlns:a14="http://schemas.microsoft.com/office/drawing/2010/main" xmlns:ma14="http://schemas.microsoft.com/office/mac/drawingml/2011/main" val="1"/>
+              <ma14:wrappingTextBoxFlag xmlns:ma14="http://schemas.microsoft.com/office/mac/drawingml/2011/main" xmlns:a14="http://schemas.microsoft.com/office/drawing/2010/main" xmlns:m="http://schemas.openxmlformats.org/officeDocument/2006/math" xmlns="" val="1"/>
             </a:ext>
           </a:extLst>
         </p:spPr>
@@ -18495,7 +18428,7 @@
         <p:fade thruBlk="1"/>
       </p:transition>
     </mc:Choice>
-    <mc:Fallback xmlns="" xmlns:m="http://schemas.openxmlformats.org/officeDocument/2006/math" xmlns:a14="http://schemas.microsoft.com/office/drawing/2010/main">
+    <mc:Fallback xmlns:a14="http://schemas.microsoft.com/office/drawing/2010/main" xmlns:m="http://schemas.openxmlformats.org/officeDocument/2006/math" xmlns="">
       <p:transition spd="slow">
         <p:fade/>
       </p:transition>
@@ -18616,7 +18549,7 @@
           </a:ln>
           <a:extLst>
             <a:ext uri="{C572A759-6A51-4108-AA02-DFA0A04FC94B}">
-              <ma14:wrappingTextBoxFlag xmlns="" xmlns:m="http://schemas.openxmlformats.org/officeDocument/2006/math" xmlns:a14="http://schemas.microsoft.com/office/drawing/2010/main" xmlns:ma14="http://schemas.microsoft.com/office/mac/drawingml/2011/main" val="1"/>
+              <ma14:wrappingTextBoxFlag xmlns:ma14="http://schemas.microsoft.com/office/mac/drawingml/2011/main" xmlns:a14="http://schemas.microsoft.com/office/drawing/2010/main" xmlns:m="http://schemas.openxmlformats.org/officeDocument/2006/math" xmlns="" val="1"/>
             </a:ext>
           </a:extLst>
         </p:spPr>
@@ -18687,7 +18620,7 @@
           </a:ln>
           <a:extLst>
             <a:ext uri="{C572A759-6A51-4108-AA02-DFA0A04FC94B}">
-              <ma14:wrappingTextBoxFlag xmlns="" xmlns:m="http://schemas.openxmlformats.org/officeDocument/2006/math" xmlns:a14="http://schemas.microsoft.com/office/drawing/2010/main" xmlns:ma14="http://schemas.microsoft.com/office/mac/drawingml/2011/main" val="1"/>
+              <ma14:wrappingTextBoxFlag xmlns:ma14="http://schemas.microsoft.com/office/mac/drawingml/2011/main" xmlns:a14="http://schemas.microsoft.com/office/drawing/2010/main" xmlns:m="http://schemas.openxmlformats.org/officeDocument/2006/math" xmlns="" val="1"/>
             </a:ext>
           </a:extLst>
         </p:spPr>
@@ -18731,7 +18664,7 @@
           </a:ln>
           <a:extLst>
             <a:ext uri="{C572A759-6A51-4108-AA02-DFA0A04FC94B}">
-              <ma14:wrappingTextBoxFlag xmlns="" xmlns:m="http://schemas.openxmlformats.org/officeDocument/2006/math" xmlns:a14="http://schemas.microsoft.com/office/drawing/2010/main" xmlns:ma14="http://schemas.microsoft.com/office/mac/drawingml/2011/main" val="1"/>
+              <ma14:wrappingTextBoxFlag xmlns:ma14="http://schemas.microsoft.com/office/mac/drawingml/2011/main" xmlns:a14="http://schemas.microsoft.com/office/drawing/2010/main" xmlns:m="http://schemas.openxmlformats.org/officeDocument/2006/math" xmlns="" val="1"/>
             </a:ext>
           </a:extLst>
         </p:spPr>
@@ -18802,7 +18735,7 @@
           </a:ln>
           <a:extLst>
             <a:ext uri="{C572A759-6A51-4108-AA02-DFA0A04FC94B}">
-              <ma14:wrappingTextBoxFlag xmlns="" xmlns:m="http://schemas.openxmlformats.org/officeDocument/2006/math" xmlns:a14="http://schemas.microsoft.com/office/drawing/2010/main" xmlns:ma14="http://schemas.microsoft.com/office/mac/drawingml/2011/main" val="1"/>
+              <ma14:wrappingTextBoxFlag xmlns:ma14="http://schemas.microsoft.com/office/mac/drawingml/2011/main" xmlns:a14="http://schemas.microsoft.com/office/drawing/2010/main" xmlns:m="http://schemas.openxmlformats.org/officeDocument/2006/math" xmlns="" val="1"/>
             </a:ext>
           </a:extLst>
         </p:spPr>
@@ -18865,7 +18798,7 @@
         <p:fade thruBlk="1"/>
       </p:transition>
     </mc:Choice>
-    <mc:Fallback xmlns="" xmlns:m="http://schemas.openxmlformats.org/officeDocument/2006/math" xmlns:a14="http://schemas.microsoft.com/office/drawing/2010/main">
+    <mc:Fallback xmlns:a14="http://schemas.microsoft.com/office/drawing/2010/main" xmlns:m="http://schemas.openxmlformats.org/officeDocument/2006/math" xmlns="">
       <p:transition spd="slow">
         <p:fade/>
       </p:transition>
@@ -18986,7 +18919,7 @@
           </a:ln>
           <a:extLst>
             <a:ext uri="{C572A759-6A51-4108-AA02-DFA0A04FC94B}">
-              <ma14:wrappingTextBoxFlag xmlns="" xmlns:m="http://schemas.openxmlformats.org/officeDocument/2006/math" xmlns:a14="http://schemas.microsoft.com/office/drawing/2010/main" xmlns:ma14="http://schemas.microsoft.com/office/mac/drawingml/2011/main" val="1"/>
+              <ma14:wrappingTextBoxFlag xmlns:ma14="http://schemas.microsoft.com/office/mac/drawingml/2011/main" xmlns:a14="http://schemas.microsoft.com/office/drawing/2010/main" xmlns:m="http://schemas.openxmlformats.org/officeDocument/2006/math" xmlns="" val="1"/>
             </a:ext>
           </a:extLst>
         </p:spPr>
@@ -19057,7 +18990,7 @@
           </a:ln>
           <a:extLst>
             <a:ext uri="{C572A759-6A51-4108-AA02-DFA0A04FC94B}">
-              <ma14:wrappingTextBoxFlag xmlns="" xmlns:m="http://schemas.openxmlformats.org/officeDocument/2006/math" xmlns:a14="http://schemas.microsoft.com/office/drawing/2010/main" xmlns:ma14="http://schemas.microsoft.com/office/mac/drawingml/2011/main" val="1"/>
+              <ma14:wrappingTextBoxFlag xmlns:ma14="http://schemas.microsoft.com/office/mac/drawingml/2011/main" xmlns:a14="http://schemas.microsoft.com/office/drawing/2010/main" xmlns:m="http://schemas.openxmlformats.org/officeDocument/2006/math" xmlns="" val="1"/>
             </a:ext>
           </a:extLst>
         </p:spPr>
@@ -19101,7 +19034,7 @@
           </a:ln>
           <a:extLst>
             <a:ext uri="{C572A759-6A51-4108-AA02-DFA0A04FC94B}">
-              <ma14:wrappingTextBoxFlag xmlns="" xmlns:m="http://schemas.openxmlformats.org/officeDocument/2006/math" xmlns:a14="http://schemas.microsoft.com/office/drawing/2010/main" xmlns:ma14="http://schemas.microsoft.com/office/mac/drawingml/2011/main" val="1"/>
+              <ma14:wrappingTextBoxFlag xmlns:ma14="http://schemas.microsoft.com/office/mac/drawingml/2011/main" xmlns:a14="http://schemas.microsoft.com/office/drawing/2010/main" xmlns:m="http://schemas.openxmlformats.org/officeDocument/2006/math" xmlns="" val="1"/>
             </a:ext>
           </a:extLst>
         </p:spPr>
@@ -19274,7 +19207,7 @@
         <p:fade thruBlk="1"/>
       </p:transition>
     </mc:Choice>
-    <mc:Fallback xmlns="" xmlns:m="http://schemas.openxmlformats.org/officeDocument/2006/math" xmlns:a14="http://schemas.microsoft.com/office/drawing/2010/main">
+    <mc:Fallback xmlns:a14="http://schemas.microsoft.com/office/drawing/2010/main" xmlns:m="http://schemas.openxmlformats.org/officeDocument/2006/math" xmlns="">
       <p:transition spd="slow">
         <p:fade/>
       </p:transition>
@@ -19395,7 +19328,7 @@
           </a:ln>
           <a:extLst>
             <a:ext uri="{C572A759-6A51-4108-AA02-DFA0A04FC94B}">
-              <ma14:wrappingTextBoxFlag xmlns="" xmlns:m="http://schemas.openxmlformats.org/officeDocument/2006/math" xmlns:a14="http://schemas.microsoft.com/office/drawing/2010/main" xmlns:ma14="http://schemas.microsoft.com/office/mac/drawingml/2011/main" val="1"/>
+              <ma14:wrappingTextBoxFlag xmlns:ma14="http://schemas.microsoft.com/office/mac/drawingml/2011/main" xmlns:a14="http://schemas.microsoft.com/office/drawing/2010/main" xmlns:m="http://schemas.openxmlformats.org/officeDocument/2006/math" xmlns="" val="1"/>
             </a:ext>
           </a:extLst>
         </p:spPr>
@@ -19466,7 +19399,7 @@
           </a:ln>
           <a:extLst>
             <a:ext uri="{C572A759-6A51-4108-AA02-DFA0A04FC94B}">
-              <ma14:wrappingTextBoxFlag xmlns="" xmlns:m="http://schemas.openxmlformats.org/officeDocument/2006/math" xmlns:a14="http://schemas.microsoft.com/office/drawing/2010/main" xmlns:ma14="http://schemas.microsoft.com/office/mac/drawingml/2011/main" val="1"/>
+              <ma14:wrappingTextBoxFlag xmlns:ma14="http://schemas.microsoft.com/office/mac/drawingml/2011/main" xmlns:a14="http://schemas.microsoft.com/office/drawing/2010/main" xmlns:m="http://schemas.openxmlformats.org/officeDocument/2006/math" xmlns="" val="1"/>
             </a:ext>
           </a:extLst>
         </p:spPr>
@@ -19510,7 +19443,7 @@
           </a:ln>
           <a:extLst>
             <a:ext uri="{C572A759-6A51-4108-AA02-DFA0A04FC94B}">
-              <ma14:wrappingTextBoxFlag xmlns="" xmlns:m="http://schemas.openxmlformats.org/officeDocument/2006/math" xmlns:a14="http://schemas.microsoft.com/office/drawing/2010/main" xmlns:ma14="http://schemas.microsoft.com/office/mac/drawingml/2011/main" val="1"/>
+              <ma14:wrappingTextBoxFlag xmlns:ma14="http://schemas.microsoft.com/office/mac/drawingml/2011/main" xmlns:a14="http://schemas.microsoft.com/office/drawing/2010/main" xmlns:m="http://schemas.openxmlformats.org/officeDocument/2006/math" xmlns="" val="1"/>
             </a:ext>
           </a:extLst>
         </p:spPr>
@@ -19866,7 +19799,7 @@
         <p:fade thruBlk="1"/>
       </p:transition>
     </mc:Choice>
-    <mc:Fallback xmlns="" xmlns:m="http://schemas.openxmlformats.org/officeDocument/2006/math" xmlns:a14="http://schemas.microsoft.com/office/drawing/2010/main">
+    <mc:Fallback xmlns:a14="http://schemas.microsoft.com/office/drawing/2010/main" xmlns:m="http://schemas.openxmlformats.org/officeDocument/2006/math" xmlns="">
       <p:transition spd="slow">
         <p:fade/>
       </p:transition>
@@ -19987,7 +19920,7 @@
           </a:ln>
           <a:extLst>
             <a:ext uri="{C572A759-6A51-4108-AA02-DFA0A04FC94B}">
-              <ma14:wrappingTextBoxFlag xmlns="" xmlns:m="http://schemas.openxmlformats.org/officeDocument/2006/math" xmlns:a14="http://schemas.microsoft.com/office/drawing/2010/main" xmlns:ma14="http://schemas.microsoft.com/office/mac/drawingml/2011/main" val="1"/>
+              <ma14:wrappingTextBoxFlag xmlns:ma14="http://schemas.microsoft.com/office/mac/drawingml/2011/main" xmlns:a14="http://schemas.microsoft.com/office/drawing/2010/main" xmlns:m="http://schemas.openxmlformats.org/officeDocument/2006/math" xmlns="" val="1"/>
             </a:ext>
           </a:extLst>
         </p:spPr>
@@ -20058,7 +19991,7 @@
           </a:ln>
           <a:extLst>
             <a:ext uri="{C572A759-6A51-4108-AA02-DFA0A04FC94B}">
-              <ma14:wrappingTextBoxFlag xmlns="" xmlns:m="http://schemas.openxmlformats.org/officeDocument/2006/math" xmlns:a14="http://schemas.microsoft.com/office/drawing/2010/main" xmlns:ma14="http://schemas.microsoft.com/office/mac/drawingml/2011/main" val="1"/>
+              <ma14:wrappingTextBoxFlag xmlns:ma14="http://schemas.microsoft.com/office/mac/drawingml/2011/main" xmlns:a14="http://schemas.microsoft.com/office/drawing/2010/main" xmlns:m="http://schemas.openxmlformats.org/officeDocument/2006/math" xmlns="" val="1"/>
             </a:ext>
           </a:extLst>
         </p:spPr>
@@ -20102,7 +20035,7 @@
           </a:ln>
           <a:extLst>
             <a:ext uri="{C572A759-6A51-4108-AA02-DFA0A04FC94B}">
-              <ma14:wrappingTextBoxFlag xmlns="" xmlns:m="http://schemas.openxmlformats.org/officeDocument/2006/math" xmlns:a14="http://schemas.microsoft.com/office/drawing/2010/main" xmlns:ma14="http://schemas.microsoft.com/office/mac/drawingml/2011/main" val="1"/>
+              <ma14:wrappingTextBoxFlag xmlns:ma14="http://schemas.microsoft.com/office/mac/drawingml/2011/main" xmlns:a14="http://schemas.microsoft.com/office/drawing/2010/main" xmlns:m="http://schemas.openxmlformats.org/officeDocument/2006/math" xmlns="" val="1"/>
             </a:ext>
           </a:extLst>
         </p:spPr>
@@ -20368,7 +20301,7 @@
         <p:fade thruBlk="1"/>
       </p:transition>
     </mc:Choice>
-    <mc:Fallback xmlns="" xmlns:m="http://schemas.openxmlformats.org/officeDocument/2006/math" xmlns:a14="http://schemas.microsoft.com/office/drawing/2010/main">
+    <mc:Fallback xmlns:a14="http://schemas.microsoft.com/office/drawing/2010/main" xmlns:m="http://schemas.openxmlformats.org/officeDocument/2006/math" xmlns="">
       <p:transition spd="slow">
         <p:fade/>
       </p:transition>
@@ -20489,7 +20422,7 @@
           </a:ln>
           <a:extLst>
             <a:ext uri="{C572A759-6A51-4108-AA02-DFA0A04FC94B}">
-              <ma14:wrappingTextBoxFlag xmlns="" xmlns:m="http://schemas.openxmlformats.org/officeDocument/2006/math" xmlns:a14="http://schemas.microsoft.com/office/drawing/2010/main" xmlns:ma14="http://schemas.microsoft.com/office/mac/drawingml/2011/main" val="1"/>
+              <ma14:wrappingTextBoxFlag xmlns:ma14="http://schemas.microsoft.com/office/mac/drawingml/2011/main" xmlns:a14="http://schemas.microsoft.com/office/drawing/2010/main" xmlns:m="http://schemas.openxmlformats.org/officeDocument/2006/math" xmlns="" val="1"/>
             </a:ext>
           </a:extLst>
         </p:spPr>
@@ -20560,7 +20493,7 @@
           </a:ln>
           <a:extLst>
             <a:ext uri="{C572A759-6A51-4108-AA02-DFA0A04FC94B}">
-              <ma14:wrappingTextBoxFlag xmlns="" xmlns:m="http://schemas.openxmlformats.org/officeDocument/2006/math" xmlns:a14="http://schemas.microsoft.com/office/drawing/2010/main" xmlns:ma14="http://schemas.microsoft.com/office/mac/drawingml/2011/main" val="1"/>
+              <ma14:wrappingTextBoxFlag xmlns:ma14="http://schemas.microsoft.com/office/mac/drawingml/2011/main" xmlns:a14="http://schemas.microsoft.com/office/drawing/2010/main" xmlns:m="http://schemas.openxmlformats.org/officeDocument/2006/math" xmlns="" val="1"/>
             </a:ext>
           </a:extLst>
         </p:spPr>
@@ -20604,7 +20537,7 @@
           </a:ln>
           <a:extLst>
             <a:ext uri="{C572A759-6A51-4108-AA02-DFA0A04FC94B}">
-              <ma14:wrappingTextBoxFlag xmlns="" xmlns:m="http://schemas.openxmlformats.org/officeDocument/2006/math" xmlns:a14="http://schemas.microsoft.com/office/drawing/2010/main" xmlns:ma14="http://schemas.microsoft.com/office/mac/drawingml/2011/main" val="1"/>
+              <ma14:wrappingTextBoxFlag xmlns:ma14="http://schemas.microsoft.com/office/mac/drawingml/2011/main" xmlns:a14="http://schemas.microsoft.com/office/drawing/2010/main" xmlns:m="http://schemas.openxmlformats.org/officeDocument/2006/math" xmlns="" val="1"/>
             </a:ext>
           </a:extLst>
         </p:spPr>
@@ -20648,7 +20581,7 @@
           </a:ln>
           <a:extLst>
             <a:ext uri="{C572A759-6A51-4108-AA02-DFA0A04FC94B}">
-              <ma14:wrappingTextBoxFlag xmlns="" xmlns:m="http://schemas.openxmlformats.org/officeDocument/2006/math" xmlns:a14="http://schemas.microsoft.com/office/drawing/2010/main" xmlns:ma14="http://schemas.microsoft.com/office/mac/drawingml/2011/main" val="1"/>
+              <ma14:wrappingTextBoxFlag xmlns:ma14="http://schemas.microsoft.com/office/mac/drawingml/2011/main" xmlns:a14="http://schemas.microsoft.com/office/drawing/2010/main" xmlns:m="http://schemas.openxmlformats.org/officeDocument/2006/math" xmlns="" val="1"/>
             </a:ext>
           </a:extLst>
         </p:spPr>
@@ -20692,7 +20625,7 @@
           </a:ln>
           <a:extLst>
             <a:ext uri="{C572A759-6A51-4108-AA02-DFA0A04FC94B}">
-              <ma14:wrappingTextBoxFlag xmlns="" xmlns:m="http://schemas.openxmlformats.org/officeDocument/2006/math" xmlns:a14="http://schemas.microsoft.com/office/drawing/2010/main" xmlns:ma14="http://schemas.microsoft.com/office/mac/drawingml/2011/main" val="1"/>
+              <ma14:wrappingTextBoxFlag xmlns:ma14="http://schemas.microsoft.com/office/mac/drawingml/2011/main" xmlns:a14="http://schemas.microsoft.com/office/drawing/2010/main" xmlns:m="http://schemas.openxmlformats.org/officeDocument/2006/math" xmlns="" val="1"/>
             </a:ext>
           </a:extLst>
         </p:spPr>
@@ -20809,7 +20742,7 @@
         <p:fade thruBlk="1"/>
       </p:transition>
     </mc:Choice>
-    <mc:Fallback xmlns="" xmlns:m="http://schemas.openxmlformats.org/officeDocument/2006/math" xmlns:a14="http://schemas.microsoft.com/office/drawing/2010/main">
+    <mc:Fallback xmlns:a14="http://schemas.microsoft.com/office/drawing/2010/main" xmlns:m="http://schemas.openxmlformats.org/officeDocument/2006/math" xmlns="">
       <p:transition spd="slow">
         <p:fade/>
       </p:transition>
@@ -20930,7 +20863,7 @@
           </a:ln>
           <a:extLst>
             <a:ext uri="{C572A759-6A51-4108-AA02-DFA0A04FC94B}">
-              <ma14:wrappingTextBoxFlag xmlns="" xmlns:m="http://schemas.openxmlformats.org/officeDocument/2006/math" xmlns:a14="http://schemas.microsoft.com/office/drawing/2010/main" xmlns:ma14="http://schemas.microsoft.com/office/mac/drawingml/2011/main" val="1"/>
+              <ma14:wrappingTextBoxFlag xmlns:ma14="http://schemas.microsoft.com/office/mac/drawingml/2011/main" xmlns:a14="http://schemas.microsoft.com/office/drawing/2010/main" xmlns:m="http://schemas.openxmlformats.org/officeDocument/2006/math" xmlns="" val="1"/>
             </a:ext>
           </a:extLst>
         </p:spPr>
@@ -21001,7 +20934,7 @@
           </a:ln>
           <a:extLst>
             <a:ext uri="{C572A759-6A51-4108-AA02-DFA0A04FC94B}">
-              <ma14:wrappingTextBoxFlag xmlns="" xmlns:m="http://schemas.openxmlformats.org/officeDocument/2006/math" xmlns:a14="http://schemas.microsoft.com/office/drawing/2010/main" xmlns:ma14="http://schemas.microsoft.com/office/mac/drawingml/2011/main" val="1"/>
+              <ma14:wrappingTextBoxFlag xmlns:ma14="http://schemas.microsoft.com/office/mac/drawingml/2011/main" xmlns:a14="http://schemas.microsoft.com/office/drawing/2010/main" xmlns:m="http://schemas.openxmlformats.org/officeDocument/2006/math" xmlns="" val="1"/>
             </a:ext>
           </a:extLst>
         </p:spPr>
@@ -21045,7 +20978,7 @@
           </a:ln>
           <a:extLst>
             <a:ext uri="{C572A759-6A51-4108-AA02-DFA0A04FC94B}">
-              <ma14:wrappingTextBoxFlag xmlns="" xmlns:m="http://schemas.openxmlformats.org/officeDocument/2006/math" xmlns:a14="http://schemas.microsoft.com/office/drawing/2010/main" xmlns:ma14="http://schemas.microsoft.com/office/mac/drawingml/2011/main" val="1"/>
+              <ma14:wrappingTextBoxFlag xmlns:ma14="http://schemas.microsoft.com/office/mac/drawingml/2011/main" xmlns:a14="http://schemas.microsoft.com/office/drawing/2010/main" xmlns:m="http://schemas.openxmlformats.org/officeDocument/2006/math" xmlns="" val="1"/>
             </a:ext>
           </a:extLst>
         </p:spPr>
@@ -21124,7 +21057,7 @@
         <p:fade thruBlk="1"/>
       </p:transition>
     </mc:Choice>
-    <mc:Fallback xmlns="" xmlns:m="http://schemas.openxmlformats.org/officeDocument/2006/math" xmlns:a14="http://schemas.microsoft.com/office/drawing/2010/main">
+    <mc:Fallback xmlns:a14="http://schemas.microsoft.com/office/drawing/2010/main" xmlns:m="http://schemas.openxmlformats.org/officeDocument/2006/math" xmlns="">
       <p:transition spd="slow">
         <p:fade/>
       </p:transition>
@@ -21300,7 +21233,7 @@
           </a:ln>
           <a:extLst>
             <a:ext uri="{C572A759-6A51-4108-AA02-DFA0A04FC94B}">
-              <ma14:wrappingTextBoxFlag xmlns="" xmlns:m="http://schemas.openxmlformats.org/officeDocument/2006/math" xmlns:a14="http://schemas.microsoft.com/office/drawing/2010/main" xmlns:ma14="http://schemas.microsoft.com/office/mac/drawingml/2011/main" val="1"/>
+              <ma14:wrappingTextBoxFlag xmlns:ma14="http://schemas.microsoft.com/office/mac/drawingml/2011/main" xmlns:a14="http://schemas.microsoft.com/office/drawing/2010/main" xmlns:m="http://schemas.openxmlformats.org/officeDocument/2006/math" xmlns="" val="1"/>
             </a:ext>
           </a:extLst>
         </p:spPr>
@@ -21347,7 +21280,7 @@
           </a:ln>
           <a:extLst>
             <a:ext uri="{C572A759-6A51-4108-AA02-DFA0A04FC94B}">
-              <ma14:wrappingTextBoxFlag xmlns="" xmlns:m="http://schemas.openxmlformats.org/officeDocument/2006/math" xmlns:a14="http://schemas.microsoft.com/office/drawing/2010/main" xmlns:ma14="http://schemas.microsoft.com/office/mac/drawingml/2011/main" val="1"/>
+              <ma14:wrappingTextBoxFlag xmlns:ma14="http://schemas.microsoft.com/office/mac/drawingml/2011/main" xmlns:a14="http://schemas.microsoft.com/office/drawing/2010/main" xmlns:m="http://schemas.openxmlformats.org/officeDocument/2006/math" xmlns="" val="1"/>
             </a:ext>
           </a:extLst>
         </p:spPr>
@@ -21419,7 +21352,7 @@
           </a:ln>
           <a:extLst>
             <a:ext uri="{C572A759-6A51-4108-AA02-DFA0A04FC94B}">
-              <ma14:wrappingTextBoxFlag xmlns="" xmlns:m="http://schemas.openxmlformats.org/officeDocument/2006/math" xmlns:a14="http://schemas.microsoft.com/office/drawing/2010/main" xmlns:ma14="http://schemas.microsoft.com/office/mac/drawingml/2011/main" val="1"/>
+              <ma14:wrappingTextBoxFlag xmlns:ma14="http://schemas.microsoft.com/office/mac/drawingml/2011/main" xmlns:a14="http://schemas.microsoft.com/office/drawing/2010/main" xmlns:m="http://schemas.openxmlformats.org/officeDocument/2006/math" xmlns="" val="1"/>
             </a:ext>
           </a:extLst>
         </p:spPr>
@@ -21475,7 +21408,7 @@
           </a:ln>
           <a:extLst>
             <a:ext uri="{C572A759-6A51-4108-AA02-DFA0A04FC94B}">
-              <ma14:wrappingTextBoxFlag xmlns="" xmlns:m="http://schemas.openxmlformats.org/officeDocument/2006/math" xmlns:a14="http://schemas.microsoft.com/office/drawing/2010/main" xmlns:ma14="http://schemas.microsoft.com/office/mac/drawingml/2011/main" val="1"/>
+              <ma14:wrappingTextBoxFlag xmlns:ma14="http://schemas.microsoft.com/office/mac/drawingml/2011/main" xmlns:a14="http://schemas.microsoft.com/office/drawing/2010/main" xmlns:m="http://schemas.openxmlformats.org/officeDocument/2006/math" xmlns="" val="1"/>
             </a:ext>
           </a:extLst>
         </p:spPr>
@@ -21550,7 +21483,7 @@
         <p:fade thruBlk="1"/>
       </p:transition>
     </mc:Choice>
-    <mc:Fallback xmlns="" xmlns:m="http://schemas.openxmlformats.org/officeDocument/2006/math" xmlns:a14="http://schemas.microsoft.com/office/drawing/2010/main">
+    <mc:Fallback xmlns:a14="http://schemas.microsoft.com/office/drawing/2010/main" xmlns:m="http://schemas.openxmlformats.org/officeDocument/2006/math" xmlns="">
       <p:transition spd="slow">
         <p:fade/>
       </p:transition>
@@ -21671,7 +21604,7 @@
           </a:ln>
           <a:extLst>
             <a:ext uri="{C572A759-6A51-4108-AA02-DFA0A04FC94B}">
-              <ma14:wrappingTextBoxFlag xmlns="" xmlns:m="http://schemas.openxmlformats.org/officeDocument/2006/math" xmlns:a14="http://schemas.microsoft.com/office/drawing/2010/main" xmlns:ma14="http://schemas.microsoft.com/office/mac/drawingml/2011/main" val="1"/>
+              <ma14:wrappingTextBoxFlag xmlns:ma14="http://schemas.microsoft.com/office/mac/drawingml/2011/main" xmlns:a14="http://schemas.microsoft.com/office/drawing/2010/main" xmlns:m="http://schemas.openxmlformats.org/officeDocument/2006/math" xmlns="" val="1"/>
             </a:ext>
           </a:extLst>
         </p:spPr>
@@ -21742,7 +21675,7 @@
           </a:ln>
           <a:extLst>
             <a:ext uri="{C572A759-6A51-4108-AA02-DFA0A04FC94B}">
-              <ma14:wrappingTextBoxFlag xmlns="" xmlns:m="http://schemas.openxmlformats.org/officeDocument/2006/math" xmlns:a14="http://schemas.microsoft.com/office/drawing/2010/main" xmlns:ma14="http://schemas.microsoft.com/office/mac/drawingml/2011/main" val="1"/>
+              <ma14:wrappingTextBoxFlag xmlns:ma14="http://schemas.microsoft.com/office/mac/drawingml/2011/main" xmlns:a14="http://schemas.microsoft.com/office/drawing/2010/main" xmlns:m="http://schemas.openxmlformats.org/officeDocument/2006/math" xmlns="" val="1"/>
             </a:ext>
           </a:extLst>
         </p:spPr>
@@ -21786,7 +21719,7 @@
           </a:ln>
           <a:extLst>
             <a:ext uri="{C572A759-6A51-4108-AA02-DFA0A04FC94B}">
-              <ma14:wrappingTextBoxFlag xmlns="" xmlns:m="http://schemas.openxmlformats.org/officeDocument/2006/math" xmlns:a14="http://schemas.microsoft.com/office/drawing/2010/main" xmlns:ma14="http://schemas.microsoft.com/office/mac/drawingml/2011/main" val="1"/>
+              <ma14:wrappingTextBoxFlag xmlns:ma14="http://schemas.microsoft.com/office/mac/drawingml/2011/main" xmlns:a14="http://schemas.microsoft.com/office/drawing/2010/main" xmlns:m="http://schemas.openxmlformats.org/officeDocument/2006/math" xmlns="" val="1"/>
             </a:ext>
           </a:extLst>
         </p:spPr>
@@ -21990,7 +21923,7 @@
         <p:fade thruBlk="1"/>
       </p:transition>
     </mc:Choice>
-    <mc:Fallback xmlns="" xmlns:m="http://schemas.openxmlformats.org/officeDocument/2006/math" xmlns:a14="http://schemas.microsoft.com/office/drawing/2010/main">
+    <mc:Fallback xmlns:a14="http://schemas.microsoft.com/office/drawing/2010/main" xmlns:m="http://schemas.openxmlformats.org/officeDocument/2006/math" xmlns="">
       <p:transition spd="slow">
         <p:fade/>
       </p:transition>
@@ -22111,7 +22044,7 @@
           </a:ln>
           <a:extLst>
             <a:ext uri="{C572A759-6A51-4108-AA02-DFA0A04FC94B}">
-              <ma14:wrappingTextBoxFlag xmlns="" xmlns:m="http://schemas.openxmlformats.org/officeDocument/2006/math" xmlns:a14="http://schemas.microsoft.com/office/drawing/2010/main" xmlns:ma14="http://schemas.microsoft.com/office/mac/drawingml/2011/main" val="1"/>
+              <ma14:wrappingTextBoxFlag xmlns:ma14="http://schemas.microsoft.com/office/mac/drawingml/2011/main" xmlns:a14="http://schemas.microsoft.com/office/drawing/2010/main" xmlns:m="http://schemas.openxmlformats.org/officeDocument/2006/math" xmlns="" val="1"/>
             </a:ext>
           </a:extLst>
         </p:spPr>
@@ -22182,7 +22115,7 @@
           </a:ln>
           <a:extLst>
             <a:ext uri="{C572A759-6A51-4108-AA02-DFA0A04FC94B}">
-              <ma14:wrappingTextBoxFlag xmlns="" xmlns:m="http://schemas.openxmlformats.org/officeDocument/2006/math" xmlns:a14="http://schemas.microsoft.com/office/drawing/2010/main" xmlns:ma14="http://schemas.microsoft.com/office/mac/drawingml/2011/main" val="1"/>
+              <ma14:wrappingTextBoxFlag xmlns:ma14="http://schemas.microsoft.com/office/mac/drawingml/2011/main" xmlns:a14="http://schemas.microsoft.com/office/drawing/2010/main" xmlns:m="http://schemas.openxmlformats.org/officeDocument/2006/math" xmlns="" val="1"/>
             </a:ext>
           </a:extLst>
         </p:spPr>
@@ -22226,7 +22159,7 @@
           </a:ln>
           <a:extLst>
             <a:ext uri="{C572A759-6A51-4108-AA02-DFA0A04FC94B}">
-              <ma14:wrappingTextBoxFlag xmlns="" xmlns:m="http://schemas.openxmlformats.org/officeDocument/2006/math" xmlns:a14="http://schemas.microsoft.com/office/drawing/2010/main" xmlns:ma14="http://schemas.microsoft.com/office/mac/drawingml/2011/main" val="1"/>
+              <ma14:wrappingTextBoxFlag xmlns:ma14="http://schemas.microsoft.com/office/mac/drawingml/2011/main" xmlns:a14="http://schemas.microsoft.com/office/drawing/2010/main" xmlns:m="http://schemas.openxmlformats.org/officeDocument/2006/math" xmlns="" val="1"/>
             </a:ext>
           </a:extLst>
         </p:spPr>
@@ -22361,7 +22294,7 @@
         <p:fade thruBlk="1"/>
       </p:transition>
     </mc:Choice>
-    <mc:Fallback xmlns="" xmlns:m="http://schemas.openxmlformats.org/officeDocument/2006/math" xmlns:a14="http://schemas.microsoft.com/office/drawing/2010/main">
+    <mc:Fallback xmlns:a14="http://schemas.microsoft.com/office/drawing/2010/main" xmlns:m="http://schemas.openxmlformats.org/officeDocument/2006/math" xmlns="">
       <p:transition spd="slow">
         <p:fade/>
       </p:transition>
@@ -22482,7 +22415,7 @@
           </a:ln>
           <a:extLst>
             <a:ext uri="{C572A759-6A51-4108-AA02-DFA0A04FC94B}">
-              <ma14:wrappingTextBoxFlag xmlns="" xmlns:m="http://schemas.openxmlformats.org/officeDocument/2006/math" xmlns:a14="http://schemas.microsoft.com/office/drawing/2010/main" xmlns:ma14="http://schemas.microsoft.com/office/mac/drawingml/2011/main" val="1"/>
+              <ma14:wrappingTextBoxFlag xmlns:ma14="http://schemas.microsoft.com/office/mac/drawingml/2011/main" xmlns:a14="http://schemas.microsoft.com/office/drawing/2010/main" xmlns:m="http://schemas.openxmlformats.org/officeDocument/2006/math" xmlns="" val="1"/>
             </a:ext>
           </a:extLst>
         </p:spPr>
@@ -22553,7 +22486,7 @@
           </a:ln>
           <a:extLst>
             <a:ext uri="{C572A759-6A51-4108-AA02-DFA0A04FC94B}">
-              <ma14:wrappingTextBoxFlag xmlns="" xmlns:m="http://schemas.openxmlformats.org/officeDocument/2006/math" xmlns:a14="http://schemas.microsoft.com/office/drawing/2010/main" xmlns:ma14="http://schemas.microsoft.com/office/mac/drawingml/2011/main" val="1"/>
+              <ma14:wrappingTextBoxFlag xmlns:ma14="http://schemas.microsoft.com/office/mac/drawingml/2011/main" xmlns:a14="http://schemas.microsoft.com/office/drawing/2010/main" xmlns:m="http://schemas.openxmlformats.org/officeDocument/2006/math" xmlns="" val="1"/>
             </a:ext>
           </a:extLst>
         </p:spPr>
@@ -22597,7 +22530,7 @@
           </a:ln>
           <a:extLst>
             <a:ext uri="{C572A759-6A51-4108-AA02-DFA0A04FC94B}">
-              <ma14:wrappingTextBoxFlag xmlns="" xmlns:m="http://schemas.openxmlformats.org/officeDocument/2006/math" xmlns:a14="http://schemas.microsoft.com/office/drawing/2010/main" xmlns:ma14="http://schemas.microsoft.com/office/mac/drawingml/2011/main" val="1"/>
+              <ma14:wrappingTextBoxFlag xmlns:ma14="http://schemas.microsoft.com/office/mac/drawingml/2011/main" xmlns:a14="http://schemas.microsoft.com/office/drawing/2010/main" xmlns:m="http://schemas.openxmlformats.org/officeDocument/2006/math" xmlns="" val="1"/>
             </a:ext>
           </a:extLst>
         </p:spPr>
@@ -22679,7 +22612,7 @@
         <p:fade thruBlk="1"/>
       </p:transition>
     </mc:Choice>
-    <mc:Fallback xmlns="" xmlns:m="http://schemas.openxmlformats.org/officeDocument/2006/math" xmlns:a14="http://schemas.microsoft.com/office/drawing/2010/main">
+    <mc:Fallback xmlns:a14="http://schemas.microsoft.com/office/drawing/2010/main" xmlns:m="http://schemas.openxmlformats.org/officeDocument/2006/math" xmlns="">
       <p:transition spd="slow">
         <p:fade/>
       </p:transition>
@@ -22800,7 +22733,7 @@
           </a:ln>
           <a:extLst>
             <a:ext uri="{C572A759-6A51-4108-AA02-DFA0A04FC94B}">
-              <ma14:wrappingTextBoxFlag xmlns="" xmlns:m="http://schemas.openxmlformats.org/officeDocument/2006/math" xmlns:a14="http://schemas.microsoft.com/office/drawing/2010/main" xmlns:ma14="http://schemas.microsoft.com/office/mac/drawingml/2011/main" val="1"/>
+              <ma14:wrappingTextBoxFlag xmlns:ma14="http://schemas.microsoft.com/office/mac/drawingml/2011/main" xmlns:a14="http://schemas.microsoft.com/office/drawing/2010/main" xmlns:m="http://schemas.openxmlformats.org/officeDocument/2006/math" xmlns="" val="1"/>
             </a:ext>
           </a:extLst>
         </p:spPr>
@@ -22871,7 +22804,7 @@
           </a:ln>
           <a:extLst>
             <a:ext uri="{C572A759-6A51-4108-AA02-DFA0A04FC94B}">
-              <ma14:wrappingTextBoxFlag xmlns="" xmlns:m="http://schemas.openxmlformats.org/officeDocument/2006/math" xmlns:a14="http://schemas.microsoft.com/office/drawing/2010/main" xmlns:ma14="http://schemas.microsoft.com/office/mac/drawingml/2011/main" val="1"/>
+              <ma14:wrappingTextBoxFlag xmlns:ma14="http://schemas.microsoft.com/office/mac/drawingml/2011/main" xmlns:a14="http://schemas.microsoft.com/office/drawing/2010/main" xmlns:m="http://schemas.openxmlformats.org/officeDocument/2006/math" xmlns="" val="1"/>
             </a:ext>
           </a:extLst>
         </p:spPr>
@@ -23093,7 +23026,7 @@
         <p:fade thruBlk="1"/>
       </p:transition>
     </mc:Choice>
-    <mc:Fallback xmlns="" xmlns:m="http://schemas.openxmlformats.org/officeDocument/2006/math" xmlns:a14="http://schemas.microsoft.com/office/drawing/2010/main">
+    <mc:Fallback xmlns:a14="http://schemas.microsoft.com/office/drawing/2010/main" xmlns:m="http://schemas.openxmlformats.org/officeDocument/2006/math" xmlns="">
       <p:transition spd="slow">
         <p:fade/>
       </p:transition>
@@ -23214,7 +23147,7 @@
           </a:ln>
           <a:extLst>
             <a:ext uri="{C572A759-6A51-4108-AA02-DFA0A04FC94B}">
-              <ma14:wrappingTextBoxFlag xmlns="" xmlns:m="http://schemas.openxmlformats.org/officeDocument/2006/math" xmlns:a14="http://schemas.microsoft.com/office/drawing/2010/main" xmlns:ma14="http://schemas.microsoft.com/office/mac/drawingml/2011/main" val="1"/>
+              <ma14:wrappingTextBoxFlag xmlns:ma14="http://schemas.microsoft.com/office/mac/drawingml/2011/main" xmlns:a14="http://schemas.microsoft.com/office/drawing/2010/main" xmlns:m="http://schemas.openxmlformats.org/officeDocument/2006/math" xmlns="" val="1"/>
             </a:ext>
           </a:extLst>
         </p:spPr>
@@ -23285,7 +23218,7 @@
           </a:ln>
           <a:extLst>
             <a:ext uri="{C572A759-6A51-4108-AA02-DFA0A04FC94B}">
-              <ma14:wrappingTextBoxFlag xmlns="" xmlns:m="http://schemas.openxmlformats.org/officeDocument/2006/math" xmlns:a14="http://schemas.microsoft.com/office/drawing/2010/main" xmlns:ma14="http://schemas.microsoft.com/office/mac/drawingml/2011/main" val="1"/>
+              <ma14:wrappingTextBoxFlag xmlns:ma14="http://schemas.microsoft.com/office/mac/drawingml/2011/main" xmlns:a14="http://schemas.microsoft.com/office/drawing/2010/main" xmlns:m="http://schemas.openxmlformats.org/officeDocument/2006/math" xmlns="" val="1"/>
             </a:ext>
           </a:extLst>
         </p:spPr>
@@ -23331,7 +23264,7 @@
           </a:ln>
           <a:extLst>
             <a:ext uri="{C572A759-6A51-4108-AA02-DFA0A04FC94B}">
-              <ma14:wrappingTextBoxFlag xmlns="" xmlns:m="http://schemas.openxmlformats.org/officeDocument/2006/math" xmlns:a14="http://schemas.microsoft.com/office/drawing/2010/main" xmlns:ma14="http://schemas.microsoft.com/office/mac/drawingml/2011/main" val="1"/>
+              <ma14:wrappingTextBoxFlag xmlns:ma14="http://schemas.microsoft.com/office/mac/drawingml/2011/main" xmlns:a14="http://schemas.microsoft.com/office/drawing/2010/main" xmlns:m="http://schemas.openxmlformats.org/officeDocument/2006/math" xmlns="" val="1"/>
             </a:ext>
           </a:extLst>
         </p:spPr>
@@ -23427,7 +23360,7 @@
         <p:fade thruBlk="1"/>
       </p:transition>
     </mc:Choice>
-    <mc:Fallback xmlns="" xmlns:m="http://schemas.openxmlformats.org/officeDocument/2006/math" xmlns:a14="http://schemas.microsoft.com/office/drawing/2010/main">
+    <mc:Fallback xmlns:a14="http://schemas.microsoft.com/office/drawing/2010/main" xmlns:m="http://schemas.openxmlformats.org/officeDocument/2006/math" xmlns="">
       <p:transition spd="slow">
         <p:fade/>
       </p:transition>
@@ -23548,7 +23481,7 @@
           </a:ln>
           <a:extLst>
             <a:ext uri="{C572A759-6A51-4108-AA02-DFA0A04FC94B}">
-              <ma14:wrappingTextBoxFlag xmlns="" xmlns:m="http://schemas.openxmlformats.org/officeDocument/2006/math" xmlns:a14="http://schemas.microsoft.com/office/drawing/2010/main" xmlns:ma14="http://schemas.microsoft.com/office/mac/drawingml/2011/main" val="1"/>
+              <ma14:wrappingTextBoxFlag xmlns:ma14="http://schemas.microsoft.com/office/mac/drawingml/2011/main" xmlns:a14="http://schemas.microsoft.com/office/drawing/2010/main" xmlns:m="http://schemas.openxmlformats.org/officeDocument/2006/math" xmlns="" val="1"/>
             </a:ext>
           </a:extLst>
         </p:spPr>
@@ -23619,7 +23552,7 @@
           </a:ln>
           <a:extLst>
             <a:ext uri="{C572A759-6A51-4108-AA02-DFA0A04FC94B}">
-              <ma14:wrappingTextBoxFlag xmlns="" xmlns:m="http://schemas.openxmlformats.org/officeDocument/2006/math" xmlns:a14="http://schemas.microsoft.com/office/drawing/2010/main" xmlns:ma14="http://schemas.microsoft.com/office/mac/drawingml/2011/main" val="1"/>
+              <ma14:wrappingTextBoxFlag xmlns:ma14="http://schemas.microsoft.com/office/mac/drawingml/2011/main" xmlns:a14="http://schemas.microsoft.com/office/drawing/2010/main" xmlns:m="http://schemas.openxmlformats.org/officeDocument/2006/math" xmlns="" val="1"/>
             </a:ext>
           </a:extLst>
         </p:spPr>
@@ -23663,7 +23596,7 @@
           </a:ln>
           <a:extLst>
             <a:ext uri="{C572A759-6A51-4108-AA02-DFA0A04FC94B}">
-              <ma14:wrappingTextBoxFlag xmlns="" xmlns:m="http://schemas.openxmlformats.org/officeDocument/2006/math" xmlns:a14="http://schemas.microsoft.com/office/drawing/2010/main" xmlns:ma14="http://schemas.microsoft.com/office/mac/drawingml/2011/main" val="1"/>
+              <ma14:wrappingTextBoxFlag xmlns:ma14="http://schemas.microsoft.com/office/mac/drawingml/2011/main" xmlns:a14="http://schemas.microsoft.com/office/drawing/2010/main" xmlns:m="http://schemas.openxmlformats.org/officeDocument/2006/math" xmlns="" val="1"/>
             </a:ext>
           </a:extLst>
         </p:spPr>
@@ -24316,7 +24249,7 @@
         <p:fade thruBlk="1"/>
       </p:transition>
     </mc:Choice>
-    <mc:Fallback xmlns="" xmlns:m="http://schemas.openxmlformats.org/officeDocument/2006/math" xmlns:a14="http://schemas.microsoft.com/office/drawing/2010/main">
+    <mc:Fallback xmlns:a14="http://schemas.microsoft.com/office/drawing/2010/main" xmlns:m="http://schemas.openxmlformats.org/officeDocument/2006/math" xmlns="">
       <p:transition spd="slow">
         <p:fade/>
       </p:transition>
@@ -24437,7 +24370,7 @@
           </a:ln>
           <a:extLst>
             <a:ext uri="{C572A759-6A51-4108-AA02-DFA0A04FC94B}">
-              <ma14:wrappingTextBoxFlag xmlns="" xmlns:m="http://schemas.openxmlformats.org/officeDocument/2006/math" xmlns:a14="http://schemas.microsoft.com/office/drawing/2010/main" xmlns:ma14="http://schemas.microsoft.com/office/mac/drawingml/2011/main" val="1"/>
+              <ma14:wrappingTextBoxFlag xmlns:ma14="http://schemas.microsoft.com/office/mac/drawingml/2011/main" xmlns:a14="http://schemas.microsoft.com/office/drawing/2010/main" xmlns:m="http://schemas.openxmlformats.org/officeDocument/2006/math" xmlns="" val="1"/>
             </a:ext>
           </a:extLst>
         </p:spPr>
@@ -24508,7 +24441,7 @@
           </a:ln>
           <a:extLst>
             <a:ext uri="{C572A759-6A51-4108-AA02-DFA0A04FC94B}">
-              <ma14:wrappingTextBoxFlag xmlns="" xmlns:m="http://schemas.openxmlformats.org/officeDocument/2006/math" xmlns:a14="http://schemas.microsoft.com/office/drawing/2010/main" xmlns:ma14="http://schemas.microsoft.com/office/mac/drawingml/2011/main" val="1"/>
+              <ma14:wrappingTextBoxFlag xmlns:ma14="http://schemas.microsoft.com/office/mac/drawingml/2011/main" xmlns:a14="http://schemas.microsoft.com/office/drawing/2010/main" xmlns:m="http://schemas.openxmlformats.org/officeDocument/2006/math" xmlns="" val="1"/>
             </a:ext>
           </a:extLst>
         </p:spPr>
@@ -24554,7 +24487,7 @@
           </a:ln>
           <a:extLst>
             <a:ext uri="{C572A759-6A51-4108-AA02-DFA0A04FC94B}">
-              <ma14:wrappingTextBoxFlag xmlns="" xmlns:m="http://schemas.openxmlformats.org/officeDocument/2006/math" xmlns:a14="http://schemas.microsoft.com/office/drawing/2010/main" xmlns:ma14="http://schemas.microsoft.com/office/mac/drawingml/2011/main" val="1"/>
+              <ma14:wrappingTextBoxFlag xmlns:ma14="http://schemas.microsoft.com/office/mac/drawingml/2011/main" xmlns:a14="http://schemas.microsoft.com/office/drawing/2010/main" xmlns:m="http://schemas.openxmlformats.org/officeDocument/2006/math" xmlns="" val="1"/>
             </a:ext>
           </a:extLst>
         </p:spPr>
@@ -24674,7 +24607,7 @@
         <p:fade thruBlk="1"/>
       </p:transition>
     </mc:Choice>
-    <mc:Fallback xmlns="" xmlns:m="http://schemas.openxmlformats.org/officeDocument/2006/math" xmlns:a14="http://schemas.microsoft.com/office/drawing/2010/main">
+    <mc:Fallback xmlns:a14="http://schemas.microsoft.com/office/drawing/2010/main" xmlns:m="http://schemas.openxmlformats.org/officeDocument/2006/math" xmlns="">
       <p:transition spd="slow">
         <p:fade/>
       </p:transition>
@@ -24795,7 +24728,7 @@
           </a:ln>
           <a:extLst>
             <a:ext uri="{C572A759-6A51-4108-AA02-DFA0A04FC94B}">
-              <ma14:wrappingTextBoxFlag xmlns="" xmlns:m="http://schemas.openxmlformats.org/officeDocument/2006/math" xmlns:a14="http://schemas.microsoft.com/office/drawing/2010/main" xmlns:ma14="http://schemas.microsoft.com/office/mac/drawingml/2011/main" val="1"/>
+              <ma14:wrappingTextBoxFlag xmlns:ma14="http://schemas.microsoft.com/office/mac/drawingml/2011/main" xmlns:a14="http://schemas.microsoft.com/office/drawing/2010/main" xmlns:m="http://schemas.openxmlformats.org/officeDocument/2006/math" xmlns="" val="1"/>
             </a:ext>
           </a:extLst>
         </p:spPr>
@@ -24866,7 +24799,7 @@
           </a:ln>
           <a:extLst>
             <a:ext uri="{C572A759-6A51-4108-AA02-DFA0A04FC94B}">
-              <ma14:wrappingTextBoxFlag xmlns="" xmlns:m="http://schemas.openxmlformats.org/officeDocument/2006/math" xmlns:a14="http://schemas.microsoft.com/office/drawing/2010/main" xmlns:ma14="http://schemas.microsoft.com/office/mac/drawingml/2011/main" val="1"/>
+              <ma14:wrappingTextBoxFlag xmlns:ma14="http://schemas.microsoft.com/office/mac/drawingml/2011/main" xmlns:a14="http://schemas.microsoft.com/office/drawing/2010/main" xmlns:m="http://schemas.openxmlformats.org/officeDocument/2006/math" xmlns="" val="1"/>
             </a:ext>
           </a:extLst>
         </p:spPr>
@@ -24912,7 +24845,7 @@
           </a:ln>
           <a:extLst>
             <a:ext uri="{C572A759-6A51-4108-AA02-DFA0A04FC94B}">
-              <ma14:wrappingTextBoxFlag xmlns="" xmlns:m="http://schemas.openxmlformats.org/officeDocument/2006/math" xmlns:a14="http://schemas.microsoft.com/office/drawing/2010/main" xmlns:ma14="http://schemas.microsoft.com/office/mac/drawingml/2011/main" val="1"/>
+              <ma14:wrappingTextBoxFlag xmlns:ma14="http://schemas.microsoft.com/office/mac/drawingml/2011/main" xmlns:a14="http://schemas.microsoft.com/office/drawing/2010/main" xmlns:m="http://schemas.openxmlformats.org/officeDocument/2006/math" xmlns="" val="1"/>
             </a:ext>
           </a:extLst>
         </p:spPr>
@@ -24983,7 +24916,7 @@
         <p:fade thruBlk="1"/>
       </p:transition>
     </mc:Choice>
-    <mc:Fallback xmlns="" xmlns:m="http://schemas.openxmlformats.org/officeDocument/2006/math" xmlns:a14="http://schemas.microsoft.com/office/drawing/2010/main">
+    <mc:Fallback xmlns:a14="http://schemas.microsoft.com/office/drawing/2010/main" xmlns:m="http://schemas.openxmlformats.org/officeDocument/2006/math" xmlns="">
       <p:transition spd="slow">
         <p:fade/>
       </p:transition>
@@ -25104,7 +25037,7 @@
           </a:ln>
           <a:extLst>
             <a:ext uri="{C572A759-6A51-4108-AA02-DFA0A04FC94B}">
-              <ma14:wrappingTextBoxFlag xmlns="" xmlns:m="http://schemas.openxmlformats.org/officeDocument/2006/math" xmlns:a14="http://schemas.microsoft.com/office/drawing/2010/main" xmlns:ma14="http://schemas.microsoft.com/office/mac/drawingml/2011/main" val="1"/>
+              <ma14:wrappingTextBoxFlag xmlns:ma14="http://schemas.microsoft.com/office/mac/drawingml/2011/main" xmlns:a14="http://schemas.microsoft.com/office/drawing/2010/main" xmlns:m="http://schemas.openxmlformats.org/officeDocument/2006/math" xmlns="" val="1"/>
             </a:ext>
           </a:extLst>
         </p:spPr>
@@ -25175,7 +25108,7 @@
           </a:ln>
           <a:extLst>
             <a:ext uri="{C572A759-6A51-4108-AA02-DFA0A04FC94B}">
-              <ma14:wrappingTextBoxFlag xmlns="" xmlns:m="http://schemas.openxmlformats.org/officeDocument/2006/math" xmlns:a14="http://schemas.microsoft.com/office/drawing/2010/main" xmlns:ma14="http://schemas.microsoft.com/office/mac/drawingml/2011/main" val="1"/>
+              <ma14:wrappingTextBoxFlag xmlns:ma14="http://schemas.microsoft.com/office/mac/drawingml/2011/main" xmlns:a14="http://schemas.microsoft.com/office/drawing/2010/main" xmlns:m="http://schemas.openxmlformats.org/officeDocument/2006/math" xmlns="" val="1"/>
             </a:ext>
           </a:extLst>
         </p:spPr>
@@ -25221,7 +25154,7 @@
           </a:ln>
           <a:extLst>
             <a:ext uri="{C572A759-6A51-4108-AA02-DFA0A04FC94B}">
-              <ma14:wrappingTextBoxFlag xmlns="" xmlns:m="http://schemas.openxmlformats.org/officeDocument/2006/math" xmlns:a14="http://schemas.microsoft.com/office/drawing/2010/main" xmlns:ma14="http://schemas.microsoft.com/office/mac/drawingml/2011/main" val="1"/>
+              <ma14:wrappingTextBoxFlag xmlns:ma14="http://schemas.microsoft.com/office/mac/drawingml/2011/main" xmlns:a14="http://schemas.microsoft.com/office/drawing/2010/main" xmlns:m="http://schemas.openxmlformats.org/officeDocument/2006/math" xmlns="" val="1"/>
             </a:ext>
           </a:extLst>
         </p:spPr>
@@ -25352,7 +25285,7 @@
         <p:fade thruBlk="1"/>
       </p:transition>
     </mc:Choice>
-    <mc:Fallback xmlns="" xmlns:m="http://schemas.openxmlformats.org/officeDocument/2006/math" xmlns:a14="http://schemas.microsoft.com/office/drawing/2010/main">
+    <mc:Fallback xmlns:a14="http://schemas.microsoft.com/office/drawing/2010/main" xmlns:m="http://schemas.openxmlformats.org/officeDocument/2006/math" xmlns="">
       <p:transition spd="slow">
         <p:fade/>
       </p:transition>
@@ -25473,7 +25406,7 @@
           </a:ln>
           <a:extLst>
             <a:ext uri="{C572A759-6A51-4108-AA02-DFA0A04FC94B}">
-              <ma14:wrappingTextBoxFlag xmlns="" xmlns:m="http://schemas.openxmlformats.org/officeDocument/2006/math" xmlns:a14="http://schemas.microsoft.com/office/drawing/2010/main" xmlns:ma14="http://schemas.microsoft.com/office/mac/drawingml/2011/main" val="1"/>
+              <ma14:wrappingTextBoxFlag xmlns:ma14="http://schemas.microsoft.com/office/mac/drawingml/2011/main" xmlns:a14="http://schemas.microsoft.com/office/drawing/2010/main" xmlns:m="http://schemas.openxmlformats.org/officeDocument/2006/math" xmlns="" val="1"/>
             </a:ext>
           </a:extLst>
         </p:spPr>
@@ -25544,7 +25477,7 @@
           </a:ln>
           <a:extLst>
             <a:ext uri="{C572A759-6A51-4108-AA02-DFA0A04FC94B}">
-              <ma14:wrappingTextBoxFlag xmlns="" xmlns:m="http://schemas.openxmlformats.org/officeDocument/2006/math" xmlns:a14="http://schemas.microsoft.com/office/drawing/2010/main" xmlns:ma14="http://schemas.microsoft.com/office/mac/drawingml/2011/main" val="1"/>
+              <ma14:wrappingTextBoxFlag xmlns:ma14="http://schemas.microsoft.com/office/mac/drawingml/2011/main" xmlns:a14="http://schemas.microsoft.com/office/drawing/2010/main" xmlns:m="http://schemas.openxmlformats.org/officeDocument/2006/math" xmlns="" val="1"/>
             </a:ext>
           </a:extLst>
         </p:spPr>
@@ -25590,7 +25523,7 @@
           </a:ln>
           <a:extLst>
             <a:ext uri="{C572A759-6A51-4108-AA02-DFA0A04FC94B}">
-              <ma14:wrappingTextBoxFlag xmlns="" xmlns:m="http://schemas.openxmlformats.org/officeDocument/2006/math" xmlns:a14="http://schemas.microsoft.com/office/drawing/2010/main" xmlns:ma14="http://schemas.microsoft.com/office/mac/drawingml/2011/main" val="1"/>
+              <ma14:wrappingTextBoxFlag xmlns:ma14="http://schemas.microsoft.com/office/mac/drawingml/2011/main" xmlns:a14="http://schemas.microsoft.com/office/drawing/2010/main" xmlns:m="http://schemas.openxmlformats.org/officeDocument/2006/math" xmlns="" val="1"/>
             </a:ext>
           </a:extLst>
         </p:spPr>
@@ -25665,7 +25598,7 @@
           </a:ln>
           <a:extLst>
             <a:ext uri="{C572A759-6A51-4108-AA02-DFA0A04FC94B}">
-              <ma14:wrappingTextBoxFlag xmlns="" xmlns:m="http://schemas.openxmlformats.org/officeDocument/2006/math" xmlns:a14="http://schemas.microsoft.com/office/drawing/2010/main" xmlns:ma14="http://schemas.microsoft.com/office/mac/drawingml/2011/main" val="1"/>
+              <ma14:wrappingTextBoxFlag xmlns:ma14="http://schemas.microsoft.com/office/mac/drawingml/2011/main" xmlns:a14="http://schemas.microsoft.com/office/drawing/2010/main" xmlns:m="http://schemas.openxmlformats.org/officeDocument/2006/math" xmlns="" val="1"/>
             </a:ext>
           </a:extLst>
         </p:spPr>
@@ -25766,7 +25699,7 @@
         <p:fade thruBlk="1"/>
       </p:transition>
     </mc:Choice>
-    <mc:Fallback xmlns="" xmlns:m="http://schemas.openxmlformats.org/officeDocument/2006/math" xmlns:a14="http://schemas.microsoft.com/office/drawing/2010/main">
+    <mc:Fallback xmlns:a14="http://schemas.microsoft.com/office/drawing/2010/main" xmlns:m="http://schemas.openxmlformats.org/officeDocument/2006/math" xmlns="">
       <p:transition spd="slow">
         <p:fade/>
       </p:transition>
@@ -25887,7 +25820,7 @@
           </a:ln>
           <a:extLst>
             <a:ext uri="{C572A759-6A51-4108-AA02-DFA0A04FC94B}">
-              <ma14:wrappingTextBoxFlag xmlns="" xmlns:m="http://schemas.openxmlformats.org/officeDocument/2006/math" xmlns:a14="http://schemas.microsoft.com/office/drawing/2010/main" xmlns:ma14="http://schemas.microsoft.com/office/mac/drawingml/2011/main" val="1"/>
+              <ma14:wrappingTextBoxFlag xmlns:ma14="http://schemas.microsoft.com/office/mac/drawingml/2011/main" xmlns:a14="http://schemas.microsoft.com/office/drawing/2010/main" xmlns:m="http://schemas.openxmlformats.org/officeDocument/2006/math" xmlns="" val="1"/>
             </a:ext>
           </a:extLst>
         </p:spPr>
@@ -25958,7 +25891,7 @@
           </a:ln>
           <a:extLst>
             <a:ext uri="{C572A759-6A51-4108-AA02-DFA0A04FC94B}">
-              <ma14:wrappingTextBoxFlag xmlns="" xmlns:m="http://schemas.openxmlformats.org/officeDocument/2006/math" xmlns:a14="http://schemas.microsoft.com/office/drawing/2010/main" xmlns:ma14="http://schemas.microsoft.com/office/mac/drawingml/2011/main" val="1"/>
+              <ma14:wrappingTextBoxFlag xmlns:ma14="http://schemas.microsoft.com/office/mac/drawingml/2011/main" xmlns:a14="http://schemas.microsoft.com/office/drawing/2010/main" xmlns:m="http://schemas.openxmlformats.org/officeDocument/2006/math" xmlns="" val="1"/>
             </a:ext>
           </a:extLst>
         </p:spPr>
@@ -26002,7 +25935,7 @@
           </a:ln>
           <a:extLst>
             <a:ext uri="{C572A759-6A51-4108-AA02-DFA0A04FC94B}">
-              <ma14:wrappingTextBoxFlag xmlns="" xmlns:m="http://schemas.openxmlformats.org/officeDocument/2006/math" xmlns:a14="http://schemas.microsoft.com/office/drawing/2010/main" xmlns:ma14="http://schemas.microsoft.com/office/mac/drawingml/2011/main" val="1"/>
+              <ma14:wrappingTextBoxFlag xmlns:ma14="http://schemas.microsoft.com/office/mac/drawingml/2011/main" xmlns:a14="http://schemas.microsoft.com/office/drawing/2010/main" xmlns:m="http://schemas.openxmlformats.org/officeDocument/2006/math" xmlns="" val="1"/>
             </a:ext>
           </a:extLst>
         </p:spPr>
@@ -26157,7 +26090,7 @@
         <p:fade thruBlk="1"/>
       </p:transition>
     </mc:Choice>
-    <mc:Fallback xmlns="" xmlns:m="http://schemas.openxmlformats.org/officeDocument/2006/math" xmlns:a14="http://schemas.microsoft.com/office/drawing/2010/main">
+    <mc:Fallback xmlns:a14="http://schemas.microsoft.com/office/drawing/2010/main" xmlns:m="http://schemas.openxmlformats.org/officeDocument/2006/math" xmlns="">
       <p:transition spd="slow">
         <p:fade/>
       </p:transition>
@@ -26333,7 +26266,7 @@
           </a:ln>
           <a:extLst>
             <a:ext uri="{C572A759-6A51-4108-AA02-DFA0A04FC94B}">
-              <ma14:wrappingTextBoxFlag xmlns="" xmlns:m="http://schemas.openxmlformats.org/officeDocument/2006/math" xmlns:a14="http://schemas.microsoft.com/office/drawing/2010/main" xmlns:ma14="http://schemas.microsoft.com/office/mac/drawingml/2011/main" val="1"/>
+              <ma14:wrappingTextBoxFlag xmlns:ma14="http://schemas.microsoft.com/office/mac/drawingml/2011/main" xmlns:a14="http://schemas.microsoft.com/office/drawing/2010/main" xmlns:m="http://schemas.openxmlformats.org/officeDocument/2006/math" xmlns="" val="1"/>
             </a:ext>
           </a:extLst>
         </p:spPr>
@@ -26382,7 +26315,7 @@
           </a:ln>
           <a:extLst>
             <a:ext uri="{C572A759-6A51-4108-AA02-DFA0A04FC94B}">
-              <ma14:wrappingTextBoxFlag xmlns="" xmlns:m="http://schemas.openxmlformats.org/officeDocument/2006/math" xmlns:a14="http://schemas.microsoft.com/office/drawing/2010/main" xmlns:ma14="http://schemas.microsoft.com/office/mac/drawingml/2011/main" val="1"/>
+              <ma14:wrappingTextBoxFlag xmlns:ma14="http://schemas.microsoft.com/office/mac/drawingml/2011/main" xmlns:a14="http://schemas.microsoft.com/office/drawing/2010/main" xmlns:m="http://schemas.openxmlformats.org/officeDocument/2006/math" xmlns="" val="1"/>
             </a:ext>
           </a:extLst>
         </p:spPr>
@@ -26455,7 +26388,7 @@
           </a:ln>
           <a:extLst>
             <a:ext uri="{C572A759-6A51-4108-AA02-DFA0A04FC94B}">
-              <ma14:wrappingTextBoxFlag xmlns="" xmlns:m="http://schemas.openxmlformats.org/officeDocument/2006/math" xmlns:a14="http://schemas.microsoft.com/office/drawing/2010/main" xmlns:ma14="http://schemas.microsoft.com/office/mac/drawingml/2011/main" val="1"/>
+              <ma14:wrappingTextBoxFlag xmlns:ma14="http://schemas.microsoft.com/office/mac/drawingml/2011/main" xmlns:a14="http://schemas.microsoft.com/office/drawing/2010/main" xmlns:m="http://schemas.openxmlformats.org/officeDocument/2006/math" xmlns="" val="1"/>
             </a:ext>
           </a:extLst>
         </p:spPr>
@@ -26514,7 +26447,7 @@
           </a:ln>
           <a:extLst>
             <a:ext uri="{C572A759-6A51-4108-AA02-DFA0A04FC94B}">
-              <ma14:wrappingTextBoxFlag xmlns="" xmlns:m="http://schemas.openxmlformats.org/officeDocument/2006/math" xmlns:a14="http://schemas.microsoft.com/office/drawing/2010/main" xmlns:ma14="http://schemas.microsoft.com/office/mac/drawingml/2011/main" val="1"/>
+              <ma14:wrappingTextBoxFlag xmlns:ma14="http://schemas.microsoft.com/office/mac/drawingml/2011/main" xmlns:a14="http://schemas.microsoft.com/office/drawing/2010/main" xmlns:m="http://schemas.openxmlformats.org/officeDocument/2006/math" xmlns="" val="1"/>
             </a:ext>
           </a:extLst>
         </p:spPr>
@@ -26594,7 +26527,7 @@
         <p:fade thruBlk="1"/>
       </p:transition>
     </mc:Choice>
-    <mc:Fallback xmlns="" xmlns:m="http://schemas.openxmlformats.org/officeDocument/2006/math" xmlns:a14="http://schemas.microsoft.com/office/drawing/2010/main">
+    <mc:Fallback xmlns:a14="http://schemas.microsoft.com/office/drawing/2010/main" xmlns:m="http://schemas.openxmlformats.org/officeDocument/2006/math" xmlns="">
       <p:transition spd="slow">
         <p:fade/>
       </p:transition>
@@ -26715,7 +26648,7 @@
           </a:ln>
           <a:extLst>
             <a:ext uri="{C572A759-6A51-4108-AA02-DFA0A04FC94B}">
-              <ma14:wrappingTextBoxFlag xmlns="" xmlns:m="http://schemas.openxmlformats.org/officeDocument/2006/math" xmlns:a14="http://schemas.microsoft.com/office/drawing/2010/main" xmlns:ma14="http://schemas.microsoft.com/office/mac/drawingml/2011/main" val="1"/>
+              <ma14:wrappingTextBoxFlag xmlns:ma14="http://schemas.microsoft.com/office/mac/drawingml/2011/main" xmlns:a14="http://schemas.microsoft.com/office/drawing/2010/main" xmlns:m="http://schemas.openxmlformats.org/officeDocument/2006/math" xmlns="" val="1"/>
             </a:ext>
           </a:extLst>
         </p:spPr>
@@ -26786,7 +26719,7 @@
           </a:ln>
           <a:extLst>
             <a:ext uri="{C572A759-6A51-4108-AA02-DFA0A04FC94B}">
-              <ma14:wrappingTextBoxFlag xmlns="" xmlns:m="http://schemas.openxmlformats.org/officeDocument/2006/math" xmlns:a14="http://schemas.microsoft.com/office/drawing/2010/main" xmlns:ma14="http://schemas.microsoft.com/office/mac/drawingml/2011/main" val="1"/>
+              <ma14:wrappingTextBoxFlag xmlns:ma14="http://schemas.microsoft.com/office/mac/drawingml/2011/main" xmlns:a14="http://schemas.microsoft.com/office/drawing/2010/main" xmlns:m="http://schemas.openxmlformats.org/officeDocument/2006/math" xmlns="" val="1"/>
             </a:ext>
           </a:extLst>
         </p:spPr>
@@ -26830,7 +26763,7 @@
           </a:ln>
           <a:extLst>
             <a:ext uri="{C572A759-6A51-4108-AA02-DFA0A04FC94B}">
-              <ma14:wrappingTextBoxFlag xmlns="" xmlns:m="http://schemas.openxmlformats.org/officeDocument/2006/math" xmlns:a14="http://schemas.microsoft.com/office/drawing/2010/main" xmlns:ma14="http://schemas.microsoft.com/office/mac/drawingml/2011/main" val="1"/>
+              <ma14:wrappingTextBoxFlag xmlns:ma14="http://schemas.microsoft.com/office/mac/drawingml/2011/main" xmlns:a14="http://schemas.microsoft.com/office/drawing/2010/main" xmlns:m="http://schemas.openxmlformats.org/officeDocument/2006/math" xmlns="" val="1"/>
             </a:ext>
           </a:extLst>
         </p:spPr>
@@ -27039,7 +26972,7 @@
         <p:fade thruBlk="1"/>
       </p:transition>
     </mc:Choice>
-    <mc:Fallback xmlns="" xmlns:m="http://schemas.openxmlformats.org/officeDocument/2006/math" xmlns:a14="http://schemas.microsoft.com/office/drawing/2010/main">
+    <mc:Fallback xmlns:a14="http://schemas.microsoft.com/office/drawing/2010/main" xmlns:m="http://schemas.openxmlformats.org/officeDocument/2006/math" xmlns="">
       <p:transition spd="slow">
         <p:fade/>
       </p:transition>
@@ -27160,7 +27093,7 @@
           </a:ln>
           <a:extLst>
             <a:ext uri="{C572A759-6A51-4108-AA02-DFA0A04FC94B}">
-              <ma14:wrappingTextBoxFlag xmlns="" xmlns:m="http://schemas.openxmlformats.org/officeDocument/2006/math" xmlns:a14="http://schemas.microsoft.com/office/drawing/2010/main" xmlns:ma14="http://schemas.microsoft.com/office/mac/drawingml/2011/main" val="1"/>
+              <ma14:wrappingTextBoxFlag xmlns:ma14="http://schemas.microsoft.com/office/mac/drawingml/2011/main" xmlns:a14="http://schemas.microsoft.com/office/drawing/2010/main" xmlns:m="http://schemas.openxmlformats.org/officeDocument/2006/math" xmlns="" val="1"/>
             </a:ext>
           </a:extLst>
         </p:spPr>
@@ -27231,7 +27164,7 @@
           </a:ln>
           <a:extLst>
             <a:ext uri="{C572A759-6A51-4108-AA02-DFA0A04FC94B}">
-              <ma14:wrappingTextBoxFlag xmlns="" xmlns:m="http://schemas.openxmlformats.org/officeDocument/2006/math" xmlns:a14="http://schemas.microsoft.com/office/drawing/2010/main" xmlns:ma14="http://schemas.microsoft.com/office/mac/drawingml/2011/main" val="1"/>
+              <ma14:wrappingTextBoxFlag xmlns:ma14="http://schemas.microsoft.com/office/mac/drawingml/2011/main" xmlns:a14="http://schemas.microsoft.com/office/drawing/2010/main" xmlns:m="http://schemas.openxmlformats.org/officeDocument/2006/math" xmlns="" val="1"/>
             </a:ext>
           </a:extLst>
         </p:spPr>
@@ -27275,7 +27208,7 @@
           </a:ln>
           <a:extLst>
             <a:ext uri="{C572A759-6A51-4108-AA02-DFA0A04FC94B}">
-              <ma14:wrappingTextBoxFlag xmlns="" xmlns:m="http://schemas.openxmlformats.org/officeDocument/2006/math" xmlns:a14="http://schemas.microsoft.com/office/drawing/2010/main" xmlns:ma14="http://schemas.microsoft.com/office/mac/drawingml/2011/main" val="1"/>
+              <ma14:wrappingTextBoxFlag xmlns:ma14="http://schemas.microsoft.com/office/mac/drawingml/2011/main" xmlns:a14="http://schemas.microsoft.com/office/drawing/2010/main" xmlns:m="http://schemas.openxmlformats.org/officeDocument/2006/math" xmlns="" val="1"/>
             </a:ext>
           </a:extLst>
         </p:spPr>
@@ -27435,7 +27368,7 @@
         <p:fade thruBlk="1"/>
       </p:transition>
     </mc:Choice>
-    <mc:Fallback xmlns="" xmlns:m="http://schemas.openxmlformats.org/officeDocument/2006/math" xmlns:a14="http://schemas.microsoft.com/office/drawing/2010/main">
+    <mc:Fallback xmlns:a14="http://schemas.microsoft.com/office/drawing/2010/main" xmlns:m="http://schemas.openxmlformats.org/officeDocument/2006/math" xmlns="">
       <p:transition spd="slow">
         <p:fade/>
       </p:transition>
@@ -27556,7 +27489,7 @@
           </a:ln>
           <a:extLst>
             <a:ext uri="{C572A759-6A51-4108-AA02-DFA0A04FC94B}">
-              <ma14:wrappingTextBoxFlag xmlns="" xmlns:m="http://schemas.openxmlformats.org/officeDocument/2006/math" xmlns:a14="http://schemas.microsoft.com/office/drawing/2010/main" xmlns:ma14="http://schemas.microsoft.com/office/mac/drawingml/2011/main" val="1"/>
+              <ma14:wrappingTextBoxFlag xmlns:ma14="http://schemas.microsoft.com/office/mac/drawingml/2011/main" xmlns:a14="http://schemas.microsoft.com/office/drawing/2010/main" xmlns:m="http://schemas.openxmlformats.org/officeDocument/2006/math" xmlns="" val="1"/>
             </a:ext>
           </a:extLst>
         </p:spPr>
@@ -27627,7 +27560,7 @@
           </a:ln>
           <a:extLst>
             <a:ext uri="{C572A759-6A51-4108-AA02-DFA0A04FC94B}">
-              <ma14:wrappingTextBoxFlag xmlns="" xmlns:m="http://schemas.openxmlformats.org/officeDocument/2006/math" xmlns:a14="http://schemas.microsoft.com/office/drawing/2010/main" xmlns:ma14="http://schemas.microsoft.com/office/mac/drawingml/2011/main" val="1"/>
+              <ma14:wrappingTextBoxFlag xmlns:ma14="http://schemas.microsoft.com/office/mac/drawingml/2011/main" xmlns:a14="http://schemas.microsoft.com/office/drawing/2010/main" xmlns:m="http://schemas.openxmlformats.org/officeDocument/2006/math" xmlns="" val="1"/>
             </a:ext>
           </a:extLst>
         </p:spPr>
@@ -27679,7 +27612,7 @@
           </a:ln>
           <a:extLst>
             <a:ext uri="{C572A759-6A51-4108-AA02-DFA0A04FC94B}">
-              <ma14:wrappingTextBoxFlag xmlns="" xmlns:m="http://schemas.openxmlformats.org/officeDocument/2006/math" xmlns:a14="http://schemas.microsoft.com/office/drawing/2010/main" xmlns:ma14="http://schemas.microsoft.com/office/mac/drawingml/2011/main" val="1"/>
+              <ma14:wrappingTextBoxFlag xmlns:ma14="http://schemas.microsoft.com/office/mac/drawingml/2011/main" xmlns:a14="http://schemas.microsoft.com/office/drawing/2010/main" xmlns:m="http://schemas.openxmlformats.org/officeDocument/2006/math" xmlns="" val="1"/>
             </a:ext>
           </a:extLst>
         </p:spPr>
@@ -27771,7 +27704,7 @@
           </a:ln>
           <a:extLst>
             <a:ext uri="{C572A759-6A51-4108-AA02-DFA0A04FC94B}">
-              <ma14:wrappingTextBoxFlag xmlns="" xmlns:m="http://schemas.openxmlformats.org/officeDocument/2006/math" xmlns:a14="http://schemas.microsoft.com/office/drawing/2010/main" xmlns:ma14="http://schemas.microsoft.com/office/mac/drawingml/2011/main" val="1"/>
+              <ma14:wrappingTextBoxFlag xmlns:ma14="http://schemas.microsoft.com/office/mac/drawingml/2011/main" xmlns:a14="http://schemas.microsoft.com/office/drawing/2010/main" xmlns:m="http://schemas.openxmlformats.org/officeDocument/2006/math" xmlns="" val="1"/>
             </a:ext>
           </a:extLst>
         </p:spPr>
@@ -27845,7 +27778,7 @@
         <p:fade thruBlk="1"/>
       </p:transition>
     </mc:Choice>
-    <mc:Fallback xmlns="" xmlns:m="http://schemas.openxmlformats.org/officeDocument/2006/math" xmlns:a14="http://schemas.microsoft.com/office/drawing/2010/main">
+    <mc:Fallback xmlns:a14="http://schemas.microsoft.com/office/drawing/2010/main" xmlns:m="http://schemas.openxmlformats.org/officeDocument/2006/math" xmlns="">
       <p:transition spd="slow">
         <p:fade/>
       </p:transition>
@@ -27966,7 +27899,7 @@
           </a:ln>
           <a:extLst>
             <a:ext uri="{C572A759-6A51-4108-AA02-DFA0A04FC94B}">
-              <ma14:wrappingTextBoxFlag xmlns="" xmlns:m="http://schemas.openxmlformats.org/officeDocument/2006/math" xmlns:a14="http://schemas.microsoft.com/office/drawing/2010/main" xmlns:ma14="http://schemas.microsoft.com/office/mac/drawingml/2011/main" val="1"/>
+              <ma14:wrappingTextBoxFlag xmlns:ma14="http://schemas.microsoft.com/office/mac/drawingml/2011/main" xmlns:a14="http://schemas.microsoft.com/office/drawing/2010/main" xmlns:m="http://schemas.openxmlformats.org/officeDocument/2006/math" xmlns="" val="1"/>
             </a:ext>
           </a:extLst>
         </p:spPr>
@@ -28037,7 +27970,7 @@
           </a:ln>
           <a:extLst>
             <a:ext uri="{C572A759-6A51-4108-AA02-DFA0A04FC94B}">
-              <ma14:wrappingTextBoxFlag xmlns="" xmlns:m="http://schemas.openxmlformats.org/officeDocument/2006/math" xmlns:a14="http://schemas.microsoft.com/office/drawing/2010/main" xmlns:ma14="http://schemas.microsoft.com/office/mac/drawingml/2011/main" val="1"/>
+              <ma14:wrappingTextBoxFlag xmlns:ma14="http://schemas.microsoft.com/office/mac/drawingml/2011/main" xmlns:a14="http://schemas.microsoft.com/office/drawing/2010/main" xmlns:m="http://schemas.openxmlformats.org/officeDocument/2006/math" xmlns="" val="1"/>
             </a:ext>
           </a:extLst>
         </p:spPr>
@@ -28093,7 +28026,7 @@
           </a:ln>
           <a:extLst>
             <a:ext uri="{C572A759-6A51-4108-AA02-DFA0A04FC94B}">
-              <ma14:wrappingTextBoxFlag xmlns="" xmlns:m="http://schemas.openxmlformats.org/officeDocument/2006/math" xmlns:a14="http://schemas.microsoft.com/office/drawing/2010/main" xmlns:ma14="http://schemas.microsoft.com/office/mac/drawingml/2011/main" val="1"/>
+              <ma14:wrappingTextBoxFlag xmlns:ma14="http://schemas.microsoft.com/office/mac/drawingml/2011/main" xmlns:a14="http://schemas.microsoft.com/office/drawing/2010/main" xmlns:m="http://schemas.openxmlformats.org/officeDocument/2006/math" xmlns="" val="1"/>
             </a:ext>
           </a:extLst>
         </p:spPr>
@@ -28263,7 +28196,7 @@
           </a:ln>
           <a:extLst>
             <a:ext uri="{C572A759-6A51-4108-AA02-DFA0A04FC94B}">
-              <ma14:wrappingTextBoxFlag xmlns="" xmlns:m="http://schemas.openxmlformats.org/officeDocument/2006/math" xmlns:a14="http://schemas.microsoft.com/office/drawing/2010/main" xmlns:ma14="http://schemas.microsoft.com/office/mac/drawingml/2011/main" val="1"/>
+              <ma14:wrappingTextBoxFlag xmlns:ma14="http://schemas.microsoft.com/office/mac/drawingml/2011/main" xmlns:a14="http://schemas.microsoft.com/office/drawing/2010/main" xmlns:m="http://schemas.openxmlformats.org/officeDocument/2006/math" xmlns="" val="1"/>
             </a:ext>
           </a:extLst>
         </p:spPr>
@@ -28334,7 +28267,7 @@
         <p:fade thruBlk="1"/>
       </p:transition>
     </mc:Choice>
-    <mc:Fallback xmlns="" xmlns:m="http://schemas.openxmlformats.org/officeDocument/2006/math" xmlns:a14="http://schemas.microsoft.com/office/drawing/2010/main">
+    <mc:Fallback xmlns:a14="http://schemas.microsoft.com/office/drawing/2010/main" xmlns:m="http://schemas.openxmlformats.org/officeDocument/2006/math" xmlns="">
       <p:transition spd="slow">
         <p:fade/>
       </p:transition>
@@ -28455,7 +28388,7 @@
           </a:ln>
           <a:extLst>
             <a:ext uri="{C572A759-6A51-4108-AA02-DFA0A04FC94B}">
-              <ma14:wrappingTextBoxFlag xmlns="" xmlns:m="http://schemas.openxmlformats.org/officeDocument/2006/math" xmlns:a14="http://schemas.microsoft.com/office/drawing/2010/main" xmlns:ma14="http://schemas.microsoft.com/office/mac/drawingml/2011/main" val="1"/>
+              <ma14:wrappingTextBoxFlag xmlns:ma14="http://schemas.microsoft.com/office/mac/drawingml/2011/main" xmlns:a14="http://schemas.microsoft.com/office/drawing/2010/main" xmlns:m="http://schemas.openxmlformats.org/officeDocument/2006/math" xmlns="" val="1"/>
             </a:ext>
           </a:extLst>
         </p:spPr>
@@ -28526,7 +28459,7 @@
           </a:ln>
           <a:extLst>
             <a:ext uri="{C572A759-6A51-4108-AA02-DFA0A04FC94B}">
-              <ma14:wrappingTextBoxFlag xmlns="" xmlns:m="http://schemas.openxmlformats.org/officeDocument/2006/math" xmlns:a14="http://schemas.microsoft.com/office/drawing/2010/main" xmlns:ma14="http://schemas.microsoft.com/office/mac/drawingml/2011/main" val="1"/>
+              <ma14:wrappingTextBoxFlag xmlns:ma14="http://schemas.microsoft.com/office/mac/drawingml/2011/main" xmlns:a14="http://schemas.microsoft.com/office/drawing/2010/main" xmlns:m="http://schemas.openxmlformats.org/officeDocument/2006/math" xmlns="" val="1"/>
             </a:ext>
           </a:extLst>
         </p:spPr>
@@ -28570,7 +28503,7 @@
           </a:ln>
           <a:extLst>
             <a:ext uri="{C572A759-6A51-4108-AA02-DFA0A04FC94B}">
-              <ma14:wrappingTextBoxFlag xmlns="" xmlns:m="http://schemas.openxmlformats.org/officeDocument/2006/math" xmlns:a14="http://schemas.microsoft.com/office/drawing/2010/main" xmlns:ma14="http://schemas.microsoft.com/office/mac/drawingml/2011/main" val="1"/>
+              <ma14:wrappingTextBoxFlag xmlns:ma14="http://schemas.microsoft.com/office/mac/drawingml/2011/main" xmlns:a14="http://schemas.microsoft.com/office/drawing/2010/main" xmlns:m="http://schemas.openxmlformats.org/officeDocument/2006/math" xmlns="" val="1"/>
             </a:ext>
           </a:extLst>
         </p:spPr>
@@ -29160,7 +29093,7 @@
         <p:fade thruBlk="1"/>
       </p:transition>
     </mc:Choice>
-    <mc:Fallback xmlns="" xmlns:m="http://schemas.openxmlformats.org/officeDocument/2006/math" xmlns:a14="http://schemas.microsoft.com/office/drawing/2010/main">
+    <mc:Fallback xmlns:a14="http://schemas.microsoft.com/office/drawing/2010/main" xmlns:m="http://schemas.openxmlformats.org/officeDocument/2006/math" xmlns="">
       <p:transition spd="slow">
         <p:fade/>
       </p:transition>
@@ -29281,7 +29214,7 @@
           </a:ln>
           <a:extLst>
             <a:ext uri="{C572A759-6A51-4108-AA02-DFA0A04FC94B}">
-              <ma14:wrappingTextBoxFlag xmlns="" xmlns:m="http://schemas.openxmlformats.org/officeDocument/2006/math" xmlns:a14="http://schemas.microsoft.com/office/drawing/2010/main" xmlns:ma14="http://schemas.microsoft.com/office/mac/drawingml/2011/main" val="1"/>
+              <ma14:wrappingTextBoxFlag xmlns:ma14="http://schemas.microsoft.com/office/mac/drawingml/2011/main" xmlns:a14="http://schemas.microsoft.com/office/drawing/2010/main" xmlns:m="http://schemas.openxmlformats.org/officeDocument/2006/math" xmlns="" val="1"/>
             </a:ext>
           </a:extLst>
         </p:spPr>
@@ -29352,7 +29285,7 @@
           </a:ln>
           <a:extLst>
             <a:ext uri="{C572A759-6A51-4108-AA02-DFA0A04FC94B}">
-              <ma14:wrappingTextBoxFlag xmlns="" xmlns:m="http://schemas.openxmlformats.org/officeDocument/2006/math" xmlns:a14="http://schemas.microsoft.com/office/drawing/2010/main" xmlns:ma14="http://schemas.microsoft.com/office/mac/drawingml/2011/main" val="1"/>
+              <ma14:wrappingTextBoxFlag xmlns:ma14="http://schemas.microsoft.com/office/mac/drawingml/2011/main" xmlns:a14="http://schemas.microsoft.com/office/drawing/2010/main" xmlns:m="http://schemas.openxmlformats.org/officeDocument/2006/math" xmlns="" val="1"/>
             </a:ext>
           </a:extLst>
         </p:spPr>
@@ -29673,7 +29606,7 @@
         <p:fade thruBlk="1"/>
       </p:transition>
     </mc:Choice>
-    <mc:Fallback xmlns="" xmlns:m="http://schemas.openxmlformats.org/officeDocument/2006/math" xmlns:a14="http://schemas.microsoft.com/office/drawing/2010/main">
+    <mc:Fallback xmlns:a14="http://schemas.microsoft.com/office/drawing/2010/main" xmlns:m="http://schemas.openxmlformats.org/officeDocument/2006/math" xmlns="">
       <p:transition spd="slow">
         <p:fade/>
       </p:transition>
@@ -29794,7 +29727,7 @@
           </a:ln>
           <a:extLst>
             <a:ext uri="{C572A759-6A51-4108-AA02-DFA0A04FC94B}">
-              <ma14:wrappingTextBoxFlag xmlns="" xmlns:m="http://schemas.openxmlformats.org/officeDocument/2006/math" xmlns:a14="http://schemas.microsoft.com/office/drawing/2010/main" xmlns:ma14="http://schemas.microsoft.com/office/mac/drawingml/2011/main" val="1"/>
+              <ma14:wrappingTextBoxFlag xmlns:ma14="http://schemas.microsoft.com/office/mac/drawingml/2011/main" xmlns:a14="http://schemas.microsoft.com/office/drawing/2010/main" xmlns:m="http://schemas.openxmlformats.org/officeDocument/2006/math" xmlns="" val="1"/>
             </a:ext>
           </a:extLst>
         </p:spPr>
@@ -29865,7 +29798,7 @@
           </a:ln>
           <a:extLst>
             <a:ext uri="{C572A759-6A51-4108-AA02-DFA0A04FC94B}">
-              <ma14:wrappingTextBoxFlag xmlns="" xmlns:m="http://schemas.openxmlformats.org/officeDocument/2006/math" xmlns:a14="http://schemas.microsoft.com/office/drawing/2010/main" xmlns:ma14="http://schemas.microsoft.com/office/mac/drawingml/2011/main" val="1"/>
+              <ma14:wrappingTextBoxFlag xmlns:ma14="http://schemas.microsoft.com/office/mac/drawingml/2011/main" xmlns:a14="http://schemas.microsoft.com/office/drawing/2010/main" xmlns:m="http://schemas.openxmlformats.org/officeDocument/2006/math" xmlns="" val="1"/>
             </a:ext>
           </a:extLst>
         </p:spPr>
@@ -30151,7 +30084,7 @@
         <p:fade thruBlk="1"/>
       </p:transition>
     </mc:Choice>
-    <mc:Fallback xmlns="" xmlns:m="http://schemas.openxmlformats.org/officeDocument/2006/math" xmlns:a14="http://schemas.microsoft.com/office/drawing/2010/main">
+    <mc:Fallback xmlns:a14="http://schemas.microsoft.com/office/drawing/2010/main" xmlns:m="http://schemas.openxmlformats.org/officeDocument/2006/math" xmlns="">
       <p:transition spd="slow">
         <p:fade/>
       </p:transition>
@@ -30272,7 +30205,7 @@
           </a:ln>
           <a:extLst>
             <a:ext uri="{C572A759-6A51-4108-AA02-DFA0A04FC94B}">
-              <ma14:wrappingTextBoxFlag xmlns="" xmlns:m="http://schemas.openxmlformats.org/officeDocument/2006/math" xmlns:a14="http://schemas.microsoft.com/office/drawing/2010/main" xmlns:ma14="http://schemas.microsoft.com/office/mac/drawingml/2011/main" val="1"/>
+              <ma14:wrappingTextBoxFlag xmlns:ma14="http://schemas.microsoft.com/office/mac/drawingml/2011/main" xmlns:a14="http://schemas.microsoft.com/office/drawing/2010/main" xmlns:m="http://schemas.openxmlformats.org/officeDocument/2006/math" xmlns="" val="1"/>
             </a:ext>
           </a:extLst>
         </p:spPr>
@@ -30343,7 +30276,7 @@
           </a:ln>
           <a:extLst>
             <a:ext uri="{C572A759-6A51-4108-AA02-DFA0A04FC94B}">
-              <ma14:wrappingTextBoxFlag xmlns="" xmlns:m="http://schemas.openxmlformats.org/officeDocument/2006/math" xmlns:a14="http://schemas.microsoft.com/office/drawing/2010/main" xmlns:ma14="http://schemas.microsoft.com/office/mac/drawingml/2011/main" val="1"/>
+              <ma14:wrappingTextBoxFlag xmlns:ma14="http://schemas.microsoft.com/office/mac/drawingml/2011/main" xmlns:a14="http://schemas.microsoft.com/office/drawing/2010/main" xmlns:m="http://schemas.openxmlformats.org/officeDocument/2006/math" xmlns="" val="1"/>
             </a:ext>
           </a:extLst>
         </p:spPr>
@@ -30578,7 +30511,7 @@
         <p:fade thruBlk="1"/>
       </p:transition>
     </mc:Choice>
-    <mc:Fallback xmlns="" xmlns:m="http://schemas.openxmlformats.org/officeDocument/2006/math" xmlns:a14="http://schemas.microsoft.com/office/drawing/2010/main">
+    <mc:Fallback xmlns:a14="http://schemas.microsoft.com/office/drawing/2010/main" xmlns:m="http://schemas.openxmlformats.org/officeDocument/2006/math" xmlns="">
       <p:transition spd="slow">
         <p:fade/>
       </p:transition>
@@ -30699,7 +30632,7 @@
           </a:ln>
           <a:extLst>
             <a:ext uri="{C572A759-6A51-4108-AA02-DFA0A04FC94B}">
-              <ma14:wrappingTextBoxFlag xmlns="" xmlns:m="http://schemas.openxmlformats.org/officeDocument/2006/math" xmlns:a14="http://schemas.microsoft.com/office/drawing/2010/main" xmlns:ma14="http://schemas.microsoft.com/office/mac/drawingml/2011/main" val="1"/>
+              <ma14:wrappingTextBoxFlag xmlns:ma14="http://schemas.microsoft.com/office/mac/drawingml/2011/main" xmlns:a14="http://schemas.microsoft.com/office/drawing/2010/main" xmlns:m="http://schemas.openxmlformats.org/officeDocument/2006/math" xmlns="" val="1"/>
             </a:ext>
           </a:extLst>
         </p:spPr>
@@ -30770,7 +30703,7 @@
           </a:ln>
           <a:extLst>
             <a:ext uri="{C572A759-6A51-4108-AA02-DFA0A04FC94B}">
-              <ma14:wrappingTextBoxFlag xmlns="" xmlns:m="http://schemas.openxmlformats.org/officeDocument/2006/math" xmlns:a14="http://schemas.microsoft.com/office/drawing/2010/main" xmlns:ma14="http://schemas.microsoft.com/office/mac/drawingml/2011/main" val="1"/>
+              <ma14:wrappingTextBoxFlag xmlns:ma14="http://schemas.microsoft.com/office/mac/drawingml/2011/main" xmlns:a14="http://schemas.microsoft.com/office/drawing/2010/main" xmlns:m="http://schemas.openxmlformats.org/officeDocument/2006/math" xmlns="" val="1"/>
             </a:ext>
           </a:extLst>
         </p:spPr>
@@ -30986,7 +30919,7 @@
         <p:fade thruBlk="1"/>
       </p:transition>
     </mc:Choice>
-    <mc:Fallback xmlns="" xmlns:m="http://schemas.openxmlformats.org/officeDocument/2006/math" xmlns:a14="http://schemas.microsoft.com/office/drawing/2010/main">
+    <mc:Fallback xmlns:a14="http://schemas.microsoft.com/office/drawing/2010/main" xmlns:m="http://schemas.openxmlformats.org/officeDocument/2006/math" xmlns="">
       <p:transition spd="slow">
         <p:fade/>
       </p:transition>
@@ -31107,7 +31040,7 @@
           </a:ln>
           <a:extLst>
             <a:ext uri="{C572A759-6A51-4108-AA02-DFA0A04FC94B}">
-              <ma14:wrappingTextBoxFlag xmlns="" xmlns:m="http://schemas.openxmlformats.org/officeDocument/2006/math" xmlns:a14="http://schemas.microsoft.com/office/drawing/2010/main" xmlns:ma14="http://schemas.microsoft.com/office/mac/drawingml/2011/main" val="1"/>
+              <ma14:wrappingTextBoxFlag xmlns:ma14="http://schemas.microsoft.com/office/mac/drawingml/2011/main" xmlns:a14="http://schemas.microsoft.com/office/drawing/2010/main" xmlns:m="http://schemas.openxmlformats.org/officeDocument/2006/math" xmlns="" val="1"/>
             </a:ext>
           </a:extLst>
         </p:spPr>
@@ -31178,7 +31111,7 @@
           </a:ln>
           <a:extLst>
             <a:ext uri="{C572A759-6A51-4108-AA02-DFA0A04FC94B}">
-              <ma14:wrappingTextBoxFlag xmlns="" xmlns:m="http://schemas.openxmlformats.org/officeDocument/2006/math" xmlns:a14="http://schemas.microsoft.com/office/drawing/2010/main" xmlns:ma14="http://schemas.microsoft.com/office/mac/drawingml/2011/main" val="1"/>
+              <ma14:wrappingTextBoxFlag xmlns:ma14="http://schemas.microsoft.com/office/mac/drawingml/2011/main" xmlns:a14="http://schemas.microsoft.com/office/drawing/2010/main" xmlns:m="http://schemas.openxmlformats.org/officeDocument/2006/math" xmlns="" val="1"/>
             </a:ext>
           </a:extLst>
         </p:spPr>
@@ -31328,7 +31261,7 @@
         <p:fade thruBlk="1"/>
       </p:transition>
     </mc:Choice>
-    <mc:Fallback xmlns="" xmlns:m="http://schemas.openxmlformats.org/officeDocument/2006/math" xmlns:a14="http://schemas.microsoft.com/office/drawing/2010/main">
+    <mc:Fallback xmlns:a14="http://schemas.microsoft.com/office/drawing/2010/main" xmlns:m="http://schemas.openxmlformats.org/officeDocument/2006/math" xmlns="">
       <p:transition spd="slow">
         <p:fade/>
       </p:transition>
@@ -31449,7 +31382,7 @@
           </a:ln>
           <a:extLst>
             <a:ext uri="{C572A759-6A51-4108-AA02-DFA0A04FC94B}">
-              <ma14:wrappingTextBoxFlag xmlns="" xmlns:m="http://schemas.openxmlformats.org/officeDocument/2006/math" xmlns:a14="http://schemas.microsoft.com/office/drawing/2010/main" xmlns:ma14="http://schemas.microsoft.com/office/mac/drawingml/2011/main" val="1"/>
+              <ma14:wrappingTextBoxFlag xmlns:ma14="http://schemas.microsoft.com/office/mac/drawingml/2011/main" xmlns:a14="http://schemas.microsoft.com/office/drawing/2010/main" xmlns:m="http://schemas.openxmlformats.org/officeDocument/2006/math" xmlns="" val="1"/>
             </a:ext>
           </a:extLst>
         </p:spPr>
@@ -31520,7 +31453,7 @@
           </a:ln>
           <a:extLst>
             <a:ext uri="{C572A759-6A51-4108-AA02-DFA0A04FC94B}">
-              <ma14:wrappingTextBoxFlag xmlns="" xmlns:m="http://schemas.openxmlformats.org/officeDocument/2006/math" xmlns:a14="http://schemas.microsoft.com/office/drawing/2010/main" xmlns:ma14="http://schemas.microsoft.com/office/mac/drawingml/2011/main" val="1"/>
+              <ma14:wrappingTextBoxFlag xmlns:ma14="http://schemas.microsoft.com/office/mac/drawingml/2011/main" xmlns:a14="http://schemas.microsoft.com/office/drawing/2010/main" xmlns:m="http://schemas.openxmlformats.org/officeDocument/2006/math" xmlns="" val="1"/>
             </a:ext>
           </a:extLst>
         </p:spPr>
@@ -31702,7 +31635,7 @@
         <p:fade thruBlk="1"/>
       </p:transition>
     </mc:Choice>
-    <mc:Fallback xmlns="" xmlns:m="http://schemas.openxmlformats.org/officeDocument/2006/math" xmlns:a14="http://schemas.microsoft.com/office/drawing/2010/main">
+    <mc:Fallback xmlns:a14="http://schemas.microsoft.com/office/drawing/2010/main" xmlns:m="http://schemas.openxmlformats.org/officeDocument/2006/math" xmlns="">
       <p:transition spd="slow">
         <p:fade/>
       </p:transition>
@@ -31823,7 +31756,7 @@
           </a:ln>
           <a:extLst>
             <a:ext uri="{C572A759-6A51-4108-AA02-DFA0A04FC94B}">
-              <ma14:wrappingTextBoxFlag xmlns="" xmlns:m="http://schemas.openxmlformats.org/officeDocument/2006/math" xmlns:a14="http://schemas.microsoft.com/office/drawing/2010/main" xmlns:ma14="http://schemas.microsoft.com/office/mac/drawingml/2011/main" val="1"/>
+              <ma14:wrappingTextBoxFlag xmlns:ma14="http://schemas.microsoft.com/office/mac/drawingml/2011/main" xmlns:a14="http://schemas.microsoft.com/office/drawing/2010/main" xmlns:m="http://schemas.openxmlformats.org/officeDocument/2006/math" xmlns="" val="1"/>
             </a:ext>
           </a:extLst>
         </p:spPr>
@@ -31894,7 +31827,7 @@
           </a:ln>
           <a:extLst>
             <a:ext uri="{C572A759-6A51-4108-AA02-DFA0A04FC94B}">
-              <ma14:wrappingTextBoxFlag xmlns="" xmlns:m="http://schemas.openxmlformats.org/officeDocument/2006/math" xmlns:a14="http://schemas.microsoft.com/office/drawing/2010/main" xmlns:ma14="http://schemas.microsoft.com/office/mac/drawingml/2011/main" val="1"/>
+              <ma14:wrappingTextBoxFlag xmlns:ma14="http://schemas.microsoft.com/office/mac/drawingml/2011/main" xmlns:a14="http://schemas.microsoft.com/office/drawing/2010/main" xmlns:m="http://schemas.openxmlformats.org/officeDocument/2006/math" xmlns="" val="1"/>
             </a:ext>
           </a:extLst>
         </p:spPr>
@@ -31938,7 +31871,7 @@
           </a:ln>
           <a:extLst>
             <a:ext uri="{C572A759-6A51-4108-AA02-DFA0A04FC94B}">
-              <ma14:wrappingTextBoxFlag xmlns="" xmlns:m="http://schemas.openxmlformats.org/officeDocument/2006/math" xmlns:a14="http://schemas.microsoft.com/office/drawing/2010/main" xmlns:ma14="http://schemas.microsoft.com/office/mac/drawingml/2011/main" val="1"/>
+              <ma14:wrappingTextBoxFlag xmlns:ma14="http://schemas.microsoft.com/office/mac/drawingml/2011/main" xmlns:a14="http://schemas.microsoft.com/office/drawing/2010/main" xmlns:m="http://schemas.openxmlformats.org/officeDocument/2006/math" xmlns="" val="1"/>
             </a:ext>
           </a:extLst>
         </p:spPr>
@@ -32074,7 +32007,7 @@
         <p:fade thruBlk="1"/>
       </p:transition>
     </mc:Choice>
-    <mc:Fallback xmlns="" xmlns:m="http://schemas.openxmlformats.org/officeDocument/2006/math" xmlns:a14="http://schemas.microsoft.com/office/drawing/2010/main">
+    <mc:Fallback xmlns:a14="http://schemas.microsoft.com/office/drawing/2010/main" xmlns:m="http://schemas.openxmlformats.org/officeDocument/2006/math" xmlns="">
       <p:transition spd="slow">
         <p:fade/>
       </p:transition>
@@ -32250,7 +32183,7 @@
           </a:ln>
           <a:extLst>
             <a:ext uri="{C572A759-6A51-4108-AA02-DFA0A04FC94B}">
-              <ma14:wrappingTextBoxFlag xmlns="" xmlns:m="http://schemas.openxmlformats.org/officeDocument/2006/math" xmlns:a14="http://schemas.microsoft.com/office/drawing/2010/main" xmlns:ma14="http://schemas.microsoft.com/office/mac/drawingml/2011/main" val="1"/>
+              <ma14:wrappingTextBoxFlag xmlns:ma14="http://schemas.microsoft.com/office/mac/drawingml/2011/main" xmlns:a14="http://schemas.microsoft.com/office/drawing/2010/main" xmlns:m="http://schemas.openxmlformats.org/officeDocument/2006/math" xmlns="" val="1"/>
             </a:ext>
           </a:extLst>
         </p:spPr>
@@ -32299,7 +32232,7 @@
           </a:ln>
           <a:extLst>
             <a:ext uri="{C572A759-6A51-4108-AA02-DFA0A04FC94B}">
-              <ma14:wrappingTextBoxFlag xmlns="" xmlns:m="http://schemas.openxmlformats.org/officeDocument/2006/math" xmlns:a14="http://schemas.microsoft.com/office/drawing/2010/main" xmlns:ma14="http://schemas.microsoft.com/office/mac/drawingml/2011/main" val="1"/>
+              <ma14:wrappingTextBoxFlag xmlns:ma14="http://schemas.microsoft.com/office/mac/drawingml/2011/main" xmlns:a14="http://schemas.microsoft.com/office/drawing/2010/main" xmlns:m="http://schemas.openxmlformats.org/officeDocument/2006/math" xmlns="" val="1"/>
             </a:ext>
           </a:extLst>
         </p:spPr>
@@ -32372,7 +32305,7 @@
           </a:ln>
           <a:extLst>
             <a:ext uri="{C572A759-6A51-4108-AA02-DFA0A04FC94B}">
-              <ma14:wrappingTextBoxFlag xmlns="" xmlns:m="http://schemas.openxmlformats.org/officeDocument/2006/math" xmlns:a14="http://schemas.microsoft.com/office/drawing/2010/main" xmlns:ma14="http://schemas.microsoft.com/office/mac/drawingml/2011/main" val="1"/>
+              <ma14:wrappingTextBoxFlag xmlns:ma14="http://schemas.microsoft.com/office/mac/drawingml/2011/main" xmlns:a14="http://schemas.microsoft.com/office/drawing/2010/main" xmlns:m="http://schemas.openxmlformats.org/officeDocument/2006/math" xmlns="" val="1"/>
             </a:ext>
           </a:extLst>
         </p:spPr>
@@ -32431,7 +32364,7 @@
           </a:ln>
           <a:extLst>
             <a:ext uri="{C572A759-6A51-4108-AA02-DFA0A04FC94B}">
-              <ma14:wrappingTextBoxFlag xmlns="" xmlns:m="http://schemas.openxmlformats.org/officeDocument/2006/math" xmlns:a14="http://schemas.microsoft.com/office/drawing/2010/main" xmlns:ma14="http://schemas.microsoft.com/office/mac/drawingml/2011/main" val="1"/>
+              <ma14:wrappingTextBoxFlag xmlns:ma14="http://schemas.microsoft.com/office/mac/drawingml/2011/main" xmlns:a14="http://schemas.microsoft.com/office/drawing/2010/main" xmlns:m="http://schemas.openxmlformats.org/officeDocument/2006/math" xmlns="" val="1"/>
             </a:ext>
           </a:extLst>
         </p:spPr>
@@ -32511,7 +32444,7 @@
         <p:fade thruBlk="1"/>
       </p:transition>
     </mc:Choice>
-    <mc:Fallback xmlns="" xmlns:m="http://schemas.openxmlformats.org/officeDocument/2006/math" xmlns:a14="http://schemas.microsoft.com/office/drawing/2010/main">
+    <mc:Fallback xmlns:a14="http://schemas.microsoft.com/office/drawing/2010/main" xmlns:m="http://schemas.openxmlformats.org/officeDocument/2006/math" xmlns="">
       <p:transition spd="slow">
         <p:fade/>
       </p:transition>
@@ -32632,7 +32565,7 @@
           </a:ln>
           <a:extLst>
             <a:ext uri="{C572A759-6A51-4108-AA02-DFA0A04FC94B}">
-              <ma14:wrappingTextBoxFlag xmlns="" xmlns:m="http://schemas.openxmlformats.org/officeDocument/2006/math" xmlns:a14="http://schemas.microsoft.com/office/drawing/2010/main" xmlns:ma14="http://schemas.microsoft.com/office/mac/drawingml/2011/main" val="1"/>
+              <ma14:wrappingTextBoxFlag xmlns:ma14="http://schemas.microsoft.com/office/mac/drawingml/2011/main" xmlns:a14="http://schemas.microsoft.com/office/drawing/2010/main" xmlns:m="http://schemas.openxmlformats.org/officeDocument/2006/math" xmlns="" val="1"/>
             </a:ext>
           </a:extLst>
         </p:spPr>
@@ -32703,7 +32636,7 @@
           </a:ln>
           <a:extLst>
             <a:ext uri="{C572A759-6A51-4108-AA02-DFA0A04FC94B}">
-              <ma14:wrappingTextBoxFlag xmlns="" xmlns:m="http://schemas.openxmlformats.org/officeDocument/2006/math" xmlns:a14="http://schemas.microsoft.com/office/drawing/2010/main" xmlns:ma14="http://schemas.microsoft.com/office/mac/drawingml/2011/main" val="1"/>
+              <ma14:wrappingTextBoxFlag xmlns:ma14="http://schemas.microsoft.com/office/mac/drawingml/2011/main" xmlns:a14="http://schemas.microsoft.com/office/drawing/2010/main" xmlns:m="http://schemas.openxmlformats.org/officeDocument/2006/math" xmlns="" val="1"/>
             </a:ext>
           </a:extLst>
         </p:spPr>
@@ -32747,7 +32680,7 @@
           </a:ln>
           <a:extLst>
             <a:ext uri="{C572A759-6A51-4108-AA02-DFA0A04FC94B}">
-              <ma14:wrappingTextBoxFlag xmlns="" xmlns:m="http://schemas.openxmlformats.org/officeDocument/2006/math" xmlns:a14="http://schemas.microsoft.com/office/drawing/2010/main" xmlns:ma14="http://schemas.microsoft.com/office/mac/drawingml/2011/main" val="1"/>
+              <ma14:wrappingTextBoxFlag xmlns:ma14="http://schemas.microsoft.com/office/mac/drawingml/2011/main" xmlns:a14="http://schemas.microsoft.com/office/drawing/2010/main" xmlns:m="http://schemas.openxmlformats.org/officeDocument/2006/math" xmlns="" val="1"/>
             </a:ext>
           </a:extLst>
         </p:spPr>
@@ -32936,7 +32869,7 @@
         <p:fade thruBlk="1"/>
       </p:transition>
     </mc:Choice>
-    <mc:Fallback xmlns="" xmlns:m="http://schemas.openxmlformats.org/officeDocument/2006/math" xmlns:a14="http://schemas.microsoft.com/office/drawing/2010/main">
+    <mc:Fallback xmlns:a14="http://schemas.microsoft.com/office/drawing/2010/main" xmlns:m="http://schemas.openxmlformats.org/officeDocument/2006/math" xmlns="">
       <p:transition spd="slow">
         <p:fade/>
       </p:transition>
@@ -33057,7 +32990,7 @@
           </a:ln>
           <a:extLst>
             <a:ext uri="{C572A759-6A51-4108-AA02-DFA0A04FC94B}">
-              <ma14:wrappingTextBoxFlag xmlns="" xmlns:m="http://schemas.openxmlformats.org/officeDocument/2006/math" xmlns:a14="http://schemas.microsoft.com/office/drawing/2010/main" xmlns:ma14="http://schemas.microsoft.com/office/mac/drawingml/2011/main" val="1"/>
+              <ma14:wrappingTextBoxFlag xmlns:ma14="http://schemas.microsoft.com/office/mac/drawingml/2011/main" xmlns:a14="http://schemas.microsoft.com/office/drawing/2010/main" xmlns:m="http://schemas.openxmlformats.org/officeDocument/2006/math" xmlns="" val="1"/>
             </a:ext>
           </a:extLst>
         </p:spPr>
@@ -33128,7 +33061,7 @@
           </a:ln>
           <a:extLst>
             <a:ext uri="{C572A759-6A51-4108-AA02-DFA0A04FC94B}">
-              <ma14:wrappingTextBoxFlag xmlns="" xmlns:m="http://schemas.openxmlformats.org/officeDocument/2006/math" xmlns:a14="http://schemas.microsoft.com/office/drawing/2010/main" xmlns:ma14="http://schemas.microsoft.com/office/mac/drawingml/2011/main" val="1"/>
+              <ma14:wrappingTextBoxFlag xmlns:ma14="http://schemas.microsoft.com/office/mac/drawingml/2011/main" xmlns:a14="http://schemas.microsoft.com/office/drawing/2010/main" xmlns:m="http://schemas.openxmlformats.org/officeDocument/2006/math" xmlns="" val="1"/>
             </a:ext>
           </a:extLst>
         </p:spPr>
@@ -33172,7 +33105,7 @@
           </a:ln>
           <a:extLst>
             <a:ext uri="{C572A759-6A51-4108-AA02-DFA0A04FC94B}">
-              <ma14:wrappingTextBoxFlag xmlns="" xmlns:m="http://schemas.openxmlformats.org/officeDocument/2006/math" xmlns:a14="http://schemas.microsoft.com/office/drawing/2010/main" xmlns:ma14="http://schemas.microsoft.com/office/mac/drawingml/2011/main" val="1"/>
+              <ma14:wrappingTextBoxFlag xmlns:ma14="http://schemas.microsoft.com/office/mac/drawingml/2011/main" xmlns:a14="http://schemas.microsoft.com/office/drawing/2010/main" xmlns:m="http://schemas.openxmlformats.org/officeDocument/2006/math" xmlns="" val="1"/>
             </a:ext>
           </a:extLst>
         </p:spPr>
@@ -33344,7 +33277,7 @@
         <p:fade thruBlk="1"/>
       </p:transition>
     </mc:Choice>
-    <mc:Fallback xmlns="" xmlns:m="http://schemas.openxmlformats.org/officeDocument/2006/math" xmlns:a14="http://schemas.microsoft.com/office/drawing/2010/main">
+    <mc:Fallback xmlns:a14="http://schemas.microsoft.com/office/drawing/2010/main" xmlns:m="http://schemas.openxmlformats.org/officeDocument/2006/math" xmlns="">
       <p:transition spd="slow">
         <p:fade/>
       </p:transition>
@@ -33465,7 +33398,7 @@
           </a:ln>
           <a:extLst>
             <a:ext uri="{C572A759-6A51-4108-AA02-DFA0A04FC94B}">
-              <ma14:wrappingTextBoxFlag xmlns="" xmlns:m="http://schemas.openxmlformats.org/officeDocument/2006/math" xmlns:a14="http://schemas.microsoft.com/office/drawing/2010/main" xmlns:ma14="http://schemas.microsoft.com/office/mac/drawingml/2011/main" val="1"/>
+              <ma14:wrappingTextBoxFlag xmlns:ma14="http://schemas.microsoft.com/office/mac/drawingml/2011/main" xmlns:a14="http://schemas.microsoft.com/office/drawing/2010/main" xmlns:m="http://schemas.openxmlformats.org/officeDocument/2006/math" xmlns="" val="1"/>
             </a:ext>
           </a:extLst>
         </p:spPr>
@@ -33536,7 +33469,7 @@
           </a:ln>
           <a:extLst>
             <a:ext uri="{C572A759-6A51-4108-AA02-DFA0A04FC94B}">
-              <ma14:wrappingTextBoxFlag xmlns="" xmlns:m="http://schemas.openxmlformats.org/officeDocument/2006/math" xmlns:a14="http://schemas.microsoft.com/office/drawing/2010/main" xmlns:ma14="http://schemas.microsoft.com/office/mac/drawingml/2011/main" val="1"/>
+              <ma14:wrappingTextBoxFlag xmlns:ma14="http://schemas.microsoft.com/office/mac/drawingml/2011/main" xmlns:a14="http://schemas.microsoft.com/office/drawing/2010/main" xmlns:m="http://schemas.openxmlformats.org/officeDocument/2006/math" xmlns="" val="1"/>
             </a:ext>
           </a:extLst>
         </p:spPr>
@@ -33580,7 +33513,7 @@
           </a:ln>
           <a:extLst>
             <a:ext uri="{C572A759-6A51-4108-AA02-DFA0A04FC94B}">
-              <ma14:wrappingTextBoxFlag xmlns="" xmlns:m="http://schemas.openxmlformats.org/officeDocument/2006/math" xmlns:a14="http://schemas.microsoft.com/office/drawing/2010/main" xmlns:ma14="http://schemas.microsoft.com/office/mac/drawingml/2011/main" val="1"/>
+              <ma14:wrappingTextBoxFlag xmlns:ma14="http://schemas.microsoft.com/office/mac/drawingml/2011/main" xmlns:a14="http://schemas.microsoft.com/office/drawing/2010/main" xmlns:m="http://schemas.openxmlformats.org/officeDocument/2006/math" xmlns="" val="1"/>
             </a:ext>
           </a:extLst>
         </p:spPr>
@@ -34254,7 +34187,7 @@
         <p:fade thruBlk="1"/>
       </p:transition>
     </mc:Choice>
-    <mc:Fallback xmlns="" xmlns:m="http://schemas.openxmlformats.org/officeDocument/2006/math" xmlns:a14="http://schemas.microsoft.com/office/drawing/2010/main">
+    <mc:Fallback xmlns:a14="http://schemas.microsoft.com/office/drawing/2010/main" xmlns:m="http://schemas.openxmlformats.org/officeDocument/2006/math" xmlns="">
       <p:transition spd="slow">
         <p:fade/>
       </p:transition>
@@ -34375,7 +34308,7 @@
           </a:ln>
           <a:extLst>
             <a:ext uri="{C572A759-6A51-4108-AA02-DFA0A04FC94B}">
-              <ma14:wrappingTextBoxFlag xmlns="" xmlns:m="http://schemas.openxmlformats.org/officeDocument/2006/math" xmlns:a14="http://schemas.microsoft.com/office/drawing/2010/main" xmlns:ma14="http://schemas.microsoft.com/office/mac/drawingml/2011/main" val="1"/>
+              <ma14:wrappingTextBoxFlag xmlns:ma14="http://schemas.microsoft.com/office/mac/drawingml/2011/main" xmlns:a14="http://schemas.microsoft.com/office/drawing/2010/main" xmlns:m="http://schemas.openxmlformats.org/officeDocument/2006/math" xmlns="" val="1"/>
             </a:ext>
           </a:extLst>
         </p:spPr>
@@ -34446,7 +34379,7 @@
           </a:ln>
           <a:extLst>
             <a:ext uri="{C572A759-6A51-4108-AA02-DFA0A04FC94B}">
-              <ma14:wrappingTextBoxFlag xmlns="" xmlns:m="http://schemas.openxmlformats.org/officeDocument/2006/math" xmlns:a14="http://schemas.microsoft.com/office/drawing/2010/main" xmlns:ma14="http://schemas.microsoft.com/office/mac/drawingml/2011/main" val="1"/>
+              <ma14:wrappingTextBoxFlag xmlns:ma14="http://schemas.microsoft.com/office/mac/drawingml/2011/main" xmlns:a14="http://schemas.microsoft.com/office/drawing/2010/main" xmlns:m="http://schemas.openxmlformats.org/officeDocument/2006/math" xmlns="" val="1"/>
             </a:ext>
           </a:extLst>
         </p:spPr>
@@ -34498,7 +34431,7 @@
           </a:ln>
           <a:extLst>
             <a:ext uri="{C572A759-6A51-4108-AA02-DFA0A04FC94B}">
-              <ma14:wrappingTextBoxFlag xmlns="" xmlns:m="http://schemas.openxmlformats.org/officeDocument/2006/math" xmlns:a14="http://schemas.microsoft.com/office/drawing/2010/main" xmlns:ma14="http://schemas.microsoft.com/office/mac/drawingml/2011/main" val="1"/>
+              <ma14:wrappingTextBoxFlag xmlns:ma14="http://schemas.microsoft.com/office/mac/drawingml/2011/main" xmlns:a14="http://schemas.microsoft.com/office/drawing/2010/main" xmlns:m="http://schemas.openxmlformats.org/officeDocument/2006/math" xmlns="" val="1"/>
             </a:ext>
           </a:extLst>
         </p:spPr>
@@ -34696,7 +34629,7 @@
         <p:fade thruBlk="1"/>
       </p:transition>
     </mc:Choice>
-    <mc:Fallback xmlns="" xmlns:m="http://schemas.openxmlformats.org/officeDocument/2006/math" xmlns:a14="http://schemas.microsoft.com/office/drawing/2010/main">
+    <mc:Fallback xmlns:a14="http://schemas.microsoft.com/office/drawing/2010/main" xmlns:m="http://schemas.openxmlformats.org/officeDocument/2006/math" xmlns="">
       <p:transition spd="slow">
         <p:fade/>
       </p:transition>
@@ -34817,7 +34750,7 @@
           </a:ln>
           <a:extLst>
             <a:ext uri="{C572A759-6A51-4108-AA02-DFA0A04FC94B}">
-              <ma14:wrappingTextBoxFlag xmlns="" xmlns:m="http://schemas.openxmlformats.org/officeDocument/2006/math" xmlns:a14="http://schemas.microsoft.com/office/drawing/2010/main" xmlns:ma14="http://schemas.microsoft.com/office/mac/drawingml/2011/main" val="1"/>
+              <ma14:wrappingTextBoxFlag xmlns:ma14="http://schemas.microsoft.com/office/mac/drawingml/2011/main" xmlns:a14="http://schemas.microsoft.com/office/drawing/2010/main" xmlns:m="http://schemas.openxmlformats.org/officeDocument/2006/math" xmlns="" val="1"/>
             </a:ext>
           </a:extLst>
         </p:spPr>
@@ -34888,7 +34821,7 @@
           </a:ln>
           <a:extLst>
             <a:ext uri="{C572A759-6A51-4108-AA02-DFA0A04FC94B}">
-              <ma14:wrappingTextBoxFlag xmlns="" xmlns:m="http://schemas.openxmlformats.org/officeDocument/2006/math" xmlns:a14="http://schemas.microsoft.com/office/drawing/2010/main" xmlns:ma14="http://schemas.microsoft.com/office/mac/drawingml/2011/main" val="1"/>
+              <ma14:wrappingTextBoxFlag xmlns:ma14="http://schemas.microsoft.com/office/mac/drawingml/2011/main" xmlns:a14="http://schemas.microsoft.com/office/drawing/2010/main" xmlns:m="http://schemas.openxmlformats.org/officeDocument/2006/math" xmlns="" val="1"/>
             </a:ext>
           </a:extLst>
         </p:spPr>
@@ -34942,7 +34875,7 @@
           </a:ln>
           <a:extLst>
             <a:ext uri="{C572A759-6A51-4108-AA02-DFA0A04FC94B}">
-              <ma14:wrappingTextBoxFlag xmlns="" xmlns:m="http://schemas.openxmlformats.org/officeDocument/2006/math" xmlns:a14="http://schemas.microsoft.com/office/drawing/2010/main" xmlns:ma14="http://schemas.microsoft.com/office/mac/drawingml/2011/main" val="1"/>
+              <ma14:wrappingTextBoxFlag xmlns:ma14="http://schemas.microsoft.com/office/mac/drawingml/2011/main" xmlns:a14="http://schemas.microsoft.com/office/drawing/2010/main" xmlns:m="http://schemas.openxmlformats.org/officeDocument/2006/math" xmlns="" val="1"/>
             </a:ext>
           </a:extLst>
         </p:spPr>
@@ -35109,7 +35042,7 @@
         <p:fade thruBlk="1"/>
       </p:transition>
     </mc:Choice>
-    <mc:Fallback xmlns="" xmlns:m="http://schemas.openxmlformats.org/officeDocument/2006/math" xmlns:a14="http://schemas.microsoft.com/office/drawing/2010/main">
+    <mc:Fallback xmlns:a14="http://schemas.microsoft.com/office/drawing/2010/main" xmlns:m="http://schemas.openxmlformats.org/officeDocument/2006/math" xmlns="">
       <p:transition spd="slow">
         <p:fade/>
       </p:transition>
@@ -35230,7 +35163,7 @@
           </a:ln>
           <a:extLst>
             <a:ext uri="{C572A759-6A51-4108-AA02-DFA0A04FC94B}">
-              <ma14:wrappingTextBoxFlag xmlns="" xmlns:m="http://schemas.openxmlformats.org/officeDocument/2006/math" xmlns:a14="http://schemas.microsoft.com/office/drawing/2010/main" xmlns:ma14="http://schemas.microsoft.com/office/mac/drawingml/2011/main" val="1"/>
+              <ma14:wrappingTextBoxFlag xmlns:ma14="http://schemas.microsoft.com/office/mac/drawingml/2011/main" xmlns:a14="http://schemas.microsoft.com/office/drawing/2010/main" xmlns:m="http://schemas.openxmlformats.org/officeDocument/2006/math" xmlns="" val="1"/>
             </a:ext>
           </a:extLst>
         </p:spPr>
@@ -35301,7 +35234,7 @@
           </a:ln>
           <a:extLst>
             <a:ext uri="{C572A759-6A51-4108-AA02-DFA0A04FC94B}">
-              <ma14:wrappingTextBoxFlag xmlns="" xmlns:m="http://schemas.openxmlformats.org/officeDocument/2006/math" xmlns:a14="http://schemas.microsoft.com/office/drawing/2010/main" xmlns:ma14="http://schemas.microsoft.com/office/mac/drawingml/2011/main" val="1"/>
+              <ma14:wrappingTextBoxFlag xmlns:ma14="http://schemas.microsoft.com/office/mac/drawingml/2011/main" xmlns:a14="http://schemas.microsoft.com/office/drawing/2010/main" xmlns:m="http://schemas.openxmlformats.org/officeDocument/2006/math" xmlns="" val="1"/>
             </a:ext>
           </a:extLst>
         </p:spPr>
@@ -35355,7 +35288,7 @@
           </a:ln>
           <a:extLst>
             <a:ext uri="{C572A759-6A51-4108-AA02-DFA0A04FC94B}">
-              <ma14:wrappingTextBoxFlag xmlns="" xmlns:m="http://schemas.openxmlformats.org/officeDocument/2006/math" xmlns:a14="http://schemas.microsoft.com/office/drawing/2010/main" xmlns:ma14="http://schemas.microsoft.com/office/mac/drawingml/2011/main" val="1"/>
+              <ma14:wrappingTextBoxFlag xmlns:ma14="http://schemas.microsoft.com/office/mac/drawingml/2011/main" xmlns:a14="http://schemas.microsoft.com/office/drawing/2010/main" xmlns:m="http://schemas.openxmlformats.org/officeDocument/2006/math" xmlns="" val="1"/>
             </a:ext>
           </a:extLst>
         </p:spPr>
@@ -35611,7 +35544,7 @@
         <p:fade thruBlk="1"/>
       </p:transition>
     </mc:Choice>
-    <mc:Fallback xmlns="" xmlns:m="http://schemas.openxmlformats.org/officeDocument/2006/math" xmlns:a14="http://schemas.microsoft.com/office/drawing/2010/main">
+    <mc:Fallback xmlns:a14="http://schemas.microsoft.com/office/drawing/2010/main" xmlns:m="http://schemas.openxmlformats.org/officeDocument/2006/math" xmlns="">
       <p:transition spd="slow">
         <p:fade/>
       </p:transition>
@@ -35732,7 +35665,7 @@
           </a:ln>
           <a:extLst>
             <a:ext uri="{C572A759-6A51-4108-AA02-DFA0A04FC94B}">
-              <ma14:wrappingTextBoxFlag xmlns="" xmlns:m="http://schemas.openxmlformats.org/officeDocument/2006/math" xmlns:a14="http://schemas.microsoft.com/office/drawing/2010/main" xmlns:ma14="http://schemas.microsoft.com/office/mac/drawingml/2011/main" val="1"/>
+              <ma14:wrappingTextBoxFlag xmlns:ma14="http://schemas.microsoft.com/office/mac/drawingml/2011/main" xmlns:a14="http://schemas.microsoft.com/office/drawing/2010/main" xmlns:m="http://schemas.openxmlformats.org/officeDocument/2006/math" xmlns="" val="1"/>
             </a:ext>
           </a:extLst>
         </p:spPr>
@@ -35803,7 +35736,7 @@
           </a:ln>
           <a:extLst>
             <a:ext uri="{C572A759-6A51-4108-AA02-DFA0A04FC94B}">
-              <ma14:wrappingTextBoxFlag xmlns="" xmlns:m="http://schemas.openxmlformats.org/officeDocument/2006/math" xmlns:a14="http://schemas.microsoft.com/office/drawing/2010/main" xmlns:ma14="http://schemas.microsoft.com/office/mac/drawingml/2011/main" val="1"/>
+              <ma14:wrappingTextBoxFlag xmlns:ma14="http://schemas.microsoft.com/office/mac/drawingml/2011/main" xmlns:a14="http://schemas.microsoft.com/office/drawing/2010/main" xmlns:m="http://schemas.openxmlformats.org/officeDocument/2006/math" xmlns="" val="1"/>
             </a:ext>
           </a:extLst>
         </p:spPr>
@@ -35857,7 +35790,7 @@
           </a:ln>
           <a:extLst>
             <a:ext uri="{C572A759-6A51-4108-AA02-DFA0A04FC94B}">
-              <ma14:wrappingTextBoxFlag xmlns="" xmlns:m="http://schemas.openxmlformats.org/officeDocument/2006/math" xmlns:a14="http://schemas.microsoft.com/office/drawing/2010/main" xmlns:ma14="http://schemas.microsoft.com/office/mac/drawingml/2011/main" val="1"/>
+              <ma14:wrappingTextBoxFlag xmlns:ma14="http://schemas.microsoft.com/office/mac/drawingml/2011/main" xmlns:a14="http://schemas.microsoft.com/office/drawing/2010/main" xmlns:m="http://schemas.openxmlformats.org/officeDocument/2006/math" xmlns="" val="1"/>
             </a:ext>
           </a:extLst>
         </p:spPr>
@@ -36323,7 +36256,7 @@
         <p:fade thruBlk="1"/>
       </p:transition>
     </mc:Choice>
-    <mc:Fallback xmlns="" xmlns:m="http://schemas.openxmlformats.org/officeDocument/2006/math" xmlns:a14="http://schemas.microsoft.com/office/drawing/2010/main">
+    <mc:Fallback xmlns:a14="http://schemas.microsoft.com/office/drawing/2010/main" xmlns:m="http://schemas.openxmlformats.org/officeDocument/2006/math" xmlns="">
       <p:transition spd="slow">
         <p:fade/>
       </p:transition>
@@ -36444,7 +36377,7 @@
           </a:ln>
           <a:extLst>
             <a:ext uri="{C572A759-6A51-4108-AA02-DFA0A04FC94B}">
-              <ma14:wrappingTextBoxFlag xmlns="" xmlns:m="http://schemas.openxmlformats.org/officeDocument/2006/math" xmlns:a14="http://schemas.microsoft.com/office/drawing/2010/main" xmlns:ma14="http://schemas.microsoft.com/office/mac/drawingml/2011/main" val="1"/>
+              <ma14:wrappingTextBoxFlag xmlns:ma14="http://schemas.microsoft.com/office/mac/drawingml/2011/main" xmlns:a14="http://schemas.microsoft.com/office/drawing/2010/main" xmlns:m="http://schemas.openxmlformats.org/officeDocument/2006/math" xmlns="" val="1"/>
             </a:ext>
           </a:extLst>
         </p:spPr>
@@ -36515,7 +36448,7 @@
           </a:ln>
           <a:extLst>
             <a:ext uri="{C572A759-6A51-4108-AA02-DFA0A04FC94B}">
-              <ma14:wrappingTextBoxFlag xmlns="" xmlns:m="http://schemas.openxmlformats.org/officeDocument/2006/math" xmlns:a14="http://schemas.microsoft.com/office/drawing/2010/main" xmlns:ma14="http://schemas.microsoft.com/office/mac/drawingml/2011/main" val="1"/>
+              <ma14:wrappingTextBoxFlag xmlns:ma14="http://schemas.microsoft.com/office/mac/drawingml/2011/main" xmlns:a14="http://schemas.microsoft.com/office/drawing/2010/main" xmlns:m="http://schemas.openxmlformats.org/officeDocument/2006/math" xmlns="" val="1"/>
             </a:ext>
           </a:extLst>
         </p:spPr>
@@ -36569,7 +36502,7 @@
           </a:ln>
           <a:extLst>
             <a:ext uri="{C572A759-6A51-4108-AA02-DFA0A04FC94B}">
-              <ma14:wrappingTextBoxFlag xmlns="" xmlns:m="http://schemas.openxmlformats.org/officeDocument/2006/math" xmlns:a14="http://schemas.microsoft.com/office/drawing/2010/main" xmlns:ma14="http://schemas.microsoft.com/office/mac/drawingml/2011/main" val="1"/>
+              <ma14:wrappingTextBoxFlag xmlns:ma14="http://schemas.microsoft.com/office/mac/drawingml/2011/main" xmlns:a14="http://schemas.microsoft.com/office/drawing/2010/main" xmlns:m="http://schemas.openxmlformats.org/officeDocument/2006/math" xmlns="" val="1"/>
             </a:ext>
           </a:extLst>
         </p:spPr>
@@ -36689,7 +36622,7 @@
         <p:fade thruBlk="1"/>
       </p:transition>
     </mc:Choice>
-    <mc:Fallback xmlns="" xmlns:m="http://schemas.openxmlformats.org/officeDocument/2006/math" xmlns:a14="http://schemas.microsoft.com/office/drawing/2010/main">
+    <mc:Fallback xmlns:a14="http://schemas.microsoft.com/office/drawing/2010/main" xmlns:m="http://schemas.openxmlformats.org/officeDocument/2006/math" xmlns="">
       <p:transition spd="slow">
         <p:fade/>
       </p:transition>
@@ -36810,7 +36743,7 @@
           </a:ln>
           <a:extLst>
             <a:ext uri="{C572A759-6A51-4108-AA02-DFA0A04FC94B}">
-              <ma14:wrappingTextBoxFlag xmlns="" xmlns:m="http://schemas.openxmlformats.org/officeDocument/2006/math" xmlns:a14="http://schemas.microsoft.com/office/drawing/2010/main" xmlns:ma14="http://schemas.microsoft.com/office/mac/drawingml/2011/main" val="1"/>
+              <ma14:wrappingTextBoxFlag xmlns:ma14="http://schemas.microsoft.com/office/mac/drawingml/2011/main" xmlns:a14="http://schemas.microsoft.com/office/drawing/2010/main" xmlns:m="http://schemas.openxmlformats.org/officeDocument/2006/math" xmlns="" val="1"/>
             </a:ext>
           </a:extLst>
         </p:spPr>
@@ -36881,7 +36814,7 @@
           </a:ln>
           <a:extLst>
             <a:ext uri="{C572A759-6A51-4108-AA02-DFA0A04FC94B}">
-              <ma14:wrappingTextBoxFlag xmlns="" xmlns:m="http://schemas.openxmlformats.org/officeDocument/2006/math" xmlns:a14="http://schemas.microsoft.com/office/drawing/2010/main" xmlns:ma14="http://schemas.microsoft.com/office/mac/drawingml/2011/main" val="1"/>
+              <ma14:wrappingTextBoxFlag xmlns:ma14="http://schemas.microsoft.com/office/mac/drawingml/2011/main" xmlns:a14="http://schemas.microsoft.com/office/drawing/2010/main" xmlns:m="http://schemas.openxmlformats.org/officeDocument/2006/math" xmlns="" val="1"/>
             </a:ext>
           </a:extLst>
         </p:spPr>
@@ -36935,7 +36868,7 @@
           </a:ln>
           <a:extLst>
             <a:ext uri="{C572A759-6A51-4108-AA02-DFA0A04FC94B}">
-              <ma14:wrappingTextBoxFlag xmlns="" xmlns:m="http://schemas.openxmlformats.org/officeDocument/2006/math" xmlns:a14="http://schemas.microsoft.com/office/drawing/2010/main" xmlns:ma14="http://schemas.microsoft.com/office/mac/drawingml/2011/main" val="1"/>
+              <ma14:wrappingTextBoxFlag xmlns:ma14="http://schemas.microsoft.com/office/mac/drawingml/2011/main" xmlns:a14="http://schemas.microsoft.com/office/drawing/2010/main" xmlns:m="http://schemas.openxmlformats.org/officeDocument/2006/math" xmlns="" val="1"/>
             </a:ext>
           </a:extLst>
         </p:spPr>
@@ -37055,7 +36988,7 @@
         <p:fade thruBlk="1"/>
       </p:transition>
     </mc:Choice>
-    <mc:Fallback xmlns="" xmlns:m="http://schemas.openxmlformats.org/officeDocument/2006/math" xmlns:a14="http://schemas.microsoft.com/office/drawing/2010/main">
+    <mc:Fallback xmlns:a14="http://schemas.microsoft.com/office/drawing/2010/main" xmlns:m="http://schemas.openxmlformats.org/officeDocument/2006/math" xmlns="">
       <p:transition spd="slow">
         <p:fade/>
       </p:transition>
@@ -37176,7 +37109,7 @@
           </a:ln>
           <a:extLst>
             <a:ext uri="{C572A759-6A51-4108-AA02-DFA0A04FC94B}">
-              <ma14:wrappingTextBoxFlag xmlns="" xmlns:m="http://schemas.openxmlformats.org/officeDocument/2006/math" xmlns:a14="http://schemas.microsoft.com/office/drawing/2010/main" xmlns:ma14="http://schemas.microsoft.com/office/mac/drawingml/2011/main" val="1"/>
+              <ma14:wrappingTextBoxFlag xmlns:ma14="http://schemas.microsoft.com/office/mac/drawingml/2011/main" xmlns:a14="http://schemas.microsoft.com/office/drawing/2010/main" xmlns:m="http://schemas.openxmlformats.org/officeDocument/2006/math" xmlns="" val="1"/>
             </a:ext>
           </a:extLst>
         </p:spPr>
@@ -37247,7 +37180,7 @@
           </a:ln>
           <a:extLst>
             <a:ext uri="{C572A759-6A51-4108-AA02-DFA0A04FC94B}">
-              <ma14:wrappingTextBoxFlag xmlns="" xmlns:m="http://schemas.openxmlformats.org/officeDocument/2006/math" xmlns:a14="http://schemas.microsoft.com/office/drawing/2010/main" xmlns:ma14="http://schemas.microsoft.com/office/mac/drawingml/2011/main" val="1"/>
+              <ma14:wrappingTextBoxFlag xmlns:ma14="http://schemas.microsoft.com/office/mac/drawingml/2011/main" xmlns:a14="http://schemas.microsoft.com/office/drawing/2010/main" xmlns:m="http://schemas.openxmlformats.org/officeDocument/2006/math" xmlns="" val="1"/>
             </a:ext>
           </a:extLst>
         </p:spPr>
@@ -37291,7 +37224,7 @@
           </a:ln>
           <a:extLst>
             <a:ext uri="{C572A759-6A51-4108-AA02-DFA0A04FC94B}">
-              <ma14:wrappingTextBoxFlag xmlns="" xmlns:m="http://schemas.openxmlformats.org/officeDocument/2006/math" xmlns:a14="http://schemas.microsoft.com/office/drawing/2010/main" xmlns:ma14="http://schemas.microsoft.com/office/mac/drawingml/2011/main" val="1"/>
+              <ma14:wrappingTextBoxFlag xmlns:ma14="http://schemas.microsoft.com/office/mac/drawingml/2011/main" xmlns:a14="http://schemas.microsoft.com/office/drawing/2010/main" xmlns:m="http://schemas.openxmlformats.org/officeDocument/2006/math" xmlns="" val="1"/>
             </a:ext>
           </a:extLst>
         </p:spPr>
@@ -37356,7 +37289,7 @@
         <p:fade thruBlk="1"/>
       </p:transition>
     </mc:Choice>
-    <mc:Fallback xmlns="" xmlns:m="http://schemas.openxmlformats.org/officeDocument/2006/math" xmlns:a14="http://schemas.microsoft.com/office/drawing/2010/main">
+    <mc:Fallback xmlns:a14="http://schemas.microsoft.com/office/drawing/2010/main" xmlns:m="http://schemas.openxmlformats.org/officeDocument/2006/math" xmlns="">
       <p:transition spd="slow">
         <p:fade/>
       </p:transition>
@@ -37532,7 +37465,7 @@
           </a:ln>
           <a:extLst>
             <a:ext uri="{C572A759-6A51-4108-AA02-DFA0A04FC94B}">
-              <ma14:wrappingTextBoxFlag xmlns="" xmlns:m="http://schemas.openxmlformats.org/officeDocument/2006/math" xmlns:a14="http://schemas.microsoft.com/office/drawing/2010/main" xmlns:ma14="http://schemas.microsoft.com/office/mac/drawingml/2011/main" val="1"/>
+              <ma14:wrappingTextBoxFlag xmlns:ma14="http://schemas.microsoft.com/office/mac/drawingml/2011/main" xmlns:a14="http://schemas.microsoft.com/office/drawing/2010/main" xmlns:m="http://schemas.openxmlformats.org/officeDocument/2006/math" xmlns="" val="1"/>
             </a:ext>
           </a:extLst>
         </p:spPr>
@@ -37581,7 +37514,7 @@
           </a:ln>
           <a:extLst>
             <a:ext uri="{C572A759-6A51-4108-AA02-DFA0A04FC94B}">
-              <ma14:wrappingTextBoxFlag xmlns="" xmlns:m="http://schemas.openxmlformats.org/officeDocument/2006/math" xmlns:a14="http://schemas.microsoft.com/office/drawing/2010/main" xmlns:ma14="http://schemas.microsoft.com/office/mac/drawingml/2011/main" val="1"/>
+              <ma14:wrappingTextBoxFlag xmlns:ma14="http://schemas.microsoft.com/office/mac/drawingml/2011/main" xmlns:a14="http://schemas.microsoft.com/office/drawing/2010/main" xmlns:m="http://schemas.openxmlformats.org/officeDocument/2006/math" xmlns="" val="1"/>
             </a:ext>
           </a:extLst>
         </p:spPr>
@@ -37654,7 +37587,7 @@
           </a:ln>
           <a:extLst>
             <a:ext uri="{C572A759-6A51-4108-AA02-DFA0A04FC94B}">
-              <ma14:wrappingTextBoxFlag xmlns="" xmlns:m="http://schemas.openxmlformats.org/officeDocument/2006/math" xmlns:a14="http://schemas.microsoft.com/office/drawing/2010/main" xmlns:ma14="http://schemas.microsoft.com/office/mac/drawingml/2011/main" val="1"/>
+              <ma14:wrappingTextBoxFlag xmlns:ma14="http://schemas.microsoft.com/office/mac/drawingml/2011/main" xmlns:a14="http://schemas.microsoft.com/office/drawing/2010/main" xmlns:m="http://schemas.openxmlformats.org/officeDocument/2006/math" xmlns="" val="1"/>
             </a:ext>
           </a:extLst>
         </p:spPr>
@@ -37698,7 +37631,7 @@
           </a:ln>
           <a:extLst>
             <a:ext uri="{C572A759-6A51-4108-AA02-DFA0A04FC94B}">
-              <ma14:wrappingTextBoxFlag xmlns="" xmlns:m="http://schemas.openxmlformats.org/officeDocument/2006/math" xmlns:a14="http://schemas.microsoft.com/office/drawing/2010/main" xmlns:ma14="http://schemas.microsoft.com/office/mac/drawingml/2011/main" val="1"/>
+              <ma14:wrappingTextBoxFlag xmlns:ma14="http://schemas.microsoft.com/office/mac/drawingml/2011/main" xmlns:a14="http://schemas.microsoft.com/office/drawing/2010/main" xmlns:m="http://schemas.openxmlformats.org/officeDocument/2006/math" xmlns="" val="1"/>
             </a:ext>
           </a:extLst>
         </p:spPr>
@@ -37778,7 +37711,7 @@
         <p:fade thruBlk="1"/>
       </p:transition>
     </mc:Choice>
-    <mc:Fallback xmlns="" xmlns:m="http://schemas.openxmlformats.org/officeDocument/2006/math" xmlns:a14="http://schemas.microsoft.com/office/drawing/2010/main">
+    <mc:Fallback xmlns:a14="http://schemas.microsoft.com/office/drawing/2010/main" xmlns:m="http://schemas.openxmlformats.org/officeDocument/2006/math" xmlns="">
       <p:transition spd="slow">
         <p:fade/>
       </p:transition>
@@ -37899,7 +37832,7 @@
           </a:ln>
           <a:extLst>
             <a:ext uri="{C572A759-6A51-4108-AA02-DFA0A04FC94B}">
-              <ma14:wrappingTextBoxFlag xmlns="" xmlns:m="http://schemas.openxmlformats.org/officeDocument/2006/math" xmlns:a14="http://schemas.microsoft.com/office/drawing/2010/main" xmlns:ma14="http://schemas.microsoft.com/office/mac/drawingml/2011/main" val="1"/>
+              <ma14:wrappingTextBoxFlag xmlns:ma14="http://schemas.microsoft.com/office/mac/drawingml/2011/main" xmlns:a14="http://schemas.microsoft.com/office/drawing/2010/main" xmlns:m="http://schemas.openxmlformats.org/officeDocument/2006/math" xmlns="" val="1"/>
             </a:ext>
           </a:extLst>
         </p:spPr>
@@ -37970,7 +37903,7 @@
           </a:ln>
           <a:extLst>
             <a:ext uri="{C572A759-6A51-4108-AA02-DFA0A04FC94B}">
-              <ma14:wrappingTextBoxFlag xmlns="" xmlns:m="http://schemas.openxmlformats.org/officeDocument/2006/math" xmlns:a14="http://schemas.microsoft.com/office/drawing/2010/main" xmlns:ma14="http://schemas.microsoft.com/office/mac/drawingml/2011/main" val="1"/>
+              <ma14:wrappingTextBoxFlag xmlns:ma14="http://schemas.microsoft.com/office/mac/drawingml/2011/main" xmlns:a14="http://schemas.microsoft.com/office/drawing/2010/main" xmlns:m="http://schemas.openxmlformats.org/officeDocument/2006/math" xmlns="" val="1"/>
             </a:ext>
           </a:extLst>
         </p:spPr>
@@ -38014,7 +37947,7 @@
           </a:ln>
           <a:extLst>
             <a:ext uri="{C572A759-6A51-4108-AA02-DFA0A04FC94B}">
-              <ma14:wrappingTextBoxFlag xmlns="" xmlns:m="http://schemas.openxmlformats.org/officeDocument/2006/math" xmlns:a14="http://schemas.microsoft.com/office/drawing/2010/main" xmlns:ma14="http://schemas.microsoft.com/office/mac/drawingml/2011/main" val="1"/>
+              <ma14:wrappingTextBoxFlag xmlns:ma14="http://schemas.microsoft.com/office/mac/drawingml/2011/main" xmlns:a14="http://schemas.microsoft.com/office/drawing/2010/main" xmlns:m="http://schemas.openxmlformats.org/officeDocument/2006/math" xmlns="" val="1"/>
             </a:ext>
           </a:extLst>
         </p:spPr>
@@ -38161,7 +38094,7 @@
             </a:pPr>
             <a:r>
               <a:rPr lang="en-US" dirty="0"/>
-              <a:t>Objects</a:t>
+              <a:t>Parameter properties</a:t>
             </a:r>
           </a:p>
           <a:p>
@@ -38181,7 +38114,7 @@
             </a:pPr>
             <a:r>
               <a:rPr lang="en-US" dirty="0"/>
-              <a:t>Parameter properties</a:t>
+              <a:t>Class Expressions</a:t>
             </a:r>
           </a:p>
           <a:p>
@@ -38201,7 +38134,7 @@
             </a:pPr>
             <a:r>
               <a:rPr lang="en-US" dirty="0"/>
-              <a:t>Index Signatures</a:t>
+              <a:t>Abstract classes and methods</a:t>
             </a:r>
           </a:p>
           <a:p>
@@ -38221,7 +38154,7 @@
             </a:pPr>
             <a:r>
               <a:rPr lang="en-US" dirty="0"/>
-              <a:t>Polymorphism </a:t>
+              <a:t>Structural typing</a:t>
             </a:r>
           </a:p>
           <a:p>
@@ -38241,7 +38174,47 @@
             </a:pPr>
             <a:r>
               <a:rPr lang="en-US" dirty="0"/>
-              <a:t>Abstract classes and methods</a:t>
+              <a:t>Objects</a:t>
+            </a:r>
+          </a:p>
+          <a:p>
+            <a:pPr marL="627750" lvl="8" indent="-285750">
+              <a:buClr>
+                <a:srgbClr val="000000"/>
+              </a:buClr>
+              <a:buSzPct val="100000"/>
+              <a:buFont typeface="Arial" panose="020B0604020202020204" pitchFamily="34" charset="0"/>
+              <a:buChar char="•"/>
+              <a:defRPr>
+                <a:latin typeface="Oswald"/>
+                <a:ea typeface="Oswald"/>
+                <a:cs typeface="Oswald"/>
+                <a:sym typeface="Oswald"/>
+              </a:defRPr>
+            </a:pPr>
+            <a:r>
+              <a:rPr lang="en-US" dirty="0"/>
+              <a:t>Index Signatures</a:t>
+            </a:r>
+          </a:p>
+          <a:p>
+            <a:pPr marL="627750" lvl="8" indent="-285750">
+              <a:buClr>
+                <a:srgbClr val="000000"/>
+              </a:buClr>
+              <a:buSzPct val="100000"/>
+              <a:buFont typeface="Arial" panose="020B0604020202020204" pitchFamily="34" charset="0"/>
+              <a:buChar char="•"/>
+              <a:defRPr>
+                <a:latin typeface="Oswald"/>
+                <a:ea typeface="Oswald"/>
+                <a:cs typeface="Oswald"/>
+                <a:sym typeface="Oswald"/>
+              </a:defRPr>
+            </a:pPr>
+            <a:r>
+              <a:rPr lang="en-US" dirty="0"/>
+              <a:t>Polymorphism </a:t>
             </a:r>
           </a:p>
           <a:p>
@@ -38343,7 +38316,7 @@
         <p:fade thruBlk="1"/>
       </p:transition>
     </mc:Choice>
-    <mc:Fallback xmlns="" xmlns:m="http://schemas.openxmlformats.org/officeDocument/2006/math" xmlns:a14="http://schemas.microsoft.com/office/drawing/2010/main">
+    <mc:Fallback xmlns:a14="http://schemas.microsoft.com/office/drawing/2010/main" xmlns:m="http://schemas.openxmlformats.org/officeDocument/2006/math" xmlns="">
       <p:transition spd="slow">
         <p:fade/>
       </p:transition>
@@ -38464,7 +38437,7 @@
           </a:ln>
           <a:extLst>
             <a:ext uri="{C572A759-6A51-4108-AA02-DFA0A04FC94B}">
-              <ma14:wrappingTextBoxFlag xmlns="" xmlns:m="http://schemas.openxmlformats.org/officeDocument/2006/math" xmlns:a14="http://schemas.microsoft.com/office/drawing/2010/main" xmlns:ma14="http://schemas.microsoft.com/office/mac/drawingml/2011/main" val="1"/>
+              <ma14:wrappingTextBoxFlag xmlns:ma14="http://schemas.microsoft.com/office/mac/drawingml/2011/main" xmlns:a14="http://schemas.microsoft.com/office/drawing/2010/main" xmlns:m="http://schemas.openxmlformats.org/officeDocument/2006/math" xmlns="" val="1"/>
             </a:ext>
           </a:extLst>
         </p:spPr>
@@ -38535,7 +38508,7 @@
           </a:ln>
           <a:extLst>
             <a:ext uri="{C572A759-6A51-4108-AA02-DFA0A04FC94B}">
-              <ma14:wrappingTextBoxFlag xmlns="" xmlns:m="http://schemas.openxmlformats.org/officeDocument/2006/math" xmlns:a14="http://schemas.microsoft.com/office/drawing/2010/main" xmlns:ma14="http://schemas.microsoft.com/office/mac/drawingml/2011/main" val="1"/>
+              <ma14:wrappingTextBoxFlag xmlns:ma14="http://schemas.microsoft.com/office/mac/drawingml/2011/main" xmlns:a14="http://schemas.microsoft.com/office/drawing/2010/main" xmlns:m="http://schemas.openxmlformats.org/officeDocument/2006/math" xmlns="" val="1"/>
             </a:ext>
           </a:extLst>
         </p:spPr>
@@ -38579,7 +38552,7 @@
           </a:ln>
           <a:extLst>
             <a:ext uri="{C572A759-6A51-4108-AA02-DFA0A04FC94B}">
-              <ma14:wrappingTextBoxFlag xmlns="" xmlns:m="http://schemas.openxmlformats.org/officeDocument/2006/math" xmlns:a14="http://schemas.microsoft.com/office/drawing/2010/main" xmlns:ma14="http://schemas.microsoft.com/office/mac/drawingml/2011/main" val="1"/>
+              <ma14:wrappingTextBoxFlag xmlns:ma14="http://schemas.microsoft.com/office/mac/drawingml/2011/main" xmlns:a14="http://schemas.microsoft.com/office/drawing/2010/main" xmlns:m="http://schemas.openxmlformats.org/officeDocument/2006/math" xmlns="" val="1"/>
             </a:ext>
           </a:extLst>
         </p:spPr>
@@ -38731,7 +38704,7 @@
         <p:fade thruBlk="1"/>
       </p:transition>
     </mc:Choice>
-    <mc:Fallback xmlns="" xmlns:m="http://schemas.openxmlformats.org/officeDocument/2006/math" xmlns:a14="http://schemas.microsoft.com/office/drawing/2010/main">
+    <mc:Fallback xmlns:a14="http://schemas.microsoft.com/office/drawing/2010/main" xmlns:m="http://schemas.openxmlformats.org/officeDocument/2006/math" xmlns="">
       <p:transition spd="slow">
         <p:fade/>
       </p:transition>
@@ -38852,7 +38825,7 @@
           </a:ln>
           <a:extLst>
             <a:ext uri="{C572A759-6A51-4108-AA02-DFA0A04FC94B}">
-              <ma14:wrappingTextBoxFlag xmlns="" xmlns:m="http://schemas.openxmlformats.org/officeDocument/2006/math" xmlns:a14="http://schemas.microsoft.com/office/drawing/2010/main" xmlns:ma14="http://schemas.microsoft.com/office/mac/drawingml/2011/main" val="1"/>
+              <ma14:wrappingTextBoxFlag xmlns:ma14="http://schemas.microsoft.com/office/mac/drawingml/2011/main" xmlns:a14="http://schemas.microsoft.com/office/drawing/2010/main" xmlns:m="http://schemas.openxmlformats.org/officeDocument/2006/math" xmlns="" val="1"/>
             </a:ext>
           </a:extLst>
         </p:spPr>
@@ -38923,7 +38896,7 @@
           </a:ln>
           <a:extLst>
             <a:ext uri="{C572A759-6A51-4108-AA02-DFA0A04FC94B}">
-              <ma14:wrappingTextBoxFlag xmlns="" xmlns:m="http://schemas.openxmlformats.org/officeDocument/2006/math" xmlns:a14="http://schemas.microsoft.com/office/drawing/2010/main" xmlns:ma14="http://schemas.microsoft.com/office/mac/drawingml/2011/main" val="1"/>
+              <ma14:wrappingTextBoxFlag xmlns:ma14="http://schemas.microsoft.com/office/mac/drawingml/2011/main" xmlns:a14="http://schemas.microsoft.com/office/drawing/2010/main" xmlns:m="http://schemas.openxmlformats.org/officeDocument/2006/math" xmlns="" val="1"/>
             </a:ext>
           </a:extLst>
         </p:spPr>
@@ -38967,7 +38940,7 @@
           </a:ln>
           <a:extLst>
             <a:ext uri="{C572A759-6A51-4108-AA02-DFA0A04FC94B}">
-              <ma14:wrappingTextBoxFlag xmlns="" xmlns:m="http://schemas.openxmlformats.org/officeDocument/2006/math" xmlns:a14="http://schemas.microsoft.com/office/drawing/2010/main" xmlns:ma14="http://schemas.microsoft.com/office/mac/drawingml/2011/main" val="1"/>
+              <ma14:wrappingTextBoxFlag xmlns:ma14="http://schemas.microsoft.com/office/mac/drawingml/2011/main" xmlns:a14="http://schemas.microsoft.com/office/drawing/2010/main" xmlns:m="http://schemas.openxmlformats.org/officeDocument/2006/math" xmlns="" val="1"/>
             </a:ext>
           </a:extLst>
         </p:spPr>
@@ -39027,7 +39000,7 @@
         <p:fade thruBlk="1"/>
       </p:transition>
     </mc:Choice>
-    <mc:Fallback xmlns="" xmlns:m="http://schemas.openxmlformats.org/officeDocument/2006/math" xmlns:a14="http://schemas.microsoft.com/office/drawing/2010/main">
+    <mc:Fallback xmlns:a14="http://schemas.microsoft.com/office/drawing/2010/main" xmlns:m="http://schemas.openxmlformats.org/officeDocument/2006/math" xmlns="">
       <p:transition spd="slow">
         <p:fade/>
       </p:transition>
@@ -39148,7 +39121,7 @@
           </a:ln>
           <a:extLst>
             <a:ext uri="{C572A759-6A51-4108-AA02-DFA0A04FC94B}">
-              <ma14:wrappingTextBoxFlag xmlns="" xmlns:m="http://schemas.openxmlformats.org/officeDocument/2006/math" xmlns:a14="http://schemas.microsoft.com/office/drawing/2010/main" xmlns:ma14="http://schemas.microsoft.com/office/mac/drawingml/2011/main" val="1"/>
+              <ma14:wrappingTextBoxFlag xmlns:ma14="http://schemas.microsoft.com/office/mac/drawingml/2011/main" xmlns:a14="http://schemas.microsoft.com/office/drawing/2010/main" xmlns:m="http://schemas.openxmlformats.org/officeDocument/2006/math" xmlns="" val="1"/>
             </a:ext>
           </a:extLst>
         </p:spPr>
@@ -39219,7 +39192,7 @@
           </a:ln>
           <a:extLst>
             <a:ext uri="{C572A759-6A51-4108-AA02-DFA0A04FC94B}">
-              <ma14:wrappingTextBoxFlag xmlns="" xmlns:m="http://schemas.openxmlformats.org/officeDocument/2006/math" xmlns:a14="http://schemas.microsoft.com/office/drawing/2010/main" xmlns:ma14="http://schemas.microsoft.com/office/mac/drawingml/2011/main" val="1"/>
+              <ma14:wrappingTextBoxFlag xmlns:ma14="http://schemas.microsoft.com/office/mac/drawingml/2011/main" xmlns:a14="http://schemas.microsoft.com/office/drawing/2010/main" xmlns:m="http://schemas.openxmlformats.org/officeDocument/2006/math" xmlns="" val="1"/>
             </a:ext>
           </a:extLst>
         </p:spPr>
@@ -39265,7 +39238,7 @@
           </a:ln>
           <a:extLst>
             <a:ext uri="{C572A759-6A51-4108-AA02-DFA0A04FC94B}">
-              <ma14:wrappingTextBoxFlag xmlns="" xmlns:m="http://schemas.openxmlformats.org/officeDocument/2006/math" xmlns:a14="http://schemas.microsoft.com/office/drawing/2010/main" xmlns:ma14="http://schemas.microsoft.com/office/mac/drawingml/2011/main" val="1"/>
+              <ma14:wrappingTextBoxFlag xmlns:ma14="http://schemas.microsoft.com/office/mac/drawingml/2011/main" xmlns:a14="http://schemas.microsoft.com/office/drawing/2010/main" xmlns:m="http://schemas.openxmlformats.org/officeDocument/2006/math" xmlns="" val="1"/>
             </a:ext>
           </a:extLst>
         </p:spPr>
@@ -39337,7 +39310,7 @@
         <p:fade thruBlk="1"/>
       </p:transition>
     </mc:Choice>
-    <mc:Fallback xmlns="" xmlns:m="http://schemas.openxmlformats.org/officeDocument/2006/math" xmlns:a14="http://schemas.microsoft.com/office/drawing/2010/main">
+    <mc:Fallback xmlns:a14="http://schemas.microsoft.com/office/drawing/2010/main" xmlns:m="http://schemas.openxmlformats.org/officeDocument/2006/math" xmlns="">
       <p:transition spd="slow">
         <p:fade/>
       </p:transition>
@@ -39458,7 +39431,7 @@
           </a:ln>
           <a:extLst>
             <a:ext uri="{C572A759-6A51-4108-AA02-DFA0A04FC94B}">
-              <ma14:wrappingTextBoxFlag xmlns="" xmlns:m="http://schemas.openxmlformats.org/officeDocument/2006/math" xmlns:a14="http://schemas.microsoft.com/office/drawing/2010/main" xmlns:ma14="http://schemas.microsoft.com/office/mac/drawingml/2011/main" val="1"/>
+              <ma14:wrappingTextBoxFlag xmlns:ma14="http://schemas.microsoft.com/office/mac/drawingml/2011/main" xmlns:a14="http://schemas.microsoft.com/office/drawing/2010/main" xmlns:m="http://schemas.openxmlformats.org/officeDocument/2006/math" xmlns="" val="1"/>
             </a:ext>
           </a:extLst>
         </p:spPr>
@@ -39529,7 +39502,7 @@
           </a:ln>
           <a:extLst>
             <a:ext uri="{C572A759-6A51-4108-AA02-DFA0A04FC94B}">
-              <ma14:wrappingTextBoxFlag xmlns="" xmlns:m="http://schemas.openxmlformats.org/officeDocument/2006/math" xmlns:a14="http://schemas.microsoft.com/office/drawing/2010/main" xmlns:ma14="http://schemas.microsoft.com/office/mac/drawingml/2011/main" val="1"/>
+              <ma14:wrappingTextBoxFlag xmlns:ma14="http://schemas.microsoft.com/office/mac/drawingml/2011/main" xmlns:a14="http://schemas.microsoft.com/office/drawing/2010/main" xmlns:m="http://schemas.openxmlformats.org/officeDocument/2006/math" xmlns="" val="1"/>
             </a:ext>
           </a:extLst>
         </p:spPr>
@@ -39575,7 +39548,7 @@
           </a:ln>
           <a:extLst>
             <a:ext uri="{C572A759-6A51-4108-AA02-DFA0A04FC94B}">
-              <ma14:wrappingTextBoxFlag xmlns="" xmlns:m="http://schemas.openxmlformats.org/officeDocument/2006/math" xmlns:a14="http://schemas.microsoft.com/office/drawing/2010/main" xmlns:ma14="http://schemas.microsoft.com/office/mac/drawingml/2011/main" val="1"/>
+              <ma14:wrappingTextBoxFlag xmlns:ma14="http://schemas.microsoft.com/office/mac/drawingml/2011/main" xmlns:a14="http://schemas.microsoft.com/office/drawing/2010/main" xmlns:m="http://schemas.openxmlformats.org/officeDocument/2006/math" xmlns="" val="1"/>
             </a:ext>
           </a:extLst>
         </p:spPr>
@@ -39797,7 +39770,7 @@
         <p:fade thruBlk="1"/>
       </p:transition>
     </mc:Choice>
-    <mc:Fallback xmlns="" xmlns:m="http://schemas.openxmlformats.org/officeDocument/2006/math" xmlns:a14="http://schemas.microsoft.com/office/drawing/2010/main">
+    <mc:Fallback xmlns:a14="http://schemas.microsoft.com/office/drawing/2010/main" xmlns:m="http://schemas.openxmlformats.org/officeDocument/2006/math" xmlns="">
       <p:transition spd="slow">
         <p:fade/>
       </p:transition>
@@ -39918,7 +39891,7 @@
           </a:ln>
           <a:extLst>
             <a:ext uri="{C572A759-6A51-4108-AA02-DFA0A04FC94B}">
-              <ma14:wrappingTextBoxFlag xmlns="" xmlns:m="http://schemas.openxmlformats.org/officeDocument/2006/math" xmlns:a14="http://schemas.microsoft.com/office/drawing/2010/main" xmlns:ma14="http://schemas.microsoft.com/office/mac/drawingml/2011/main" val="1"/>
+              <ma14:wrappingTextBoxFlag xmlns:ma14="http://schemas.microsoft.com/office/mac/drawingml/2011/main" xmlns:a14="http://schemas.microsoft.com/office/drawing/2010/main" xmlns:m="http://schemas.openxmlformats.org/officeDocument/2006/math" xmlns="" val="1"/>
             </a:ext>
           </a:extLst>
         </p:spPr>
@@ -39989,7 +39962,7 @@
           </a:ln>
           <a:extLst>
             <a:ext uri="{C572A759-6A51-4108-AA02-DFA0A04FC94B}">
-              <ma14:wrappingTextBoxFlag xmlns="" xmlns:m="http://schemas.openxmlformats.org/officeDocument/2006/math" xmlns:a14="http://schemas.microsoft.com/office/drawing/2010/main" xmlns:ma14="http://schemas.microsoft.com/office/mac/drawingml/2011/main" val="1"/>
+              <ma14:wrappingTextBoxFlag xmlns:ma14="http://schemas.microsoft.com/office/mac/drawingml/2011/main" xmlns:a14="http://schemas.microsoft.com/office/drawing/2010/main" xmlns:m="http://schemas.openxmlformats.org/officeDocument/2006/math" xmlns="" val="1"/>
             </a:ext>
           </a:extLst>
         </p:spPr>
@@ -40035,7 +40008,7 @@
           </a:ln>
           <a:extLst>
             <a:ext uri="{C572A759-6A51-4108-AA02-DFA0A04FC94B}">
-              <ma14:wrappingTextBoxFlag xmlns="" xmlns:m="http://schemas.openxmlformats.org/officeDocument/2006/math" xmlns:a14="http://schemas.microsoft.com/office/drawing/2010/main" xmlns:ma14="http://schemas.microsoft.com/office/mac/drawingml/2011/main" val="1"/>
+              <ma14:wrappingTextBoxFlag xmlns:ma14="http://schemas.microsoft.com/office/mac/drawingml/2011/main" xmlns:a14="http://schemas.microsoft.com/office/drawing/2010/main" xmlns:m="http://schemas.openxmlformats.org/officeDocument/2006/math" xmlns="" val="1"/>
             </a:ext>
           </a:extLst>
         </p:spPr>
@@ -40207,7 +40180,7 @@
         <p:fade thruBlk="1"/>
       </p:transition>
     </mc:Choice>
-    <mc:Fallback xmlns="" xmlns:m="http://schemas.openxmlformats.org/officeDocument/2006/math" xmlns:a14="http://schemas.microsoft.com/office/drawing/2010/main">
+    <mc:Fallback xmlns:a14="http://schemas.microsoft.com/office/drawing/2010/main" xmlns:m="http://schemas.openxmlformats.org/officeDocument/2006/math" xmlns="">
       <p:transition spd="slow">
         <p:fade/>
       </p:transition>
@@ -40328,7 +40301,7 @@
           </a:ln>
           <a:extLst>
             <a:ext uri="{C572A759-6A51-4108-AA02-DFA0A04FC94B}">
-              <ma14:wrappingTextBoxFlag xmlns="" xmlns:m="http://schemas.openxmlformats.org/officeDocument/2006/math" xmlns:a14="http://schemas.microsoft.com/office/drawing/2010/main" xmlns:ma14="http://schemas.microsoft.com/office/mac/drawingml/2011/main" val="1"/>
+              <ma14:wrappingTextBoxFlag xmlns:ma14="http://schemas.microsoft.com/office/mac/drawingml/2011/main" xmlns:a14="http://schemas.microsoft.com/office/drawing/2010/main" xmlns:m="http://schemas.openxmlformats.org/officeDocument/2006/math" xmlns="" val="1"/>
             </a:ext>
           </a:extLst>
         </p:spPr>
@@ -40399,7 +40372,7 @@
           </a:ln>
           <a:extLst>
             <a:ext uri="{C572A759-6A51-4108-AA02-DFA0A04FC94B}">
-              <ma14:wrappingTextBoxFlag xmlns="" xmlns:m="http://schemas.openxmlformats.org/officeDocument/2006/math" xmlns:a14="http://schemas.microsoft.com/office/drawing/2010/main" xmlns:ma14="http://schemas.microsoft.com/office/mac/drawingml/2011/main" val="1"/>
+              <ma14:wrappingTextBoxFlag xmlns:ma14="http://schemas.microsoft.com/office/mac/drawingml/2011/main" xmlns:a14="http://schemas.microsoft.com/office/drawing/2010/main" xmlns:m="http://schemas.openxmlformats.org/officeDocument/2006/math" xmlns="" val="1"/>
             </a:ext>
           </a:extLst>
         </p:spPr>
@@ -40445,7 +40418,7 @@
           </a:ln>
           <a:extLst>
             <a:ext uri="{C572A759-6A51-4108-AA02-DFA0A04FC94B}">
-              <ma14:wrappingTextBoxFlag xmlns="" xmlns:m="http://schemas.openxmlformats.org/officeDocument/2006/math" xmlns:a14="http://schemas.microsoft.com/office/drawing/2010/main" xmlns:ma14="http://schemas.microsoft.com/office/mac/drawingml/2011/main" val="1"/>
+              <ma14:wrappingTextBoxFlag xmlns:ma14="http://schemas.microsoft.com/office/mac/drawingml/2011/main" xmlns:a14="http://schemas.microsoft.com/office/drawing/2010/main" xmlns:m="http://schemas.openxmlformats.org/officeDocument/2006/math" xmlns="" val="1"/>
             </a:ext>
           </a:extLst>
         </p:spPr>
@@ -40567,7 +40540,7 @@
         <p:fade thruBlk="1"/>
       </p:transition>
     </mc:Choice>
-    <mc:Fallback xmlns="" xmlns:m="http://schemas.openxmlformats.org/officeDocument/2006/math" xmlns:a14="http://schemas.microsoft.com/office/drawing/2010/main">
+    <mc:Fallback xmlns:a14="http://schemas.microsoft.com/office/drawing/2010/main" xmlns:m="http://schemas.openxmlformats.org/officeDocument/2006/math" xmlns="">
       <p:transition spd="slow">
         <p:fade/>
       </p:transition>
@@ -40688,7 +40661,7 @@
           </a:ln>
           <a:extLst>
             <a:ext uri="{C572A759-6A51-4108-AA02-DFA0A04FC94B}">
-              <ma14:wrappingTextBoxFlag xmlns="" xmlns:m="http://schemas.openxmlformats.org/officeDocument/2006/math" xmlns:a14="http://schemas.microsoft.com/office/drawing/2010/main" xmlns:ma14="http://schemas.microsoft.com/office/mac/drawingml/2011/main" val="1"/>
+              <ma14:wrappingTextBoxFlag xmlns:ma14="http://schemas.microsoft.com/office/mac/drawingml/2011/main" xmlns:a14="http://schemas.microsoft.com/office/drawing/2010/main" xmlns:m="http://schemas.openxmlformats.org/officeDocument/2006/math" xmlns="" val="1"/>
             </a:ext>
           </a:extLst>
         </p:spPr>
@@ -40759,7 +40732,7 @@
           </a:ln>
           <a:extLst>
             <a:ext uri="{C572A759-6A51-4108-AA02-DFA0A04FC94B}">
-              <ma14:wrappingTextBoxFlag xmlns="" xmlns:m="http://schemas.openxmlformats.org/officeDocument/2006/math" xmlns:a14="http://schemas.microsoft.com/office/drawing/2010/main" xmlns:ma14="http://schemas.microsoft.com/office/mac/drawingml/2011/main" val="1"/>
+              <ma14:wrappingTextBoxFlag xmlns:ma14="http://schemas.microsoft.com/office/mac/drawingml/2011/main" xmlns:a14="http://schemas.microsoft.com/office/drawing/2010/main" xmlns:m="http://schemas.openxmlformats.org/officeDocument/2006/math" xmlns="" val="1"/>
             </a:ext>
           </a:extLst>
         </p:spPr>
@@ -40805,7 +40778,7 @@
           </a:ln>
           <a:extLst>
             <a:ext uri="{C572A759-6A51-4108-AA02-DFA0A04FC94B}">
-              <ma14:wrappingTextBoxFlag xmlns="" xmlns:m="http://schemas.openxmlformats.org/officeDocument/2006/math" xmlns:a14="http://schemas.microsoft.com/office/drawing/2010/main" xmlns:ma14="http://schemas.microsoft.com/office/mac/drawingml/2011/main" val="1"/>
+              <ma14:wrappingTextBoxFlag xmlns:ma14="http://schemas.microsoft.com/office/mac/drawingml/2011/main" xmlns:a14="http://schemas.microsoft.com/office/drawing/2010/main" xmlns:m="http://schemas.openxmlformats.org/officeDocument/2006/math" xmlns="" val="1"/>
             </a:ext>
           </a:extLst>
         </p:spPr>
@@ -41016,7 +40989,7 @@
         <p:fade thruBlk="1"/>
       </p:transition>
     </mc:Choice>
-    <mc:Fallback xmlns="" xmlns:m="http://schemas.openxmlformats.org/officeDocument/2006/math" xmlns:a14="http://schemas.microsoft.com/office/drawing/2010/main">
+    <mc:Fallback xmlns:a14="http://schemas.microsoft.com/office/drawing/2010/main" xmlns:m="http://schemas.openxmlformats.org/officeDocument/2006/math" xmlns="">
       <p:transition spd="slow">
         <p:fade/>
       </p:transition>
@@ -41137,7 +41110,7 @@
           </a:ln>
           <a:extLst>
             <a:ext uri="{C572A759-6A51-4108-AA02-DFA0A04FC94B}">
-              <ma14:wrappingTextBoxFlag xmlns="" xmlns:m="http://schemas.openxmlformats.org/officeDocument/2006/math" xmlns:a14="http://schemas.microsoft.com/office/drawing/2010/main" xmlns:ma14="http://schemas.microsoft.com/office/mac/drawingml/2011/main" val="1"/>
+              <ma14:wrappingTextBoxFlag xmlns:ma14="http://schemas.microsoft.com/office/mac/drawingml/2011/main" xmlns:a14="http://schemas.microsoft.com/office/drawing/2010/main" xmlns:m="http://schemas.openxmlformats.org/officeDocument/2006/math" xmlns="" val="1"/>
             </a:ext>
           </a:extLst>
         </p:spPr>
@@ -41208,7 +41181,7 @@
           </a:ln>
           <a:extLst>
             <a:ext uri="{C572A759-6A51-4108-AA02-DFA0A04FC94B}">
-              <ma14:wrappingTextBoxFlag xmlns="" xmlns:m="http://schemas.openxmlformats.org/officeDocument/2006/math" xmlns:a14="http://schemas.microsoft.com/office/drawing/2010/main" xmlns:ma14="http://schemas.microsoft.com/office/mac/drawingml/2011/main" val="1"/>
+              <ma14:wrappingTextBoxFlag xmlns:ma14="http://schemas.microsoft.com/office/mac/drawingml/2011/main" xmlns:a14="http://schemas.microsoft.com/office/drawing/2010/main" xmlns:m="http://schemas.openxmlformats.org/officeDocument/2006/math" xmlns="" val="1"/>
             </a:ext>
           </a:extLst>
         </p:spPr>
@@ -41254,7 +41227,7 @@
           </a:ln>
           <a:extLst>
             <a:ext uri="{C572A759-6A51-4108-AA02-DFA0A04FC94B}">
-              <ma14:wrappingTextBoxFlag xmlns="" xmlns:m="http://schemas.openxmlformats.org/officeDocument/2006/math" xmlns:a14="http://schemas.microsoft.com/office/drawing/2010/main" xmlns:ma14="http://schemas.microsoft.com/office/mac/drawingml/2011/main" val="1"/>
+              <ma14:wrappingTextBoxFlag xmlns:ma14="http://schemas.microsoft.com/office/mac/drawingml/2011/main" xmlns:a14="http://schemas.microsoft.com/office/drawing/2010/main" xmlns:m="http://schemas.openxmlformats.org/officeDocument/2006/math" xmlns="" val="1"/>
             </a:ext>
           </a:extLst>
         </p:spPr>
@@ -41406,7 +41379,7 @@
         <p:fade thruBlk="1"/>
       </p:transition>
     </mc:Choice>
-    <mc:Fallback xmlns="" xmlns:m="http://schemas.openxmlformats.org/officeDocument/2006/math" xmlns:a14="http://schemas.microsoft.com/office/drawing/2010/main">
+    <mc:Fallback xmlns:a14="http://schemas.microsoft.com/office/drawing/2010/main" xmlns:m="http://schemas.openxmlformats.org/officeDocument/2006/math" xmlns="">
       <p:transition spd="slow">
         <p:fade/>
       </p:transition>
@@ -41527,7 +41500,7 @@
           </a:ln>
           <a:extLst>
             <a:ext uri="{C572A759-6A51-4108-AA02-DFA0A04FC94B}">
-              <ma14:wrappingTextBoxFlag xmlns="" xmlns:m="http://schemas.openxmlformats.org/officeDocument/2006/math" xmlns:a14="http://schemas.microsoft.com/office/drawing/2010/main" xmlns:ma14="http://schemas.microsoft.com/office/mac/drawingml/2011/main" val="1"/>
+              <ma14:wrappingTextBoxFlag xmlns:ma14="http://schemas.microsoft.com/office/mac/drawingml/2011/main" xmlns:a14="http://schemas.microsoft.com/office/drawing/2010/main" xmlns:m="http://schemas.openxmlformats.org/officeDocument/2006/math" xmlns="" val="1"/>
             </a:ext>
           </a:extLst>
         </p:spPr>
@@ -41598,7 +41571,7 @@
           </a:ln>
           <a:extLst>
             <a:ext uri="{C572A759-6A51-4108-AA02-DFA0A04FC94B}">
-              <ma14:wrappingTextBoxFlag xmlns="" xmlns:m="http://schemas.openxmlformats.org/officeDocument/2006/math" xmlns:a14="http://schemas.microsoft.com/office/drawing/2010/main" xmlns:ma14="http://schemas.microsoft.com/office/mac/drawingml/2011/main" val="1"/>
+              <ma14:wrappingTextBoxFlag xmlns:ma14="http://schemas.microsoft.com/office/mac/drawingml/2011/main" xmlns:a14="http://schemas.microsoft.com/office/drawing/2010/main" xmlns:m="http://schemas.openxmlformats.org/officeDocument/2006/math" xmlns="" val="1"/>
             </a:ext>
           </a:extLst>
         </p:spPr>
@@ -41644,7 +41617,7 @@
           </a:ln>
           <a:extLst>
             <a:ext uri="{C572A759-6A51-4108-AA02-DFA0A04FC94B}">
-              <ma14:wrappingTextBoxFlag xmlns="" xmlns:m="http://schemas.openxmlformats.org/officeDocument/2006/math" xmlns:a14="http://schemas.microsoft.com/office/drawing/2010/main" xmlns:ma14="http://schemas.microsoft.com/office/mac/drawingml/2011/main" val="1"/>
+              <ma14:wrappingTextBoxFlag xmlns:ma14="http://schemas.microsoft.com/office/mac/drawingml/2011/main" xmlns:a14="http://schemas.microsoft.com/office/drawing/2010/main" xmlns:m="http://schemas.openxmlformats.org/officeDocument/2006/math" xmlns="" val="1"/>
             </a:ext>
           </a:extLst>
         </p:spPr>
@@ -41758,7 +41731,7 @@
         <p:fade thruBlk="1"/>
       </p:transition>
     </mc:Choice>
-    <mc:Fallback xmlns="" xmlns:m="http://schemas.openxmlformats.org/officeDocument/2006/math" xmlns:a14="http://schemas.microsoft.com/office/drawing/2010/main">
+    <mc:Fallback xmlns:a14="http://schemas.microsoft.com/office/drawing/2010/main" xmlns:m="http://schemas.openxmlformats.org/officeDocument/2006/math" xmlns="">
       <p:transition spd="slow">
         <p:fade/>
       </p:transition>
@@ -41879,7 +41852,7 @@
           </a:ln>
           <a:extLst>
             <a:ext uri="{C572A759-6A51-4108-AA02-DFA0A04FC94B}">
-              <ma14:wrappingTextBoxFlag xmlns="" xmlns:m="http://schemas.openxmlformats.org/officeDocument/2006/math" xmlns:a14="http://schemas.microsoft.com/office/drawing/2010/main" xmlns:ma14="http://schemas.microsoft.com/office/mac/drawingml/2011/main" val="1"/>
+              <ma14:wrappingTextBoxFlag xmlns:ma14="http://schemas.microsoft.com/office/mac/drawingml/2011/main" xmlns:a14="http://schemas.microsoft.com/office/drawing/2010/main" xmlns:m="http://schemas.openxmlformats.org/officeDocument/2006/math" xmlns="" val="1"/>
             </a:ext>
           </a:extLst>
         </p:spPr>
@@ -41950,7 +41923,7 @@
           </a:ln>
           <a:extLst>
             <a:ext uri="{C572A759-6A51-4108-AA02-DFA0A04FC94B}">
-              <ma14:wrappingTextBoxFlag xmlns="" xmlns:m="http://schemas.openxmlformats.org/officeDocument/2006/math" xmlns:a14="http://schemas.microsoft.com/office/drawing/2010/main" xmlns:ma14="http://schemas.microsoft.com/office/mac/drawingml/2011/main" val="1"/>
+              <ma14:wrappingTextBoxFlag xmlns:ma14="http://schemas.microsoft.com/office/mac/drawingml/2011/main" xmlns:a14="http://schemas.microsoft.com/office/drawing/2010/main" xmlns:m="http://schemas.openxmlformats.org/officeDocument/2006/math" xmlns="" val="1"/>
             </a:ext>
           </a:extLst>
         </p:spPr>
@@ -41996,7 +41969,7 @@
           </a:ln>
           <a:extLst>
             <a:ext uri="{C572A759-6A51-4108-AA02-DFA0A04FC94B}">
-              <ma14:wrappingTextBoxFlag xmlns="" xmlns:m="http://schemas.openxmlformats.org/officeDocument/2006/math" xmlns:a14="http://schemas.microsoft.com/office/drawing/2010/main" xmlns:ma14="http://schemas.microsoft.com/office/mac/drawingml/2011/main" val="1"/>
+              <ma14:wrappingTextBoxFlag xmlns:ma14="http://schemas.microsoft.com/office/mac/drawingml/2011/main" xmlns:a14="http://schemas.microsoft.com/office/drawing/2010/main" xmlns:m="http://schemas.openxmlformats.org/officeDocument/2006/math" xmlns="" val="1"/>
             </a:ext>
           </a:extLst>
         </p:spPr>
@@ -42092,7 +42065,7 @@
         <p:fade thruBlk="1"/>
       </p:transition>
     </mc:Choice>
-    <mc:Fallback xmlns="" xmlns:m="http://schemas.openxmlformats.org/officeDocument/2006/math" xmlns:a14="http://schemas.microsoft.com/office/drawing/2010/main">
+    <mc:Fallback xmlns:a14="http://schemas.microsoft.com/office/drawing/2010/main" xmlns:m="http://schemas.openxmlformats.org/officeDocument/2006/math" xmlns="">
       <p:transition spd="slow">
         <p:fade/>
       </p:transition>
@@ -42213,7 +42186,7 @@
           </a:ln>
           <a:extLst>
             <a:ext uri="{C572A759-6A51-4108-AA02-DFA0A04FC94B}">
-              <ma14:wrappingTextBoxFlag xmlns="" xmlns:m="http://schemas.openxmlformats.org/officeDocument/2006/math" xmlns:a14="http://schemas.microsoft.com/office/drawing/2010/main" xmlns:ma14="http://schemas.microsoft.com/office/mac/drawingml/2011/main" val="1"/>
+              <ma14:wrappingTextBoxFlag xmlns:ma14="http://schemas.microsoft.com/office/mac/drawingml/2011/main" xmlns:a14="http://schemas.microsoft.com/office/drawing/2010/main" xmlns:m="http://schemas.openxmlformats.org/officeDocument/2006/math" xmlns="" val="1"/>
             </a:ext>
           </a:extLst>
         </p:spPr>
@@ -42284,7 +42257,7 @@
           </a:ln>
           <a:extLst>
             <a:ext uri="{C572A759-6A51-4108-AA02-DFA0A04FC94B}">
-              <ma14:wrappingTextBoxFlag xmlns="" xmlns:m="http://schemas.openxmlformats.org/officeDocument/2006/math" xmlns:a14="http://schemas.microsoft.com/office/drawing/2010/main" xmlns:ma14="http://schemas.microsoft.com/office/mac/drawingml/2011/main" val="1"/>
+              <ma14:wrappingTextBoxFlag xmlns:ma14="http://schemas.microsoft.com/office/mac/drawingml/2011/main" xmlns:a14="http://schemas.microsoft.com/office/drawing/2010/main" xmlns:m="http://schemas.openxmlformats.org/officeDocument/2006/math" xmlns="" val="1"/>
             </a:ext>
           </a:extLst>
         </p:spPr>
@@ -42330,7 +42303,7 @@
           </a:ln>
           <a:extLst>
             <a:ext uri="{C572A759-6A51-4108-AA02-DFA0A04FC94B}">
-              <ma14:wrappingTextBoxFlag xmlns="" xmlns:m="http://schemas.openxmlformats.org/officeDocument/2006/math" xmlns:a14="http://schemas.microsoft.com/office/drawing/2010/main" xmlns:ma14="http://schemas.microsoft.com/office/mac/drawingml/2011/main" val="1"/>
+              <ma14:wrappingTextBoxFlag xmlns:ma14="http://schemas.microsoft.com/office/mac/drawingml/2011/main" xmlns:a14="http://schemas.microsoft.com/office/drawing/2010/main" xmlns:m="http://schemas.openxmlformats.org/officeDocument/2006/math" xmlns="" val="1"/>
             </a:ext>
           </a:extLst>
         </p:spPr>
@@ -42426,7 +42399,7 @@
         <p:fade thruBlk="1"/>
       </p:transition>
     </mc:Choice>
-    <mc:Fallback xmlns="" xmlns:m="http://schemas.openxmlformats.org/officeDocument/2006/math" xmlns:a14="http://schemas.microsoft.com/office/drawing/2010/main">
+    <mc:Fallback xmlns:a14="http://schemas.microsoft.com/office/drawing/2010/main" xmlns:m="http://schemas.openxmlformats.org/officeDocument/2006/math" xmlns="">
       <p:transition spd="slow">
         <p:fade/>
       </p:transition>
@@ -42547,7 +42520,7 @@
           </a:ln>
           <a:extLst>
             <a:ext uri="{C572A759-6A51-4108-AA02-DFA0A04FC94B}">
-              <ma14:wrappingTextBoxFlag xmlns="" xmlns:m="http://schemas.openxmlformats.org/officeDocument/2006/math" xmlns:a14="http://schemas.microsoft.com/office/drawing/2010/main" xmlns:ma14="http://schemas.microsoft.com/office/mac/drawingml/2011/main" val="1"/>
+              <ma14:wrappingTextBoxFlag xmlns:ma14="http://schemas.microsoft.com/office/mac/drawingml/2011/main" xmlns:a14="http://schemas.microsoft.com/office/drawing/2010/main" xmlns:m="http://schemas.openxmlformats.org/officeDocument/2006/math" xmlns="" val="1"/>
             </a:ext>
           </a:extLst>
         </p:spPr>
@@ -42618,7 +42591,7 @@
           </a:ln>
           <a:extLst>
             <a:ext uri="{C572A759-6A51-4108-AA02-DFA0A04FC94B}">
-              <ma14:wrappingTextBoxFlag xmlns="" xmlns:m="http://schemas.openxmlformats.org/officeDocument/2006/math" xmlns:a14="http://schemas.microsoft.com/office/drawing/2010/main" xmlns:ma14="http://schemas.microsoft.com/office/mac/drawingml/2011/main" val="1"/>
+              <ma14:wrappingTextBoxFlag xmlns:ma14="http://schemas.microsoft.com/office/mac/drawingml/2011/main" xmlns:a14="http://schemas.microsoft.com/office/drawing/2010/main" xmlns:m="http://schemas.openxmlformats.org/officeDocument/2006/math" xmlns="" val="1"/>
             </a:ext>
           </a:extLst>
         </p:spPr>
@@ -42664,7 +42637,7 @@
           </a:ln>
           <a:extLst>
             <a:ext uri="{C572A759-6A51-4108-AA02-DFA0A04FC94B}">
-              <ma14:wrappingTextBoxFlag xmlns="" xmlns:m="http://schemas.openxmlformats.org/officeDocument/2006/math" xmlns:a14="http://schemas.microsoft.com/office/drawing/2010/main" xmlns:ma14="http://schemas.microsoft.com/office/mac/drawingml/2011/main" val="1"/>
+              <ma14:wrappingTextBoxFlag xmlns:ma14="http://schemas.microsoft.com/office/mac/drawingml/2011/main" xmlns:a14="http://schemas.microsoft.com/office/drawing/2010/main" xmlns:m="http://schemas.openxmlformats.org/officeDocument/2006/math" xmlns="" val="1"/>
             </a:ext>
           </a:extLst>
         </p:spPr>
@@ -42810,7 +42783,7 @@
         <p:fade thruBlk="1"/>
       </p:transition>
     </mc:Choice>
-    <mc:Fallback xmlns="" xmlns:m="http://schemas.openxmlformats.org/officeDocument/2006/math" xmlns:a14="http://schemas.microsoft.com/office/drawing/2010/main">
+    <mc:Fallback xmlns:a14="http://schemas.microsoft.com/office/drawing/2010/main" xmlns:m="http://schemas.openxmlformats.org/officeDocument/2006/math" xmlns="">
       <p:transition spd="slow">
         <p:fade/>
       </p:transition>
@@ -42931,7 +42904,7 @@
           </a:ln>
           <a:extLst>
             <a:ext uri="{C572A759-6A51-4108-AA02-DFA0A04FC94B}">
-              <ma14:wrappingTextBoxFlag xmlns="" xmlns:m="http://schemas.openxmlformats.org/officeDocument/2006/math" xmlns:a14="http://schemas.microsoft.com/office/drawing/2010/main" xmlns:ma14="http://schemas.microsoft.com/office/mac/drawingml/2011/main" val="1"/>
+              <ma14:wrappingTextBoxFlag xmlns:ma14="http://schemas.microsoft.com/office/mac/drawingml/2011/main" xmlns:a14="http://schemas.microsoft.com/office/drawing/2010/main" xmlns:m="http://schemas.openxmlformats.org/officeDocument/2006/math" xmlns="" val="1"/>
             </a:ext>
           </a:extLst>
         </p:spPr>
@@ -43002,7 +42975,7 @@
           </a:ln>
           <a:extLst>
             <a:ext uri="{C572A759-6A51-4108-AA02-DFA0A04FC94B}">
-              <ma14:wrappingTextBoxFlag xmlns="" xmlns:m="http://schemas.openxmlformats.org/officeDocument/2006/math" xmlns:a14="http://schemas.microsoft.com/office/drawing/2010/main" xmlns:ma14="http://schemas.microsoft.com/office/mac/drawingml/2011/main" val="1"/>
+              <ma14:wrappingTextBoxFlag xmlns:ma14="http://schemas.microsoft.com/office/mac/drawingml/2011/main" xmlns:a14="http://schemas.microsoft.com/office/drawing/2010/main" xmlns:m="http://schemas.openxmlformats.org/officeDocument/2006/math" xmlns="" val="1"/>
             </a:ext>
           </a:extLst>
         </p:spPr>
@@ -43046,7 +43019,7 @@
           </a:ln>
           <a:extLst>
             <a:ext uri="{C572A759-6A51-4108-AA02-DFA0A04FC94B}">
-              <ma14:wrappingTextBoxFlag xmlns="" xmlns:m="http://schemas.openxmlformats.org/officeDocument/2006/math" xmlns:a14="http://schemas.microsoft.com/office/drawing/2010/main" xmlns:ma14="http://schemas.microsoft.com/office/mac/drawingml/2011/main" val="1"/>
+              <ma14:wrappingTextBoxFlag xmlns:ma14="http://schemas.microsoft.com/office/mac/drawingml/2011/main" xmlns:a14="http://schemas.microsoft.com/office/drawing/2010/main" xmlns:m="http://schemas.openxmlformats.org/officeDocument/2006/math" xmlns="" val="1"/>
             </a:ext>
           </a:extLst>
         </p:spPr>
@@ -43210,7 +43183,7 @@
         <p:fade thruBlk="1"/>
       </p:transition>
     </mc:Choice>
-    <mc:Fallback xmlns="" xmlns:m="http://schemas.openxmlformats.org/officeDocument/2006/math" xmlns:a14="http://schemas.microsoft.com/office/drawing/2010/main">
+    <mc:Fallback xmlns:a14="http://schemas.microsoft.com/office/drawing/2010/main" xmlns:m="http://schemas.openxmlformats.org/officeDocument/2006/math" xmlns="">
       <p:transition spd="slow">
         <p:fade/>
       </p:transition>
@@ -43331,7 +43304,7 @@
           </a:ln>
           <a:extLst>
             <a:ext uri="{C572A759-6A51-4108-AA02-DFA0A04FC94B}">
-              <ma14:wrappingTextBoxFlag xmlns="" xmlns:m="http://schemas.openxmlformats.org/officeDocument/2006/math" xmlns:a14="http://schemas.microsoft.com/office/drawing/2010/main" xmlns:ma14="http://schemas.microsoft.com/office/mac/drawingml/2011/main" val="1"/>
+              <ma14:wrappingTextBoxFlag xmlns:ma14="http://schemas.microsoft.com/office/mac/drawingml/2011/main" xmlns:a14="http://schemas.microsoft.com/office/drawing/2010/main" xmlns:m="http://schemas.openxmlformats.org/officeDocument/2006/math" xmlns="" val="1"/>
             </a:ext>
           </a:extLst>
         </p:spPr>
@@ -43402,7 +43375,7 @@
           </a:ln>
           <a:extLst>
             <a:ext uri="{C572A759-6A51-4108-AA02-DFA0A04FC94B}">
-              <ma14:wrappingTextBoxFlag xmlns="" xmlns:m="http://schemas.openxmlformats.org/officeDocument/2006/math" xmlns:a14="http://schemas.microsoft.com/office/drawing/2010/main" xmlns:ma14="http://schemas.microsoft.com/office/mac/drawingml/2011/main" val="1"/>
+              <ma14:wrappingTextBoxFlag xmlns:ma14="http://schemas.microsoft.com/office/mac/drawingml/2011/main" xmlns:a14="http://schemas.microsoft.com/office/drawing/2010/main" xmlns:m="http://schemas.openxmlformats.org/officeDocument/2006/math" xmlns="" val="1"/>
             </a:ext>
           </a:extLst>
         </p:spPr>
@@ -43448,7 +43421,7 @@
           </a:ln>
           <a:extLst>
             <a:ext uri="{C572A759-6A51-4108-AA02-DFA0A04FC94B}">
-              <ma14:wrappingTextBoxFlag xmlns="" xmlns:m="http://schemas.openxmlformats.org/officeDocument/2006/math" xmlns:a14="http://schemas.microsoft.com/office/drawing/2010/main" xmlns:ma14="http://schemas.microsoft.com/office/mac/drawingml/2011/main" val="1"/>
+              <ma14:wrappingTextBoxFlag xmlns:ma14="http://schemas.microsoft.com/office/mac/drawingml/2011/main" xmlns:a14="http://schemas.microsoft.com/office/drawing/2010/main" xmlns:m="http://schemas.openxmlformats.org/officeDocument/2006/math" xmlns="" val="1"/>
             </a:ext>
           </a:extLst>
         </p:spPr>
@@ -43528,7 +43501,7 @@
           </a:ln>
           <a:extLst>
             <a:ext uri="{C572A759-6A51-4108-AA02-DFA0A04FC94B}">
-              <ma14:wrappingTextBoxFlag xmlns="" xmlns:m="http://schemas.openxmlformats.org/officeDocument/2006/math" xmlns:a14="http://schemas.microsoft.com/office/drawing/2010/main" xmlns:ma14="http://schemas.microsoft.com/office/mac/drawingml/2011/main" val="1"/>
+              <ma14:wrappingTextBoxFlag xmlns:ma14="http://schemas.microsoft.com/office/mac/drawingml/2011/main" xmlns:a14="http://schemas.microsoft.com/office/drawing/2010/main" xmlns:m="http://schemas.openxmlformats.org/officeDocument/2006/math" xmlns="" val="1"/>
             </a:ext>
           </a:extLst>
         </p:spPr>
@@ -43612,7 +43585,7 @@
         <p:fade thruBlk="1"/>
       </p:transition>
     </mc:Choice>
-    <mc:Fallback xmlns="" xmlns:m="http://schemas.openxmlformats.org/officeDocument/2006/math" xmlns:a14="http://schemas.microsoft.com/office/drawing/2010/main">
+    <mc:Fallback xmlns:a14="http://schemas.microsoft.com/office/drawing/2010/main" xmlns:m="http://schemas.openxmlformats.org/officeDocument/2006/math" xmlns="">
       <p:transition spd="slow">
         <p:fade/>
       </p:transition>
@@ -43733,7 +43706,7 @@
           </a:ln>
           <a:extLst>
             <a:ext uri="{C572A759-6A51-4108-AA02-DFA0A04FC94B}">
-              <ma14:wrappingTextBoxFlag xmlns="" xmlns:m="http://schemas.openxmlformats.org/officeDocument/2006/math" xmlns:a14="http://schemas.microsoft.com/office/drawing/2010/main" xmlns:ma14="http://schemas.microsoft.com/office/mac/drawingml/2011/main" val="1"/>
+              <ma14:wrappingTextBoxFlag xmlns:ma14="http://schemas.microsoft.com/office/mac/drawingml/2011/main" xmlns:a14="http://schemas.microsoft.com/office/drawing/2010/main" xmlns:m="http://schemas.openxmlformats.org/officeDocument/2006/math" xmlns="" val="1"/>
             </a:ext>
           </a:extLst>
         </p:spPr>
@@ -43804,7 +43777,7 @@
           </a:ln>
           <a:extLst>
             <a:ext uri="{C572A759-6A51-4108-AA02-DFA0A04FC94B}">
-              <ma14:wrappingTextBoxFlag xmlns="" xmlns:m="http://schemas.openxmlformats.org/officeDocument/2006/math" xmlns:a14="http://schemas.microsoft.com/office/drawing/2010/main" xmlns:ma14="http://schemas.microsoft.com/office/mac/drawingml/2011/main" val="1"/>
+              <ma14:wrappingTextBoxFlag xmlns:ma14="http://schemas.microsoft.com/office/mac/drawingml/2011/main" xmlns:a14="http://schemas.microsoft.com/office/drawing/2010/main" xmlns:m="http://schemas.openxmlformats.org/officeDocument/2006/math" xmlns="" val="1"/>
             </a:ext>
           </a:extLst>
         </p:spPr>
@@ -43856,7 +43829,7 @@
           </a:ln>
           <a:extLst>
             <a:ext uri="{C572A759-6A51-4108-AA02-DFA0A04FC94B}">
-              <ma14:wrappingTextBoxFlag xmlns="" xmlns:m="http://schemas.openxmlformats.org/officeDocument/2006/math" xmlns:a14="http://schemas.microsoft.com/office/drawing/2010/main" xmlns:ma14="http://schemas.microsoft.com/office/mac/drawingml/2011/main" val="1"/>
+              <ma14:wrappingTextBoxFlag xmlns:ma14="http://schemas.microsoft.com/office/mac/drawingml/2011/main" xmlns:a14="http://schemas.microsoft.com/office/drawing/2010/main" xmlns:m="http://schemas.openxmlformats.org/officeDocument/2006/math" xmlns="" val="1"/>
             </a:ext>
           </a:extLst>
         </p:spPr>
@@ -43977,7 +43950,7 @@
         <p:fade thruBlk="1"/>
       </p:transition>
     </mc:Choice>
-    <mc:Fallback xmlns="" xmlns:m="http://schemas.openxmlformats.org/officeDocument/2006/math" xmlns:a14="http://schemas.microsoft.com/office/drawing/2010/main">
+    <mc:Fallback xmlns:a14="http://schemas.microsoft.com/office/drawing/2010/main" xmlns:m="http://schemas.openxmlformats.org/officeDocument/2006/math" xmlns="">
       <p:transition spd="slow">
         <p:fade/>
       </p:transition>
@@ -44098,7 +44071,7 @@
           </a:ln>
           <a:extLst>
             <a:ext uri="{C572A759-6A51-4108-AA02-DFA0A04FC94B}">
-              <ma14:wrappingTextBoxFlag xmlns="" xmlns:m="http://schemas.openxmlformats.org/officeDocument/2006/math" xmlns:a14="http://schemas.microsoft.com/office/drawing/2010/main" xmlns:ma14="http://schemas.microsoft.com/office/mac/drawingml/2011/main" val="1"/>
+              <ma14:wrappingTextBoxFlag xmlns:ma14="http://schemas.microsoft.com/office/mac/drawingml/2011/main" xmlns:a14="http://schemas.microsoft.com/office/drawing/2010/main" xmlns:m="http://schemas.openxmlformats.org/officeDocument/2006/math" xmlns="" val="1"/>
             </a:ext>
           </a:extLst>
         </p:spPr>
@@ -44169,7 +44142,7 @@
           </a:ln>
           <a:extLst>
             <a:ext uri="{C572A759-6A51-4108-AA02-DFA0A04FC94B}">
-              <ma14:wrappingTextBoxFlag xmlns="" xmlns:m="http://schemas.openxmlformats.org/officeDocument/2006/math" xmlns:a14="http://schemas.microsoft.com/office/drawing/2010/main" xmlns:ma14="http://schemas.microsoft.com/office/mac/drawingml/2011/main" val="1"/>
+              <ma14:wrappingTextBoxFlag xmlns:ma14="http://schemas.microsoft.com/office/mac/drawingml/2011/main" xmlns:a14="http://schemas.microsoft.com/office/drawing/2010/main" xmlns:m="http://schemas.openxmlformats.org/officeDocument/2006/math" xmlns="" val="1"/>
             </a:ext>
           </a:extLst>
         </p:spPr>
@@ -44221,7 +44194,7 @@
           </a:ln>
           <a:extLst>
             <a:ext uri="{C572A759-6A51-4108-AA02-DFA0A04FC94B}">
-              <ma14:wrappingTextBoxFlag xmlns="" xmlns:m="http://schemas.openxmlformats.org/officeDocument/2006/math" xmlns:a14="http://schemas.microsoft.com/office/drawing/2010/main" xmlns:ma14="http://schemas.microsoft.com/office/mac/drawingml/2011/main" val="1"/>
+              <ma14:wrappingTextBoxFlag xmlns:ma14="http://schemas.microsoft.com/office/mac/drawingml/2011/main" xmlns:a14="http://schemas.microsoft.com/office/drawing/2010/main" xmlns:m="http://schemas.openxmlformats.org/officeDocument/2006/math" xmlns="" val="1"/>
             </a:ext>
           </a:extLst>
         </p:spPr>
@@ -44317,7 +44290,7 @@
         <p:fade thruBlk="1"/>
       </p:transition>
     </mc:Choice>
-    <mc:Fallback xmlns="" xmlns:m="http://schemas.openxmlformats.org/officeDocument/2006/math" xmlns:a14="http://schemas.microsoft.com/office/drawing/2010/main">
+    <mc:Fallback xmlns:a14="http://schemas.microsoft.com/office/drawing/2010/main" xmlns:m="http://schemas.openxmlformats.org/officeDocument/2006/math" xmlns="">
       <p:transition spd="slow">
         <p:fade/>
       </p:transition>
@@ -44438,7 +44411,7 @@
           </a:ln>
           <a:extLst>
             <a:ext uri="{C572A759-6A51-4108-AA02-DFA0A04FC94B}">
-              <ma14:wrappingTextBoxFlag xmlns="" xmlns:m="http://schemas.openxmlformats.org/officeDocument/2006/math" xmlns:a14="http://schemas.microsoft.com/office/drawing/2010/main" xmlns:ma14="http://schemas.microsoft.com/office/mac/drawingml/2011/main" val="1"/>
+              <ma14:wrappingTextBoxFlag xmlns:ma14="http://schemas.microsoft.com/office/mac/drawingml/2011/main" xmlns:a14="http://schemas.microsoft.com/office/drawing/2010/main" xmlns:m="http://schemas.openxmlformats.org/officeDocument/2006/math" xmlns="" val="1"/>
             </a:ext>
           </a:extLst>
         </p:spPr>
@@ -44509,7 +44482,7 @@
           </a:ln>
           <a:extLst>
             <a:ext uri="{C572A759-6A51-4108-AA02-DFA0A04FC94B}">
-              <ma14:wrappingTextBoxFlag xmlns="" xmlns:m="http://schemas.openxmlformats.org/officeDocument/2006/math" xmlns:a14="http://schemas.microsoft.com/office/drawing/2010/main" xmlns:ma14="http://schemas.microsoft.com/office/mac/drawingml/2011/main" val="1"/>
+              <ma14:wrappingTextBoxFlag xmlns:ma14="http://schemas.microsoft.com/office/mac/drawingml/2011/main" xmlns:a14="http://schemas.microsoft.com/office/drawing/2010/main" xmlns:m="http://schemas.openxmlformats.org/officeDocument/2006/math" xmlns="" val="1"/>
             </a:ext>
           </a:extLst>
         </p:spPr>
@@ -44561,7 +44534,7 @@
           </a:ln>
           <a:extLst>
             <a:ext uri="{C572A759-6A51-4108-AA02-DFA0A04FC94B}">
-              <ma14:wrappingTextBoxFlag xmlns="" xmlns:m="http://schemas.openxmlformats.org/officeDocument/2006/math" xmlns:a14="http://schemas.microsoft.com/office/drawing/2010/main" xmlns:ma14="http://schemas.microsoft.com/office/mac/drawingml/2011/main" val="1"/>
+              <ma14:wrappingTextBoxFlag xmlns:ma14="http://schemas.microsoft.com/office/mac/drawingml/2011/main" xmlns:a14="http://schemas.microsoft.com/office/drawing/2010/main" xmlns:m="http://schemas.openxmlformats.org/officeDocument/2006/math" xmlns="" val="1"/>
             </a:ext>
           </a:extLst>
         </p:spPr>
@@ -44632,7 +44605,7 @@
         <p:fade thruBlk="1"/>
       </p:transition>
     </mc:Choice>
-    <mc:Fallback xmlns="" xmlns:m="http://schemas.openxmlformats.org/officeDocument/2006/math" xmlns:a14="http://schemas.microsoft.com/office/drawing/2010/main">
+    <mc:Fallback xmlns:a14="http://schemas.microsoft.com/office/drawing/2010/main" xmlns:m="http://schemas.openxmlformats.org/officeDocument/2006/math" xmlns="">
       <p:transition spd="slow">
         <p:fade/>
       </p:transition>
@@ -44753,7 +44726,7 @@
           </a:ln>
           <a:extLst>
             <a:ext uri="{C572A759-6A51-4108-AA02-DFA0A04FC94B}">
-              <ma14:wrappingTextBoxFlag xmlns="" xmlns:m="http://schemas.openxmlformats.org/officeDocument/2006/math" xmlns:a14="http://schemas.microsoft.com/office/drawing/2010/main" xmlns:ma14="http://schemas.microsoft.com/office/mac/drawingml/2011/main" val="1"/>
+              <ma14:wrappingTextBoxFlag xmlns:ma14="http://schemas.microsoft.com/office/mac/drawingml/2011/main" xmlns:a14="http://schemas.microsoft.com/office/drawing/2010/main" xmlns:m="http://schemas.openxmlformats.org/officeDocument/2006/math" xmlns="" val="1"/>
             </a:ext>
           </a:extLst>
         </p:spPr>
@@ -44824,7 +44797,7 @@
           </a:ln>
           <a:extLst>
             <a:ext uri="{C572A759-6A51-4108-AA02-DFA0A04FC94B}">
-              <ma14:wrappingTextBoxFlag xmlns="" xmlns:m="http://schemas.openxmlformats.org/officeDocument/2006/math" xmlns:a14="http://schemas.microsoft.com/office/drawing/2010/main" xmlns:ma14="http://schemas.microsoft.com/office/mac/drawingml/2011/main" val="1"/>
+              <ma14:wrappingTextBoxFlag xmlns:ma14="http://schemas.microsoft.com/office/mac/drawingml/2011/main" xmlns:a14="http://schemas.microsoft.com/office/drawing/2010/main" xmlns:m="http://schemas.openxmlformats.org/officeDocument/2006/math" xmlns="" val="1"/>
             </a:ext>
           </a:extLst>
         </p:spPr>
@@ -44845,7 +44818,7 @@
           <a:p>
             <a:r>
               <a:rPr lang="en-IN" dirty="0"/>
-              <a:t>Parameter Properties</a:t>
+              <a:t>Class Expressions</a:t>
             </a:r>
             <a:endParaRPr dirty="0"/>
           </a:p>
@@ -44865,8 +44838,8 @@
         </p:nvSpPr>
         <p:spPr>
           <a:xfrm>
-            <a:off x="5343277" y="1310455"/>
-            <a:ext cx="2997771" cy="1815882"/>
+            <a:off x="954158" y="1065330"/>
+            <a:ext cx="7275442" cy="523220"/>
           </a:xfrm>
           <a:prstGeom prst="rect">
             <a:avLst/>
@@ -44876,7 +44849,7 @@
           </a:ln>
           <a:extLst>
             <a:ext uri="{C572A759-6A51-4108-AA02-DFA0A04FC94B}">
-              <ma14:wrappingTextBoxFlag xmlns="" xmlns:m="http://schemas.openxmlformats.org/officeDocument/2006/math" xmlns:a14="http://schemas.microsoft.com/office/drawing/2010/main" xmlns:ma14="http://schemas.microsoft.com/office/mac/drawingml/2011/main" val="1"/>
+              <ma14:wrappingTextBoxFlag xmlns:ma14="http://schemas.microsoft.com/office/mac/drawingml/2011/main" xmlns:a14="http://schemas.microsoft.com/office/drawing/2010/main" xmlns:m="http://schemas.openxmlformats.org/officeDocument/2006/math" xmlns="" val="1"/>
             </a:ext>
           </a:extLst>
         </p:spPr>
@@ -44896,17 +44869,17 @@
             </a:pPr>
             <a:r>
               <a:rPr lang="en-US" dirty="0"/>
-              <a:t>TypeScript offers special syntax for turning a constructor parameter into a class property with the same name and value. These are called parameter properties and are created by prefixing a constructor argument with one of the visibility modifiers public, private, protected, or readonly. The resulting field gets those modifier(s):</a:t>
+              <a:t>Class expressions are very similar to class declarations. The only real difference is that class expressions don’t need a name, though we can refer to them via whatever identifier they ended up bound to:</a:t>
             </a:r>
           </a:p>
         </p:txBody>
       </p:sp>
       <p:pic>
         <p:nvPicPr>
-          <p:cNvPr id="4" name="Picture 3">
+          <p:cNvPr id="5" name="Picture 4">
             <a:extLst>
               <a:ext uri="{FF2B5EF4-FFF2-40B4-BE49-F238E27FC236}">
-                <a16:creationId xmlns:a16="http://schemas.microsoft.com/office/drawing/2014/main" id="{7E5FF669-B398-31F3-4447-2CA89C509689}"/>
+                <a16:creationId xmlns:a16="http://schemas.microsoft.com/office/drawing/2014/main" id="{EE452EE9-8F12-646A-FCD8-DA09B4AE3B31}"/>
               </a:ext>
             </a:extLst>
           </p:cNvPr>
@@ -44923,8 +44896,8 @@
         </p:blipFill>
         <p:spPr>
           <a:xfrm>
-            <a:off x="723569" y="1103534"/>
-            <a:ext cx="4240940" cy="3673838"/>
+            <a:off x="1727064" y="1867859"/>
+            <a:ext cx="5212659" cy="2691675"/>
           </a:xfrm>
           <a:prstGeom prst="rect">
             <a:avLst/>
@@ -44934,7 +44907,7 @@
     </p:spTree>
     <p:extLst>
       <p:ext uri="{BB962C8B-B14F-4D97-AF65-F5344CB8AC3E}">
-        <p14:creationId xmlns:p14="http://schemas.microsoft.com/office/powerpoint/2010/main" val="4293650892"/>
+        <p14:creationId xmlns:p14="http://schemas.microsoft.com/office/powerpoint/2010/main" val="869520979"/>
       </p:ext>
     </p:extLst>
   </p:cSld>
@@ -44947,7 +44920,7 @@
         <p:fade thruBlk="1"/>
       </p:transition>
     </mc:Choice>
-    <mc:Fallback xmlns="" xmlns:m="http://schemas.openxmlformats.org/officeDocument/2006/math" xmlns:a14="http://schemas.microsoft.com/office/drawing/2010/main">
+    <mc:Fallback xmlns:a14="http://schemas.microsoft.com/office/drawing/2010/main" xmlns:m="http://schemas.openxmlformats.org/officeDocument/2006/math" xmlns="">
       <p:transition spd="slow">
         <p:fade/>
       </p:transition>
@@ -45068,7 +45041,7 @@
           </a:ln>
           <a:extLst>
             <a:ext uri="{C572A759-6A51-4108-AA02-DFA0A04FC94B}">
-              <ma14:wrappingTextBoxFlag xmlns="" xmlns:m="http://schemas.openxmlformats.org/officeDocument/2006/math" xmlns:a14="http://schemas.microsoft.com/office/drawing/2010/main" xmlns:ma14="http://schemas.microsoft.com/office/mac/drawingml/2011/main" val="1"/>
+              <ma14:wrappingTextBoxFlag xmlns:ma14="http://schemas.microsoft.com/office/mac/drawingml/2011/main" xmlns:a14="http://schemas.microsoft.com/office/drawing/2010/main" xmlns:m="http://schemas.openxmlformats.org/officeDocument/2006/math" xmlns="" val="1"/>
             </a:ext>
           </a:extLst>
         </p:spPr>
@@ -45139,7 +45112,7 @@
           </a:ln>
           <a:extLst>
             <a:ext uri="{C572A759-6A51-4108-AA02-DFA0A04FC94B}">
-              <ma14:wrappingTextBoxFlag xmlns="" xmlns:m="http://schemas.openxmlformats.org/officeDocument/2006/math" xmlns:a14="http://schemas.microsoft.com/office/drawing/2010/main" xmlns:ma14="http://schemas.microsoft.com/office/mac/drawingml/2011/main" val="1"/>
+              <ma14:wrappingTextBoxFlag xmlns:ma14="http://schemas.microsoft.com/office/mac/drawingml/2011/main" xmlns:a14="http://schemas.microsoft.com/office/drawing/2010/main" xmlns:m="http://schemas.openxmlformats.org/officeDocument/2006/math" xmlns="" val="1"/>
             </a:ext>
           </a:extLst>
         </p:spPr>
@@ -45160,7 +45133,7 @@
           <a:p>
             <a:r>
               <a:rPr lang="en-IN" dirty="0"/>
-              <a:t>Class Expressions</a:t>
+              <a:t>Abstract Classes and Members</a:t>
             </a:r>
             <a:endParaRPr dirty="0"/>
           </a:p>
@@ -45180,8 +45153,8 @@
         </p:nvSpPr>
         <p:spPr>
           <a:xfrm>
-            <a:off x="954158" y="1065330"/>
-            <a:ext cx="7275442" cy="523220"/>
+            <a:off x="684372" y="1065330"/>
+            <a:ext cx="7909497" cy="1815882"/>
           </a:xfrm>
           <a:prstGeom prst="rect">
             <a:avLst/>
@@ -45191,7 +45164,7 @@
           </a:ln>
           <a:extLst>
             <a:ext uri="{C572A759-6A51-4108-AA02-DFA0A04FC94B}">
-              <ma14:wrappingTextBoxFlag xmlns="" xmlns:m="http://schemas.openxmlformats.org/officeDocument/2006/math" xmlns:a14="http://schemas.microsoft.com/office/drawing/2010/main" xmlns:ma14="http://schemas.microsoft.com/office/mac/drawingml/2011/main" val="1"/>
+              <ma14:wrappingTextBoxFlag xmlns:ma14="http://schemas.microsoft.com/office/mac/drawingml/2011/main" xmlns:a14="http://schemas.microsoft.com/office/drawing/2010/main" xmlns:m="http://schemas.openxmlformats.org/officeDocument/2006/math" xmlns="" val="1"/>
             </a:ext>
           </a:extLst>
         </p:spPr>
@@ -45211,17 +45184,67 @@
             </a:pPr>
             <a:r>
               <a:rPr lang="en-US" dirty="0"/>
-              <a:t>Class expressions are very similar to class declarations. The only real difference is that class expressions don’t need a name, though we can refer to them via whatever identifier they ended up bound to:</a:t>
+              <a:t>Classes, methods, and fields in TypeScript may be abstract.</a:t>
+            </a:r>
+          </a:p>
+          <a:p>
+            <a:pPr lvl="7">
+              <a:defRPr>
+                <a:latin typeface="Oswald"/>
+                <a:ea typeface="Oswald"/>
+                <a:cs typeface="Oswald"/>
+                <a:sym typeface="Oswald"/>
+              </a:defRPr>
+            </a:pPr>
+            <a:endParaRPr lang="en-US" dirty="0"/>
+          </a:p>
+          <a:p>
+            <a:pPr lvl="7">
+              <a:defRPr>
+                <a:latin typeface="Oswald"/>
+                <a:ea typeface="Oswald"/>
+                <a:cs typeface="Oswald"/>
+                <a:sym typeface="Oswald"/>
+              </a:defRPr>
+            </a:pPr>
+            <a:r>
+              <a:rPr lang="en-US" dirty="0"/>
+              <a:t>An abstract method or abstract field is one that hasn’t had an implementation provided. These members must exist inside an abstract class, which cannot be directly instantiated.</a:t>
+            </a:r>
+          </a:p>
+          <a:p>
+            <a:pPr lvl="7">
+              <a:defRPr>
+                <a:latin typeface="Oswald"/>
+                <a:ea typeface="Oswald"/>
+                <a:cs typeface="Oswald"/>
+                <a:sym typeface="Oswald"/>
+              </a:defRPr>
+            </a:pPr>
+            <a:endParaRPr lang="en-US" dirty="0"/>
+          </a:p>
+          <a:p>
+            <a:pPr lvl="7">
+              <a:defRPr>
+                <a:latin typeface="Oswald"/>
+                <a:ea typeface="Oswald"/>
+                <a:cs typeface="Oswald"/>
+                <a:sym typeface="Oswald"/>
+              </a:defRPr>
+            </a:pPr>
+            <a:r>
+              <a:rPr lang="en-US" dirty="0"/>
+              <a:t>The role of abstract classes is to serve as a base class for subclasses which do implement all the abstract members. When a class doesn’t have any abstract members, it is said to be concrete. The example below will show a compilation error.</a:t>
             </a:r>
           </a:p>
         </p:txBody>
       </p:sp>
       <p:pic>
         <p:nvPicPr>
-          <p:cNvPr id="5" name="Picture 4">
+          <p:cNvPr id="4" name="Picture 3">
             <a:extLst>
               <a:ext uri="{FF2B5EF4-FFF2-40B4-BE49-F238E27FC236}">
-                <a16:creationId xmlns:a16="http://schemas.microsoft.com/office/drawing/2014/main" id="{EE452EE9-8F12-646A-FCD8-DA09B4AE3B31}"/>
+                <a16:creationId xmlns:a16="http://schemas.microsoft.com/office/drawing/2014/main" id="{94566E64-36AF-D758-B088-A6A84367ECD1}"/>
               </a:ext>
             </a:extLst>
           </p:cNvPr>
@@ -45238,8 +45261,8 @@
         </p:blipFill>
         <p:spPr>
           <a:xfrm>
-            <a:off x="1727064" y="1867859"/>
-            <a:ext cx="5212659" cy="2691675"/>
+            <a:off x="2324234" y="2757003"/>
+            <a:ext cx="4629771" cy="1969094"/>
           </a:xfrm>
           <a:prstGeom prst="rect">
             <a:avLst/>
@@ -45249,7 +45272,7 @@
     </p:spTree>
     <p:extLst>
       <p:ext uri="{BB962C8B-B14F-4D97-AF65-F5344CB8AC3E}">
-        <p14:creationId xmlns:p14="http://schemas.microsoft.com/office/powerpoint/2010/main" val="869520979"/>
+        <p14:creationId xmlns:p14="http://schemas.microsoft.com/office/powerpoint/2010/main" val="2314734902"/>
       </p:ext>
     </p:extLst>
   </p:cSld>
@@ -45262,7 +45285,7 @@
         <p:fade thruBlk="1"/>
       </p:transition>
     </mc:Choice>
-    <mc:Fallback xmlns="" xmlns:m="http://schemas.openxmlformats.org/officeDocument/2006/math" xmlns:a14="http://schemas.microsoft.com/office/drawing/2010/main">
+    <mc:Fallback xmlns:a14="http://schemas.microsoft.com/office/drawing/2010/main" xmlns:m="http://schemas.openxmlformats.org/officeDocument/2006/math" xmlns="">
       <p:transition spd="slow">
         <p:fade/>
       </p:transition>
@@ -45383,7 +45406,7 @@
           </a:ln>
           <a:extLst>
             <a:ext uri="{C572A759-6A51-4108-AA02-DFA0A04FC94B}">
-              <ma14:wrappingTextBoxFlag xmlns="" xmlns:m="http://schemas.openxmlformats.org/officeDocument/2006/math" xmlns:a14="http://schemas.microsoft.com/office/drawing/2010/main" xmlns:ma14="http://schemas.microsoft.com/office/mac/drawingml/2011/main" val="1"/>
+              <ma14:wrappingTextBoxFlag xmlns:ma14="http://schemas.microsoft.com/office/mac/drawingml/2011/main" xmlns:a14="http://schemas.microsoft.com/office/drawing/2010/main" xmlns:m="http://schemas.openxmlformats.org/officeDocument/2006/math" xmlns="" val="1"/>
             </a:ext>
           </a:extLst>
         </p:spPr>
@@ -45454,7 +45477,7 @@
           </a:ln>
           <a:extLst>
             <a:ext uri="{C572A759-6A51-4108-AA02-DFA0A04FC94B}">
-              <ma14:wrappingTextBoxFlag xmlns="" xmlns:m="http://schemas.openxmlformats.org/officeDocument/2006/math" xmlns:a14="http://schemas.microsoft.com/office/drawing/2010/main" xmlns:ma14="http://schemas.microsoft.com/office/mac/drawingml/2011/main" val="1"/>
+              <ma14:wrappingTextBoxFlag xmlns:ma14="http://schemas.microsoft.com/office/mac/drawingml/2011/main" xmlns:a14="http://schemas.microsoft.com/office/drawing/2010/main" xmlns:m="http://schemas.openxmlformats.org/officeDocument/2006/math" xmlns="" val="1"/>
             </a:ext>
           </a:extLst>
         </p:spPr>
@@ -45475,7 +45498,7 @@
           <a:p>
             <a:r>
               <a:rPr lang="en-IN" dirty="0"/>
-              <a:t>Abstract Classes and Members</a:t>
+              <a:t>Relationships Between Classes (Structural Typing)</a:t>
             </a:r>
             <a:endParaRPr dirty="0"/>
           </a:p>
@@ -45496,7 +45519,7 @@
         <p:spPr>
           <a:xfrm>
             <a:off x="684372" y="1065330"/>
-            <a:ext cx="7909497" cy="1815882"/>
+            <a:ext cx="7909497" cy="307777"/>
           </a:xfrm>
           <a:prstGeom prst="rect">
             <a:avLst/>
@@ -45506,7 +45529,7 @@
           </a:ln>
           <a:extLst>
             <a:ext uri="{C572A759-6A51-4108-AA02-DFA0A04FC94B}">
-              <ma14:wrappingTextBoxFlag xmlns="" xmlns:m="http://schemas.openxmlformats.org/officeDocument/2006/math" xmlns:a14="http://schemas.microsoft.com/office/drawing/2010/main" xmlns:ma14="http://schemas.microsoft.com/office/mac/drawingml/2011/main" val="1"/>
+              <ma14:wrappingTextBoxFlag xmlns:ma14="http://schemas.microsoft.com/office/mac/drawingml/2011/main" xmlns:a14="http://schemas.microsoft.com/office/drawing/2010/main" xmlns:m="http://schemas.openxmlformats.org/officeDocument/2006/math" xmlns="" val="1"/>
             </a:ext>
           </a:extLst>
         </p:spPr>
@@ -45526,67 +45549,17 @@
             </a:pPr>
             <a:r>
               <a:rPr lang="en-US" dirty="0"/>
-              <a:t>Classes, methods, and fields in TypeScript may be abstract.</a:t>
-            </a:r>
-          </a:p>
-          <a:p>
-            <a:pPr lvl="7">
-              <a:defRPr>
-                <a:latin typeface="Oswald"/>
-                <a:ea typeface="Oswald"/>
-                <a:cs typeface="Oswald"/>
-                <a:sym typeface="Oswald"/>
-              </a:defRPr>
-            </a:pPr>
-            <a:endParaRPr lang="en-US" dirty="0"/>
-          </a:p>
-          <a:p>
-            <a:pPr lvl="7">
-              <a:defRPr>
-                <a:latin typeface="Oswald"/>
-                <a:ea typeface="Oswald"/>
-                <a:cs typeface="Oswald"/>
-                <a:sym typeface="Oswald"/>
-              </a:defRPr>
-            </a:pPr>
-            <a:r>
-              <a:rPr lang="en-US" dirty="0"/>
-              <a:t>An abstract method or abstract field is one that hasn’t had an implementation provided. These members must exist inside an abstract class, which cannot be directly instantiated.</a:t>
-            </a:r>
-          </a:p>
-          <a:p>
-            <a:pPr lvl="7">
-              <a:defRPr>
-                <a:latin typeface="Oswald"/>
-                <a:ea typeface="Oswald"/>
-                <a:cs typeface="Oswald"/>
-                <a:sym typeface="Oswald"/>
-              </a:defRPr>
-            </a:pPr>
-            <a:endParaRPr lang="en-US" dirty="0"/>
-          </a:p>
-          <a:p>
-            <a:pPr lvl="7">
-              <a:defRPr>
-                <a:latin typeface="Oswald"/>
-                <a:ea typeface="Oswald"/>
-                <a:cs typeface="Oswald"/>
-                <a:sym typeface="Oswald"/>
-              </a:defRPr>
-            </a:pPr>
-            <a:r>
-              <a:rPr lang="en-US" dirty="0"/>
-              <a:t>The role of abstract classes is to serve as a base class for subclasses which do implement all the abstract members. When a class doesn’t have any abstract members, it is said to be concrete. The example below will show a compilation error.</a:t>
+              <a:t>In most cases, classes in TypeScript are compared structurally, the same as other types.</a:t>
             </a:r>
           </a:p>
         </p:txBody>
       </p:sp>
       <p:pic>
         <p:nvPicPr>
-          <p:cNvPr id="4" name="Picture 3">
+          <p:cNvPr id="5" name="Picture 4">
             <a:extLst>
               <a:ext uri="{FF2B5EF4-FFF2-40B4-BE49-F238E27FC236}">
-                <a16:creationId xmlns:a16="http://schemas.microsoft.com/office/drawing/2014/main" id="{94566E64-36AF-D758-B088-A6A84367ECD1}"/>
+                <a16:creationId xmlns:a16="http://schemas.microsoft.com/office/drawing/2014/main" id="{326C4EB4-3AD7-E5E4-1129-5B11D12A34B7}"/>
               </a:ext>
             </a:extLst>
           </p:cNvPr>
@@ -45603,18 +45576,190 @@
         </p:blipFill>
         <p:spPr>
           <a:xfrm>
-            <a:off x="2324234" y="2757003"/>
-            <a:ext cx="4629771" cy="1969094"/>
+            <a:off x="684372" y="1825037"/>
+            <a:ext cx="3595224" cy="2704189"/>
           </a:xfrm>
           <a:prstGeom prst="rect">
             <a:avLst/>
           </a:prstGeom>
         </p:spPr>
       </p:pic>
+      <p:pic>
+        <p:nvPicPr>
+          <p:cNvPr id="7" name="Picture 6">
+            <a:extLst>
+              <a:ext uri="{FF2B5EF4-FFF2-40B4-BE49-F238E27FC236}">
+                <a16:creationId xmlns:a16="http://schemas.microsoft.com/office/drawing/2014/main" id="{98BA5B55-A6EC-1595-59C6-2370C1C57EA3}"/>
+              </a:ext>
+            </a:extLst>
+          </p:cNvPr>
+          <p:cNvPicPr>
+            <a:picLocks noChangeAspect="1"/>
+          </p:cNvPicPr>
+          <p:nvPr/>
+        </p:nvPicPr>
+        <p:blipFill>
+          <a:blip r:embed="rId4"/>
+          <a:stretch>
+            <a:fillRect/>
+          </a:stretch>
+        </p:blipFill>
+        <p:spPr>
+          <a:xfrm>
+            <a:off x="5212407" y="1825036"/>
+            <a:ext cx="3090502" cy="2704189"/>
+          </a:xfrm>
+          <a:prstGeom prst="rect">
+            <a:avLst/>
+          </a:prstGeom>
+        </p:spPr>
+      </p:pic>
+      <p:sp>
+        <p:nvSpPr>
+          <p:cNvPr id="8" name="TextBox 7">
+            <a:extLst>
+              <a:ext uri="{FF2B5EF4-FFF2-40B4-BE49-F238E27FC236}">
+                <a16:creationId xmlns:a16="http://schemas.microsoft.com/office/drawing/2014/main" id="{BB0C39B6-D15F-F908-0278-B98D401A7B4D}"/>
+              </a:ext>
+            </a:extLst>
+          </p:cNvPr>
+          <p:cNvSpPr txBox="1"/>
+          <p:nvPr/>
+        </p:nvSpPr>
+        <p:spPr>
+          <a:xfrm>
+            <a:off x="1470990" y="1486727"/>
+            <a:ext cx="1868557" cy="307775"/>
+          </a:xfrm>
+          <a:prstGeom prst="rect">
+            <a:avLst/>
+          </a:prstGeom>
+          <a:noFill/>
+          <a:ln w="12700" cap="flat">
+            <a:noFill/>
+            <a:miter lim="400000"/>
+          </a:ln>
+          <a:effectLst/>
+          <a:sp3d/>
+        </p:spPr>
+        <p:style>
+          <a:lnRef idx="0">
+            <a:scrgbClr r="0" g="0" b="0"/>
+          </a:lnRef>
+          <a:fillRef idx="0">
+            <a:scrgbClr r="0" g="0" b="0"/>
+          </a:fillRef>
+          <a:effectRef idx="0">
+            <a:scrgbClr r="0" g="0" b="0"/>
+          </a:effectRef>
+          <a:fontRef idx="none"/>
+        </p:style>
+        <p:txBody>
+          <a:bodyPr rot="0" spcFirstLastPara="1" vertOverflow="overflow" horzOverflow="overflow" vert="horz" wrap="square" lIns="45719" tIns="45719" rIns="45719" bIns="45719" numCol="1" spcCol="38100" rtlCol="0" anchor="t">
+            <a:spAutoFit/>
+          </a:bodyPr>
+          <a:lstStyle/>
+          <a:p>
+            <a:pPr marL="0" marR="0" indent="0" algn="ctr" defTabSz="914400" rtl="0" fontAlgn="auto" latinLnBrk="0" hangingPunct="0">
+              <a:lnSpc>
+                <a:spcPct val="100000"/>
+              </a:lnSpc>
+              <a:spcBef>
+                <a:spcPts val="0"/>
+              </a:spcBef>
+              <a:spcAft>
+                <a:spcPts val="0"/>
+              </a:spcAft>
+              <a:buClrTx/>
+              <a:buSzTx/>
+              <a:buFontTx/>
+              <a:buNone/>
+              <a:tabLst/>
+            </a:pPr>
+            <a:r>
+              <a:rPr lang="en-IN" dirty="0">
+                <a:latin typeface="Oswald"/>
+              </a:rPr>
+              <a:t>Identical Types</a:t>
+            </a:r>
+          </a:p>
+        </p:txBody>
+      </p:sp>
+      <p:sp>
+        <p:nvSpPr>
+          <p:cNvPr id="9" name="TextBox 8">
+            <a:extLst>
+              <a:ext uri="{FF2B5EF4-FFF2-40B4-BE49-F238E27FC236}">
+                <a16:creationId xmlns:a16="http://schemas.microsoft.com/office/drawing/2014/main" id="{A1E48023-6767-DF15-0216-65462F602025}"/>
+              </a:ext>
+            </a:extLst>
+          </p:cNvPr>
+          <p:cNvSpPr txBox="1"/>
+          <p:nvPr/>
+        </p:nvSpPr>
+        <p:spPr>
+          <a:xfrm>
+            <a:off x="6415738" y="1517261"/>
+            <a:ext cx="683840" cy="307775"/>
+          </a:xfrm>
+          <a:prstGeom prst="rect">
+            <a:avLst/>
+          </a:prstGeom>
+          <a:noFill/>
+          <a:ln w="12700" cap="flat">
+            <a:noFill/>
+            <a:miter lim="400000"/>
+          </a:ln>
+          <a:effectLst/>
+          <a:sp3d/>
+        </p:spPr>
+        <p:style>
+          <a:lnRef idx="0">
+            <a:scrgbClr r="0" g="0" b="0"/>
+          </a:lnRef>
+          <a:fillRef idx="0">
+            <a:scrgbClr r="0" g="0" b="0"/>
+          </a:fillRef>
+          <a:effectRef idx="0">
+            <a:scrgbClr r="0" g="0" b="0"/>
+          </a:effectRef>
+          <a:fontRef idx="none"/>
+        </p:style>
+        <p:txBody>
+          <a:bodyPr rot="0" spcFirstLastPara="1" vertOverflow="overflow" horzOverflow="overflow" vert="horz" wrap="none" lIns="45719" tIns="45719" rIns="45719" bIns="45719" numCol="1" spcCol="38100" rtlCol="0" anchor="t">
+            <a:spAutoFit/>
+          </a:bodyPr>
+          <a:lstStyle/>
+          <a:p>
+            <a:pPr marL="0" marR="0" indent="0" algn="l" defTabSz="914400" rtl="0" fontAlgn="auto" latinLnBrk="0" hangingPunct="0">
+              <a:lnSpc>
+                <a:spcPct val="100000"/>
+              </a:lnSpc>
+              <a:spcBef>
+                <a:spcPts val="0"/>
+              </a:spcBef>
+              <a:spcAft>
+                <a:spcPts val="0"/>
+              </a:spcAft>
+              <a:buClrTx/>
+              <a:buSzTx/>
+              <a:buFontTx/>
+              <a:buNone/>
+              <a:tabLst/>
+            </a:pPr>
+            <a:r>
+              <a:rPr lang="en-IN" dirty="0">
+                <a:latin typeface="Oswald"/>
+              </a:rPr>
+              <a:t>Subtypes</a:t>
+            </a:r>
+          </a:p>
+        </p:txBody>
+      </p:sp>
     </p:spTree>
     <p:extLst>
       <p:ext uri="{BB962C8B-B14F-4D97-AF65-F5344CB8AC3E}">
-        <p14:creationId xmlns:p14="http://schemas.microsoft.com/office/powerpoint/2010/main" val="2314734902"/>
+        <p14:creationId xmlns:p14="http://schemas.microsoft.com/office/powerpoint/2010/main" val="3686523716"/>
       </p:ext>
     </p:extLst>
   </p:cSld>
@@ -45627,7 +45772,7 @@
         <p:fade thruBlk="1"/>
       </p:transition>
     </mc:Choice>
-    <mc:Fallback xmlns="" xmlns:m="http://schemas.openxmlformats.org/officeDocument/2006/math" xmlns:a14="http://schemas.microsoft.com/office/drawing/2010/main">
+    <mc:Fallback xmlns:a14="http://schemas.microsoft.com/office/drawing/2010/main" xmlns:m="http://schemas.openxmlformats.org/officeDocument/2006/math" xmlns="">
       <p:transition spd="slow">
         <p:fade/>
       </p:transition>
@@ -45655,7 +45800,7 @@
       </p:grpSpPr>
       <p:sp>
         <p:nvSpPr>
-          <p:cNvPr id="457" name="Rectangle 8"/>
+          <p:cNvPr id="480" name="Rectangle 8"/>
           <p:cNvSpPr/>
           <p:nvPr/>
         </p:nvSpPr>
@@ -45693,7 +45838,7 @@
       </p:sp>
       <p:sp>
         <p:nvSpPr>
-          <p:cNvPr id="458" name="Rectangle 7"/>
+          <p:cNvPr id="481" name="Rectangle 7"/>
           <p:cNvSpPr/>
           <p:nvPr/>
         </p:nvSpPr>
@@ -45731,7 +45876,7 @@
       </p:sp>
       <p:sp>
         <p:nvSpPr>
-          <p:cNvPr id="459" name="TextBox 9"/>
+          <p:cNvPr id="482" name="TextBox 9"/>
           <p:cNvSpPr txBox="1"/>
           <p:nvPr/>
         </p:nvSpPr>
@@ -45748,7 +45893,7 @@
           </a:ln>
           <a:extLst>
             <a:ext uri="{C572A759-6A51-4108-AA02-DFA0A04FC94B}">
-              <ma14:wrappingTextBoxFlag xmlns="" xmlns:m="http://schemas.openxmlformats.org/officeDocument/2006/math" xmlns:a14="http://schemas.microsoft.com/office/drawing/2010/main" xmlns:ma14="http://schemas.microsoft.com/office/mac/drawingml/2011/main" val="1"/>
+              <ma14:wrappingTextBoxFlag xmlns:ma14="http://schemas.microsoft.com/office/mac/drawingml/2011/main" xmlns:a14="http://schemas.microsoft.com/office/drawing/2010/main" xmlns:m="http://schemas.openxmlformats.org/officeDocument/2006/math" xmlns="" val="1"/>
             </a:ext>
           </a:extLst>
         </p:spPr>
@@ -45774,7 +45919,7 @@
       </p:sp>
       <p:sp>
         <p:nvSpPr>
-          <p:cNvPr id="460" name="Straight Connector 11"/>
+          <p:cNvPr id="483" name="Straight Connector 11"/>
           <p:cNvSpPr/>
           <p:nvPr/>
         </p:nvSpPr>
@@ -45802,7 +45947,7 @@
       </p:sp>
       <p:sp>
         <p:nvSpPr>
-          <p:cNvPr id="461" name="TextBox 12"/>
+          <p:cNvPr id="484" name="TextBox 12"/>
           <p:cNvSpPr txBox="1"/>
           <p:nvPr/>
         </p:nvSpPr>
@@ -45819,7 +45964,7 @@
           </a:ln>
           <a:extLst>
             <a:ext uri="{C572A759-6A51-4108-AA02-DFA0A04FC94B}">
-              <ma14:wrappingTextBoxFlag xmlns="" xmlns:m="http://schemas.openxmlformats.org/officeDocument/2006/math" xmlns:a14="http://schemas.microsoft.com/office/drawing/2010/main" xmlns:ma14="http://schemas.microsoft.com/office/mac/drawingml/2011/main" val="1"/>
+              <ma14:wrappingTextBoxFlag xmlns:ma14="http://schemas.microsoft.com/office/mac/drawingml/2011/main" xmlns:a14="http://schemas.microsoft.com/office/drawing/2010/main" xmlns:m="http://schemas.openxmlformats.org/officeDocument/2006/math" xmlns="" val="1"/>
             </a:ext>
           </a:extLst>
         </p:spPr>
@@ -45839,29 +45984,21 @@
           </a:lstStyle>
           <a:p>
             <a:r>
-              <a:rPr lang="en-IN" dirty="0"/>
-              <a:t>Relationships Between Classes (Structural Typing)</a:t>
-            </a:r>
-            <a:endParaRPr dirty="0"/>
-          </a:p>
-        </p:txBody>
-      </p:sp>
-      <p:sp>
-        <p:nvSpPr>
-          <p:cNvPr id="2" name="TextBox 1">
-            <a:extLst>
-              <a:ext uri="{FF2B5EF4-FFF2-40B4-BE49-F238E27FC236}">
-                <a16:creationId xmlns:a16="http://schemas.microsoft.com/office/drawing/2014/main" id="{BBA902EE-8B1A-9A29-6249-9A95B118CC7B}"/>
-              </a:ext>
-            </a:extLst>
-          </p:cNvPr>
+              <a:t>Summary / Conclusion</a:t>
+            </a:r>
+          </a:p>
+        </p:txBody>
+      </p:sp>
+      <p:sp>
+        <p:nvSpPr>
+          <p:cNvPr id="485" name="TextBox 6"/>
           <p:cNvSpPr txBox="1"/>
           <p:nvPr/>
         </p:nvSpPr>
         <p:spPr>
           <a:xfrm>
-            <a:off x="684372" y="1065330"/>
-            <a:ext cx="7909497" cy="307777"/>
+            <a:off x="606500" y="1054008"/>
+            <a:ext cx="7545228" cy="1169551"/>
           </a:xfrm>
           <a:prstGeom prst="rect">
             <a:avLst/>
@@ -45871,486 +46008,7 @@
           </a:ln>
           <a:extLst>
             <a:ext uri="{C572A759-6A51-4108-AA02-DFA0A04FC94B}">
-              <ma14:wrappingTextBoxFlag xmlns="" xmlns:m="http://schemas.openxmlformats.org/officeDocument/2006/math" xmlns:a14="http://schemas.microsoft.com/office/drawing/2010/main" xmlns:ma14="http://schemas.microsoft.com/office/mac/drawingml/2011/main" val="1"/>
-            </a:ext>
-          </a:extLst>
-        </p:spPr>
-        <p:txBody>
-          <a:bodyPr wrap="square" lIns="45719" rIns="45719">
-            <a:spAutoFit/>
-          </a:bodyPr>
-          <a:lstStyle/>
-          <a:p>
-            <a:pPr lvl="7">
-              <a:defRPr>
-                <a:latin typeface="Oswald"/>
-                <a:ea typeface="Oswald"/>
-                <a:cs typeface="Oswald"/>
-                <a:sym typeface="Oswald"/>
-              </a:defRPr>
-            </a:pPr>
-            <a:r>
-              <a:rPr lang="en-US" dirty="0"/>
-              <a:t>In most cases, classes in TypeScript are compared structurally, the same as other types.</a:t>
-            </a:r>
-          </a:p>
-        </p:txBody>
-      </p:sp>
-      <p:pic>
-        <p:nvPicPr>
-          <p:cNvPr id="5" name="Picture 4">
-            <a:extLst>
-              <a:ext uri="{FF2B5EF4-FFF2-40B4-BE49-F238E27FC236}">
-                <a16:creationId xmlns:a16="http://schemas.microsoft.com/office/drawing/2014/main" id="{326C4EB4-3AD7-E5E4-1129-5B11D12A34B7}"/>
-              </a:ext>
-            </a:extLst>
-          </p:cNvPr>
-          <p:cNvPicPr>
-            <a:picLocks noChangeAspect="1"/>
-          </p:cNvPicPr>
-          <p:nvPr/>
-        </p:nvPicPr>
-        <p:blipFill>
-          <a:blip r:embed="rId3"/>
-          <a:stretch>
-            <a:fillRect/>
-          </a:stretch>
-        </p:blipFill>
-        <p:spPr>
-          <a:xfrm>
-            <a:off x="684372" y="1825037"/>
-            <a:ext cx="3595224" cy="2704189"/>
-          </a:xfrm>
-          <a:prstGeom prst="rect">
-            <a:avLst/>
-          </a:prstGeom>
-        </p:spPr>
-      </p:pic>
-      <p:pic>
-        <p:nvPicPr>
-          <p:cNvPr id="7" name="Picture 6">
-            <a:extLst>
-              <a:ext uri="{FF2B5EF4-FFF2-40B4-BE49-F238E27FC236}">
-                <a16:creationId xmlns:a16="http://schemas.microsoft.com/office/drawing/2014/main" id="{98BA5B55-A6EC-1595-59C6-2370C1C57EA3}"/>
-              </a:ext>
-            </a:extLst>
-          </p:cNvPr>
-          <p:cNvPicPr>
-            <a:picLocks noChangeAspect="1"/>
-          </p:cNvPicPr>
-          <p:nvPr/>
-        </p:nvPicPr>
-        <p:blipFill>
-          <a:blip r:embed="rId4"/>
-          <a:stretch>
-            <a:fillRect/>
-          </a:stretch>
-        </p:blipFill>
-        <p:spPr>
-          <a:xfrm>
-            <a:off x="5212407" y="1825036"/>
-            <a:ext cx="3090502" cy="2704189"/>
-          </a:xfrm>
-          <a:prstGeom prst="rect">
-            <a:avLst/>
-          </a:prstGeom>
-        </p:spPr>
-      </p:pic>
-      <p:sp>
-        <p:nvSpPr>
-          <p:cNvPr id="8" name="TextBox 7">
-            <a:extLst>
-              <a:ext uri="{FF2B5EF4-FFF2-40B4-BE49-F238E27FC236}">
-                <a16:creationId xmlns:a16="http://schemas.microsoft.com/office/drawing/2014/main" id="{BB0C39B6-D15F-F908-0278-B98D401A7B4D}"/>
-              </a:ext>
-            </a:extLst>
-          </p:cNvPr>
-          <p:cNvSpPr txBox="1"/>
-          <p:nvPr/>
-        </p:nvSpPr>
-        <p:spPr>
-          <a:xfrm>
-            <a:off x="1470990" y="1486727"/>
-            <a:ext cx="1868557" cy="307775"/>
-          </a:xfrm>
-          <a:prstGeom prst="rect">
-            <a:avLst/>
-          </a:prstGeom>
-          <a:noFill/>
-          <a:ln w="12700" cap="flat">
-            <a:noFill/>
-            <a:miter lim="400000"/>
-          </a:ln>
-          <a:effectLst/>
-          <a:sp3d/>
-        </p:spPr>
-        <p:style>
-          <a:lnRef idx="0">
-            <a:scrgbClr r="0" g="0" b="0"/>
-          </a:lnRef>
-          <a:fillRef idx="0">
-            <a:scrgbClr r="0" g="0" b="0"/>
-          </a:fillRef>
-          <a:effectRef idx="0">
-            <a:scrgbClr r="0" g="0" b="0"/>
-          </a:effectRef>
-          <a:fontRef idx="none"/>
-        </p:style>
-        <p:txBody>
-          <a:bodyPr rot="0" spcFirstLastPara="1" vertOverflow="overflow" horzOverflow="overflow" vert="horz" wrap="square" lIns="45719" tIns="45719" rIns="45719" bIns="45719" numCol="1" spcCol="38100" rtlCol="0" anchor="t">
-            <a:spAutoFit/>
-          </a:bodyPr>
-          <a:lstStyle/>
-          <a:p>
-            <a:pPr marL="0" marR="0" indent="0" algn="ctr" defTabSz="914400" rtl="0" fontAlgn="auto" latinLnBrk="0" hangingPunct="0">
-              <a:lnSpc>
-                <a:spcPct val="100000"/>
-              </a:lnSpc>
-              <a:spcBef>
-                <a:spcPts val="0"/>
-              </a:spcBef>
-              <a:spcAft>
-                <a:spcPts val="0"/>
-              </a:spcAft>
-              <a:buClrTx/>
-              <a:buSzTx/>
-              <a:buFontTx/>
-              <a:buNone/>
-              <a:tabLst/>
-            </a:pPr>
-            <a:r>
-              <a:rPr lang="en-IN" dirty="0">
-                <a:latin typeface="Oswald"/>
-              </a:rPr>
-              <a:t>Identical Types</a:t>
-            </a:r>
-          </a:p>
-        </p:txBody>
-      </p:sp>
-      <p:sp>
-        <p:nvSpPr>
-          <p:cNvPr id="9" name="TextBox 8">
-            <a:extLst>
-              <a:ext uri="{FF2B5EF4-FFF2-40B4-BE49-F238E27FC236}">
-                <a16:creationId xmlns:a16="http://schemas.microsoft.com/office/drawing/2014/main" id="{A1E48023-6767-DF15-0216-65462F602025}"/>
-              </a:ext>
-            </a:extLst>
-          </p:cNvPr>
-          <p:cNvSpPr txBox="1"/>
-          <p:nvPr/>
-        </p:nvSpPr>
-        <p:spPr>
-          <a:xfrm>
-            <a:off x="6415738" y="1517261"/>
-            <a:ext cx="683840" cy="307775"/>
-          </a:xfrm>
-          <a:prstGeom prst="rect">
-            <a:avLst/>
-          </a:prstGeom>
-          <a:noFill/>
-          <a:ln w="12700" cap="flat">
-            <a:noFill/>
-            <a:miter lim="400000"/>
-          </a:ln>
-          <a:effectLst/>
-          <a:sp3d/>
-        </p:spPr>
-        <p:style>
-          <a:lnRef idx="0">
-            <a:scrgbClr r="0" g="0" b="0"/>
-          </a:lnRef>
-          <a:fillRef idx="0">
-            <a:scrgbClr r="0" g="0" b="0"/>
-          </a:fillRef>
-          <a:effectRef idx="0">
-            <a:scrgbClr r="0" g="0" b="0"/>
-          </a:effectRef>
-          <a:fontRef idx="none"/>
-        </p:style>
-        <p:txBody>
-          <a:bodyPr rot="0" spcFirstLastPara="1" vertOverflow="overflow" horzOverflow="overflow" vert="horz" wrap="none" lIns="45719" tIns="45719" rIns="45719" bIns="45719" numCol="1" spcCol="38100" rtlCol="0" anchor="t">
-            <a:spAutoFit/>
-          </a:bodyPr>
-          <a:lstStyle/>
-          <a:p>
-            <a:pPr marL="0" marR="0" indent="0" algn="l" defTabSz="914400" rtl="0" fontAlgn="auto" latinLnBrk="0" hangingPunct="0">
-              <a:lnSpc>
-                <a:spcPct val="100000"/>
-              </a:lnSpc>
-              <a:spcBef>
-                <a:spcPts val="0"/>
-              </a:spcBef>
-              <a:spcAft>
-                <a:spcPts val="0"/>
-              </a:spcAft>
-              <a:buClrTx/>
-              <a:buSzTx/>
-              <a:buFontTx/>
-              <a:buNone/>
-              <a:tabLst/>
-            </a:pPr>
-            <a:r>
-              <a:rPr lang="en-IN" dirty="0">
-                <a:latin typeface="Oswald"/>
-              </a:rPr>
-              <a:t>Subtypes</a:t>
-            </a:r>
-          </a:p>
-        </p:txBody>
-      </p:sp>
-    </p:spTree>
-    <p:extLst>
-      <p:ext uri="{BB962C8B-B14F-4D97-AF65-F5344CB8AC3E}">
-        <p14:creationId xmlns:p14="http://schemas.microsoft.com/office/powerpoint/2010/main" val="3686523716"/>
-      </p:ext>
-    </p:extLst>
-  </p:cSld>
-  <p:clrMapOvr>
-    <a:masterClrMapping/>
-  </p:clrMapOvr>
-  <mc:AlternateContent xmlns:mc="http://schemas.openxmlformats.org/markup-compatibility/2006" xmlns:p14="http://schemas.microsoft.com/office/powerpoint/2010/main">
-    <mc:Choice Requires="p14">
-      <p:transition spd="slow" p14:dur="1200">
-        <p:fade thruBlk="1"/>
-      </p:transition>
-    </mc:Choice>
-    <mc:Fallback xmlns="" xmlns:m="http://schemas.openxmlformats.org/officeDocument/2006/math" xmlns:a14="http://schemas.microsoft.com/office/drawing/2010/main">
-      <p:transition spd="slow">
-        <p:fade/>
-      </p:transition>
-    </mc:Fallback>
-  </mc:AlternateContent>
-</p:sld>
-</file>
-
-<file path=ppt/slides/slide88.xml><?xml version="1.0" encoding="utf-8"?>
-<p:sld xmlns:a="http://schemas.openxmlformats.org/drawingml/2006/main" xmlns:r="http://schemas.openxmlformats.org/officeDocument/2006/relationships" xmlns:p="http://schemas.openxmlformats.org/presentationml/2006/main">
-  <p:cSld>
-    <p:spTree>
-      <p:nvGrpSpPr>
-        <p:cNvPr id="1" name=""/>
-        <p:cNvGrpSpPr/>
-        <p:nvPr/>
-      </p:nvGrpSpPr>
-      <p:grpSpPr>
-        <a:xfrm>
-          <a:off x="0" y="0"/>
-          <a:ext cx="0" cy="0"/>
-          <a:chOff x="0" y="0"/>
-          <a:chExt cx="0" cy="0"/>
-        </a:xfrm>
-      </p:grpSpPr>
-      <p:sp>
-        <p:nvSpPr>
-          <p:cNvPr id="480" name="Rectangle 8"/>
-          <p:cNvSpPr/>
-          <p:nvPr/>
-        </p:nvSpPr>
-        <p:spPr>
-          <a:xfrm>
-            <a:off x="385771" y="4950621"/>
-            <a:ext cx="8358179" cy="181697"/>
-          </a:xfrm>
-          <a:prstGeom prst="rect">
-            <a:avLst/>
-          </a:prstGeom>
-          <a:solidFill>
-            <a:srgbClr val="000000"/>
-          </a:solidFill>
-          <a:ln w="25400">
-            <a:solidFill>
-              <a:srgbClr val="000000"/>
-            </a:solidFill>
-          </a:ln>
-        </p:spPr>
-        <p:txBody>
-          <a:bodyPr lIns="45719" rIns="45719" anchor="ctr"/>
-          <a:lstStyle/>
-          <a:p>
-            <a:pPr algn="ctr">
-              <a:defRPr>
-                <a:solidFill>
-                  <a:srgbClr val="FFFFFF"/>
-                </a:solidFill>
-              </a:defRPr>
-            </a:pPr>
-            <a:endParaRPr/>
-          </a:p>
-        </p:txBody>
-      </p:sp>
-      <p:sp>
-        <p:nvSpPr>
-          <p:cNvPr id="481" name="Rectangle 7"/>
-          <p:cNvSpPr/>
-          <p:nvPr/>
-        </p:nvSpPr>
-        <p:spPr>
-          <a:xfrm>
-            <a:off x="1300162" y="7143"/>
-            <a:ext cx="6800851" cy="121446"/>
-          </a:xfrm>
-          <a:prstGeom prst="rect">
-            <a:avLst/>
-          </a:prstGeom>
-          <a:solidFill>
-            <a:srgbClr val="FF5050"/>
-          </a:solidFill>
-          <a:ln w="25400">
-            <a:solidFill>
-              <a:srgbClr val="FF5050"/>
-            </a:solidFill>
-          </a:ln>
-        </p:spPr>
-        <p:txBody>
-          <a:bodyPr lIns="45719" rIns="45719" anchor="ctr"/>
-          <a:lstStyle/>
-          <a:p>
-            <a:pPr algn="ctr">
-              <a:defRPr>
-                <a:solidFill>
-                  <a:srgbClr val="FFFFFF"/>
-                </a:solidFill>
-              </a:defRPr>
-            </a:pPr>
-            <a:endParaRPr/>
-          </a:p>
-        </p:txBody>
-      </p:sp>
-      <p:sp>
-        <p:nvSpPr>
-          <p:cNvPr id="482" name="TextBox 9"/>
-          <p:cNvSpPr txBox="1"/>
-          <p:nvPr/>
-        </p:nvSpPr>
-        <p:spPr>
-          <a:xfrm>
-            <a:off x="781521" y="4929194"/>
-            <a:ext cx="3551873" cy="214701"/>
-          </a:xfrm>
-          <a:prstGeom prst="rect">
-            <a:avLst/>
-          </a:prstGeom>
-          <a:ln w="12700">
-            <a:miter lim="400000"/>
-          </a:ln>
-          <a:extLst>
-            <a:ext uri="{C572A759-6A51-4108-AA02-DFA0A04FC94B}">
-              <ma14:wrappingTextBoxFlag xmlns="" xmlns:m="http://schemas.openxmlformats.org/officeDocument/2006/math" xmlns:a14="http://schemas.microsoft.com/office/drawing/2010/main" xmlns:ma14="http://schemas.microsoft.com/office/mac/drawingml/2011/main" val="1"/>
-            </a:ext>
-          </a:extLst>
-        </p:spPr>
-        <p:txBody>
-          <a:bodyPr lIns="45719" rIns="45719">
-            <a:spAutoFit/>
-          </a:bodyPr>
-          <a:lstStyle>
-            <a:lvl1pPr>
-              <a:defRPr sz="900">
-                <a:solidFill>
-                  <a:srgbClr val="FFFFFF"/>
-                </a:solidFill>
-              </a:defRPr>
-            </a:lvl1pPr>
-          </a:lstStyle>
-          <a:p>
-            <a:r>
-              <a:t>© 2021 Mindmajix Technologies Pvt. Ltd. All rights reserved</a:t>
-            </a:r>
-          </a:p>
-        </p:txBody>
-      </p:sp>
-      <p:sp>
-        <p:nvSpPr>
-          <p:cNvPr id="483" name="Straight Connector 11"/>
-          <p:cNvSpPr/>
-          <p:nvPr/>
-        </p:nvSpPr>
-        <p:spPr>
-          <a:xfrm>
-            <a:off x="578644" y="971549"/>
-            <a:ext cx="8036720" cy="1590"/>
-          </a:xfrm>
-          <a:prstGeom prst="line">
-            <a:avLst/>
-          </a:prstGeom>
-          <a:ln>
-            <a:solidFill>
-              <a:srgbClr val="000000"/>
-            </a:solidFill>
-          </a:ln>
-        </p:spPr>
-        <p:txBody>
-          <a:bodyPr lIns="45719" rIns="45719"/>
-          <a:lstStyle/>
-          <a:p>
-            <a:endParaRPr/>
-          </a:p>
-        </p:txBody>
-      </p:sp>
-      <p:sp>
-        <p:nvSpPr>
-          <p:cNvPr id="484" name="TextBox 12"/>
-          <p:cNvSpPr txBox="1"/>
-          <p:nvPr/>
-        </p:nvSpPr>
-        <p:spPr>
-          <a:xfrm>
-            <a:off x="795820" y="514354"/>
-            <a:ext cx="7545228" cy="459741"/>
-          </a:xfrm>
-          <a:prstGeom prst="rect">
-            <a:avLst/>
-          </a:prstGeom>
-          <a:ln w="12700">
-            <a:miter lim="400000"/>
-          </a:ln>
-          <a:extLst>
-            <a:ext uri="{C572A759-6A51-4108-AA02-DFA0A04FC94B}">
-              <ma14:wrappingTextBoxFlag xmlns="" xmlns:m="http://schemas.openxmlformats.org/officeDocument/2006/math" xmlns:a14="http://schemas.microsoft.com/office/drawing/2010/main" xmlns:ma14="http://schemas.microsoft.com/office/mac/drawingml/2011/main" val="1"/>
-            </a:ext>
-          </a:extLst>
-        </p:spPr>
-        <p:txBody>
-          <a:bodyPr lIns="45719" rIns="45719">
-            <a:spAutoFit/>
-          </a:bodyPr>
-          <a:lstStyle>
-            <a:lvl1pPr>
-              <a:defRPr sz="2400">
-                <a:latin typeface="Oswald"/>
-                <a:ea typeface="Oswald"/>
-                <a:cs typeface="Oswald"/>
-                <a:sym typeface="Oswald"/>
-              </a:defRPr>
-            </a:lvl1pPr>
-          </a:lstStyle>
-          <a:p>
-            <a:r>
-              <a:t>Summary / Conclusion</a:t>
-            </a:r>
-          </a:p>
-        </p:txBody>
-      </p:sp>
-      <p:sp>
-        <p:nvSpPr>
-          <p:cNvPr id="485" name="TextBox 6"/>
-          <p:cNvSpPr txBox="1"/>
-          <p:nvPr/>
-        </p:nvSpPr>
-        <p:spPr>
-          <a:xfrm>
-            <a:off x="606500" y="1054008"/>
-            <a:ext cx="7545228" cy="1169551"/>
-          </a:xfrm>
-          <a:prstGeom prst="rect">
-            <a:avLst/>
-          </a:prstGeom>
-          <a:ln w="12700">
-            <a:miter lim="400000"/>
-          </a:ln>
-          <a:extLst>
-            <a:ext uri="{C572A759-6A51-4108-AA02-DFA0A04FC94B}">
-              <ma14:wrappingTextBoxFlag xmlns="" xmlns:m="http://schemas.openxmlformats.org/officeDocument/2006/math" xmlns:a14="http://schemas.microsoft.com/office/drawing/2010/main" xmlns:ma14="http://schemas.microsoft.com/office/mac/drawingml/2011/main" val="1"/>
+              <ma14:wrappingTextBoxFlag xmlns:ma14="http://schemas.microsoft.com/office/mac/drawingml/2011/main" xmlns:a14="http://schemas.microsoft.com/office/drawing/2010/main" xmlns:m="http://schemas.openxmlformats.org/officeDocument/2006/math" xmlns="" val="1"/>
             </a:ext>
           </a:extLst>
         </p:spPr>
@@ -46457,7 +46115,7 @@
         <p:fade thruBlk="1"/>
       </p:transition>
     </mc:Choice>
-    <mc:Fallback xmlns="" xmlns:m="http://schemas.openxmlformats.org/officeDocument/2006/math" xmlns:a14="http://schemas.microsoft.com/office/drawing/2010/main">
+    <mc:Fallback xmlns:a14="http://schemas.microsoft.com/office/drawing/2010/main" xmlns:m="http://schemas.openxmlformats.org/officeDocument/2006/math" xmlns="">
       <p:transition spd="slow">
         <p:fade/>
       </p:transition>
@@ -46543,6 +46201,214 @@
 </p:sld>
 </file>
 
+<file path=ppt/slides/slide88.xml><?xml version="1.0" encoding="utf-8"?>
+<p:sld xmlns:a="http://schemas.openxmlformats.org/drawingml/2006/main" xmlns:r="http://schemas.openxmlformats.org/officeDocument/2006/relationships" xmlns:p="http://schemas.openxmlformats.org/presentationml/2006/main">
+  <p:cSld>
+    <p:spTree>
+      <p:nvGrpSpPr>
+        <p:cNvPr id="1" name=""/>
+        <p:cNvGrpSpPr/>
+        <p:nvPr/>
+      </p:nvGrpSpPr>
+      <p:grpSpPr>
+        <a:xfrm>
+          <a:off x="0" y="0"/>
+          <a:ext cx="0" cy="0"/>
+          <a:chOff x="0" y="0"/>
+          <a:chExt cx="0" cy="0"/>
+        </a:xfrm>
+      </p:grpSpPr>
+      <p:sp>
+        <p:nvSpPr>
+          <p:cNvPr id="489" name="Rectangle 8"/>
+          <p:cNvSpPr/>
+          <p:nvPr/>
+        </p:nvSpPr>
+        <p:spPr>
+          <a:xfrm>
+            <a:off x="385771" y="4950621"/>
+            <a:ext cx="8358179" cy="181697"/>
+          </a:xfrm>
+          <a:prstGeom prst="rect">
+            <a:avLst/>
+          </a:prstGeom>
+          <a:solidFill>
+            <a:srgbClr val="000000"/>
+          </a:solidFill>
+          <a:ln w="25400">
+            <a:solidFill>
+              <a:srgbClr val="000000"/>
+            </a:solidFill>
+          </a:ln>
+        </p:spPr>
+        <p:txBody>
+          <a:bodyPr lIns="45719" rIns="45719" anchor="ctr"/>
+          <a:lstStyle/>
+          <a:p>
+            <a:pPr algn="ctr">
+              <a:defRPr>
+                <a:solidFill>
+                  <a:srgbClr val="FFFFFF"/>
+                </a:solidFill>
+              </a:defRPr>
+            </a:pPr>
+            <a:endParaRPr/>
+          </a:p>
+        </p:txBody>
+      </p:sp>
+      <p:sp>
+        <p:nvSpPr>
+          <p:cNvPr id="490" name="Rectangle 7"/>
+          <p:cNvSpPr/>
+          <p:nvPr/>
+        </p:nvSpPr>
+        <p:spPr>
+          <a:xfrm>
+            <a:off x="1300162" y="7143"/>
+            <a:ext cx="6800851" cy="121446"/>
+          </a:xfrm>
+          <a:prstGeom prst="rect">
+            <a:avLst/>
+          </a:prstGeom>
+          <a:solidFill>
+            <a:srgbClr val="FF5050"/>
+          </a:solidFill>
+          <a:ln w="25400">
+            <a:solidFill>
+              <a:srgbClr val="FF5050"/>
+            </a:solidFill>
+          </a:ln>
+        </p:spPr>
+        <p:txBody>
+          <a:bodyPr lIns="45719" rIns="45719" anchor="ctr"/>
+          <a:lstStyle/>
+          <a:p>
+            <a:pPr algn="ctr">
+              <a:defRPr>
+                <a:solidFill>
+                  <a:srgbClr val="FFFFFF"/>
+                </a:solidFill>
+              </a:defRPr>
+            </a:pPr>
+            <a:endParaRPr/>
+          </a:p>
+        </p:txBody>
+      </p:sp>
+      <p:sp>
+        <p:nvSpPr>
+          <p:cNvPr id="491" name="TextBox 9"/>
+          <p:cNvSpPr txBox="1"/>
+          <p:nvPr/>
+        </p:nvSpPr>
+        <p:spPr>
+          <a:xfrm>
+            <a:off x="781521" y="4929194"/>
+            <a:ext cx="3551873" cy="214701"/>
+          </a:xfrm>
+          <a:prstGeom prst="rect">
+            <a:avLst/>
+          </a:prstGeom>
+          <a:ln w="12700">
+            <a:miter lim="400000"/>
+          </a:ln>
+          <a:extLst>
+            <a:ext uri="{C572A759-6A51-4108-AA02-DFA0A04FC94B}">
+              <ma14:wrappingTextBoxFlag xmlns:ma14="http://schemas.microsoft.com/office/mac/drawingml/2011/main" xmlns:a14="http://schemas.microsoft.com/office/drawing/2010/main" xmlns:m="http://schemas.openxmlformats.org/officeDocument/2006/math" xmlns="" val="1"/>
+            </a:ext>
+          </a:extLst>
+        </p:spPr>
+        <p:txBody>
+          <a:bodyPr lIns="45719" rIns="45719">
+            <a:spAutoFit/>
+          </a:bodyPr>
+          <a:lstStyle>
+            <a:lvl1pPr>
+              <a:defRPr sz="900">
+                <a:solidFill>
+                  <a:srgbClr val="FFFFFF"/>
+                </a:solidFill>
+              </a:defRPr>
+            </a:lvl1pPr>
+          </a:lstStyle>
+          <a:p>
+            <a:r>
+              <a:t>© 2021 Mindmajix Technologies Pvt. Ltd. All rights reserved</a:t>
+            </a:r>
+          </a:p>
+        </p:txBody>
+      </p:sp>
+      <p:sp>
+        <p:nvSpPr>
+          <p:cNvPr id="492" name="TextBox 12"/>
+          <p:cNvSpPr txBox="1"/>
+          <p:nvPr/>
+        </p:nvSpPr>
+        <p:spPr>
+          <a:xfrm>
+            <a:off x="662251" y="1997618"/>
+            <a:ext cx="7545228" cy="764541"/>
+          </a:xfrm>
+          <a:prstGeom prst="rect">
+            <a:avLst/>
+          </a:prstGeom>
+          <a:ln w="12700">
+            <a:miter lim="400000"/>
+          </a:ln>
+          <a:extLst>
+            <a:ext uri="{C572A759-6A51-4108-AA02-DFA0A04FC94B}">
+              <ma14:wrappingTextBoxFlag xmlns:ma14="http://schemas.microsoft.com/office/mac/drawingml/2011/main" xmlns:a14="http://schemas.microsoft.com/office/drawing/2010/main" xmlns:m="http://schemas.openxmlformats.org/officeDocument/2006/math" xmlns="" val="1"/>
+            </a:ext>
+          </a:extLst>
+        </p:spPr>
+        <p:txBody>
+          <a:bodyPr lIns="45719" rIns="45719">
+            <a:spAutoFit/>
+          </a:bodyPr>
+          <a:lstStyle/>
+          <a:p>
+            <a:pPr algn="ctr">
+              <a:defRPr sz="4400">
+                <a:latin typeface="Oswald"/>
+                <a:ea typeface="Oswald"/>
+                <a:cs typeface="Oswald"/>
+                <a:sym typeface="Oswald"/>
+              </a:defRPr>
+            </a:pPr>
+            <a:r>
+              <a:t>Questions</a:t>
+            </a:r>
+            <a:r>
+              <a:rPr sz="2400"/>
+              <a:t> </a:t>
+            </a:r>
+          </a:p>
+        </p:txBody>
+      </p:sp>
+    </p:spTree>
+    <p:extLst>
+      <p:ext uri="{BB962C8B-B14F-4D97-AF65-F5344CB8AC3E}">
+        <p14:creationId xmlns:p14="http://schemas.microsoft.com/office/powerpoint/2010/main" val="132519536"/>
+      </p:ext>
+    </p:extLst>
+  </p:cSld>
+  <p:clrMapOvr>
+    <a:masterClrMapping/>
+  </p:clrMapOvr>
+  <mc:AlternateContent xmlns:mc="http://schemas.openxmlformats.org/markup-compatibility/2006" xmlns:p14="http://schemas.microsoft.com/office/powerpoint/2010/main">
+    <mc:Choice Requires="p14">
+      <p:transition spd="slow" p14:dur="1200">
+        <p:fade thruBlk="1"/>
+      </p:transition>
+    </mc:Choice>
+    <mc:Fallback xmlns:a14="http://schemas.microsoft.com/office/drawing/2010/main" xmlns:m="http://schemas.openxmlformats.org/officeDocument/2006/math" xmlns="">
+      <p:transition spd="slow">
+        <p:fade/>
+      </p:transition>
+    </mc:Fallback>
+  </mc:AlternateContent>
+</p:sld>
+</file>
+
 <file path=ppt/slides/slide89.xml><?xml version="1.0" encoding="utf-8"?>
 <p:sld xmlns:a="http://schemas.openxmlformats.org/drawingml/2006/main" xmlns:r="http://schemas.openxmlformats.org/officeDocument/2006/relationships" xmlns:p="http://schemas.openxmlformats.org/presentationml/2006/main">
   <p:cSld>
@@ -46562,7 +46428,7 @@
       </p:grpSpPr>
       <p:sp>
         <p:nvSpPr>
-          <p:cNvPr id="489" name="Rectangle 8"/>
+          <p:cNvPr id="496" name="Rectangle 8"/>
           <p:cNvSpPr/>
           <p:nvPr/>
         </p:nvSpPr>
@@ -46600,7 +46466,7 @@
       </p:sp>
       <p:sp>
         <p:nvSpPr>
-          <p:cNvPr id="490" name="Rectangle 7"/>
+          <p:cNvPr id="497" name="Rectangle 7"/>
           <p:cNvSpPr/>
           <p:nvPr/>
         </p:nvSpPr>
@@ -46638,7 +46504,7 @@
       </p:sp>
       <p:sp>
         <p:nvSpPr>
-          <p:cNvPr id="491" name="TextBox 9"/>
+          <p:cNvPr id="498" name="TextBox 9"/>
           <p:cNvSpPr txBox="1"/>
           <p:nvPr/>
         </p:nvSpPr>
@@ -46655,7 +46521,7 @@
           </a:ln>
           <a:extLst>
             <a:ext uri="{C572A759-6A51-4108-AA02-DFA0A04FC94B}">
-              <ma14:wrappingTextBoxFlag xmlns="" xmlns:m="http://schemas.openxmlformats.org/officeDocument/2006/math" xmlns:a14="http://schemas.microsoft.com/office/drawing/2010/main" xmlns:ma14="http://schemas.microsoft.com/office/mac/drawingml/2011/main" val="1"/>
+              <ma14:wrappingTextBoxFlag xmlns:ma14="http://schemas.microsoft.com/office/mac/drawingml/2011/main" xmlns:a14="http://schemas.microsoft.com/office/drawing/2010/main" xmlns:m="http://schemas.openxmlformats.org/officeDocument/2006/math" xmlns="" val="1"/>
             </a:ext>
           </a:extLst>
         </p:spPr>
@@ -46681,14 +46547,42 @@
       </p:sp>
       <p:sp>
         <p:nvSpPr>
-          <p:cNvPr id="492" name="TextBox 12"/>
+          <p:cNvPr id="499" name="Straight Connector 11"/>
+          <p:cNvSpPr/>
+          <p:nvPr/>
+        </p:nvSpPr>
+        <p:spPr>
+          <a:xfrm>
+            <a:off x="578644" y="971549"/>
+            <a:ext cx="8036720" cy="1590"/>
+          </a:xfrm>
+          <a:prstGeom prst="line">
+            <a:avLst/>
+          </a:prstGeom>
+          <a:ln>
+            <a:solidFill>
+              <a:srgbClr val="000000"/>
+            </a:solidFill>
+          </a:ln>
+        </p:spPr>
+        <p:txBody>
+          <a:bodyPr lIns="45719" rIns="45719"/>
+          <a:lstStyle/>
+          <a:p>
+            <a:endParaRPr/>
+          </a:p>
+        </p:txBody>
+      </p:sp>
+      <p:sp>
+        <p:nvSpPr>
+          <p:cNvPr id="500" name="TextBox 12"/>
           <p:cNvSpPr txBox="1"/>
           <p:nvPr/>
         </p:nvSpPr>
         <p:spPr>
           <a:xfrm>
-            <a:off x="662251" y="1997618"/>
-            <a:ext cx="7545228" cy="764541"/>
+            <a:off x="795820" y="514354"/>
+            <a:ext cx="7545228" cy="459741"/>
           </a:xfrm>
           <a:prstGeom prst="rect">
             <a:avLst/>
@@ -46698,7 +46592,7 @@
           </a:ln>
           <a:extLst>
             <a:ext uri="{C572A759-6A51-4108-AA02-DFA0A04FC94B}">
-              <ma14:wrappingTextBoxFlag xmlns="" xmlns:m="http://schemas.openxmlformats.org/officeDocument/2006/math" xmlns:a14="http://schemas.microsoft.com/office/drawing/2010/main" xmlns:ma14="http://schemas.microsoft.com/office/mac/drawingml/2011/main" val="1"/>
+              <ma14:wrappingTextBoxFlag xmlns:ma14="http://schemas.microsoft.com/office/mac/drawingml/2011/main" xmlns:a14="http://schemas.microsoft.com/office/drawing/2010/main" xmlns:m="http://schemas.openxmlformats.org/officeDocument/2006/math" xmlns="" val="1"/>
             </a:ext>
           </a:extLst>
         </p:spPr>
@@ -46706,30 +46600,190 @@
           <a:bodyPr lIns="45719" rIns="45719">
             <a:spAutoFit/>
           </a:bodyPr>
-          <a:lstStyle/>
-          <a:p>
-            <a:pPr algn="ctr">
-              <a:defRPr sz="4400">
-                <a:latin typeface="Oswald"/>
-                <a:ea typeface="Oswald"/>
-                <a:cs typeface="Oswald"/>
-                <a:sym typeface="Oswald"/>
-              </a:defRPr>
-            </a:pPr>
-            <a:r>
-              <a:t>Questions</a:t>
-            </a:r>
-            <a:r>
-              <a:rPr sz="2400"/>
-              <a:t> </a:t>
-            </a:r>
+          <a:lstStyle>
+            <a:lvl1pPr>
+              <a:defRPr sz="2400">
+                <a:latin typeface="Oswald"/>
+                <a:ea typeface="Oswald"/>
+                <a:cs typeface="Oswald"/>
+                <a:sym typeface="Oswald"/>
+              </a:defRPr>
+            </a:lvl1pPr>
+          </a:lstStyle>
+          <a:p>
+            <a:r>
+              <a:t>Thank You</a:t>
+            </a:r>
+          </a:p>
+        </p:txBody>
+      </p:sp>
+      <p:sp>
+        <p:nvSpPr>
+          <p:cNvPr id="501" name="TextBox 10"/>
+          <p:cNvSpPr txBox="1"/>
+          <p:nvPr/>
+        </p:nvSpPr>
+        <p:spPr>
+          <a:xfrm>
+            <a:off x="824385" y="1293019"/>
+            <a:ext cx="5966465" cy="2313941"/>
+          </a:xfrm>
+          <a:prstGeom prst="rect">
+            <a:avLst/>
+          </a:prstGeom>
+          <a:ln w="12700">
+            <a:miter lim="400000"/>
+          </a:ln>
+          <a:extLst>
+            <a:ext uri="{C572A759-6A51-4108-AA02-DFA0A04FC94B}">
+              <ma14:wrappingTextBoxFlag xmlns:ma14="http://schemas.microsoft.com/office/mac/drawingml/2011/main" xmlns:a14="http://schemas.microsoft.com/office/drawing/2010/main" xmlns:m="http://schemas.openxmlformats.org/officeDocument/2006/math" xmlns="" val="1"/>
+            </a:ext>
+          </a:extLst>
+        </p:spPr>
+        <p:txBody>
+          <a:bodyPr lIns="45719" rIns="45719">
+            <a:spAutoFit/>
+          </a:bodyPr>
+          <a:lstStyle/>
+          <a:p>
+            <a:pPr>
+              <a:defRPr>
+                <a:latin typeface="Oswald"/>
+                <a:ea typeface="Oswald"/>
+                <a:cs typeface="Oswald"/>
+                <a:sym typeface="Oswald"/>
+              </a:defRPr>
+            </a:pPr>
+            <a:r>
+              <a:t>Thanks for attending the demo.</a:t>
+            </a:r>
+          </a:p>
+          <a:p>
+            <a:pPr>
+              <a:defRPr>
+                <a:latin typeface="Oswald"/>
+                <a:ea typeface="Oswald"/>
+                <a:cs typeface="Oswald"/>
+                <a:sym typeface="Oswald"/>
+              </a:defRPr>
+            </a:pPr>
+            <a:endParaRPr/>
+          </a:p>
+          <a:p>
+            <a:pPr>
+              <a:defRPr>
+                <a:latin typeface="Oswald"/>
+                <a:ea typeface="Oswald"/>
+                <a:cs typeface="Oswald"/>
+                <a:sym typeface="Oswald"/>
+              </a:defRPr>
+            </a:pPr>
+            <a:r>
+              <a:t>Please share your feedback, and contact us for queries related to course scope, schedule, references, cost, and payment options.</a:t>
+            </a:r>
+          </a:p>
+          <a:p>
+            <a:pPr>
+              <a:defRPr>
+                <a:latin typeface="Oswald"/>
+                <a:ea typeface="Oswald"/>
+                <a:cs typeface="Oswald"/>
+                <a:sym typeface="Oswald"/>
+              </a:defRPr>
+            </a:pPr>
+            <a:endParaRPr/>
+          </a:p>
+          <a:p>
+            <a:pPr>
+              <a:defRPr sz="1200">
+                <a:latin typeface="Oswald"/>
+                <a:ea typeface="Oswald"/>
+                <a:cs typeface="Oswald"/>
+                <a:sym typeface="Oswald"/>
+              </a:defRPr>
+            </a:pPr>
+            <a:r>
+              <a:t>Email – </a:t>
+            </a:r>
+            <a:r>
+              <a:rPr u="sng">
+                <a:solidFill>
+                  <a:srgbClr val="0000FF"/>
+                </a:solidFill>
+                <a:uFill>
+                  <a:solidFill>
+                    <a:srgbClr val="0000FF"/>
+                  </a:solidFill>
+                </a:uFill>
+                <a:hlinkClick r:id="rId3"/>
+              </a:rPr>
+              <a:t>info@mindmajix.com</a:t>
+            </a:r>
+          </a:p>
+          <a:p>
+            <a:pPr>
+              <a:defRPr sz="1200">
+                <a:latin typeface="Oswald"/>
+                <a:ea typeface="Oswald"/>
+                <a:cs typeface="Oswald"/>
+                <a:sym typeface="Oswald"/>
+              </a:defRPr>
+            </a:pPr>
+            <a:endParaRPr u="sng">
+              <a:solidFill>
+                <a:srgbClr val="0000FF"/>
+              </a:solidFill>
+              <a:uFill>
+                <a:solidFill>
+                  <a:srgbClr val="0000FF"/>
+                </a:solidFill>
+              </a:uFill>
+              <a:hlinkClick r:id="rId3"/>
+            </a:endParaRPr>
+          </a:p>
+          <a:p>
+            <a:pPr>
+              <a:defRPr sz="1200">
+                <a:latin typeface="Oswald"/>
+                <a:ea typeface="Oswald"/>
+                <a:cs typeface="Oswald"/>
+                <a:sym typeface="Oswald"/>
+              </a:defRPr>
+            </a:pPr>
+            <a:r>
+              <a:t>IND - +91 924 633 3245</a:t>
+            </a:r>
+          </a:p>
+          <a:p>
+            <a:pPr>
+              <a:defRPr sz="1200">
+                <a:latin typeface="Oswald"/>
+                <a:ea typeface="Oswald"/>
+                <a:cs typeface="Oswald"/>
+                <a:sym typeface="Oswald"/>
+              </a:defRPr>
+            </a:pPr>
+            <a:r>
+              <a:t>USA - +1 917 456 8403</a:t>
+            </a:r>
+          </a:p>
+          <a:p>
+            <a:pPr>
+              <a:defRPr>
+                <a:latin typeface="Oswald"/>
+                <a:ea typeface="Oswald"/>
+                <a:cs typeface="Oswald"/>
+                <a:sym typeface="Oswald"/>
+              </a:defRPr>
+            </a:pPr>
+            <a:endParaRPr/>
           </a:p>
         </p:txBody>
       </p:sp>
     </p:spTree>
     <p:extLst>
       <p:ext uri="{BB962C8B-B14F-4D97-AF65-F5344CB8AC3E}">
-        <p14:creationId xmlns:p14="http://schemas.microsoft.com/office/powerpoint/2010/main" val="132519536"/>
+        <p14:creationId xmlns:p14="http://schemas.microsoft.com/office/powerpoint/2010/main" val="1842292530"/>
       </p:ext>
     </p:extLst>
   </p:cSld>
@@ -46742,7 +46796,7 @@
         <p:fade thruBlk="1"/>
       </p:transition>
     </mc:Choice>
-    <mc:Fallback xmlns="" xmlns:m="http://schemas.openxmlformats.org/officeDocument/2006/math" xmlns:a14="http://schemas.microsoft.com/office/drawing/2010/main">
+    <mc:Fallback xmlns:a14="http://schemas.microsoft.com/office/drawing/2010/main" xmlns:m="http://schemas.openxmlformats.org/officeDocument/2006/math" xmlns="">
       <p:transition spd="slow">
         <p:fade/>
       </p:transition>
@@ -46863,7 +46917,7 @@
           </a:ln>
           <a:extLst>
             <a:ext uri="{C572A759-6A51-4108-AA02-DFA0A04FC94B}">
-              <ma14:wrappingTextBoxFlag xmlns="" xmlns:m="http://schemas.openxmlformats.org/officeDocument/2006/math" xmlns:a14="http://schemas.microsoft.com/office/drawing/2010/main" xmlns:ma14="http://schemas.microsoft.com/office/mac/drawingml/2011/main" val="1"/>
+              <ma14:wrappingTextBoxFlag xmlns:ma14="http://schemas.microsoft.com/office/mac/drawingml/2011/main" xmlns:a14="http://schemas.microsoft.com/office/drawing/2010/main" xmlns:m="http://schemas.openxmlformats.org/officeDocument/2006/math" xmlns="" val="1"/>
             </a:ext>
           </a:extLst>
         </p:spPr>
@@ -46934,7 +46988,7 @@
           </a:ln>
           <a:extLst>
             <a:ext uri="{C572A759-6A51-4108-AA02-DFA0A04FC94B}">
-              <ma14:wrappingTextBoxFlag xmlns="" xmlns:m="http://schemas.openxmlformats.org/officeDocument/2006/math" xmlns:a14="http://schemas.microsoft.com/office/drawing/2010/main" xmlns:ma14="http://schemas.microsoft.com/office/mac/drawingml/2011/main" val="1"/>
+              <ma14:wrappingTextBoxFlag xmlns:ma14="http://schemas.microsoft.com/office/mac/drawingml/2011/main" xmlns:a14="http://schemas.microsoft.com/office/drawing/2010/main" xmlns:m="http://schemas.openxmlformats.org/officeDocument/2006/math" xmlns="" val="1"/>
             </a:ext>
           </a:extLst>
         </p:spPr>
@@ -46978,7 +47032,7 @@
           </a:ln>
           <a:extLst>
             <a:ext uri="{C572A759-6A51-4108-AA02-DFA0A04FC94B}">
-              <ma14:wrappingTextBoxFlag xmlns="" xmlns:m="http://schemas.openxmlformats.org/officeDocument/2006/math" xmlns:a14="http://schemas.microsoft.com/office/drawing/2010/main" xmlns:ma14="http://schemas.microsoft.com/office/mac/drawingml/2011/main" val="1"/>
+              <ma14:wrappingTextBoxFlag xmlns:ma14="http://schemas.microsoft.com/office/mac/drawingml/2011/main" xmlns:a14="http://schemas.microsoft.com/office/drawing/2010/main" xmlns:m="http://schemas.openxmlformats.org/officeDocument/2006/math" xmlns="" val="1"/>
             </a:ext>
           </a:extLst>
         </p:spPr>
@@ -47099,7 +47153,7 @@
         <p:fade thruBlk="1"/>
       </p:transition>
     </mc:Choice>
-    <mc:Fallback xmlns="" xmlns:m="http://schemas.openxmlformats.org/officeDocument/2006/math" xmlns:a14="http://schemas.microsoft.com/office/drawing/2010/main">
+    <mc:Fallback xmlns:a14="http://schemas.microsoft.com/office/drawing/2010/main" xmlns:m="http://schemas.openxmlformats.org/officeDocument/2006/math" xmlns="">
       <p:transition spd="slow">
         <p:fade/>
       </p:transition>
@@ -47127,7 +47181,7 @@
       </p:grpSpPr>
       <p:sp>
         <p:nvSpPr>
-          <p:cNvPr id="496" name="Rectangle 8"/>
+          <p:cNvPr id="505" name="Rectangle 8"/>
           <p:cNvSpPr/>
           <p:nvPr/>
         </p:nvSpPr>
@@ -47165,7 +47219,7 @@
       </p:sp>
       <p:sp>
         <p:nvSpPr>
-          <p:cNvPr id="497" name="Rectangle 7"/>
+          <p:cNvPr id="506" name="Rectangle 7"/>
           <p:cNvSpPr/>
           <p:nvPr/>
         </p:nvSpPr>
@@ -47203,7 +47257,7 @@
       </p:sp>
       <p:sp>
         <p:nvSpPr>
-          <p:cNvPr id="498" name="TextBox 9"/>
+          <p:cNvPr id="507" name="TextBox 9"/>
           <p:cNvSpPr txBox="1"/>
           <p:nvPr/>
         </p:nvSpPr>
@@ -47220,7 +47274,7 @@
           </a:ln>
           <a:extLst>
             <a:ext uri="{C572A759-6A51-4108-AA02-DFA0A04FC94B}">
-              <ma14:wrappingTextBoxFlag xmlns="" xmlns:m="http://schemas.openxmlformats.org/officeDocument/2006/math" xmlns:a14="http://schemas.microsoft.com/office/drawing/2010/main" xmlns:ma14="http://schemas.microsoft.com/office/mac/drawingml/2011/main" val="1"/>
+              <ma14:wrappingTextBoxFlag xmlns:ma14="http://schemas.microsoft.com/office/mac/drawingml/2011/main" xmlns:a14="http://schemas.microsoft.com/office/drawing/2010/main" xmlns:m="http://schemas.openxmlformats.org/officeDocument/2006/math" xmlns="" val="1"/>
             </a:ext>
           </a:extLst>
         </p:spPr>
@@ -47246,7 +47300,7 @@
       </p:sp>
       <p:sp>
         <p:nvSpPr>
-          <p:cNvPr id="499" name="Straight Connector 11"/>
+          <p:cNvPr id="508" name="Straight Connector 11"/>
           <p:cNvSpPr/>
           <p:nvPr/>
         </p:nvSpPr>
@@ -47274,7 +47328,7 @@
       </p:sp>
       <p:sp>
         <p:nvSpPr>
-          <p:cNvPr id="500" name="TextBox 12"/>
+          <p:cNvPr id="509" name="TextBox 12"/>
           <p:cNvSpPr txBox="1"/>
           <p:nvPr/>
         </p:nvSpPr>
@@ -47291,403 +47345,7 @@
           </a:ln>
           <a:extLst>
             <a:ext uri="{C572A759-6A51-4108-AA02-DFA0A04FC94B}">
-              <ma14:wrappingTextBoxFlag xmlns="" xmlns:m="http://schemas.openxmlformats.org/officeDocument/2006/math" xmlns:a14="http://schemas.microsoft.com/office/drawing/2010/main" xmlns:ma14="http://schemas.microsoft.com/office/mac/drawingml/2011/main" val="1"/>
-            </a:ext>
-          </a:extLst>
-        </p:spPr>
-        <p:txBody>
-          <a:bodyPr lIns="45719" rIns="45719">
-            <a:spAutoFit/>
-          </a:bodyPr>
-          <a:lstStyle>
-            <a:lvl1pPr>
-              <a:defRPr sz="2400">
-                <a:latin typeface="Oswald"/>
-                <a:ea typeface="Oswald"/>
-                <a:cs typeface="Oswald"/>
-                <a:sym typeface="Oswald"/>
-              </a:defRPr>
-            </a:lvl1pPr>
-          </a:lstStyle>
-          <a:p>
-            <a:r>
-              <a:t>Thank You</a:t>
-            </a:r>
-          </a:p>
-        </p:txBody>
-      </p:sp>
-      <p:sp>
-        <p:nvSpPr>
-          <p:cNvPr id="501" name="TextBox 10"/>
-          <p:cNvSpPr txBox="1"/>
-          <p:nvPr/>
-        </p:nvSpPr>
-        <p:spPr>
-          <a:xfrm>
-            <a:off x="824385" y="1293019"/>
-            <a:ext cx="5966465" cy="2313941"/>
-          </a:xfrm>
-          <a:prstGeom prst="rect">
-            <a:avLst/>
-          </a:prstGeom>
-          <a:ln w="12700">
-            <a:miter lim="400000"/>
-          </a:ln>
-          <a:extLst>
-            <a:ext uri="{C572A759-6A51-4108-AA02-DFA0A04FC94B}">
-              <ma14:wrappingTextBoxFlag xmlns="" xmlns:m="http://schemas.openxmlformats.org/officeDocument/2006/math" xmlns:a14="http://schemas.microsoft.com/office/drawing/2010/main" xmlns:ma14="http://schemas.microsoft.com/office/mac/drawingml/2011/main" val="1"/>
-            </a:ext>
-          </a:extLst>
-        </p:spPr>
-        <p:txBody>
-          <a:bodyPr lIns="45719" rIns="45719">
-            <a:spAutoFit/>
-          </a:bodyPr>
-          <a:lstStyle/>
-          <a:p>
-            <a:pPr>
-              <a:defRPr>
-                <a:latin typeface="Oswald"/>
-                <a:ea typeface="Oswald"/>
-                <a:cs typeface="Oswald"/>
-                <a:sym typeface="Oswald"/>
-              </a:defRPr>
-            </a:pPr>
-            <a:r>
-              <a:t>Thanks for attending the demo.</a:t>
-            </a:r>
-          </a:p>
-          <a:p>
-            <a:pPr>
-              <a:defRPr>
-                <a:latin typeface="Oswald"/>
-                <a:ea typeface="Oswald"/>
-                <a:cs typeface="Oswald"/>
-                <a:sym typeface="Oswald"/>
-              </a:defRPr>
-            </a:pPr>
-            <a:endParaRPr/>
-          </a:p>
-          <a:p>
-            <a:pPr>
-              <a:defRPr>
-                <a:latin typeface="Oswald"/>
-                <a:ea typeface="Oswald"/>
-                <a:cs typeface="Oswald"/>
-                <a:sym typeface="Oswald"/>
-              </a:defRPr>
-            </a:pPr>
-            <a:r>
-              <a:t>Please share your feedback, and contact us for queries related to course scope, schedule, references, cost, and payment options.</a:t>
-            </a:r>
-          </a:p>
-          <a:p>
-            <a:pPr>
-              <a:defRPr>
-                <a:latin typeface="Oswald"/>
-                <a:ea typeface="Oswald"/>
-                <a:cs typeface="Oswald"/>
-                <a:sym typeface="Oswald"/>
-              </a:defRPr>
-            </a:pPr>
-            <a:endParaRPr/>
-          </a:p>
-          <a:p>
-            <a:pPr>
-              <a:defRPr sz="1200">
-                <a:latin typeface="Oswald"/>
-                <a:ea typeface="Oswald"/>
-                <a:cs typeface="Oswald"/>
-                <a:sym typeface="Oswald"/>
-              </a:defRPr>
-            </a:pPr>
-            <a:r>
-              <a:t>Email – </a:t>
-            </a:r>
-            <a:r>
-              <a:rPr u="sng">
-                <a:solidFill>
-                  <a:srgbClr val="0000FF"/>
-                </a:solidFill>
-                <a:uFill>
-                  <a:solidFill>
-                    <a:srgbClr val="0000FF"/>
-                  </a:solidFill>
-                </a:uFill>
-                <a:hlinkClick r:id="rId3"/>
-              </a:rPr>
-              <a:t>info@mindmajix.com</a:t>
-            </a:r>
-          </a:p>
-          <a:p>
-            <a:pPr>
-              <a:defRPr sz="1200">
-                <a:latin typeface="Oswald"/>
-                <a:ea typeface="Oswald"/>
-                <a:cs typeface="Oswald"/>
-                <a:sym typeface="Oswald"/>
-              </a:defRPr>
-            </a:pPr>
-            <a:endParaRPr u="sng">
-              <a:solidFill>
-                <a:srgbClr val="0000FF"/>
-              </a:solidFill>
-              <a:uFill>
-                <a:solidFill>
-                  <a:srgbClr val="0000FF"/>
-                </a:solidFill>
-              </a:uFill>
-              <a:hlinkClick r:id="rId3"/>
-            </a:endParaRPr>
-          </a:p>
-          <a:p>
-            <a:pPr>
-              <a:defRPr sz="1200">
-                <a:latin typeface="Oswald"/>
-                <a:ea typeface="Oswald"/>
-                <a:cs typeface="Oswald"/>
-                <a:sym typeface="Oswald"/>
-              </a:defRPr>
-            </a:pPr>
-            <a:r>
-              <a:t>IND - +91 924 633 3245</a:t>
-            </a:r>
-          </a:p>
-          <a:p>
-            <a:pPr>
-              <a:defRPr sz="1200">
-                <a:latin typeface="Oswald"/>
-                <a:ea typeface="Oswald"/>
-                <a:cs typeface="Oswald"/>
-                <a:sym typeface="Oswald"/>
-              </a:defRPr>
-            </a:pPr>
-            <a:r>
-              <a:t>USA - +1 917 456 8403</a:t>
-            </a:r>
-          </a:p>
-          <a:p>
-            <a:pPr>
-              <a:defRPr>
-                <a:latin typeface="Oswald"/>
-                <a:ea typeface="Oswald"/>
-                <a:cs typeface="Oswald"/>
-                <a:sym typeface="Oswald"/>
-              </a:defRPr>
-            </a:pPr>
-            <a:endParaRPr/>
-          </a:p>
-        </p:txBody>
-      </p:sp>
-    </p:spTree>
-    <p:extLst>
-      <p:ext uri="{BB962C8B-B14F-4D97-AF65-F5344CB8AC3E}">
-        <p14:creationId xmlns:p14="http://schemas.microsoft.com/office/powerpoint/2010/main" val="1842292530"/>
-      </p:ext>
-    </p:extLst>
-  </p:cSld>
-  <p:clrMapOvr>
-    <a:masterClrMapping/>
-  </p:clrMapOvr>
-  <mc:AlternateContent xmlns:mc="http://schemas.openxmlformats.org/markup-compatibility/2006" xmlns:p14="http://schemas.microsoft.com/office/powerpoint/2010/main">
-    <mc:Choice Requires="p14">
-      <p:transition spd="slow" p14:dur="1200">
-        <p:fade thruBlk="1"/>
-      </p:transition>
-    </mc:Choice>
-    <mc:Fallback xmlns="" xmlns:m="http://schemas.openxmlformats.org/officeDocument/2006/math" xmlns:a14="http://schemas.microsoft.com/office/drawing/2010/main">
-      <p:transition spd="slow">
-        <p:fade/>
-      </p:transition>
-    </mc:Fallback>
-  </mc:AlternateContent>
-</p:sld>
-</file>
-
-<file path=ppt/slides/slide91.xml><?xml version="1.0" encoding="utf-8"?>
-<p:sld xmlns:a="http://schemas.openxmlformats.org/drawingml/2006/main" xmlns:r="http://schemas.openxmlformats.org/officeDocument/2006/relationships" xmlns:p="http://schemas.openxmlformats.org/presentationml/2006/main">
-  <p:cSld>
-    <p:spTree>
-      <p:nvGrpSpPr>
-        <p:cNvPr id="1" name=""/>
-        <p:cNvGrpSpPr/>
-        <p:nvPr/>
-      </p:nvGrpSpPr>
-      <p:grpSpPr>
-        <a:xfrm>
-          <a:off x="0" y="0"/>
-          <a:ext cx="0" cy="0"/>
-          <a:chOff x="0" y="0"/>
-          <a:chExt cx="0" cy="0"/>
-        </a:xfrm>
-      </p:grpSpPr>
-      <p:sp>
-        <p:nvSpPr>
-          <p:cNvPr id="505" name="Rectangle 8"/>
-          <p:cNvSpPr/>
-          <p:nvPr/>
-        </p:nvSpPr>
-        <p:spPr>
-          <a:xfrm>
-            <a:off x="385771" y="4950621"/>
-            <a:ext cx="8358179" cy="181697"/>
-          </a:xfrm>
-          <a:prstGeom prst="rect">
-            <a:avLst/>
-          </a:prstGeom>
-          <a:solidFill>
-            <a:srgbClr val="000000"/>
-          </a:solidFill>
-          <a:ln w="25400">
-            <a:solidFill>
-              <a:srgbClr val="000000"/>
-            </a:solidFill>
-          </a:ln>
-        </p:spPr>
-        <p:txBody>
-          <a:bodyPr lIns="45719" rIns="45719" anchor="ctr"/>
-          <a:lstStyle/>
-          <a:p>
-            <a:pPr algn="ctr">
-              <a:defRPr>
-                <a:solidFill>
-                  <a:srgbClr val="FFFFFF"/>
-                </a:solidFill>
-              </a:defRPr>
-            </a:pPr>
-            <a:endParaRPr/>
-          </a:p>
-        </p:txBody>
-      </p:sp>
-      <p:sp>
-        <p:nvSpPr>
-          <p:cNvPr id="506" name="Rectangle 7"/>
-          <p:cNvSpPr/>
-          <p:nvPr/>
-        </p:nvSpPr>
-        <p:spPr>
-          <a:xfrm>
-            <a:off x="1300162" y="7143"/>
-            <a:ext cx="6800851" cy="121446"/>
-          </a:xfrm>
-          <a:prstGeom prst="rect">
-            <a:avLst/>
-          </a:prstGeom>
-          <a:solidFill>
-            <a:srgbClr val="FF5050"/>
-          </a:solidFill>
-          <a:ln w="25400">
-            <a:solidFill>
-              <a:srgbClr val="FF5050"/>
-            </a:solidFill>
-          </a:ln>
-        </p:spPr>
-        <p:txBody>
-          <a:bodyPr lIns="45719" rIns="45719" anchor="ctr"/>
-          <a:lstStyle/>
-          <a:p>
-            <a:pPr algn="ctr">
-              <a:defRPr>
-                <a:solidFill>
-                  <a:srgbClr val="FFFFFF"/>
-                </a:solidFill>
-              </a:defRPr>
-            </a:pPr>
-            <a:endParaRPr/>
-          </a:p>
-        </p:txBody>
-      </p:sp>
-      <p:sp>
-        <p:nvSpPr>
-          <p:cNvPr id="507" name="TextBox 9"/>
-          <p:cNvSpPr txBox="1"/>
-          <p:nvPr/>
-        </p:nvSpPr>
-        <p:spPr>
-          <a:xfrm>
-            <a:off x="781521" y="4929194"/>
-            <a:ext cx="3551873" cy="214701"/>
-          </a:xfrm>
-          <a:prstGeom prst="rect">
-            <a:avLst/>
-          </a:prstGeom>
-          <a:ln w="12700">
-            <a:miter lim="400000"/>
-          </a:ln>
-          <a:extLst>
-            <a:ext uri="{C572A759-6A51-4108-AA02-DFA0A04FC94B}">
-              <ma14:wrappingTextBoxFlag xmlns="" xmlns:m="http://schemas.openxmlformats.org/officeDocument/2006/math" xmlns:a14="http://schemas.microsoft.com/office/drawing/2010/main" xmlns:ma14="http://schemas.microsoft.com/office/mac/drawingml/2011/main" val="1"/>
-            </a:ext>
-          </a:extLst>
-        </p:spPr>
-        <p:txBody>
-          <a:bodyPr lIns="45719" rIns="45719">
-            <a:spAutoFit/>
-          </a:bodyPr>
-          <a:lstStyle>
-            <a:lvl1pPr>
-              <a:defRPr sz="900">
-                <a:solidFill>
-                  <a:srgbClr val="FFFFFF"/>
-                </a:solidFill>
-              </a:defRPr>
-            </a:lvl1pPr>
-          </a:lstStyle>
-          <a:p>
-            <a:r>
-              <a:t>© 2021 Mindmajix Technologies Pvt. Ltd. All rights reserved</a:t>
-            </a:r>
-          </a:p>
-        </p:txBody>
-      </p:sp>
-      <p:sp>
-        <p:nvSpPr>
-          <p:cNvPr id="508" name="Straight Connector 11"/>
-          <p:cNvSpPr/>
-          <p:nvPr/>
-        </p:nvSpPr>
-        <p:spPr>
-          <a:xfrm>
-            <a:off x="578644" y="971549"/>
-            <a:ext cx="8036720" cy="1590"/>
-          </a:xfrm>
-          <a:prstGeom prst="line">
-            <a:avLst/>
-          </a:prstGeom>
-          <a:ln>
-            <a:solidFill>
-              <a:srgbClr val="000000"/>
-            </a:solidFill>
-          </a:ln>
-        </p:spPr>
-        <p:txBody>
-          <a:bodyPr lIns="45719" rIns="45719"/>
-          <a:lstStyle/>
-          <a:p>
-            <a:endParaRPr/>
-          </a:p>
-        </p:txBody>
-      </p:sp>
-      <p:sp>
-        <p:nvSpPr>
-          <p:cNvPr id="509" name="TextBox 12"/>
-          <p:cNvSpPr txBox="1"/>
-          <p:nvPr/>
-        </p:nvSpPr>
-        <p:spPr>
-          <a:xfrm>
-            <a:off x="795820" y="514354"/>
-            <a:ext cx="7545228" cy="459741"/>
-          </a:xfrm>
-          <a:prstGeom prst="rect">
-            <a:avLst/>
-          </a:prstGeom>
-          <a:ln w="12700">
-            <a:miter lim="400000"/>
-          </a:ln>
-          <a:extLst>
-            <a:ext uri="{C572A759-6A51-4108-AA02-DFA0A04FC94B}">
-              <ma14:wrappingTextBoxFlag xmlns="" xmlns:m="http://schemas.openxmlformats.org/officeDocument/2006/math" xmlns:a14="http://schemas.microsoft.com/office/drawing/2010/main" xmlns:ma14="http://schemas.microsoft.com/office/mac/drawingml/2011/main" val="1"/>
+              <ma14:wrappingTextBoxFlag xmlns:ma14="http://schemas.microsoft.com/office/mac/drawingml/2011/main" xmlns:a14="http://schemas.microsoft.com/office/drawing/2010/main" xmlns:m="http://schemas.openxmlformats.org/officeDocument/2006/math" xmlns="" val="1"/>
             </a:ext>
           </a:extLst>
         </p:spPr>
@@ -47750,7 +47408,7 @@
         <p:fade thruBlk="1"/>
       </p:transition>
     </mc:Choice>
-    <mc:Fallback xmlns="" xmlns:m="http://schemas.openxmlformats.org/officeDocument/2006/math" xmlns:a14="http://schemas.microsoft.com/office/drawing/2010/main">
+    <mc:Fallback xmlns:a14="http://schemas.microsoft.com/office/drawing/2010/main" xmlns:m="http://schemas.openxmlformats.org/officeDocument/2006/math" xmlns="">
       <p:transition spd="slow">
         <p:fade/>
       </p:transition>

--- a/docs/Typescript Demo.pptx
+++ b/docs/Typescript Demo.pptx
@@ -5,7 +5,7 @@
     <p:sldMasterId id="2147483648" r:id="rId1"/>
   </p:sldMasterIdLst>
   <p:notesMasterIdLst>
-    <p:notesMasterId r:id="rId92"/>
+    <p:notesMasterId r:id="rId95"/>
   </p:notesMasterIdLst>
   <p:sldIdLst>
     <p:sldId id="256" r:id="rId2"/>
@@ -94,10 +94,13 @@
     <p:sldId id="345" r:id="rId85"/>
     <p:sldId id="346" r:id="rId86"/>
     <p:sldId id="347" r:id="rId87"/>
-    <p:sldId id="335" r:id="rId88"/>
-    <p:sldId id="295" r:id="rId89"/>
-    <p:sldId id="296" r:id="rId90"/>
-    <p:sldId id="297" r:id="rId91"/>
+    <p:sldId id="348" r:id="rId88"/>
+    <p:sldId id="349" r:id="rId89"/>
+    <p:sldId id="350" r:id="rId90"/>
+    <p:sldId id="335" r:id="rId91"/>
+    <p:sldId id="295" r:id="rId92"/>
+    <p:sldId id="296" r:id="rId93"/>
+    <p:sldId id="297" r:id="rId94"/>
   </p:sldIdLst>
   <p:sldSz cx="9144000" cy="5143500" type="screen16x9"/>
   <p:notesSz cx="6858000" cy="9144000"/>
@@ -5996,7 +5999,7 @@
       </p:grpSpPr>
       <p:sp>
         <p:nvSpPr>
-          <p:cNvPr id="486" name="Shape 486"/>
+          <p:cNvPr id="2" name="Slide Image Placeholder 1"/>
           <p:cNvSpPr>
             <a:spLocks noGrp="1" noRot="1" noChangeAspect="1"/>
           </p:cNvSpPr>
@@ -6009,65 +6012,31 @@
             <a:off x="381000" y="685800"/>
             <a:ext cx="6096000" cy="3429000"/>
           </a:xfrm>
-          <a:prstGeom prst="rect">
-            <a:avLst/>
-          </a:prstGeom>
-        </p:spPr>
-        <p:txBody>
-          <a:bodyPr/>
-          <a:lstStyle/>
-          <a:p>
-            <a:endParaRPr/>
-          </a:p>
-        </p:txBody>
-      </p:sp>
-      <p:sp>
-        <p:nvSpPr>
-          <p:cNvPr id="487" name="Shape 487"/>
+        </p:spPr>
+      </p:sp>
+      <p:sp>
+        <p:nvSpPr>
+          <p:cNvPr id="3" name="Notes Placeholder 2"/>
           <p:cNvSpPr>
             <a:spLocks noGrp="1"/>
           </p:cNvSpPr>
           <p:nvPr>
-            <p:ph type="body" sz="quarter" idx="1"/>
+            <p:ph type="body" idx="1"/>
           </p:nvPr>
         </p:nvSpPr>
-        <p:spPr>
-          <a:prstGeom prst="rect">
-            <a:avLst/>
-          </a:prstGeom>
-        </p:spPr>
+        <p:spPr/>
         <p:txBody>
           <a:bodyPr/>
           <a:lstStyle/>
           <a:p>
-            <a:pPr marL="158750" indent="0">
-              <a:lnSpc>
-                <a:spcPct val="80000"/>
-              </a:lnSpc>
-              <a:buClr>
-                <a:srgbClr val="000000"/>
-              </a:buClr>
-              <a:buSzPts val="1700"/>
-              <a:buFont typeface="Arial"/>
-              <a:buNone/>
-              <a:defRPr sz="1700">
-                <a:solidFill>
-                  <a:srgbClr val="E6E6E6"/>
-                </a:solidFill>
-                <a:latin typeface="Segoe UI"/>
-                <a:ea typeface="Segoe UI"/>
-                <a:cs typeface="Segoe UI"/>
-                <a:sym typeface="Segoe UI"/>
-              </a:defRPr>
-            </a:pPr>
-            <a:endParaRPr dirty="0"/>
+            <a:endParaRPr lang="en-IN" dirty="0"/>
           </a:p>
         </p:txBody>
       </p:sp>
     </p:spTree>
     <p:extLst>
       <p:ext uri="{BB962C8B-B14F-4D97-AF65-F5344CB8AC3E}">
-        <p14:creationId xmlns:p14="http://schemas.microsoft.com/office/powerpoint/2010/main" val="2585048538"/>
+        <p14:creationId xmlns:p14="http://schemas.microsoft.com/office/powerpoint/2010/main" val="2346023002"/>
       </p:ext>
     </p:extLst>
   </p:cSld>
@@ -6096,7 +6065,7 @@
       </p:grpSpPr>
       <p:sp>
         <p:nvSpPr>
-          <p:cNvPr id="493" name="Shape 493"/>
+          <p:cNvPr id="2" name="Slide Image Placeholder 1"/>
           <p:cNvSpPr>
             <a:spLocks noGrp="1" noRot="1" noChangeAspect="1"/>
           </p:cNvSpPr>
@@ -6105,119 +6074,35 @@
           </p:nvPr>
         </p:nvSpPr>
         <p:spPr>
-          <a:prstGeom prst="rect">
-            <a:avLst/>
-          </a:prstGeom>
-        </p:spPr>
-        <p:txBody>
-          <a:bodyPr/>
-          <a:lstStyle/>
-          <a:p>
-            <a:endParaRPr/>
-          </a:p>
-        </p:txBody>
-      </p:sp>
-      <p:sp>
-        <p:nvSpPr>
-          <p:cNvPr id="494" name="Shape 494"/>
+          <a:xfrm>
+            <a:off x="381000" y="685800"/>
+            <a:ext cx="6096000" cy="3429000"/>
+          </a:xfrm>
+        </p:spPr>
+      </p:sp>
+      <p:sp>
+        <p:nvSpPr>
+          <p:cNvPr id="3" name="Notes Placeholder 2"/>
           <p:cNvSpPr>
             <a:spLocks noGrp="1"/>
           </p:cNvSpPr>
           <p:nvPr>
-            <p:ph type="body" sz="quarter" idx="1"/>
+            <p:ph type="body" idx="1"/>
           </p:nvPr>
         </p:nvSpPr>
-        <p:spPr>
-          <a:prstGeom prst="rect">
-            <a:avLst/>
-          </a:prstGeom>
-        </p:spPr>
+        <p:spPr/>
         <p:txBody>
           <a:bodyPr/>
           <a:lstStyle/>
           <a:p>
-            <a:pPr marL="457200" indent="-298450">
-              <a:lnSpc>
-                <a:spcPct val="80000"/>
-              </a:lnSpc>
-              <a:buClr>
-                <a:srgbClr val="000000"/>
-              </a:buClr>
-              <a:buSzPts val="1700"/>
-              <a:buFont typeface="Arial"/>
-              <a:buChar char="●"/>
-              <a:defRPr sz="1700">
-                <a:solidFill>
-                  <a:srgbClr val="E6E6E6"/>
-                </a:solidFill>
-                <a:latin typeface="Segoe UI"/>
-                <a:ea typeface="Segoe UI"/>
-                <a:cs typeface="Segoe UI"/>
-                <a:sym typeface="Segoe UI"/>
-              </a:defRPr>
-            </a:pPr>
-            <a:r>
-              <a:t>JavaScript, one of the world's most-used programming languages, has become the official language of the web. Developers use it to write cross-platform applications that can run on any platform and in any browser.</a:t>
-            </a:r>
-            <a:endParaRPr sz="900"/>
-          </a:p>
-          <a:p>
-            <a:pPr marL="457200" indent="-298450">
-              <a:lnSpc>
-                <a:spcPct val="80000"/>
-              </a:lnSpc>
-              <a:buClr>
-                <a:srgbClr val="000000"/>
-              </a:buClr>
-              <a:buSzPts val="1700"/>
-              <a:buFont typeface="Arial"/>
-              <a:buChar char="●"/>
-              <a:defRPr sz="1700">
-                <a:solidFill>
-                  <a:srgbClr val="E6E6E6"/>
-                </a:solidFill>
-                <a:latin typeface="Segoe UI"/>
-                <a:ea typeface="Segoe UI"/>
-                <a:cs typeface="Segoe UI"/>
-                <a:sym typeface="Segoe UI"/>
-              </a:defRPr>
-            </a:pPr>
-            <a:r>
-              <a:t>Although JavaScript is used to create cross-platform apps, it wasn't conceived for large apps involving thousands, or even millions, of lines of code. JavaScript lacks some of the features of more mature languages that power today's sophisticated applications. Integrated development editors (IDEs) can find it challenging to manage JavaScript and maintain these large code bases.</a:t>
-            </a:r>
-            <a:endParaRPr sz="900"/>
-          </a:p>
-          <a:p>
-            <a:pPr marL="457200" indent="-298450">
-              <a:lnSpc>
-                <a:spcPct val="80000"/>
-              </a:lnSpc>
-              <a:buClr>
-                <a:srgbClr val="000000"/>
-              </a:buClr>
-              <a:buSzPts val="1700"/>
-              <a:buFont typeface="Arial"/>
-              <a:buChar char="●"/>
-              <a:defRPr sz="1700">
-                <a:solidFill>
-                  <a:srgbClr val="E6E6E6"/>
-                </a:solidFill>
-                <a:latin typeface="Segoe UI"/>
-                <a:ea typeface="Segoe UI"/>
-                <a:cs typeface="Segoe UI"/>
-                <a:sym typeface="Segoe UI"/>
-              </a:defRPr>
-            </a:pPr>
-            <a:r>
-              <a:t>TypeScript addresses the limitations of JavaScript, doing so without compromising the key value proposition of JavaScript: the ability to run your code anywhere and on every platform, browser, or host.</a:t>
-            </a:r>
+            <a:endParaRPr lang="en-IN" dirty="0"/>
           </a:p>
         </p:txBody>
       </p:sp>
     </p:spTree>
     <p:extLst>
       <p:ext uri="{BB962C8B-B14F-4D97-AF65-F5344CB8AC3E}">
-        <p14:creationId xmlns:p14="http://schemas.microsoft.com/office/powerpoint/2010/main" val="3790177090"/>
+        <p14:creationId xmlns:p14="http://schemas.microsoft.com/office/powerpoint/2010/main" val="1598701583"/>
       </p:ext>
     </p:extLst>
   </p:cSld>
@@ -6246,7 +6131,7 @@
       </p:grpSpPr>
       <p:sp>
         <p:nvSpPr>
-          <p:cNvPr id="502" name="Shape 502"/>
+          <p:cNvPr id="2" name="Slide Image Placeholder 1"/>
           <p:cNvSpPr>
             <a:spLocks noGrp="1" noRot="1" noChangeAspect="1"/>
           </p:cNvSpPr>
@@ -6255,66 +6140,35 @@
           </p:nvPr>
         </p:nvSpPr>
         <p:spPr>
-          <a:prstGeom prst="rect">
-            <a:avLst/>
-          </a:prstGeom>
-        </p:spPr>
-        <p:txBody>
-          <a:bodyPr/>
-          <a:lstStyle/>
-          <a:p>
-            <a:endParaRPr/>
-          </a:p>
-        </p:txBody>
-      </p:sp>
-      <p:sp>
-        <p:nvSpPr>
-          <p:cNvPr id="503" name="Shape 503"/>
+          <a:xfrm>
+            <a:off x="381000" y="685800"/>
+            <a:ext cx="6096000" cy="3429000"/>
+          </a:xfrm>
+        </p:spPr>
+      </p:sp>
+      <p:sp>
+        <p:nvSpPr>
+          <p:cNvPr id="3" name="Notes Placeholder 2"/>
           <p:cNvSpPr>
             <a:spLocks noGrp="1"/>
           </p:cNvSpPr>
           <p:nvPr>
-            <p:ph type="body" sz="quarter" idx="1"/>
+            <p:ph type="body" idx="1"/>
           </p:nvPr>
         </p:nvSpPr>
-        <p:spPr>
-          <a:prstGeom prst="rect">
-            <a:avLst/>
-          </a:prstGeom>
-        </p:spPr>
+        <p:spPr/>
         <p:txBody>
           <a:bodyPr/>
           <a:lstStyle/>
           <a:p>
-            <a:pPr>
-              <a:defRPr sz="1200"/>
-            </a:pPr>
-            <a:r>
-              <a:t>About Git</a:t>
-            </a:r>
-          </a:p>
-          <a:p>
-            <a:pPr>
-              <a:defRPr sz="1200"/>
-            </a:pPr>
-            <a:r>
-              <a:t>Git workflow</a:t>
-            </a:r>
-          </a:p>
-          <a:p>
-            <a:pPr>
-              <a:defRPr sz="1200"/>
-            </a:pPr>
-            <a:r>
-              <a:t>Repo Creation</a:t>
-            </a:r>
+            <a:endParaRPr lang="en-IN" dirty="0"/>
           </a:p>
         </p:txBody>
       </p:sp>
     </p:spTree>
     <p:extLst>
       <p:ext uri="{BB962C8B-B14F-4D97-AF65-F5344CB8AC3E}">
-        <p14:creationId xmlns:p14="http://schemas.microsoft.com/office/powerpoint/2010/main" val="1414189166"/>
+        <p14:creationId xmlns:p14="http://schemas.microsoft.com/office/powerpoint/2010/main" val="2502117528"/>
       </p:ext>
     </p:extLst>
   </p:cSld>
@@ -6343,7 +6197,7 @@
       </p:grpSpPr>
       <p:sp>
         <p:nvSpPr>
-          <p:cNvPr id="511" name="Shape 511"/>
+          <p:cNvPr id="486" name="Shape 486"/>
           <p:cNvSpPr>
             <a:spLocks noGrp="1" noRot="1" noChangeAspect="1"/>
           </p:cNvSpPr>
@@ -6352,6 +6206,10 @@
           </p:nvPr>
         </p:nvSpPr>
         <p:spPr>
+          <a:xfrm>
+            <a:off x="381000" y="685800"/>
+            <a:ext cx="6096000" cy="3429000"/>
+          </a:xfrm>
           <a:prstGeom prst="rect">
             <a:avLst/>
           </a:prstGeom>
@@ -6366,7 +6224,7 @@
       </p:sp>
       <p:sp>
         <p:nvSpPr>
-          <p:cNvPr id="512" name="Shape 512"/>
+          <p:cNvPr id="487" name="Shape 487"/>
           <p:cNvSpPr>
             <a:spLocks noGrp="1"/>
           </p:cNvSpPr>
@@ -6383,32 +6241,186 @@
           <a:bodyPr/>
           <a:lstStyle/>
           <a:p>
-            <a:pPr>
-              <a:defRPr sz="1200"/>
-            </a:pPr>
-            <a:r>
-              <a:t>About Git</a:t>
-            </a:r>
-          </a:p>
-          <a:p>
-            <a:pPr>
-              <a:defRPr sz="1200"/>
-            </a:pPr>
-            <a:r>
-              <a:t>Git workflow</a:t>
-            </a:r>
-          </a:p>
-          <a:p>
-            <a:pPr>
-              <a:defRPr sz="1200"/>
-            </a:pPr>
-            <a:r>
-              <a:t>Repo Creation</a:t>
-            </a:r>
+            <a:pPr marL="158750" indent="0">
+              <a:lnSpc>
+                <a:spcPct val="80000"/>
+              </a:lnSpc>
+              <a:buClr>
+                <a:srgbClr val="000000"/>
+              </a:buClr>
+              <a:buSzPts val="1700"/>
+              <a:buFont typeface="Arial"/>
+              <a:buNone/>
+              <a:defRPr sz="1700">
+                <a:solidFill>
+                  <a:srgbClr val="E6E6E6"/>
+                </a:solidFill>
+                <a:latin typeface="Segoe UI"/>
+                <a:ea typeface="Segoe UI"/>
+                <a:cs typeface="Segoe UI"/>
+                <a:sym typeface="Segoe UI"/>
+              </a:defRPr>
+            </a:pPr>
+            <a:endParaRPr dirty="0"/>
           </a:p>
         </p:txBody>
       </p:sp>
     </p:spTree>
+    <p:extLst>
+      <p:ext uri="{BB962C8B-B14F-4D97-AF65-F5344CB8AC3E}">
+        <p14:creationId xmlns:p14="http://schemas.microsoft.com/office/powerpoint/2010/main" val="2585048538"/>
+      </p:ext>
+    </p:extLst>
+  </p:cSld>
+  <p:clrMapOvr>
+    <a:masterClrMapping/>
+  </p:clrMapOvr>
+</p:notes>
+</file>
+
+<file path=ppt/notesSlides/notesSlide59.xml><?xml version="1.0" encoding="utf-8"?>
+<p:notes xmlns:a="http://schemas.openxmlformats.org/drawingml/2006/main" xmlns:r="http://schemas.openxmlformats.org/officeDocument/2006/relationships" xmlns:p="http://schemas.openxmlformats.org/presentationml/2006/main">
+  <p:cSld>
+    <p:spTree>
+      <p:nvGrpSpPr>
+        <p:cNvPr id="1" name=""/>
+        <p:cNvGrpSpPr/>
+        <p:nvPr/>
+      </p:nvGrpSpPr>
+      <p:grpSpPr>
+        <a:xfrm>
+          <a:off x="0" y="0"/>
+          <a:ext cx="0" cy="0"/>
+          <a:chOff x="0" y="0"/>
+          <a:chExt cx="0" cy="0"/>
+        </a:xfrm>
+      </p:grpSpPr>
+      <p:sp>
+        <p:nvSpPr>
+          <p:cNvPr id="493" name="Shape 493"/>
+          <p:cNvSpPr>
+            <a:spLocks noGrp="1" noRot="1" noChangeAspect="1"/>
+          </p:cNvSpPr>
+          <p:nvPr>
+            <p:ph type="sldImg"/>
+          </p:nvPr>
+        </p:nvSpPr>
+        <p:spPr>
+          <a:prstGeom prst="rect">
+            <a:avLst/>
+          </a:prstGeom>
+        </p:spPr>
+        <p:txBody>
+          <a:bodyPr/>
+          <a:lstStyle/>
+          <a:p>
+            <a:endParaRPr/>
+          </a:p>
+        </p:txBody>
+      </p:sp>
+      <p:sp>
+        <p:nvSpPr>
+          <p:cNvPr id="494" name="Shape 494"/>
+          <p:cNvSpPr>
+            <a:spLocks noGrp="1"/>
+          </p:cNvSpPr>
+          <p:nvPr>
+            <p:ph type="body" sz="quarter" idx="1"/>
+          </p:nvPr>
+        </p:nvSpPr>
+        <p:spPr>
+          <a:prstGeom prst="rect">
+            <a:avLst/>
+          </a:prstGeom>
+        </p:spPr>
+        <p:txBody>
+          <a:bodyPr/>
+          <a:lstStyle/>
+          <a:p>
+            <a:pPr marL="457200" indent="-298450">
+              <a:lnSpc>
+                <a:spcPct val="80000"/>
+              </a:lnSpc>
+              <a:buClr>
+                <a:srgbClr val="000000"/>
+              </a:buClr>
+              <a:buSzPts val="1700"/>
+              <a:buFont typeface="Arial"/>
+              <a:buChar char="●"/>
+              <a:defRPr sz="1700">
+                <a:solidFill>
+                  <a:srgbClr val="E6E6E6"/>
+                </a:solidFill>
+                <a:latin typeface="Segoe UI"/>
+                <a:ea typeface="Segoe UI"/>
+                <a:cs typeface="Segoe UI"/>
+                <a:sym typeface="Segoe UI"/>
+              </a:defRPr>
+            </a:pPr>
+            <a:r>
+              <a:t>JavaScript, one of the world's most-used programming languages, has become the official language of the web. Developers use it to write cross-platform applications that can run on any platform and in any browser.</a:t>
+            </a:r>
+            <a:endParaRPr sz="900"/>
+          </a:p>
+          <a:p>
+            <a:pPr marL="457200" indent="-298450">
+              <a:lnSpc>
+                <a:spcPct val="80000"/>
+              </a:lnSpc>
+              <a:buClr>
+                <a:srgbClr val="000000"/>
+              </a:buClr>
+              <a:buSzPts val="1700"/>
+              <a:buFont typeface="Arial"/>
+              <a:buChar char="●"/>
+              <a:defRPr sz="1700">
+                <a:solidFill>
+                  <a:srgbClr val="E6E6E6"/>
+                </a:solidFill>
+                <a:latin typeface="Segoe UI"/>
+                <a:ea typeface="Segoe UI"/>
+                <a:cs typeface="Segoe UI"/>
+                <a:sym typeface="Segoe UI"/>
+              </a:defRPr>
+            </a:pPr>
+            <a:r>
+              <a:t>Although JavaScript is used to create cross-platform apps, it wasn't conceived for large apps involving thousands, or even millions, of lines of code. JavaScript lacks some of the features of more mature languages that power today's sophisticated applications. Integrated development editors (IDEs) can find it challenging to manage JavaScript and maintain these large code bases.</a:t>
+            </a:r>
+            <a:endParaRPr sz="900"/>
+          </a:p>
+          <a:p>
+            <a:pPr marL="457200" indent="-298450">
+              <a:lnSpc>
+                <a:spcPct val="80000"/>
+              </a:lnSpc>
+              <a:buClr>
+                <a:srgbClr val="000000"/>
+              </a:buClr>
+              <a:buSzPts val="1700"/>
+              <a:buFont typeface="Arial"/>
+              <a:buChar char="●"/>
+              <a:defRPr sz="1700">
+                <a:solidFill>
+                  <a:srgbClr val="E6E6E6"/>
+                </a:solidFill>
+                <a:latin typeface="Segoe UI"/>
+                <a:ea typeface="Segoe UI"/>
+                <a:cs typeface="Segoe UI"/>
+                <a:sym typeface="Segoe UI"/>
+              </a:defRPr>
+            </a:pPr>
+            <a:r>
+              <a:t>TypeScript addresses the limitations of JavaScript, doing so without compromising the key value proposition of JavaScript: the ability to run your code anywhere and on every platform, browser, or host.</a:t>
+            </a:r>
+          </a:p>
+        </p:txBody>
+      </p:sp>
+    </p:spTree>
+    <p:extLst>
+      <p:ext uri="{BB962C8B-B14F-4D97-AF65-F5344CB8AC3E}">
+        <p14:creationId xmlns:p14="http://schemas.microsoft.com/office/powerpoint/2010/main" val="3790177090"/>
+      </p:ext>
+    </p:extLst>
   </p:cSld>
   <p:clrMapOvr>
     <a:masterClrMapping/>
@@ -6459,6 +6471,195 @@
       <p:sp>
         <p:nvSpPr>
           <p:cNvPr id="175" name="Shape 175"/>
+          <p:cNvSpPr>
+            <a:spLocks noGrp="1"/>
+          </p:cNvSpPr>
+          <p:nvPr>
+            <p:ph type="body" sz="quarter" idx="1"/>
+          </p:nvPr>
+        </p:nvSpPr>
+        <p:spPr>
+          <a:prstGeom prst="rect">
+            <a:avLst/>
+          </a:prstGeom>
+        </p:spPr>
+        <p:txBody>
+          <a:bodyPr/>
+          <a:lstStyle/>
+          <a:p>
+            <a:pPr>
+              <a:defRPr sz="1200"/>
+            </a:pPr>
+            <a:r>
+              <a:t>About Git</a:t>
+            </a:r>
+          </a:p>
+          <a:p>
+            <a:pPr>
+              <a:defRPr sz="1200"/>
+            </a:pPr>
+            <a:r>
+              <a:t>Git workflow</a:t>
+            </a:r>
+          </a:p>
+          <a:p>
+            <a:pPr>
+              <a:defRPr sz="1200"/>
+            </a:pPr>
+            <a:r>
+              <a:t>Repo Creation</a:t>
+            </a:r>
+          </a:p>
+        </p:txBody>
+      </p:sp>
+    </p:spTree>
+  </p:cSld>
+  <p:clrMapOvr>
+    <a:masterClrMapping/>
+  </p:clrMapOvr>
+</p:notes>
+</file>
+
+<file path=ppt/notesSlides/notesSlide60.xml><?xml version="1.0" encoding="utf-8"?>
+<p:notes xmlns:a="http://schemas.openxmlformats.org/drawingml/2006/main" xmlns:r="http://schemas.openxmlformats.org/officeDocument/2006/relationships" xmlns:p="http://schemas.openxmlformats.org/presentationml/2006/main">
+  <p:cSld>
+    <p:spTree>
+      <p:nvGrpSpPr>
+        <p:cNvPr id="1" name=""/>
+        <p:cNvGrpSpPr/>
+        <p:nvPr/>
+      </p:nvGrpSpPr>
+      <p:grpSpPr>
+        <a:xfrm>
+          <a:off x="0" y="0"/>
+          <a:ext cx="0" cy="0"/>
+          <a:chOff x="0" y="0"/>
+          <a:chExt cx="0" cy="0"/>
+        </a:xfrm>
+      </p:grpSpPr>
+      <p:sp>
+        <p:nvSpPr>
+          <p:cNvPr id="502" name="Shape 502"/>
+          <p:cNvSpPr>
+            <a:spLocks noGrp="1" noRot="1" noChangeAspect="1"/>
+          </p:cNvSpPr>
+          <p:nvPr>
+            <p:ph type="sldImg"/>
+          </p:nvPr>
+        </p:nvSpPr>
+        <p:spPr>
+          <a:prstGeom prst="rect">
+            <a:avLst/>
+          </a:prstGeom>
+        </p:spPr>
+        <p:txBody>
+          <a:bodyPr/>
+          <a:lstStyle/>
+          <a:p>
+            <a:endParaRPr/>
+          </a:p>
+        </p:txBody>
+      </p:sp>
+      <p:sp>
+        <p:nvSpPr>
+          <p:cNvPr id="503" name="Shape 503"/>
+          <p:cNvSpPr>
+            <a:spLocks noGrp="1"/>
+          </p:cNvSpPr>
+          <p:nvPr>
+            <p:ph type="body" sz="quarter" idx="1"/>
+          </p:nvPr>
+        </p:nvSpPr>
+        <p:spPr>
+          <a:prstGeom prst="rect">
+            <a:avLst/>
+          </a:prstGeom>
+        </p:spPr>
+        <p:txBody>
+          <a:bodyPr/>
+          <a:lstStyle/>
+          <a:p>
+            <a:pPr>
+              <a:defRPr sz="1200"/>
+            </a:pPr>
+            <a:r>
+              <a:t>About Git</a:t>
+            </a:r>
+          </a:p>
+          <a:p>
+            <a:pPr>
+              <a:defRPr sz="1200"/>
+            </a:pPr>
+            <a:r>
+              <a:t>Git workflow</a:t>
+            </a:r>
+          </a:p>
+          <a:p>
+            <a:pPr>
+              <a:defRPr sz="1200"/>
+            </a:pPr>
+            <a:r>
+              <a:t>Repo Creation</a:t>
+            </a:r>
+          </a:p>
+        </p:txBody>
+      </p:sp>
+    </p:spTree>
+    <p:extLst>
+      <p:ext uri="{BB962C8B-B14F-4D97-AF65-F5344CB8AC3E}">
+        <p14:creationId xmlns:p14="http://schemas.microsoft.com/office/powerpoint/2010/main" val="1414189166"/>
+      </p:ext>
+    </p:extLst>
+  </p:cSld>
+  <p:clrMapOvr>
+    <a:masterClrMapping/>
+  </p:clrMapOvr>
+</p:notes>
+</file>
+
+<file path=ppt/notesSlides/notesSlide61.xml><?xml version="1.0" encoding="utf-8"?>
+<p:notes xmlns:a="http://schemas.openxmlformats.org/drawingml/2006/main" xmlns:r="http://schemas.openxmlformats.org/officeDocument/2006/relationships" xmlns:p="http://schemas.openxmlformats.org/presentationml/2006/main">
+  <p:cSld>
+    <p:spTree>
+      <p:nvGrpSpPr>
+        <p:cNvPr id="1" name=""/>
+        <p:cNvGrpSpPr/>
+        <p:nvPr/>
+      </p:nvGrpSpPr>
+      <p:grpSpPr>
+        <a:xfrm>
+          <a:off x="0" y="0"/>
+          <a:ext cx="0" cy="0"/>
+          <a:chOff x="0" y="0"/>
+          <a:chExt cx="0" cy="0"/>
+        </a:xfrm>
+      </p:grpSpPr>
+      <p:sp>
+        <p:nvSpPr>
+          <p:cNvPr id="511" name="Shape 511"/>
+          <p:cNvSpPr>
+            <a:spLocks noGrp="1" noRot="1" noChangeAspect="1"/>
+          </p:cNvSpPr>
+          <p:nvPr>
+            <p:ph type="sldImg"/>
+          </p:nvPr>
+        </p:nvSpPr>
+        <p:spPr>
+          <a:prstGeom prst="rect">
+            <a:avLst/>
+          </a:prstGeom>
+        </p:spPr>
+        <p:txBody>
+          <a:bodyPr/>
+          <a:lstStyle/>
+          <a:p>
+            <a:endParaRPr/>
+          </a:p>
+        </p:txBody>
+      </p:sp>
+      <p:sp>
+        <p:nvSpPr>
+          <p:cNvPr id="512" name="Shape 512"/>
           <p:cNvSpPr>
             <a:spLocks noGrp="1"/>
           </p:cNvSpPr>
@@ -8456,7 +8657,7 @@
           </a:ln>
           <a:extLst>
             <a:ext uri="{C572A759-6A51-4108-AA02-DFA0A04FC94B}">
-              <ma14:wrappingTextBoxFlag xmlns:ma14="http://schemas.microsoft.com/office/mac/drawingml/2011/main" xmlns:a14="http://schemas.microsoft.com/office/drawing/2010/main" xmlns:m="http://schemas.openxmlformats.org/officeDocument/2006/math" xmlns="" val="1"/>
+              <ma14:wrappingTextBoxFlag xmlns="" xmlns:m="http://schemas.openxmlformats.org/officeDocument/2006/math" xmlns:a14="http://schemas.microsoft.com/office/drawing/2010/main" xmlns:ma14="http://schemas.microsoft.com/office/mac/drawingml/2011/main" val="1"/>
             </a:ext>
           </a:extLst>
         </p:spPr>
@@ -8493,7 +8694,7 @@
           </a:ln>
           <a:extLst>
             <a:ext uri="{C572A759-6A51-4108-AA02-DFA0A04FC94B}">
-              <ma14:wrappingTextBoxFlag xmlns:ma14="http://schemas.microsoft.com/office/mac/drawingml/2011/main" xmlns:a14="http://schemas.microsoft.com/office/drawing/2010/main" xmlns:m="http://schemas.openxmlformats.org/officeDocument/2006/math" xmlns="" val="1"/>
+              <ma14:wrappingTextBoxFlag xmlns="" xmlns:m="http://schemas.openxmlformats.org/officeDocument/2006/math" xmlns:a14="http://schemas.microsoft.com/office/drawing/2010/main" xmlns:ma14="http://schemas.microsoft.com/office/mac/drawingml/2011/main" val="1"/>
             </a:ext>
           </a:extLst>
         </p:spPr>
@@ -9399,7 +9600,7 @@
           </a:ln>
           <a:extLst>
             <a:ext uri="{C572A759-6A51-4108-AA02-DFA0A04FC94B}">
-              <ma14:wrappingTextBoxFlag xmlns:ma14="http://schemas.microsoft.com/office/mac/drawingml/2011/main" xmlns:a14="http://schemas.microsoft.com/office/drawing/2010/main" xmlns:m="http://schemas.openxmlformats.org/officeDocument/2006/math" xmlns="" val="1"/>
+              <ma14:wrappingTextBoxFlag xmlns="" xmlns:m="http://schemas.openxmlformats.org/officeDocument/2006/math" xmlns:a14="http://schemas.microsoft.com/office/drawing/2010/main" xmlns:ma14="http://schemas.microsoft.com/office/mac/drawingml/2011/main" val="1"/>
             </a:ext>
           </a:extLst>
         </p:spPr>
@@ -9446,7 +9647,7 @@
           </a:ln>
           <a:extLst>
             <a:ext uri="{C572A759-6A51-4108-AA02-DFA0A04FC94B}">
-              <ma14:wrappingTextBoxFlag xmlns:ma14="http://schemas.microsoft.com/office/mac/drawingml/2011/main" xmlns:a14="http://schemas.microsoft.com/office/drawing/2010/main" xmlns:m="http://schemas.openxmlformats.org/officeDocument/2006/math" xmlns="" val="1"/>
+              <ma14:wrappingTextBoxFlag xmlns="" xmlns:m="http://schemas.openxmlformats.org/officeDocument/2006/math" xmlns:a14="http://schemas.microsoft.com/office/drawing/2010/main" xmlns:ma14="http://schemas.microsoft.com/office/mac/drawingml/2011/main" val="1"/>
             </a:ext>
           </a:extLst>
         </p:spPr>
@@ -9518,7 +9719,7 @@
           </a:ln>
           <a:extLst>
             <a:ext uri="{C572A759-6A51-4108-AA02-DFA0A04FC94B}">
-              <ma14:wrappingTextBoxFlag xmlns:ma14="http://schemas.microsoft.com/office/mac/drawingml/2011/main" xmlns:a14="http://schemas.microsoft.com/office/drawing/2010/main" xmlns:m="http://schemas.openxmlformats.org/officeDocument/2006/math" xmlns="" val="1"/>
+              <ma14:wrappingTextBoxFlag xmlns="" xmlns:m="http://schemas.openxmlformats.org/officeDocument/2006/math" xmlns:a14="http://schemas.microsoft.com/office/drawing/2010/main" xmlns:ma14="http://schemas.microsoft.com/office/mac/drawingml/2011/main" val="1"/>
             </a:ext>
           </a:extLst>
         </p:spPr>
@@ -9562,7 +9763,7 @@
           </a:ln>
           <a:extLst>
             <a:ext uri="{C572A759-6A51-4108-AA02-DFA0A04FC94B}">
-              <ma14:wrappingTextBoxFlag xmlns:ma14="http://schemas.microsoft.com/office/mac/drawingml/2011/main" xmlns:a14="http://schemas.microsoft.com/office/drawing/2010/main" xmlns:m="http://schemas.openxmlformats.org/officeDocument/2006/math" xmlns="" val="1"/>
+              <ma14:wrappingTextBoxFlag xmlns="" xmlns:m="http://schemas.openxmlformats.org/officeDocument/2006/math" xmlns:a14="http://schemas.microsoft.com/office/drawing/2010/main" xmlns:ma14="http://schemas.microsoft.com/office/mac/drawingml/2011/main" val="1"/>
             </a:ext>
           </a:extLst>
         </p:spPr>
@@ -9747,7 +9948,7 @@
           </a:ln>
           <a:extLst>
             <a:ext uri="{C572A759-6A51-4108-AA02-DFA0A04FC94B}">
-              <ma14:wrappingTextBoxFlag xmlns:ma14="http://schemas.microsoft.com/office/mac/drawingml/2011/main" xmlns:a14="http://schemas.microsoft.com/office/drawing/2010/main" xmlns:m="http://schemas.openxmlformats.org/officeDocument/2006/math" xmlns="" val="1"/>
+              <ma14:wrappingTextBoxFlag xmlns="" xmlns:m="http://schemas.openxmlformats.org/officeDocument/2006/math" xmlns:a14="http://schemas.microsoft.com/office/drawing/2010/main" xmlns:ma14="http://schemas.microsoft.com/office/mac/drawingml/2011/main" val="1"/>
             </a:ext>
           </a:extLst>
         </p:spPr>
@@ -9818,7 +10019,7 @@
           </a:ln>
           <a:extLst>
             <a:ext uri="{C572A759-6A51-4108-AA02-DFA0A04FC94B}">
-              <ma14:wrappingTextBoxFlag xmlns:ma14="http://schemas.microsoft.com/office/mac/drawingml/2011/main" xmlns:a14="http://schemas.microsoft.com/office/drawing/2010/main" xmlns:m="http://schemas.openxmlformats.org/officeDocument/2006/math" xmlns="" val="1"/>
+              <ma14:wrappingTextBoxFlag xmlns="" xmlns:m="http://schemas.openxmlformats.org/officeDocument/2006/math" xmlns:a14="http://schemas.microsoft.com/office/drawing/2010/main" xmlns:ma14="http://schemas.microsoft.com/office/mac/drawingml/2011/main" val="1"/>
             </a:ext>
           </a:extLst>
         </p:spPr>
@@ -9862,7 +10063,7 @@
           </a:ln>
           <a:extLst>
             <a:ext uri="{C572A759-6A51-4108-AA02-DFA0A04FC94B}">
-              <ma14:wrappingTextBoxFlag xmlns:ma14="http://schemas.microsoft.com/office/mac/drawingml/2011/main" xmlns:a14="http://schemas.microsoft.com/office/drawing/2010/main" xmlns:m="http://schemas.openxmlformats.org/officeDocument/2006/math" xmlns="" val="1"/>
+              <ma14:wrappingTextBoxFlag xmlns="" xmlns:m="http://schemas.openxmlformats.org/officeDocument/2006/math" xmlns:a14="http://schemas.microsoft.com/office/drawing/2010/main" xmlns:ma14="http://schemas.microsoft.com/office/mac/drawingml/2011/main" val="1"/>
             </a:ext>
           </a:extLst>
         </p:spPr>
@@ -9936,7 +10137,7 @@
         <p:fade thruBlk="1"/>
       </p:transition>
     </mc:Choice>
-    <mc:Fallback xmlns:a14="http://schemas.microsoft.com/office/drawing/2010/main" xmlns:m="http://schemas.openxmlformats.org/officeDocument/2006/math" xmlns="">
+    <mc:Fallback xmlns="" xmlns:m="http://schemas.openxmlformats.org/officeDocument/2006/math" xmlns:a14="http://schemas.microsoft.com/office/drawing/2010/main">
       <p:transition spd="slow">
         <p:fade/>
       </p:transition>
@@ -10035,7 +10236,7 @@
           </a:ln>
           <a:extLst>
             <a:ext uri="{C572A759-6A51-4108-AA02-DFA0A04FC94B}">
-              <ma14:wrappingTextBoxFlag xmlns:ma14="http://schemas.microsoft.com/office/mac/drawingml/2011/main" xmlns:a14="http://schemas.microsoft.com/office/drawing/2010/main" xmlns:m="http://schemas.openxmlformats.org/officeDocument/2006/math" xmlns="" val="1"/>
+              <ma14:wrappingTextBoxFlag xmlns="" xmlns:m="http://schemas.openxmlformats.org/officeDocument/2006/math" xmlns:a14="http://schemas.microsoft.com/office/drawing/2010/main" xmlns:ma14="http://schemas.microsoft.com/office/mac/drawingml/2011/main" val="1"/>
             </a:ext>
           </a:extLst>
         </p:spPr>
@@ -10082,7 +10283,7 @@
           </a:ln>
           <a:extLst>
             <a:ext uri="{C572A759-6A51-4108-AA02-DFA0A04FC94B}">
-              <ma14:wrappingTextBoxFlag xmlns:ma14="http://schemas.microsoft.com/office/mac/drawingml/2011/main" xmlns:a14="http://schemas.microsoft.com/office/drawing/2010/main" xmlns:m="http://schemas.openxmlformats.org/officeDocument/2006/math" xmlns="" val="1"/>
+              <ma14:wrappingTextBoxFlag xmlns="" xmlns:m="http://schemas.openxmlformats.org/officeDocument/2006/math" xmlns:a14="http://schemas.microsoft.com/office/drawing/2010/main" xmlns:ma14="http://schemas.microsoft.com/office/mac/drawingml/2011/main" val="1"/>
             </a:ext>
           </a:extLst>
         </p:spPr>
@@ -10154,7 +10355,7 @@
           </a:ln>
           <a:extLst>
             <a:ext uri="{C572A759-6A51-4108-AA02-DFA0A04FC94B}">
-              <ma14:wrappingTextBoxFlag xmlns:ma14="http://schemas.microsoft.com/office/mac/drawingml/2011/main" xmlns:a14="http://schemas.microsoft.com/office/drawing/2010/main" xmlns:m="http://schemas.openxmlformats.org/officeDocument/2006/math" xmlns="" val="1"/>
+              <ma14:wrappingTextBoxFlag xmlns="" xmlns:m="http://schemas.openxmlformats.org/officeDocument/2006/math" xmlns:a14="http://schemas.microsoft.com/office/drawing/2010/main" xmlns:ma14="http://schemas.microsoft.com/office/mac/drawingml/2011/main" val="1"/>
             </a:ext>
           </a:extLst>
         </p:spPr>
@@ -10198,7 +10399,7 @@
           </a:ln>
           <a:extLst>
             <a:ext uri="{C572A759-6A51-4108-AA02-DFA0A04FC94B}">
-              <ma14:wrappingTextBoxFlag xmlns:ma14="http://schemas.microsoft.com/office/mac/drawingml/2011/main" xmlns:a14="http://schemas.microsoft.com/office/drawing/2010/main" xmlns:m="http://schemas.openxmlformats.org/officeDocument/2006/math" xmlns="" val="1"/>
+              <ma14:wrappingTextBoxFlag xmlns="" xmlns:m="http://schemas.openxmlformats.org/officeDocument/2006/math" xmlns:a14="http://schemas.microsoft.com/office/drawing/2010/main" xmlns:ma14="http://schemas.microsoft.com/office/mac/drawingml/2011/main" val="1"/>
             </a:ext>
           </a:extLst>
         </p:spPr>
@@ -10273,7 +10474,7 @@
         <p:fade thruBlk="1"/>
       </p:transition>
     </mc:Choice>
-    <mc:Fallback xmlns:a14="http://schemas.microsoft.com/office/drawing/2010/main" xmlns:m="http://schemas.openxmlformats.org/officeDocument/2006/math" xmlns="">
+    <mc:Fallback xmlns="" xmlns:m="http://schemas.openxmlformats.org/officeDocument/2006/math" xmlns:a14="http://schemas.microsoft.com/office/drawing/2010/main">
       <p:transition spd="slow">
         <p:fade/>
       </p:transition>
@@ -10394,7 +10595,7 @@
           </a:ln>
           <a:extLst>
             <a:ext uri="{C572A759-6A51-4108-AA02-DFA0A04FC94B}">
-              <ma14:wrappingTextBoxFlag xmlns:ma14="http://schemas.microsoft.com/office/mac/drawingml/2011/main" xmlns:a14="http://schemas.microsoft.com/office/drawing/2010/main" xmlns:m="http://schemas.openxmlformats.org/officeDocument/2006/math" xmlns="" val="1"/>
+              <ma14:wrappingTextBoxFlag xmlns="" xmlns:m="http://schemas.openxmlformats.org/officeDocument/2006/math" xmlns:a14="http://schemas.microsoft.com/office/drawing/2010/main" xmlns:ma14="http://schemas.microsoft.com/office/mac/drawingml/2011/main" val="1"/>
             </a:ext>
           </a:extLst>
         </p:spPr>
@@ -10465,7 +10666,7 @@
           </a:ln>
           <a:extLst>
             <a:ext uri="{C572A759-6A51-4108-AA02-DFA0A04FC94B}">
-              <ma14:wrappingTextBoxFlag xmlns:ma14="http://schemas.microsoft.com/office/mac/drawingml/2011/main" xmlns:a14="http://schemas.microsoft.com/office/drawing/2010/main" xmlns:m="http://schemas.openxmlformats.org/officeDocument/2006/math" xmlns="" val="1"/>
+              <ma14:wrappingTextBoxFlag xmlns="" xmlns:m="http://schemas.openxmlformats.org/officeDocument/2006/math" xmlns:a14="http://schemas.microsoft.com/office/drawing/2010/main" xmlns:ma14="http://schemas.microsoft.com/office/mac/drawingml/2011/main" val="1"/>
             </a:ext>
           </a:extLst>
         </p:spPr>
@@ -10509,7 +10710,7 @@
           </a:ln>
           <a:extLst>
             <a:ext uri="{C572A759-6A51-4108-AA02-DFA0A04FC94B}">
-              <ma14:wrappingTextBoxFlag xmlns:ma14="http://schemas.microsoft.com/office/mac/drawingml/2011/main" xmlns:a14="http://schemas.microsoft.com/office/drawing/2010/main" xmlns:m="http://schemas.openxmlformats.org/officeDocument/2006/math" xmlns="" val="1"/>
+              <ma14:wrappingTextBoxFlag xmlns="" xmlns:m="http://schemas.openxmlformats.org/officeDocument/2006/math" xmlns:a14="http://schemas.microsoft.com/office/drawing/2010/main" xmlns:ma14="http://schemas.microsoft.com/office/mac/drawingml/2011/main" val="1"/>
             </a:ext>
           </a:extLst>
         </p:spPr>
@@ -10683,7 +10884,7 @@
         <p:fade thruBlk="1"/>
       </p:transition>
     </mc:Choice>
-    <mc:Fallback xmlns:a14="http://schemas.microsoft.com/office/drawing/2010/main" xmlns:m="http://schemas.openxmlformats.org/officeDocument/2006/math" xmlns="">
+    <mc:Fallback xmlns="" xmlns:m="http://schemas.openxmlformats.org/officeDocument/2006/math" xmlns:a14="http://schemas.microsoft.com/office/drawing/2010/main">
       <p:transition spd="slow">
         <p:fade/>
       </p:transition>
@@ -10804,7 +11005,7 @@
           </a:ln>
           <a:extLst>
             <a:ext uri="{C572A759-6A51-4108-AA02-DFA0A04FC94B}">
-              <ma14:wrappingTextBoxFlag xmlns:ma14="http://schemas.microsoft.com/office/mac/drawingml/2011/main" xmlns:a14="http://schemas.microsoft.com/office/drawing/2010/main" xmlns:m="http://schemas.openxmlformats.org/officeDocument/2006/math" xmlns="" val="1"/>
+              <ma14:wrappingTextBoxFlag xmlns="" xmlns:m="http://schemas.openxmlformats.org/officeDocument/2006/math" xmlns:a14="http://schemas.microsoft.com/office/drawing/2010/main" xmlns:ma14="http://schemas.microsoft.com/office/mac/drawingml/2011/main" val="1"/>
             </a:ext>
           </a:extLst>
         </p:spPr>
@@ -10875,7 +11076,7 @@
           </a:ln>
           <a:extLst>
             <a:ext uri="{C572A759-6A51-4108-AA02-DFA0A04FC94B}">
-              <ma14:wrappingTextBoxFlag xmlns:ma14="http://schemas.microsoft.com/office/mac/drawingml/2011/main" xmlns:a14="http://schemas.microsoft.com/office/drawing/2010/main" xmlns:m="http://schemas.openxmlformats.org/officeDocument/2006/math" xmlns="" val="1"/>
+              <ma14:wrappingTextBoxFlag xmlns="" xmlns:m="http://schemas.openxmlformats.org/officeDocument/2006/math" xmlns:a14="http://schemas.microsoft.com/office/drawing/2010/main" xmlns:ma14="http://schemas.microsoft.com/office/mac/drawingml/2011/main" val="1"/>
             </a:ext>
           </a:extLst>
         </p:spPr>
@@ -10919,7 +11120,7 @@
           </a:ln>
           <a:extLst>
             <a:ext uri="{C572A759-6A51-4108-AA02-DFA0A04FC94B}">
-              <ma14:wrappingTextBoxFlag xmlns:ma14="http://schemas.microsoft.com/office/mac/drawingml/2011/main" xmlns:a14="http://schemas.microsoft.com/office/drawing/2010/main" xmlns:m="http://schemas.openxmlformats.org/officeDocument/2006/math" xmlns="" val="1"/>
+              <ma14:wrappingTextBoxFlag xmlns="" xmlns:m="http://schemas.openxmlformats.org/officeDocument/2006/math" xmlns:a14="http://schemas.microsoft.com/office/drawing/2010/main" xmlns:ma14="http://schemas.microsoft.com/office/mac/drawingml/2011/main" val="1"/>
             </a:ext>
           </a:extLst>
         </p:spPr>
@@ -11073,7 +11274,7 @@
         <p:fade thruBlk="1"/>
       </p:transition>
     </mc:Choice>
-    <mc:Fallback xmlns:a14="http://schemas.microsoft.com/office/drawing/2010/main" xmlns:m="http://schemas.openxmlformats.org/officeDocument/2006/math" xmlns="">
+    <mc:Fallback xmlns="" xmlns:m="http://schemas.openxmlformats.org/officeDocument/2006/math" xmlns:a14="http://schemas.microsoft.com/office/drawing/2010/main">
       <p:transition spd="slow">
         <p:fade/>
       </p:transition>
@@ -11194,7 +11395,7 @@
           </a:ln>
           <a:extLst>
             <a:ext uri="{C572A759-6A51-4108-AA02-DFA0A04FC94B}">
-              <ma14:wrappingTextBoxFlag xmlns:ma14="http://schemas.microsoft.com/office/mac/drawingml/2011/main" xmlns:a14="http://schemas.microsoft.com/office/drawing/2010/main" xmlns:m="http://schemas.openxmlformats.org/officeDocument/2006/math" xmlns="" val="1"/>
+              <ma14:wrappingTextBoxFlag xmlns="" xmlns:m="http://schemas.openxmlformats.org/officeDocument/2006/math" xmlns:a14="http://schemas.microsoft.com/office/drawing/2010/main" xmlns:ma14="http://schemas.microsoft.com/office/mac/drawingml/2011/main" val="1"/>
             </a:ext>
           </a:extLst>
         </p:spPr>
@@ -11265,7 +11466,7 @@
           </a:ln>
           <a:extLst>
             <a:ext uri="{C572A759-6A51-4108-AA02-DFA0A04FC94B}">
-              <ma14:wrappingTextBoxFlag xmlns:ma14="http://schemas.microsoft.com/office/mac/drawingml/2011/main" xmlns:a14="http://schemas.microsoft.com/office/drawing/2010/main" xmlns:m="http://schemas.openxmlformats.org/officeDocument/2006/math" xmlns="" val="1"/>
+              <ma14:wrappingTextBoxFlag xmlns="" xmlns:m="http://schemas.openxmlformats.org/officeDocument/2006/math" xmlns:a14="http://schemas.microsoft.com/office/drawing/2010/main" xmlns:ma14="http://schemas.microsoft.com/office/mac/drawingml/2011/main" val="1"/>
             </a:ext>
           </a:extLst>
         </p:spPr>
@@ -11309,7 +11510,7 @@
           </a:ln>
           <a:extLst>
             <a:ext uri="{C572A759-6A51-4108-AA02-DFA0A04FC94B}">
-              <ma14:wrappingTextBoxFlag xmlns:ma14="http://schemas.microsoft.com/office/mac/drawingml/2011/main" xmlns:a14="http://schemas.microsoft.com/office/drawing/2010/main" xmlns:m="http://schemas.openxmlformats.org/officeDocument/2006/math" xmlns="" val="1"/>
+              <ma14:wrappingTextBoxFlag xmlns="" xmlns:m="http://schemas.openxmlformats.org/officeDocument/2006/math" xmlns:a14="http://schemas.microsoft.com/office/drawing/2010/main" xmlns:ma14="http://schemas.microsoft.com/office/mac/drawingml/2011/main" val="1"/>
             </a:ext>
           </a:extLst>
         </p:spPr>
@@ -11474,7 +11675,7 @@
             <a:effectLst/>
             <a:extLst>
               <a:ext uri="{C572A759-6A51-4108-AA02-DFA0A04FC94B}">
-                <ma14:wrappingTextBoxFlag xmlns:ma14="http://schemas.microsoft.com/office/mac/drawingml/2011/main" xmlns:a14="http://schemas.microsoft.com/office/drawing/2010/main" xmlns:m="http://schemas.openxmlformats.org/officeDocument/2006/math" xmlns="" val="1"/>
+                <ma14:wrappingTextBoxFlag xmlns="" xmlns:m="http://schemas.openxmlformats.org/officeDocument/2006/math" xmlns:a14="http://schemas.microsoft.com/office/drawing/2010/main" xmlns:ma14="http://schemas.microsoft.com/office/mac/drawingml/2011/main" val="1"/>
               </a:ext>
             </a:extLst>
           </p:spPr>
@@ -11521,7 +11722,7 @@
           </a:ln>
           <a:extLst>
             <a:ext uri="{C572A759-6A51-4108-AA02-DFA0A04FC94B}">
-              <ma14:wrappingTextBoxFlag xmlns:ma14="http://schemas.microsoft.com/office/mac/drawingml/2011/main" xmlns:a14="http://schemas.microsoft.com/office/drawing/2010/main" xmlns:m="http://schemas.openxmlformats.org/officeDocument/2006/math" xmlns="" val="1"/>
+              <ma14:wrappingTextBoxFlag xmlns="" xmlns:m="http://schemas.openxmlformats.org/officeDocument/2006/math" xmlns:a14="http://schemas.microsoft.com/office/drawing/2010/main" xmlns:ma14="http://schemas.microsoft.com/office/mac/drawingml/2011/main" val="1"/>
             </a:ext>
           </a:extLst>
         </p:spPr>
@@ -11552,7 +11753,7 @@
         <p:fade thruBlk="1"/>
       </p:transition>
     </mc:Choice>
-    <mc:Fallback xmlns:a14="http://schemas.microsoft.com/office/drawing/2010/main" xmlns:m="http://schemas.openxmlformats.org/officeDocument/2006/math" xmlns="">
+    <mc:Fallback xmlns="" xmlns:m="http://schemas.openxmlformats.org/officeDocument/2006/math" xmlns:a14="http://schemas.microsoft.com/office/drawing/2010/main">
       <p:transition spd="slow">
         <p:fade/>
       </p:transition>
@@ -11673,7 +11874,7 @@
           </a:ln>
           <a:extLst>
             <a:ext uri="{C572A759-6A51-4108-AA02-DFA0A04FC94B}">
-              <ma14:wrappingTextBoxFlag xmlns:ma14="http://schemas.microsoft.com/office/mac/drawingml/2011/main" xmlns:a14="http://schemas.microsoft.com/office/drawing/2010/main" xmlns:m="http://schemas.openxmlformats.org/officeDocument/2006/math" xmlns="" val="1"/>
+              <ma14:wrappingTextBoxFlag xmlns="" xmlns:m="http://schemas.openxmlformats.org/officeDocument/2006/math" xmlns:a14="http://schemas.microsoft.com/office/drawing/2010/main" xmlns:ma14="http://schemas.microsoft.com/office/mac/drawingml/2011/main" val="1"/>
             </a:ext>
           </a:extLst>
         </p:spPr>
@@ -11744,7 +11945,7 @@
           </a:ln>
           <a:extLst>
             <a:ext uri="{C572A759-6A51-4108-AA02-DFA0A04FC94B}">
-              <ma14:wrappingTextBoxFlag xmlns:ma14="http://schemas.microsoft.com/office/mac/drawingml/2011/main" xmlns:a14="http://schemas.microsoft.com/office/drawing/2010/main" xmlns:m="http://schemas.openxmlformats.org/officeDocument/2006/math" xmlns="" val="1"/>
+              <ma14:wrappingTextBoxFlag xmlns="" xmlns:m="http://schemas.openxmlformats.org/officeDocument/2006/math" xmlns:a14="http://schemas.microsoft.com/office/drawing/2010/main" xmlns:ma14="http://schemas.microsoft.com/office/mac/drawingml/2011/main" val="1"/>
             </a:ext>
           </a:extLst>
         </p:spPr>
@@ -11788,7 +11989,7 @@
           </a:ln>
           <a:extLst>
             <a:ext uri="{C572A759-6A51-4108-AA02-DFA0A04FC94B}">
-              <ma14:wrappingTextBoxFlag xmlns:ma14="http://schemas.microsoft.com/office/mac/drawingml/2011/main" xmlns:a14="http://schemas.microsoft.com/office/drawing/2010/main" xmlns:m="http://schemas.openxmlformats.org/officeDocument/2006/math" xmlns="" val="1"/>
+              <ma14:wrappingTextBoxFlag xmlns="" xmlns:m="http://schemas.openxmlformats.org/officeDocument/2006/math" xmlns:a14="http://schemas.microsoft.com/office/drawing/2010/main" xmlns:ma14="http://schemas.microsoft.com/office/mac/drawingml/2011/main" val="1"/>
             </a:ext>
           </a:extLst>
         </p:spPr>
@@ -12013,7 +12214,7 @@
         <p:fade thruBlk="1"/>
       </p:transition>
     </mc:Choice>
-    <mc:Fallback xmlns:a14="http://schemas.microsoft.com/office/drawing/2010/main" xmlns:m="http://schemas.openxmlformats.org/officeDocument/2006/math" xmlns="">
+    <mc:Fallback xmlns="" xmlns:m="http://schemas.openxmlformats.org/officeDocument/2006/math" xmlns:a14="http://schemas.microsoft.com/office/drawing/2010/main">
       <p:transition spd="slow">
         <p:fade/>
       </p:transition>
@@ -12211,7 +12412,7 @@
           </a:ln>
           <a:extLst>
             <a:ext uri="{C572A759-6A51-4108-AA02-DFA0A04FC94B}">
-              <ma14:wrappingTextBoxFlag xmlns:ma14="http://schemas.microsoft.com/office/mac/drawingml/2011/main" xmlns:a14="http://schemas.microsoft.com/office/drawing/2010/main" xmlns:m="http://schemas.openxmlformats.org/officeDocument/2006/math" xmlns="" val="1"/>
+              <ma14:wrappingTextBoxFlag xmlns="" xmlns:m="http://schemas.openxmlformats.org/officeDocument/2006/math" xmlns:a14="http://schemas.microsoft.com/office/drawing/2010/main" xmlns:ma14="http://schemas.microsoft.com/office/mac/drawingml/2011/main" val="1"/>
             </a:ext>
           </a:extLst>
         </p:spPr>
@@ -12282,7 +12483,7 @@
           </a:ln>
           <a:extLst>
             <a:ext uri="{C572A759-6A51-4108-AA02-DFA0A04FC94B}">
-              <ma14:wrappingTextBoxFlag xmlns:ma14="http://schemas.microsoft.com/office/mac/drawingml/2011/main" xmlns:a14="http://schemas.microsoft.com/office/drawing/2010/main" xmlns:m="http://schemas.openxmlformats.org/officeDocument/2006/math" xmlns="" val="1"/>
+              <ma14:wrappingTextBoxFlag xmlns="" xmlns:m="http://schemas.openxmlformats.org/officeDocument/2006/math" xmlns:a14="http://schemas.microsoft.com/office/drawing/2010/main" xmlns:ma14="http://schemas.microsoft.com/office/mac/drawingml/2011/main" val="1"/>
             </a:ext>
           </a:extLst>
         </p:spPr>
@@ -12326,7 +12527,7 @@
           </a:ln>
           <a:extLst>
             <a:ext uri="{C572A759-6A51-4108-AA02-DFA0A04FC94B}">
-              <ma14:wrappingTextBoxFlag xmlns:ma14="http://schemas.microsoft.com/office/mac/drawingml/2011/main" xmlns:a14="http://schemas.microsoft.com/office/drawing/2010/main" xmlns:m="http://schemas.openxmlformats.org/officeDocument/2006/math" xmlns="" val="1"/>
+              <ma14:wrappingTextBoxFlag xmlns="" xmlns:m="http://schemas.openxmlformats.org/officeDocument/2006/math" xmlns:a14="http://schemas.microsoft.com/office/drawing/2010/main" xmlns:ma14="http://schemas.microsoft.com/office/mac/drawingml/2011/main" val="1"/>
             </a:ext>
           </a:extLst>
         </p:spPr>
@@ -12492,7 +12693,7 @@
             <a:effectLst/>
             <a:extLst>
               <a:ext uri="{C572A759-6A51-4108-AA02-DFA0A04FC94B}">
-                <ma14:wrappingTextBoxFlag xmlns:ma14="http://schemas.microsoft.com/office/mac/drawingml/2011/main" xmlns:a14="http://schemas.microsoft.com/office/drawing/2010/main" xmlns:m="http://schemas.openxmlformats.org/officeDocument/2006/math" xmlns="" val="1"/>
+                <ma14:wrappingTextBoxFlag xmlns="" xmlns:m="http://schemas.openxmlformats.org/officeDocument/2006/math" xmlns:a14="http://schemas.microsoft.com/office/drawing/2010/main" xmlns:ma14="http://schemas.microsoft.com/office/mac/drawingml/2011/main" val="1"/>
               </a:ext>
             </a:extLst>
           </p:spPr>
@@ -12603,7 +12804,7 @@
             <a:effectLst/>
             <a:extLst>
               <a:ext uri="{C572A759-6A51-4108-AA02-DFA0A04FC94B}">
-                <ma14:wrappingTextBoxFlag xmlns:ma14="http://schemas.microsoft.com/office/mac/drawingml/2011/main" xmlns:a14="http://schemas.microsoft.com/office/drawing/2010/main" xmlns:m="http://schemas.openxmlformats.org/officeDocument/2006/math" xmlns="" val="1"/>
+                <ma14:wrappingTextBoxFlag xmlns="" xmlns:m="http://schemas.openxmlformats.org/officeDocument/2006/math" xmlns:a14="http://schemas.microsoft.com/office/drawing/2010/main" xmlns:ma14="http://schemas.microsoft.com/office/mac/drawingml/2011/main" val="1"/>
               </a:ext>
             </a:extLst>
           </p:spPr>
@@ -12732,7 +12933,7 @@
             <a:effectLst/>
             <a:extLst>
               <a:ext uri="{C572A759-6A51-4108-AA02-DFA0A04FC94B}">
-                <ma14:wrappingTextBoxFlag xmlns:ma14="http://schemas.microsoft.com/office/mac/drawingml/2011/main" xmlns:a14="http://schemas.microsoft.com/office/drawing/2010/main" xmlns:m="http://schemas.openxmlformats.org/officeDocument/2006/math" xmlns="" val="1"/>
+                <ma14:wrappingTextBoxFlag xmlns="" xmlns:m="http://schemas.openxmlformats.org/officeDocument/2006/math" xmlns:a14="http://schemas.microsoft.com/office/drawing/2010/main" xmlns:ma14="http://schemas.microsoft.com/office/mac/drawingml/2011/main" val="1"/>
               </a:ext>
             </a:extLst>
           </p:spPr>
@@ -12793,7 +12994,7 @@
         <p:fade thruBlk="1"/>
       </p:transition>
     </mc:Choice>
-    <mc:Fallback xmlns:a14="http://schemas.microsoft.com/office/drawing/2010/main" xmlns:m="http://schemas.openxmlformats.org/officeDocument/2006/math" xmlns="">
+    <mc:Fallback xmlns="" xmlns:m="http://schemas.openxmlformats.org/officeDocument/2006/math" xmlns:a14="http://schemas.microsoft.com/office/drawing/2010/main">
       <p:transition spd="slow">
         <p:fade/>
       </p:transition>
@@ -12991,7 +13192,7 @@
           </a:ln>
           <a:extLst>
             <a:ext uri="{C572A759-6A51-4108-AA02-DFA0A04FC94B}">
-              <ma14:wrappingTextBoxFlag xmlns:ma14="http://schemas.microsoft.com/office/mac/drawingml/2011/main" xmlns:a14="http://schemas.microsoft.com/office/drawing/2010/main" xmlns:m="http://schemas.openxmlformats.org/officeDocument/2006/math" xmlns="" val="1"/>
+              <ma14:wrappingTextBoxFlag xmlns="" xmlns:m="http://schemas.openxmlformats.org/officeDocument/2006/math" xmlns:a14="http://schemas.microsoft.com/office/drawing/2010/main" xmlns:ma14="http://schemas.microsoft.com/office/mac/drawingml/2011/main" val="1"/>
             </a:ext>
           </a:extLst>
         </p:spPr>
@@ -13062,7 +13263,7 @@
           </a:ln>
           <a:extLst>
             <a:ext uri="{C572A759-6A51-4108-AA02-DFA0A04FC94B}">
-              <ma14:wrappingTextBoxFlag xmlns:ma14="http://schemas.microsoft.com/office/mac/drawingml/2011/main" xmlns:a14="http://schemas.microsoft.com/office/drawing/2010/main" xmlns:m="http://schemas.openxmlformats.org/officeDocument/2006/math" xmlns="" val="1"/>
+              <ma14:wrappingTextBoxFlag xmlns="" xmlns:m="http://schemas.openxmlformats.org/officeDocument/2006/math" xmlns:a14="http://schemas.microsoft.com/office/drawing/2010/main" xmlns:ma14="http://schemas.microsoft.com/office/mac/drawingml/2011/main" val="1"/>
             </a:ext>
           </a:extLst>
         </p:spPr>
@@ -13106,7 +13307,7 @@
           </a:ln>
           <a:extLst>
             <a:ext uri="{C572A759-6A51-4108-AA02-DFA0A04FC94B}">
-              <ma14:wrappingTextBoxFlag xmlns:ma14="http://schemas.microsoft.com/office/mac/drawingml/2011/main" xmlns:a14="http://schemas.microsoft.com/office/drawing/2010/main" xmlns:m="http://schemas.openxmlformats.org/officeDocument/2006/math" xmlns="" val="1"/>
+              <ma14:wrappingTextBoxFlag xmlns="" xmlns:m="http://schemas.openxmlformats.org/officeDocument/2006/math" xmlns:a14="http://schemas.microsoft.com/office/drawing/2010/main" xmlns:ma14="http://schemas.microsoft.com/office/mac/drawingml/2011/main" val="1"/>
             </a:ext>
           </a:extLst>
         </p:spPr>
@@ -13230,7 +13431,7 @@
         <p:fade thruBlk="1"/>
       </p:transition>
     </mc:Choice>
-    <mc:Fallback xmlns:a14="http://schemas.microsoft.com/office/drawing/2010/main" xmlns:m="http://schemas.openxmlformats.org/officeDocument/2006/math" xmlns="">
+    <mc:Fallback xmlns="" xmlns:m="http://schemas.openxmlformats.org/officeDocument/2006/math" xmlns:a14="http://schemas.microsoft.com/office/drawing/2010/main">
       <p:transition spd="slow">
         <p:fade/>
       </p:transition>
@@ -13428,7 +13629,7 @@
           </a:ln>
           <a:extLst>
             <a:ext uri="{C572A759-6A51-4108-AA02-DFA0A04FC94B}">
-              <ma14:wrappingTextBoxFlag xmlns:ma14="http://schemas.microsoft.com/office/mac/drawingml/2011/main" xmlns:a14="http://schemas.microsoft.com/office/drawing/2010/main" xmlns:m="http://schemas.openxmlformats.org/officeDocument/2006/math" xmlns="" val="1"/>
+              <ma14:wrappingTextBoxFlag xmlns="" xmlns:m="http://schemas.openxmlformats.org/officeDocument/2006/math" xmlns:a14="http://schemas.microsoft.com/office/drawing/2010/main" xmlns:ma14="http://schemas.microsoft.com/office/mac/drawingml/2011/main" val="1"/>
             </a:ext>
           </a:extLst>
         </p:spPr>
@@ -13499,7 +13700,7 @@
           </a:ln>
           <a:extLst>
             <a:ext uri="{C572A759-6A51-4108-AA02-DFA0A04FC94B}">
-              <ma14:wrappingTextBoxFlag xmlns:ma14="http://schemas.microsoft.com/office/mac/drawingml/2011/main" xmlns:a14="http://schemas.microsoft.com/office/drawing/2010/main" xmlns:m="http://schemas.openxmlformats.org/officeDocument/2006/math" xmlns="" val="1"/>
+              <ma14:wrappingTextBoxFlag xmlns="" xmlns:m="http://schemas.openxmlformats.org/officeDocument/2006/math" xmlns:a14="http://schemas.microsoft.com/office/drawing/2010/main" xmlns:ma14="http://schemas.microsoft.com/office/mac/drawingml/2011/main" val="1"/>
             </a:ext>
           </a:extLst>
         </p:spPr>
@@ -13543,7 +13744,7 @@
           </a:ln>
           <a:extLst>
             <a:ext uri="{C572A759-6A51-4108-AA02-DFA0A04FC94B}">
-              <ma14:wrappingTextBoxFlag xmlns:ma14="http://schemas.microsoft.com/office/mac/drawingml/2011/main" xmlns:a14="http://schemas.microsoft.com/office/drawing/2010/main" xmlns:m="http://schemas.openxmlformats.org/officeDocument/2006/math" xmlns="" val="1"/>
+              <ma14:wrappingTextBoxFlag xmlns="" xmlns:m="http://schemas.openxmlformats.org/officeDocument/2006/math" xmlns:a14="http://schemas.microsoft.com/office/drawing/2010/main" xmlns:ma14="http://schemas.microsoft.com/office/mac/drawingml/2011/main" val="1"/>
             </a:ext>
           </a:extLst>
         </p:spPr>
@@ -13667,7 +13868,7 @@
         <p:fade thruBlk="1"/>
       </p:transition>
     </mc:Choice>
-    <mc:Fallback xmlns:a14="http://schemas.microsoft.com/office/drawing/2010/main" xmlns:m="http://schemas.openxmlformats.org/officeDocument/2006/math" xmlns="">
+    <mc:Fallback xmlns="" xmlns:m="http://schemas.openxmlformats.org/officeDocument/2006/math" xmlns:a14="http://schemas.microsoft.com/office/drawing/2010/main">
       <p:transition spd="slow">
         <p:fade/>
       </p:transition>
@@ -13865,7 +14066,7 @@
           </a:ln>
           <a:extLst>
             <a:ext uri="{C572A759-6A51-4108-AA02-DFA0A04FC94B}">
-              <ma14:wrappingTextBoxFlag xmlns:ma14="http://schemas.microsoft.com/office/mac/drawingml/2011/main" xmlns:a14="http://schemas.microsoft.com/office/drawing/2010/main" xmlns:m="http://schemas.openxmlformats.org/officeDocument/2006/math" xmlns="" val="1"/>
+              <ma14:wrappingTextBoxFlag xmlns="" xmlns:m="http://schemas.openxmlformats.org/officeDocument/2006/math" xmlns:a14="http://schemas.microsoft.com/office/drawing/2010/main" xmlns:ma14="http://schemas.microsoft.com/office/mac/drawingml/2011/main" val="1"/>
             </a:ext>
           </a:extLst>
         </p:spPr>
@@ -13936,7 +14137,7 @@
           </a:ln>
           <a:extLst>
             <a:ext uri="{C572A759-6A51-4108-AA02-DFA0A04FC94B}">
-              <ma14:wrappingTextBoxFlag xmlns:ma14="http://schemas.microsoft.com/office/mac/drawingml/2011/main" xmlns:a14="http://schemas.microsoft.com/office/drawing/2010/main" xmlns:m="http://schemas.openxmlformats.org/officeDocument/2006/math" xmlns="" val="1"/>
+              <ma14:wrappingTextBoxFlag xmlns="" xmlns:m="http://schemas.openxmlformats.org/officeDocument/2006/math" xmlns:a14="http://schemas.microsoft.com/office/drawing/2010/main" xmlns:ma14="http://schemas.microsoft.com/office/mac/drawingml/2011/main" val="1"/>
             </a:ext>
           </a:extLst>
         </p:spPr>
@@ -13980,7 +14181,7 @@
           </a:ln>
           <a:extLst>
             <a:ext uri="{C572A759-6A51-4108-AA02-DFA0A04FC94B}">
-              <ma14:wrappingTextBoxFlag xmlns:ma14="http://schemas.microsoft.com/office/mac/drawingml/2011/main" xmlns:a14="http://schemas.microsoft.com/office/drawing/2010/main" xmlns:m="http://schemas.openxmlformats.org/officeDocument/2006/math" xmlns="" val="1"/>
+              <ma14:wrappingTextBoxFlag xmlns="" xmlns:m="http://schemas.openxmlformats.org/officeDocument/2006/math" xmlns:a14="http://schemas.microsoft.com/office/drawing/2010/main" xmlns:ma14="http://schemas.microsoft.com/office/mac/drawingml/2011/main" val="1"/>
             </a:ext>
           </a:extLst>
         </p:spPr>
@@ -14224,7 +14425,7 @@
         <p:fade thruBlk="1"/>
       </p:transition>
     </mc:Choice>
-    <mc:Fallback xmlns:a14="http://schemas.microsoft.com/office/drawing/2010/main" xmlns:m="http://schemas.openxmlformats.org/officeDocument/2006/math" xmlns="">
+    <mc:Fallback xmlns="" xmlns:m="http://schemas.openxmlformats.org/officeDocument/2006/math" xmlns:a14="http://schemas.microsoft.com/office/drawing/2010/main">
       <p:transition spd="slow">
         <p:fade/>
       </p:transition>
@@ -14345,7 +14546,7 @@
           </a:ln>
           <a:extLst>
             <a:ext uri="{C572A759-6A51-4108-AA02-DFA0A04FC94B}">
-              <ma14:wrappingTextBoxFlag xmlns:ma14="http://schemas.microsoft.com/office/mac/drawingml/2011/main" xmlns:a14="http://schemas.microsoft.com/office/drawing/2010/main" xmlns:m="http://schemas.openxmlformats.org/officeDocument/2006/math" xmlns="" val="1"/>
+              <ma14:wrappingTextBoxFlag xmlns="" xmlns:m="http://schemas.openxmlformats.org/officeDocument/2006/math" xmlns:a14="http://schemas.microsoft.com/office/drawing/2010/main" xmlns:ma14="http://schemas.microsoft.com/office/mac/drawingml/2011/main" val="1"/>
             </a:ext>
           </a:extLst>
         </p:spPr>
@@ -14416,7 +14617,7 @@
           </a:ln>
           <a:extLst>
             <a:ext uri="{C572A759-6A51-4108-AA02-DFA0A04FC94B}">
-              <ma14:wrappingTextBoxFlag xmlns:ma14="http://schemas.microsoft.com/office/mac/drawingml/2011/main" xmlns:a14="http://schemas.microsoft.com/office/drawing/2010/main" xmlns:m="http://schemas.openxmlformats.org/officeDocument/2006/math" xmlns="" val="1"/>
+              <ma14:wrappingTextBoxFlag xmlns="" xmlns:m="http://schemas.openxmlformats.org/officeDocument/2006/math" xmlns:a14="http://schemas.microsoft.com/office/drawing/2010/main" xmlns:ma14="http://schemas.microsoft.com/office/mac/drawingml/2011/main" val="1"/>
             </a:ext>
           </a:extLst>
         </p:spPr>
@@ -14460,7 +14661,7 @@
           </a:ln>
           <a:extLst>
             <a:ext uri="{C572A759-6A51-4108-AA02-DFA0A04FC94B}">
-              <ma14:wrappingTextBoxFlag xmlns:ma14="http://schemas.microsoft.com/office/mac/drawingml/2011/main" xmlns:a14="http://schemas.microsoft.com/office/drawing/2010/main" xmlns:m="http://schemas.openxmlformats.org/officeDocument/2006/math" xmlns="" val="1"/>
+              <ma14:wrappingTextBoxFlag xmlns="" xmlns:m="http://schemas.openxmlformats.org/officeDocument/2006/math" xmlns:a14="http://schemas.microsoft.com/office/drawing/2010/main" xmlns:ma14="http://schemas.microsoft.com/office/mac/drawingml/2011/main" val="1"/>
             </a:ext>
           </a:extLst>
         </p:spPr>
@@ -14558,7 +14759,7 @@
         <p:fade thruBlk="1"/>
       </p:transition>
     </mc:Choice>
-    <mc:Fallback xmlns:a14="http://schemas.microsoft.com/office/drawing/2010/main" xmlns:m="http://schemas.openxmlformats.org/officeDocument/2006/math" xmlns="">
+    <mc:Fallback xmlns="" xmlns:m="http://schemas.openxmlformats.org/officeDocument/2006/math" xmlns:a14="http://schemas.microsoft.com/office/drawing/2010/main">
       <p:transition spd="slow">
         <p:fade/>
       </p:transition>
@@ -14679,7 +14880,7 @@
           </a:ln>
           <a:extLst>
             <a:ext uri="{C572A759-6A51-4108-AA02-DFA0A04FC94B}">
-              <ma14:wrappingTextBoxFlag xmlns:ma14="http://schemas.microsoft.com/office/mac/drawingml/2011/main" xmlns:a14="http://schemas.microsoft.com/office/drawing/2010/main" xmlns:m="http://schemas.openxmlformats.org/officeDocument/2006/math" xmlns="" val="1"/>
+              <ma14:wrappingTextBoxFlag xmlns="" xmlns:m="http://schemas.openxmlformats.org/officeDocument/2006/math" xmlns:a14="http://schemas.microsoft.com/office/drawing/2010/main" xmlns:ma14="http://schemas.microsoft.com/office/mac/drawingml/2011/main" val="1"/>
             </a:ext>
           </a:extLst>
         </p:spPr>
@@ -14750,7 +14951,7 @@
           </a:ln>
           <a:extLst>
             <a:ext uri="{C572A759-6A51-4108-AA02-DFA0A04FC94B}">
-              <ma14:wrappingTextBoxFlag xmlns:ma14="http://schemas.microsoft.com/office/mac/drawingml/2011/main" xmlns:a14="http://schemas.microsoft.com/office/drawing/2010/main" xmlns:m="http://schemas.openxmlformats.org/officeDocument/2006/math" xmlns="" val="1"/>
+              <ma14:wrappingTextBoxFlag xmlns="" xmlns:m="http://schemas.openxmlformats.org/officeDocument/2006/math" xmlns:a14="http://schemas.microsoft.com/office/drawing/2010/main" xmlns:ma14="http://schemas.microsoft.com/office/mac/drawingml/2011/main" val="1"/>
             </a:ext>
           </a:extLst>
         </p:spPr>
@@ -14794,7 +14995,7 @@
           </a:ln>
           <a:extLst>
             <a:ext uri="{C572A759-6A51-4108-AA02-DFA0A04FC94B}">
-              <ma14:wrappingTextBoxFlag xmlns:ma14="http://schemas.microsoft.com/office/mac/drawingml/2011/main" xmlns:a14="http://schemas.microsoft.com/office/drawing/2010/main" xmlns:m="http://schemas.openxmlformats.org/officeDocument/2006/math" xmlns="" val="1"/>
+              <ma14:wrappingTextBoxFlag xmlns="" xmlns:m="http://schemas.openxmlformats.org/officeDocument/2006/math" xmlns:a14="http://schemas.microsoft.com/office/drawing/2010/main" xmlns:ma14="http://schemas.microsoft.com/office/mac/drawingml/2011/main" val="1"/>
             </a:ext>
           </a:extLst>
         </p:spPr>
@@ -14911,7 +15112,7 @@
         <p:fade thruBlk="1"/>
       </p:transition>
     </mc:Choice>
-    <mc:Fallback xmlns:a14="http://schemas.microsoft.com/office/drawing/2010/main" xmlns:m="http://schemas.openxmlformats.org/officeDocument/2006/math" xmlns="">
+    <mc:Fallback xmlns="" xmlns:m="http://schemas.openxmlformats.org/officeDocument/2006/math" xmlns:a14="http://schemas.microsoft.com/office/drawing/2010/main">
       <p:transition spd="slow">
         <p:fade/>
       </p:transition>
@@ -15087,7 +15288,7 @@
           </a:ln>
           <a:extLst>
             <a:ext uri="{C572A759-6A51-4108-AA02-DFA0A04FC94B}">
-              <ma14:wrappingTextBoxFlag xmlns:ma14="http://schemas.microsoft.com/office/mac/drawingml/2011/main" xmlns:a14="http://schemas.microsoft.com/office/drawing/2010/main" xmlns:m="http://schemas.openxmlformats.org/officeDocument/2006/math" xmlns="" val="1"/>
+              <ma14:wrappingTextBoxFlag xmlns="" xmlns:m="http://schemas.openxmlformats.org/officeDocument/2006/math" xmlns:a14="http://schemas.microsoft.com/office/drawing/2010/main" xmlns:ma14="http://schemas.microsoft.com/office/mac/drawingml/2011/main" val="1"/>
             </a:ext>
           </a:extLst>
         </p:spPr>
@@ -15134,7 +15335,7 @@
           </a:ln>
           <a:extLst>
             <a:ext uri="{C572A759-6A51-4108-AA02-DFA0A04FC94B}">
-              <ma14:wrappingTextBoxFlag xmlns:ma14="http://schemas.microsoft.com/office/mac/drawingml/2011/main" xmlns:a14="http://schemas.microsoft.com/office/drawing/2010/main" xmlns:m="http://schemas.openxmlformats.org/officeDocument/2006/math" xmlns="" val="1"/>
+              <ma14:wrappingTextBoxFlag xmlns="" xmlns:m="http://schemas.openxmlformats.org/officeDocument/2006/math" xmlns:a14="http://schemas.microsoft.com/office/drawing/2010/main" xmlns:ma14="http://schemas.microsoft.com/office/mac/drawingml/2011/main" val="1"/>
             </a:ext>
           </a:extLst>
         </p:spPr>
@@ -15206,7 +15407,7 @@
           </a:ln>
           <a:extLst>
             <a:ext uri="{C572A759-6A51-4108-AA02-DFA0A04FC94B}">
-              <ma14:wrappingTextBoxFlag xmlns:ma14="http://schemas.microsoft.com/office/mac/drawingml/2011/main" xmlns:a14="http://schemas.microsoft.com/office/drawing/2010/main" xmlns:m="http://schemas.openxmlformats.org/officeDocument/2006/math" xmlns="" val="1"/>
+              <ma14:wrappingTextBoxFlag xmlns="" xmlns:m="http://schemas.openxmlformats.org/officeDocument/2006/math" xmlns:a14="http://schemas.microsoft.com/office/drawing/2010/main" xmlns:ma14="http://schemas.microsoft.com/office/mac/drawingml/2011/main" val="1"/>
             </a:ext>
           </a:extLst>
         </p:spPr>
@@ -15262,7 +15463,7 @@
           </a:ln>
           <a:extLst>
             <a:ext uri="{C572A759-6A51-4108-AA02-DFA0A04FC94B}">
-              <ma14:wrappingTextBoxFlag xmlns:ma14="http://schemas.microsoft.com/office/mac/drawingml/2011/main" xmlns:a14="http://schemas.microsoft.com/office/drawing/2010/main" xmlns:m="http://schemas.openxmlformats.org/officeDocument/2006/math" xmlns="" val="1"/>
+              <ma14:wrappingTextBoxFlag xmlns="" xmlns:m="http://schemas.openxmlformats.org/officeDocument/2006/math" xmlns:a14="http://schemas.microsoft.com/office/drawing/2010/main" xmlns:ma14="http://schemas.microsoft.com/office/mac/drawingml/2011/main" val="1"/>
             </a:ext>
           </a:extLst>
         </p:spPr>
@@ -15337,7 +15538,7 @@
         <p:fade thruBlk="1"/>
       </p:transition>
     </mc:Choice>
-    <mc:Fallback xmlns:a14="http://schemas.microsoft.com/office/drawing/2010/main" xmlns:m="http://schemas.openxmlformats.org/officeDocument/2006/math" xmlns="">
+    <mc:Fallback xmlns="" xmlns:m="http://schemas.openxmlformats.org/officeDocument/2006/math" xmlns:a14="http://schemas.microsoft.com/office/drawing/2010/main">
       <p:transition spd="slow">
         <p:fade/>
       </p:transition>
@@ -15458,7 +15659,7 @@
           </a:ln>
           <a:extLst>
             <a:ext uri="{C572A759-6A51-4108-AA02-DFA0A04FC94B}">
-              <ma14:wrappingTextBoxFlag xmlns:ma14="http://schemas.microsoft.com/office/mac/drawingml/2011/main" xmlns:a14="http://schemas.microsoft.com/office/drawing/2010/main" xmlns:m="http://schemas.openxmlformats.org/officeDocument/2006/math" xmlns="" val="1"/>
+              <ma14:wrappingTextBoxFlag xmlns="" xmlns:m="http://schemas.openxmlformats.org/officeDocument/2006/math" xmlns:a14="http://schemas.microsoft.com/office/drawing/2010/main" xmlns:ma14="http://schemas.microsoft.com/office/mac/drawingml/2011/main" val="1"/>
             </a:ext>
           </a:extLst>
         </p:spPr>
@@ -15529,7 +15730,7 @@
           </a:ln>
           <a:extLst>
             <a:ext uri="{C572A759-6A51-4108-AA02-DFA0A04FC94B}">
-              <ma14:wrappingTextBoxFlag xmlns:ma14="http://schemas.microsoft.com/office/mac/drawingml/2011/main" xmlns:a14="http://schemas.microsoft.com/office/drawing/2010/main" xmlns:m="http://schemas.openxmlformats.org/officeDocument/2006/math" xmlns="" val="1"/>
+              <ma14:wrappingTextBoxFlag xmlns="" xmlns:m="http://schemas.openxmlformats.org/officeDocument/2006/math" xmlns:a14="http://schemas.microsoft.com/office/drawing/2010/main" xmlns:ma14="http://schemas.microsoft.com/office/mac/drawingml/2011/main" val="1"/>
             </a:ext>
           </a:extLst>
         </p:spPr>
@@ -15573,7 +15774,7 @@
           </a:ln>
           <a:extLst>
             <a:ext uri="{C572A759-6A51-4108-AA02-DFA0A04FC94B}">
-              <ma14:wrappingTextBoxFlag xmlns:ma14="http://schemas.microsoft.com/office/mac/drawingml/2011/main" xmlns:a14="http://schemas.microsoft.com/office/drawing/2010/main" xmlns:m="http://schemas.openxmlformats.org/officeDocument/2006/math" xmlns="" val="1"/>
+              <ma14:wrappingTextBoxFlag xmlns="" xmlns:m="http://schemas.openxmlformats.org/officeDocument/2006/math" xmlns:a14="http://schemas.microsoft.com/office/drawing/2010/main" xmlns:ma14="http://schemas.microsoft.com/office/mac/drawingml/2011/main" val="1"/>
             </a:ext>
           </a:extLst>
         </p:spPr>
@@ -15815,7 +16016,7 @@
         <p:fade thruBlk="1"/>
       </p:transition>
     </mc:Choice>
-    <mc:Fallback xmlns:a14="http://schemas.microsoft.com/office/drawing/2010/main" xmlns:m="http://schemas.openxmlformats.org/officeDocument/2006/math" xmlns="">
+    <mc:Fallback xmlns="" xmlns:m="http://schemas.openxmlformats.org/officeDocument/2006/math" xmlns:a14="http://schemas.microsoft.com/office/drawing/2010/main">
       <p:transition spd="slow">
         <p:fade/>
       </p:transition>
@@ -15936,7 +16137,7 @@
           </a:ln>
           <a:extLst>
             <a:ext uri="{C572A759-6A51-4108-AA02-DFA0A04FC94B}">
-              <ma14:wrappingTextBoxFlag xmlns:ma14="http://schemas.microsoft.com/office/mac/drawingml/2011/main" xmlns:a14="http://schemas.microsoft.com/office/drawing/2010/main" xmlns:m="http://schemas.openxmlformats.org/officeDocument/2006/math" xmlns="" val="1"/>
+              <ma14:wrappingTextBoxFlag xmlns="" xmlns:m="http://schemas.openxmlformats.org/officeDocument/2006/math" xmlns:a14="http://schemas.microsoft.com/office/drawing/2010/main" xmlns:ma14="http://schemas.microsoft.com/office/mac/drawingml/2011/main" val="1"/>
             </a:ext>
           </a:extLst>
         </p:spPr>
@@ -16007,7 +16208,7 @@
           </a:ln>
           <a:extLst>
             <a:ext uri="{C572A759-6A51-4108-AA02-DFA0A04FC94B}">
-              <ma14:wrappingTextBoxFlag xmlns:ma14="http://schemas.microsoft.com/office/mac/drawingml/2011/main" xmlns:a14="http://schemas.microsoft.com/office/drawing/2010/main" xmlns:m="http://schemas.openxmlformats.org/officeDocument/2006/math" xmlns="" val="1"/>
+              <ma14:wrappingTextBoxFlag xmlns="" xmlns:m="http://schemas.openxmlformats.org/officeDocument/2006/math" xmlns:a14="http://schemas.microsoft.com/office/drawing/2010/main" xmlns:ma14="http://schemas.microsoft.com/office/mac/drawingml/2011/main" val="1"/>
             </a:ext>
           </a:extLst>
         </p:spPr>
@@ -16051,7 +16252,7 @@
           </a:ln>
           <a:extLst>
             <a:ext uri="{C572A759-6A51-4108-AA02-DFA0A04FC94B}">
-              <ma14:wrappingTextBoxFlag xmlns:ma14="http://schemas.microsoft.com/office/mac/drawingml/2011/main" xmlns:a14="http://schemas.microsoft.com/office/drawing/2010/main" xmlns:m="http://schemas.openxmlformats.org/officeDocument/2006/math" xmlns="" val="1"/>
+              <ma14:wrappingTextBoxFlag xmlns="" xmlns:m="http://schemas.openxmlformats.org/officeDocument/2006/math" xmlns:a14="http://schemas.microsoft.com/office/drawing/2010/main" xmlns:ma14="http://schemas.microsoft.com/office/mac/drawingml/2011/main" val="1"/>
             </a:ext>
           </a:extLst>
         </p:spPr>
@@ -16186,7 +16387,7 @@
         <p:fade thruBlk="1"/>
       </p:transition>
     </mc:Choice>
-    <mc:Fallback xmlns:a14="http://schemas.microsoft.com/office/drawing/2010/main" xmlns:m="http://schemas.openxmlformats.org/officeDocument/2006/math" xmlns="">
+    <mc:Fallback xmlns="" xmlns:m="http://schemas.openxmlformats.org/officeDocument/2006/math" xmlns:a14="http://schemas.microsoft.com/office/drawing/2010/main">
       <p:transition spd="slow">
         <p:fade/>
       </p:transition>
@@ -16307,7 +16508,7 @@
           </a:ln>
           <a:extLst>
             <a:ext uri="{C572A759-6A51-4108-AA02-DFA0A04FC94B}">
-              <ma14:wrappingTextBoxFlag xmlns:ma14="http://schemas.microsoft.com/office/mac/drawingml/2011/main" xmlns:a14="http://schemas.microsoft.com/office/drawing/2010/main" xmlns:m="http://schemas.openxmlformats.org/officeDocument/2006/math" xmlns="" val="1"/>
+              <ma14:wrappingTextBoxFlag xmlns="" xmlns:m="http://schemas.openxmlformats.org/officeDocument/2006/math" xmlns:a14="http://schemas.microsoft.com/office/drawing/2010/main" xmlns:ma14="http://schemas.microsoft.com/office/mac/drawingml/2011/main" val="1"/>
             </a:ext>
           </a:extLst>
         </p:spPr>
@@ -16378,7 +16579,7 @@
           </a:ln>
           <a:extLst>
             <a:ext uri="{C572A759-6A51-4108-AA02-DFA0A04FC94B}">
-              <ma14:wrappingTextBoxFlag xmlns:ma14="http://schemas.microsoft.com/office/mac/drawingml/2011/main" xmlns:a14="http://schemas.microsoft.com/office/drawing/2010/main" xmlns:m="http://schemas.openxmlformats.org/officeDocument/2006/math" xmlns="" val="1"/>
+              <ma14:wrappingTextBoxFlag xmlns="" xmlns:m="http://schemas.openxmlformats.org/officeDocument/2006/math" xmlns:a14="http://schemas.microsoft.com/office/drawing/2010/main" xmlns:ma14="http://schemas.microsoft.com/office/mac/drawingml/2011/main" val="1"/>
             </a:ext>
           </a:extLst>
         </p:spPr>
@@ -16422,7 +16623,7 @@
           </a:ln>
           <a:extLst>
             <a:ext uri="{C572A759-6A51-4108-AA02-DFA0A04FC94B}">
-              <ma14:wrappingTextBoxFlag xmlns:ma14="http://schemas.microsoft.com/office/mac/drawingml/2011/main" xmlns:a14="http://schemas.microsoft.com/office/drawing/2010/main" xmlns:m="http://schemas.openxmlformats.org/officeDocument/2006/math" xmlns="" val="1"/>
+              <ma14:wrappingTextBoxFlag xmlns="" xmlns:m="http://schemas.openxmlformats.org/officeDocument/2006/math" xmlns:a14="http://schemas.microsoft.com/office/drawing/2010/main" xmlns:ma14="http://schemas.microsoft.com/office/mac/drawingml/2011/main" val="1"/>
             </a:ext>
           </a:extLst>
         </p:spPr>
@@ -16540,7 +16741,7 @@
           </a:ln>
           <a:extLst>
             <a:ext uri="{C572A759-6A51-4108-AA02-DFA0A04FC94B}">
-              <ma14:wrappingTextBoxFlag xmlns:ma14="http://schemas.microsoft.com/office/mac/drawingml/2011/main" xmlns:a14="http://schemas.microsoft.com/office/drawing/2010/main" xmlns:m="http://schemas.openxmlformats.org/officeDocument/2006/math" xmlns="" val="1"/>
+              <ma14:wrappingTextBoxFlag xmlns="" xmlns:m="http://schemas.openxmlformats.org/officeDocument/2006/math" xmlns:a14="http://schemas.microsoft.com/office/drawing/2010/main" xmlns:ma14="http://schemas.microsoft.com/office/mac/drawingml/2011/main" val="1"/>
             </a:ext>
           </a:extLst>
         </p:spPr>
@@ -16576,7 +16777,7 @@
         <p:fade thruBlk="1"/>
       </p:transition>
     </mc:Choice>
-    <mc:Fallback xmlns:a14="http://schemas.microsoft.com/office/drawing/2010/main" xmlns:m="http://schemas.openxmlformats.org/officeDocument/2006/math" xmlns="">
+    <mc:Fallback xmlns="" xmlns:m="http://schemas.openxmlformats.org/officeDocument/2006/math" xmlns:a14="http://schemas.microsoft.com/office/drawing/2010/main">
       <p:transition spd="slow">
         <p:fade/>
       </p:transition>
@@ -16697,7 +16898,7 @@
           </a:ln>
           <a:extLst>
             <a:ext uri="{C572A759-6A51-4108-AA02-DFA0A04FC94B}">
-              <ma14:wrappingTextBoxFlag xmlns:ma14="http://schemas.microsoft.com/office/mac/drawingml/2011/main" xmlns:a14="http://schemas.microsoft.com/office/drawing/2010/main" xmlns:m="http://schemas.openxmlformats.org/officeDocument/2006/math" xmlns="" val="1"/>
+              <ma14:wrappingTextBoxFlag xmlns="" xmlns:m="http://schemas.openxmlformats.org/officeDocument/2006/math" xmlns:a14="http://schemas.microsoft.com/office/drawing/2010/main" xmlns:ma14="http://schemas.microsoft.com/office/mac/drawingml/2011/main" val="1"/>
             </a:ext>
           </a:extLst>
         </p:spPr>
@@ -16768,7 +16969,7 @@
           </a:ln>
           <a:extLst>
             <a:ext uri="{C572A759-6A51-4108-AA02-DFA0A04FC94B}">
-              <ma14:wrappingTextBoxFlag xmlns:ma14="http://schemas.microsoft.com/office/mac/drawingml/2011/main" xmlns:a14="http://schemas.microsoft.com/office/drawing/2010/main" xmlns:m="http://schemas.openxmlformats.org/officeDocument/2006/math" xmlns="" val="1"/>
+              <ma14:wrappingTextBoxFlag xmlns="" xmlns:m="http://schemas.openxmlformats.org/officeDocument/2006/math" xmlns:a14="http://schemas.microsoft.com/office/drawing/2010/main" xmlns:ma14="http://schemas.microsoft.com/office/mac/drawingml/2011/main" val="1"/>
             </a:ext>
           </a:extLst>
         </p:spPr>
@@ -16812,7 +17013,7 @@
           </a:ln>
           <a:extLst>
             <a:ext uri="{C572A759-6A51-4108-AA02-DFA0A04FC94B}">
-              <ma14:wrappingTextBoxFlag xmlns:ma14="http://schemas.microsoft.com/office/mac/drawingml/2011/main" xmlns:a14="http://schemas.microsoft.com/office/drawing/2010/main" xmlns:m="http://schemas.openxmlformats.org/officeDocument/2006/math" xmlns="" val="1"/>
+              <ma14:wrappingTextBoxFlag xmlns="" xmlns:m="http://schemas.openxmlformats.org/officeDocument/2006/math" xmlns:a14="http://schemas.microsoft.com/office/drawing/2010/main" xmlns:ma14="http://schemas.microsoft.com/office/mac/drawingml/2011/main" val="1"/>
             </a:ext>
           </a:extLst>
         </p:spPr>
@@ -16980,7 +17181,7 @@
           </a:ln>
           <a:extLst>
             <a:ext uri="{C572A759-6A51-4108-AA02-DFA0A04FC94B}">
-              <ma14:wrappingTextBoxFlag xmlns:ma14="http://schemas.microsoft.com/office/mac/drawingml/2011/main" xmlns:a14="http://schemas.microsoft.com/office/drawing/2010/main" xmlns:m="http://schemas.openxmlformats.org/officeDocument/2006/math" xmlns="" val="1"/>
+              <ma14:wrappingTextBoxFlag xmlns="" xmlns:m="http://schemas.openxmlformats.org/officeDocument/2006/math" xmlns:a14="http://schemas.microsoft.com/office/drawing/2010/main" xmlns:ma14="http://schemas.microsoft.com/office/mac/drawingml/2011/main" val="1"/>
             </a:ext>
           </a:extLst>
         </p:spPr>
@@ -17118,7 +17319,7 @@
           </a:ln>
           <a:extLst>
             <a:ext uri="{C572A759-6A51-4108-AA02-DFA0A04FC94B}">
-              <ma14:wrappingTextBoxFlag xmlns:ma14="http://schemas.microsoft.com/office/mac/drawingml/2011/main" xmlns:a14="http://schemas.microsoft.com/office/drawing/2010/main" xmlns:m="http://schemas.openxmlformats.org/officeDocument/2006/math" xmlns="" val="1"/>
+              <ma14:wrappingTextBoxFlag xmlns="" xmlns:m="http://schemas.openxmlformats.org/officeDocument/2006/math" xmlns:a14="http://schemas.microsoft.com/office/drawing/2010/main" xmlns:ma14="http://schemas.microsoft.com/office/mac/drawingml/2011/main" val="1"/>
             </a:ext>
           </a:extLst>
         </p:spPr>
@@ -17181,7 +17382,7 @@
         <p:fade thruBlk="1"/>
       </p:transition>
     </mc:Choice>
-    <mc:Fallback xmlns:a14="http://schemas.microsoft.com/office/drawing/2010/main" xmlns:m="http://schemas.openxmlformats.org/officeDocument/2006/math" xmlns="">
+    <mc:Fallback xmlns="" xmlns:m="http://schemas.openxmlformats.org/officeDocument/2006/math" xmlns:a14="http://schemas.microsoft.com/office/drawing/2010/main">
       <p:transition spd="slow">
         <p:fade/>
       </p:transition>
@@ -17302,7 +17503,7 @@
           </a:ln>
           <a:extLst>
             <a:ext uri="{C572A759-6A51-4108-AA02-DFA0A04FC94B}">
-              <ma14:wrappingTextBoxFlag xmlns:ma14="http://schemas.microsoft.com/office/mac/drawingml/2011/main" xmlns:a14="http://schemas.microsoft.com/office/drawing/2010/main" xmlns:m="http://schemas.openxmlformats.org/officeDocument/2006/math" xmlns="" val="1"/>
+              <ma14:wrappingTextBoxFlag xmlns="" xmlns:m="http://schemas.openxmlformats.org/officeDocument/2006/math" xmlns:a14="http://schemas.microsoft.com/office/drawing/2010/main" xmlns:ma14="http://schemas.microsoft.com/office/mac/drawingml/2011/main" val="1"/>
             </a:ext>
           </a:extLst>
         </p:spPr>
@@ -17373,7 +17574,7 @@
           </a:ln>
           <a:extLst>
             <a:ext uri="{C572A759-6A51-4108-AA02-DFA0A04FC94B}">
-              <ma14:wrappingTextBoxFlag xmlns:ma14="http://schemas.microsoft.com/office/mac/drawingml/2011/main" xmlns:a14="http://schemas.microsoft.com/office/drawing/2010/main" xmlns:m="http://schemas.openxmlformats.org/officeDocument/2006/math" xmlns="" val="1"/>
+              <ma14:wrappingTextBoxFlag xmlns="" xmlns:m="http://schemas.openxmlformats.org/officeDocument/2006/math" xmlns:a14="http://schemas.microsoft.com/office/drawing/2010/main" xmlns:ma14="http://schemas.microsoft.com/office/mac/drawingml/2011/main" val="1"/>
             </a:ext>
           </a:extLst>
         </p:spPr>
@@ -17417,7 +17618,7 @@
           </a:ln>
           <a:extLst>
             <a:ext uri="{C572A759-6A51-4108-AA02-DFA0A04FC94B}">
-              <ma14:wrappingTextBoxFlag xmlns:ma14="http://schemas.microsoft.com/office/mac/drawingml/2011/main" xmlns:a14="http://schemas.microsoft.com/office/drawing/2010/main" xmlns:m="http://schemas.openxmlformats.org/officeDocument/2006/math" xmlns="" val="1"/>
+              <ma14:wrappingTextBoxFlag xmlns="" xmlns:m="http://schemas.openxmlformats.org/officeDocument/2006/math" xmlns:a14="http://schemas.microsoft.com/office/drawing/2010/main" xmlns:ma14="http://schemas.microsoft.com/office/mac/drawingml/2011/main" val="1"/>
             </a:ext>
           </a:extLst>
         </p:spPr>
@@ -17530,7 +17731,7 @@
         <p:fade thruBlk="1"/>
       </p:transition>
     </mc:Choice>
-    <mc:Fallback xmlns:a14="http://schemas.microsoft.com/office/drawing/2010/main" xmlns:m="http://schemas.openxmlformats.org/officeDocument/2006/math" xmlns="">
+    <mc:Fallback xmlns="" xmlns:m="http://schemas.openxmlformats.org/officeDocument/2006/math" xmlns:a14="http://schemas.microsoft.com/office/drawing/2010/main">
       <p:transition spd="slow">
         <p:fade/>
       </p:transition>
@@ -17651,7 +17852,7 @@
           </a:ln>
           <a:extLst>
             <a:ext uri="{C572A759-6A51-4108-AA02-DFA0A04FC94B}">
-              <ma14:wrappingTextBoxFlag xmlns:ma14="http://schemas.microsoft.com/office/mac/drawingml/2011/main" xmlns:a14="http://schemas.microsoft.com/office/drawing/2010/main" xmlns:m="http://schemas.openxmlformats.org/officeDocument/2006/math" xmlns="" val="1"/>
+              <ma14:wrappingTextBoxFlag xmlns="" xmlns:m="http://schemas.openxmlformats.org/officeDocument/2006/math" xmlns:a14="http://schemas.microsoft.com/office/drawing/2010/main" xmlns:ma14="http://schemas.microsoft.com/office/mac/drawingml/2011/main" val="1"/>
             </a:ext>
           </a:extLst>
         </p:spPr>
@@ -17722,7 +17923,7 @@
           </a:ln>
           <a:extLst>
             <a:ext uri="{C572A759-6A51-4108-AA02-DFA0A04FC94B}">
-              <ma14:wrappingTextBoxFlag xmlns:ma14="http://schemas.microsoft.com/office/mac/drawingml/2011/main" xmlns:a14="http://schemas.microsoft.com/office/drawing/2010/main" xmlns:m="http://schemas.openxmlformats.org/officeDocument/2006/math" xmlns="" val="1"/>
+              <ma14:wrappingTextBoxFlag xmlns="" xmlns:m="http://schemas.openxmlformats.org/officeDocument/2006/math" xmlns:a14="http://schemas.microsoft.com/office/drawing/2010/main" xmlns:ma14="http://schemas.microsoft.com/office/mac/drawingml/2011/main" val="1"/>
             </a:ext>
           </a:extLst>
         </p:spPr>
@@ -17766,7 +17967,7 @@
           </a:ln>
           <a:extLst>
             <a:ext uri="{C572A759-6A51-4108-AA02-DFA0A04FC94B}">
-              <ma14:wrappingTextBoxFlag xmlns:ma14="http://schemas.microsoft.com/office/mac/drawingml/2011/main" xmlns:a14="http://schemas.microsoft.com/office/drawing/2010/main" xmlns:m="http://schemas.openxmlformats.org/officeDocument/2006/math" xmlns="" val="1"/>
+              <ma14:wrappingTextBoxFlag xmlns="" xmlns:m="http://schemas.openxmlformats.org/officeDocument/2006/math" xmlns:a14="http://schemas.microsoft.com/office/drawing/2010/main" xmlns:ma14="http://schemas.microsoft.com/office/mac/drawingml/2011/main" val="1"/>
             </a:ext>
           </a:extLst>
         </p:spPr>
@@ -18002,7 +18203,7 @@
         <p:fade thruBlk="1"/>
       </p:transition>
     </mc:Choice>
-    <mc:Fallback xmlns:a14="http://schemas.microsoft.com/office/drawing/2010/main" xmlns:m="http://schemas.openxmlformats.org/officeDocument/2006/math" xmlns="">
+    <mc:Fallback xmlns="" xmlns:m="http://schemas.openxmlformats.org/officeDocument/2006/math" xmlns:a14="http://schemas.microsoft.com/office/drawing/2010/main">
       <p:transition spd="slow">
         <p:fade/>
       </p:transition>
@@ -18123,7 +18324,7 @@
           </a:ln>
           <a:extLst>
             <a:ext uri="{C572A759-6A51-4108-AA02-DFA0A04FC94B}">
-              <ma14:wrappingTextBoxFlag xmlns:ma14="http://schemas.microsoft.com/office/mac/drawingml/2011/main" xmlns:a14="http://schemas.microsoft.com/office/drawing/2010/main" xmlns:m="http://schemas.openxmlformats.org/officeDocument/2006/math" xmlns="" val="1"/>
+              <ma14:wrappingTextBoxFlag xmlns="" xmlns:m="http://schemas.openxmlformats.org/officeDocument/2006/math" xmlns:a14="http://schemas.microsoft.com/office/drawing/2010/main" xmlns:ma14="http://schemas.microsoft.com/office/mac/drawingml/2011/main" val="1"/>
             </a:ext>
           </a:extLst>
         </p:spPr>
@@ -18194,7 +18395,7 @@
           </a:ln>
           <a:extLst>
             <a:ext uri="{C572A759-6A51-4108-AA02-DFA0A04FC94B}">
-              <ma14:wrappingTextBoxFlag xmlns:ma14="http://schemas.microsoft.com/office/mac/drawingml/2011/main" xmlns:a14="http://schemas.microsoft.com/office/drawing/2010/main" xmlns:m="http://schemas.openxmlformats.org/officeDocument/2006/math" xmlns="" val="1"/>
+              <ma14:wrappingTextBoxFlag xmlns="" xmlns:m="http://schemas.openxmlformats.org/officeDocument/2006/math" xmlns:a14="http://schemas.microsoft.com/office/drawing/2010/main" xmlns:ma14="http://schemas.microsoft.com/office/mac/drawingml/2011/main" val="1"/>
             </a:ext>
           </a:extLst>
         </p:spPr>
@@ -18238,7 +18439,7 @@
           </a:ln>
           <a:extLst>
             <a:ext uri="{C572A759-6A51-4108-AA02-DFA0A04FC94B}">
-              <ma14:wrappingTextBoxFlag xmlns:ma14="http://schemas.microsoft.com/office/mac/drawingml/2011/main" xmlns:a14="http://schemas.microsoft.com/office/drawing/2010/main" xmlns:m="http://schemas.openxmlformats.org/officeDocument/2006/math" xmlns="" val="1"/>
+              <ma14:wrappingTextBoxFlag xmlns="" xmlns:m="http://schemas.openxmlformats.org/officeDocument/2006/math" xmlns:a14="http://schemas.microsoft.com/office/drawing/2010/main" xmlns:ma14="http://schemas.microsoft.com/office/mac/drawingml/2011/main" val="1"/>
             </a:ext>
           </a:extLst>
         </p:spPr>
@@ -18428,7 +18629,7 @@
         <p:fade thruBlk="1"/>
       </p:transition>
     </mc:Choice>
-    <mc:Fallback xmlns:a14="http://schemas.microsoft.com/office/drawing/2010/main" xmlns:m="http://schemas.openxmlformats.org/officeDocument/2006/math" xmlns="">
+    <mc:Fallback xmlns="" xmlns:m="http://schemas.openxmlformats.org/officeDocument/2006/math" xmlns:a14="http://schemas.microsoft.com/office/drawing/2010/main">
       <p:transition spd="slow">
         <p:fade/>
       </p:transition>
@@ -18549,7 +18750,7 @@
           </a:ln>
           <a:extLst>
             <a:ext uri="{C572A759-6A51-4108-AA02-DFA0A04FC94B}">
-              <ma14:wrappingTextBoxFlag xmlns:ma14="http://schemas.microsoft.com/office/mac/drawingml/2011/main" xmlns:a14="http://schemas.microsoft.com/office/drawing/2010/main" xmlns:m="http://schemas.openxmlformats.org/officeDocument/2006/math" xmlns="" val="1"/>
+              <ma14:wrappingTextBoxFlag xmlns="" xmlns:m="http://schemas.openxmlformats.org/officeDocument/2006/math" xmlns:a14="http://schemas.microsoft.com/office/drawing/2010/main" xmlns:ma14="http://schemas.microsoft.com/office/mac/drawingml/2011/main" val="1"/>
             </a:ext>
           </a:extLst>
         </p:spPr>
@@ -18620,7 +18821,7 @@
           </a:ln>
           <a:extLst>
             <a:ext uri="{C572A759-6A51-4108-AA02-DFA0A04FC94B}">
-              <ma14:wrappingTextBoxFlag xmlns:ma14="http://schemas.microsoft.com/office/mac/drawingml/2011/main" xmlns:a14="http://schemas.microsoft.com/office/drawing/2010/main" xmlns:m="http://schemas.openxmlformats.org/officeDocument/2006/math" xmlns="" val="1"/>
+              <ma14:wrappingTextBoxFlag xmlns="" xmlns:m="http://schemas.openxmlformats.org/officeDocument/2006/math" xmlns:a14="http://schemas.microsoft.com/office/drawing/2010/main" xmlns:ma14="http://schemas.microsoft.com/office/mac/drawingml/2011/main" val="1"/>
             </a:ext>
           </a:extLst>
         </p:spPr>
@@ -18664,7 +18865,7 @@
           </a:ln>
           <a:extLst>
             <a:ext uri="{C572A759-6A51-4108-AA02-DFA0A04FC94B}">
-              <ma14:wrappingTextBoxFlag xmlns:ma14="http://schemas.microsoft.com/office/mac/drawingml/2011/main" xmlns:a14="http://schemas.microsoft.com/office/drawing/2010/main" xmlns:m="http://schemas.openxmlformats.org/officeDocument/2006/math" xmlns="" val="1"/>
+              <ma14:wrappingTextBoxFlag xmlns="" xmlns:m="http://schemas.openxmlformats.org/officeDocument/2006/math" xmlns:a14="http://schemas.microsoft.com/office/drawing/2010/main" xmlns:ma14="http://schemas.microsoft.com/office/mac/drawingml/2011/main" val="1"/>
             </a:ext>
           </a:extLst>
         </p:spPr>
@@ -18735,7 +18936,7 @@
           </a:ln>
           <a:extLst>
             <a:ext uri="{C572A759-6A51-4108-AA02-DFA0A04FC94B}">
-              <ma14:wrappingTextBoxFlag xmlns:ma14="http://schemas.microsoft.com/office/mac/drawingml/2011/main" xmlns:a14="http://schemas.microsoft.com/office/drawing/2010/main" xmlns:m="http://schemas.openxmlformats.org/officeDocument/2006/math" xmlns="" val="1"/>
+              <ma14:wrappingTextBoxFlag xmlns="" xmlns:m="http://schemas.openxmlformats.org/officeDocument/2006/math" xmlns:a14="http://schemas.microsoft.com/office/drawing/2010/main" xmlns:ma14="http://schemas.microsoft.com/office/mac/drawingml/2011/main" val="1"/>
             </a:ext>
           </a:extLst>
         </p:spPr>
@@ -18798,7 +18999,7 @@
         <p:fade thruBlk="1"/>
       </p:transition>
     </mc:Choice>
-    <mc:Fallback xmlns:a14="http://schemas.microsoft.com/office/drawing/2010/main" xmlns:m="http://schemas.openxmlformats.org/officeDocument/2006/math" xmlns="">
+    <mc:Fallback xmlns="" xmlns:m="http://schemas.openxmlformats.org/officeDocument/2006/math" xmlns:a14="http://schemas.microsoft.com/office/drawing/2010/main">
       <p:transition spd="slow">
         <p:fade/>
       </p:transition>
@@ -18919,7 +19120,7 @@
           </a:ln>
           <a:extLst>
             <a:ext uri="{C572A759-6A51-4108-AA02-DFA0A04FC94B}">
-              <ma14:wrappingTextBoxFlag xmlns:ma14="http://schemas.microsoft.com/office/mac/drawingml/2011/main" xmlns:a14="http://schemas.microsoft.com/office/drawing/2010/main" xmlns:m="http://schemas.openxmlformats.org/officeDocument/2006/math" xmlns="" val="1"/>
+              <ma14:wrappingTextBoxFlag xmlns="" xmlns:m="http://schemas.openxmlformats.org/officeDocument/2006/math" xmlns:a14="http://schemas.microsoft.com/office/drawing/2010/main" xmlns:ma14="http://schemas.microsoft.com/office/mac/drawingml/2011/main" val="1"/>
             </a:ext>
           </a:extLst>
         </p:spPr>
@@ -18990,7 +19191,7 @@
           </a:ln>
           <a:extLst>
             <a:ext uri="{C572A759-6A51-4108-AA02-DFA0A04FC94B}">
-              <ma14:wrappingTextBoxFlag xmlns:ma14="http://schemas.microsoft.com/office/mac/drawingml/2011/main" xmlns:a14="http://schemas.microsoft.com/office/drawing/2010/main" xmlns:m="http://schemas.openxmlformats.org/officeDocument/2006/math" xmlns="" val="1"/>
+              <ma14:wrappingTextBoxFlag xmlns="" xmlns:m="http://schemas.openxmlformats.org/officeDocument/2006/math" xmlns:a14="http://schemas.microsoft.com/office/drawing/2010/main" xmlns:ma14="http://schemas.microsoft.com/office/mac/drawingml/2011/main" val="1"/>
             </a:ext>
           </a:extLst>
         </p:spPr>
@@ -19034,7 +19235,7 @@
           </a:ln>
           <a:extLst>
             <a:ext uri="{C572A759-6A51-4108-AA02-DFA0A04FC94B}">
-              <ma14:wrappingTextBoxFlag xmlns:ma14="http://schemas.microsoft.com/office/mac/drawingml/2011/main" xmlns:a14="http://schemas.microsoft.com/office/drawing/2010/main" xmlns:m="http://schemas.openxmlformats.org/officeDocument/2006/math" xmlns="" val="1"/>
+              <ma14:wrappingTextBoxFlag xmlns="" xmlns:m="http://schemas.openxmlformats.org/officeDocument/2006/math" xmlns:a14="http://schemas.microsoft.com/office/drawing/2010/main" xmlns:ma14="http://schemas.microsoft.com/office/mac/drawingml/2011/main" val="1"/>
             </a:ext>
           </a:extLst>
         </p:spPr>
@@ -19207,7 +19408,7 @@
         <p:fade thruBlk="1"/>
       </p:transition>
     </mc:Choice>
-    <mc:Fallback xmlns:a14="http://schemas.microsoft.com/office/drawing/2010/main" xmlns:m="http://schemas.openxmlformats.org/officeDocument/2006/math" xmlns="">
+    <mc:Fallback xmlns="" xmlns:m="http://schemas.openxmlformats.org/officeDocument/2006/math" xmlns:a14="http://schemas.microsoft.com/office/drawing/2010/main">
       <p:transition spd="slow">
         <p:fade/>
       </p:transition>
@@ -19328,7 +19529,7 @@
           </a:ln>
           <a:extLst>
             <a:ext uri="{C572A759-6A51-4108-AA02-DFA0A04FC94B}">
-              <ma14:wrappingTextBoxFlag xmlns:ma14="http://schemas.microsoft.com/office/mac/drawingml/2011/main" xmlns:a14="http://schemas.microsoft.com/office/drawing/2010/main" xmlns:m="http://schemas.openxmlformats.org/officeDocument/2006/math" xmlns="" val="1"/>
+              <ma14:wrappingTextBoxFlag xmlns="" xmlns:m="http://schemas.openxmlformats.org/officeDocument/2006/math" xmlns:a14="http://schemas.microsoft.com/office/drawing/2010/main" xmlns:ma14="http://schemas.microsoft.com/office/mac/drawingml/2011/main" val="1"/>
             </a:ext>
           </a:extLst>
         </p:spPr>
@@ -19399,7 +19600,7 @@
           </a:ln>
           <a:extLst>
             <a:ext uri="{C572A759-6A51-4108-AA02-DFA0A04FC94B}">
-              <ma14:wrappingTextBoxFlag xmlns:ma14="http://schemas.microsoft.com/office/mac/drawingml/2011/main" xmlns:a14="http://schemas.microsoft.com/office/drawing/2010/main" xmlns:m="http://schemas.openxmlformats.org/officeDocument/2006/math" xmlns="" val="1"/>
+              <ma14:wrappingTextBoxFlag xmlns="" xmlns:m="http://schemas.openxmlformats.org/officeDocument/2006/math" xmlns:a14="http://schemas.microsoft.com/office/drawing/2010/main" xmlns:ma14="http://schemas.microsoft.com/office/mac/drawingml/2011/main" val="1"/>
             </a:ext>
           </a:extLst>
         </p:spPr>
@@ -19443,7 +19644,7 @@
           </a:ln>
           <a:extLst>
             <a:ext uri="{C572A759-6A51-4108-AA02-DFA0A04FC94B}">
-              <ma14:wrappingTextBoxFlag xmlns:ma14="http://schemas.microsoft.com/office/mac/drawingml/2011/main" xmlns:a14="http://schemas.microsoft.com/office/drawing/2010/main" xmlns:m="http://schemas.openxmlformats.org/officeDocument/2006/math" xmlns="" val="1"/>
+              <ma14:wrappingTextBoxFlag xmlns="" xmlns:m="http://schemas.openxmlformats.org/officeDocument/2006/math" xmlns:a14="http://schemas.microsoft.com/office/drawing/2010/main" xmlns:ma14="http://schemas.microsoft.com/office/mac/drawingml/2011/main" val="1"/>
             </a:ext>
           </a:extLst>
         </p:spPr>
@@ -19799,7 +20000,7 @@
         <p:fade thruBlk="1"/>
       </p:transition>
     </mc:Choice>
-    <mc:Fallback xmlns:a14="http://schemas.microsoft.com/office/drawing/2010/main" xmlns:m="http://schemas.openxmlformats.org/officeDocument/2006/math" xmlns="">
+    <mc:Fallback xmlns="" xmlns:m="http://schemas.openxmlformats.org/officeDocument/2006/math" xmlns:a14="http://schemas.microsoft.com/office/drawing/2010/main">
       <p:transition spd="slow">
         <p:fade/>
       </p:transition>
@@ -19920,7 +20121,7 @@
           </a:ln>
           <a:extLst>
             <a:ext uri="{C572A759-6A51-4108-AA02-DFA0A04FC94B}">
-              <ma14:wrappingTextBoxFlag xmlns:ma14="http://schemas.microsoft.com/office/mac/drawingml/2011/main" xmlns:a14="http://schemas.microsoft.com/office/drawing/2010/main" xmlns:m="http://schemas.openxmlformats.org/officeDocument/2006/math" xmlns="" val="1"/>
+              <ma14:wrappingTextBoxFlag xmlns="" xmlns:m="http://schemas.openxmlformats.org/officeDocument/2006/math" xmlns:a14="http://schemas.microsoft.com/office/drawing/2010/main" xmlns:ma14="http://schemas.microsoft.com/office/mac/drawingml/2011/main" val="1"/>
             </a:ext>
           </a:extLst>
         </p:spPr>
@@ -19991,7 +20192,7 @@
           </a:ln>
           <a:extLst>
             <a:ext uri="{C572A759-6A51-4108-AA02-DFA0A04FC94B}">
-              <ma14:wrappingTextBoxFlag xmlns:ma14="http://schemas.microsoft.com/office/mac/drawingml/2011/main" xmlns:a14="http://schemas.microsoft.com/office/drawing/2010/main" xmlns:m="http://schemas.openxmlformats.org/officeDocument/2006/math" xmlns="" val="1"/>
+              <ma14:wrappingTextBoxFlag xmlns="" xmlns:m="http://schemas.openxmlformats.org/officeDocument/2006/math" xmlns:a14="http://schemas.microsoft.com/office/drawing/2010/main" xmlns:ma14="http://schemas.microsoft.com/office/mac/drawingml/2011/main" val="1"/>
             </a:ext>
           </a:extLst>
         </p:spPr>
@@ -20035,7 +20236,7 @@
           </a:ln>
           <a:extLst>
             <a:ext uri="{C572A759-6A51-4108-AA02-DFA0A04FC94B}">
-              <ma14:wrappingTextBoxFlag xmlns:ma14="http://schemas.microsoft.com/office/mac/drawingml/2011/main" xmlns:a14="http://schemas.microsoft.com/office/drawing/2010/main" xmlns:m="http://schemas.openxmlformats.org/officeDocument/2006/math" xmlns="" val="1"/>
+              <ma14:wrappingTextBoxFlag xmlns="" xmlns:m="http://schemas.openxmlformats.org/officeDocument/2006/math" xmlns:a14="http://schemas.microsoft.com/office/drawing/2010/main" xmlns:ma14="http://schemas.microsoft.com/office/mac/drawingml/2011/main" val="1"/>
             </a:ext>
           </a:extLst>
         </p:spPr>
@@ -20301,7 +20502,7 @@
         <p:fade thruBlk="1"/>
       </p:transition>
     </mc:Choice>
-    <mc:Fallback xmlns:a14="http://schemas.microsoft.com/office/drawing/2010/main" xmlns:m="http://schemas.openxmlformats.org/officeDocument/2006/math" xmlns="">
+    <mc:Fallback xmlns="" xmlns:m="http://schemas.openxmlformats.org/officeDocument/2006/math" xmlns:a14="http://schemas.microsoft.com/office/drawing/2010/main">
       <p:transition spd="slow">
         <p:fade/>
       </p:transition>
@@ -20422,7 +20623,7 @@
           </a:ln>
           <a:extLst>
             <a:ext uri="{C572A759-6A51-4108-AA02-DFA0A04FC94B}">
-              <ma14:wrappingTextBoxFlag xmlns:ma14="http://schemas.microsoft.com/office/mac/drawingml/2011/main" xmlns:a14="http://schemas.microsoft.com/office/drawing/2010/main" xmlns:m="http://schemas.openxmlformats.org/officeDocument/2006/math" xmlns="" val="1"/>
+              <ma14:wrappingTextBoxFlag xmlns="" xmlns:m="http://schemas.openxmlformats.org/officeDocument/2006/math" xmlns:a14="http://schemas.microsoft.com/office/drawing/2010/main" xmlns:ma14="http://schemas.microsoft.com/office/mac/drawingml/2011/main" val="1"/>
             </a:ext>
           </a:extLst>
         </p:spPr>
@@ -20493,7 +20694,7 @@
           </a:ln>
           <a:extLst>
             <a:ext uri="{C572A759-6A51-4108-AA02-DFA0A04FC94B}">
-              <ma14:wrappingTextBoxFlag xmlns:ma14="http://schemas.microsoft.com/office/mac/drawingml/2011/main" xmlns:a14="http://schemas.microsoft.com/office/drawing/2010/main" xmlns:m="http://schemas.openxmlformats.org/officeDocument/2006/math" xmlns="" val="1"/>
+              <ma14:wrappingTextBoxFlag xmlns="" xmlns:m="http://schemas.openxmlformats.org/officeDocument/2006/math" xmlns:a14="http://schemas.microsoft.com/office/drawing/2010/main" xmlns:ma14="http://schemas.microsoft.com/office/mac/drawingml/2011/main" val="1"/>
             </a:ext>
           </a:extLst>
         </p:spPr>
@@ -20537,7 +20738,7 @@
           </a:ln>
           <a:extLst>
             <a:ext uri="{C572A759-6A51-4108-AA02-DFA0A04FC94B}">
-              <ma14:wrappingTextBoxFlag xmlns:ma14="http://schemas.microsoft.com/office/mac/drawingml/2011/main" xmlns:a14="http://schemas.microsoft.com/office/drawing/2010/main" xmlns:m="http://schemas.openxmlformats.org/officeDocument/2006/math" xmlns="" val="1"/>
+              <ma14:wrappingTextBoxFlag xmlns="" xmlns:m="http://schemas.openxmlformats.org/officeDocument/2006/math" xmlns:a14="http://schemas.microsoft.com/office/drawing/2010/main" xmlns:ma14="http://schemas.microsoft.com/office/mac/drawingml/2011/main" val="1"/>
             </a:ext>
           </a:extLst>
         </p:spPr>
@@ -20581,7 +20782,7 @@
           </a:ln>
           <a:extLst>
             <a:ext uri="{C572A759-6A51-4108-AA02-DFA0A04FC94B}">
-              <ma14:wrappingTextBoxFlag xmlns:ma14="http://schemas.microsoft.com/office/mac/drawingml/2011/main" xmlns:a14="http://schemas.microsoft.com/office/drawing/2010/main" xmlns:m="http://schemas.openxmlformats.org/officeDocument/2006/math" xmlns="" val="1"/>
+              <ma14:wrappingTextBoxFlag xmlns="" xmlns:m="http://schemas.openxmlformats.org/officeDocument/2006/math" xmlns:a14="http://schemas.microsoft.com/office/drawing/2010/main" xmlns:ma14="http://schemas.microsoft.com/office/mac/drawingml/2011/main" val="1"/>
             </a:ext>
           </a:extLst>
         </p:spPr>
@@ -20625,7 +20826,7 @@
           </a:ln>
           <a:extLst>
             <a:ext uri="{C572A759-6A51-4108-AA02-DFA0A04FC94B}">
-              <ma14:wrappingTextBoxFlag xmlns:ma14="http://schemas.microsoft.com/office/mac/drawingml/2011/main" xmlns:a14="http://schemas.microsoft.com/office/drawing/2010/main" xmlns:m="http://schemas.openxmlformats.org/officeDocument/2006/math" xmlns="" val="1"/>
+              <ma14:wrappingTextBoxFlag xmlns="" xmlns:m="http://schemas.openxmlformats.org/officeDocument/2006/math" xmlns:a14="http://schemas.microsoft.com/office/drawing/2010/main" xmlns:ma14="http://schemas.microsoft.com/office/mac/drawingml/2011/main" val="1"/>
             </a:ext>
           </a:extLst>
         </p:spPr>
@@ -20742,7 +20943,7 @@
         <p:fade thruBlk="1"/>
       </p:transition>
     </mc:Choice>
-    <mc:Fallback xmlns:a14="http://schemas.microsoft.com/office/drawing/2010/main" xmlns:m="http://schemas.openxmlformats.org/officeDocument/2006/math" xmlns="">
+    <mc:Fallback xmlns="" xmlns:m="http://schemas.openxmlformats.org/officeDocument/2006/math" xmlns:a14="http://schemas.microsoft.com/office/drawing/2010/main">
       <p:transition spd="slow">
         <p:fade/>
       </p:transition>
@@ -20863,7 +21064,7 @@
           </a:ln>
           <a:extLst>
             <a:ext uri="{C572A759-6A51-4108-AA02-DFA0A04FC94B}">
-              <ma14:wrappingTextBoxFlag xmlns:ma14="http://schemas.microsoft.com/office/mac/drawingml/2011/main" xmlns:a14="http://schemas.microsoft.com/office/drawing/2010/main" xmlns:m="http://schemas.openxmlformats.org/officeDocument/2006/math" xmlns="" val="1"/>
+              <ma14:wrappingTextBoxFlag xmlns="" xmlns:m="http://schemas.openxmlformats.org/officeDocument/2006/math" xmlns:a14="http://schemas.microsoft.com/office/drawing/2010/main" xmlns:ma14="http://schemas.microsoft.com/office/mac/drawingml/2011/main" val="1"/>
             </a:ext>
           </a:extLst>
         </p:spPr>
@@ -20934,7 +21135,7 @@
           </a:ln>
           <a:extLst>
             <a:ext uri="{C572A759-6A51-4108-AA02-DFA0A04FC94B}">
-              <ma14:wrappingTextBoxFlag xmlns:ma14="http://schemas.microsoft.com/office/mac/drawingml/2011/main" xmlns:a14="http://schemas.microsoft.com/office/drawing/2010/main" xmlns:m="http://schemas.openxmlformats.org/officeDocument/2006/math" xmlns="" val="1"/>
+              <ma14:wrappingTextBoxFlag xmlns="" xmlns:m="http://schemas.openxmlformats.org/officeDocument/2006/math" xmlns:a14="http://schemas.microsoft.com/office/drawing/2010/main" xmlns:ma14="http://schemas.microsoft.com/office/mac/drawingml/2011/main" val="1"/>
             </a:ext>
           </a:extLst>
         </p:spPr>
@@ -20978,7 +21179,7 @@
           </a:ln>
           <a:extLst>
             <a:ext uri="{C572A759-6A51-4108-AA02-DFA0A04FC94B}">
-              <ma14:wrappingTextBoxFlag xmlns:ma14="http://schemas.microsoft.com/office/mac/drawingml/2011/main" xmlns:a14="http://schemas.microsoft.com/office/drawing/2010/main" xmlns:m="http://schemas.openxmlformats.org/officeDocument/2006/math" xmlns="" val="1"/>
+              <ma14:wrappingTextBoxFlag xmlns="" xmlns:m="http://schemas.openxmlformats.org/officeDocument/2006/math" xmlns:a14="http://schemas.microsoft.com/office/drawing/2010/main" xmlns:ma14="http://schemas.microsoft.com/office/mac/drawingml/2011/main" val="1"/>
             </a:ext>
           </a:extLst>
         </p:spPr>
@@ -21057,7 +21258,7 @@
         <p:fade thruBlk="1"/>
       </p:transition>
     </mc:Choice>
-    <mc:Fallback xmlns:a14="http://schemas.microsoft.com/office/drawing/2010/main" xmlns:m="http://schemas.openxmlformats.org/officeDocument/2006/math" xmlns="">
+    <mc:Fallback xmlns="" xmlns:m="http://schemas.openxmlformats.org/officeDocument/2006/math" xmlns:a14="http://schemas.microsoft.com/office/drawing/2010/main">
       <p:transition spd="slow">
         <p:fade/>
       </p:transition>
@@ -21233,7 +21434,7 @@
           </a:ln>
           <a:extLst>
             <a:ext uri="{C572A759-6A51-4108-AA02-DFA0A04FC94B}">
-              <ma14:wrappingTextBoxFlag xmlns:ma14="http://schemas.microsoft.com/office/mac/drawingml/2011/main" xmlns:a14="http://schemas.microsoft.com/office/drawing/2010/main" xmlns:m="http://schemas.openxmlformats.org/officeDocument/2006/math" xmlns="" val="1"/>
+              <ma14:wrappingTextBoxFlag xmlns="" xmlns:m="http://schemas.openxmlformats.org/officeDocument/2006/math" xmlns:a14="http://schemas.microsoft.com/office/drawing/2010/main" xmlns:ma14="http://schemas.microsoft.com/office/mac/drawingml/2011/main" val="1"/>
             </a:ext>
           </a:extLst>
         </p:spPr>
@@ -21280,7 +21481,7 @@
           </a:ln>
           <a:extLst>
             <a:ext uri="{C572A759-6A51-4108-AA02-DFA0A04FC94B}">
-              <ma14:wrappingTextBoxFlag xmlns:ma14="http://schemas.microsoft.com/office/mac/drawingml/2011/main" xmlns:a14="http://schemas.microsoft.com/office/drawing/2010/main" xmlns:m="http://schemas.openxmlformats.org/officeDocument/2006/math" xmlns="" val="1"/>
+              <ma14:wrappingTextBoxFlag xmlns="" xmlns:m="http://schemas.openxmlformats.org/officeDocument/2006/math" xmlns:a14="http://schemas.microsoft.com/office/drawing/2010/main" xmlns:ma14="http://schemas.microsoft.com/office/mac/drawingml/2011/main" val="1"/>
             </a:ext>
           </a:extLst>
         </p:spPr>
@@ -21352,7 +21553,7 @@
           </a:ln>
           <a:extLst>
             <a:ext uri="{C572A759-6A51-4108-AA02-DFA0A04FC94B}">
-              <ma14:wrappingTextBoxFlag xmlns:ma14="http://schemas.microsoft.com/office/mac/drawingml/2011/main" xmlns:a14="http://schemas.microsoft.com/office/drawing/2010/main" xmlns:m="http://schemas.openxmlformats.org/officeDocument/2006/math" xmlns="" val="1"/>
+              <ma14:wrappingTextBoxFlag xmlns="" xmlns:m="http://schemas.openxmlformats.org/officeDocument/2006/math" xmlns:a14="http://schemas.microsoft.com/office/drawing/2010/main" xmlns:ma14="http://schemas.microsoft.com/office/mac/drawingml/2011/main" val="1"/>
             </a:ext>
           </a:extLst>
         </p:spPr>
@@ -21408,7 +21609,7 @@
           </a:ln>
           <a:extLst>
             <a:ext uri="{C572A759-6A51-4108-AA02-DFA0A04FC94B}">
-              <ma14:wrappingTextBoxFlag xmlns:ma14="http://schemas.microsoft.com/office/mac/drawingml/2011/main" xmlns:a14="http://schemas.microsoft.com/office/drawing/2010/main" xmlns:m="http://schemas.openxmlformats.org/officeDocument/2006/math" xmlns="" val="1"/>
+              <ma14:wrappingTextBoxFlag xmlns="" xmlns:m="http://schemas.openxmlformats.org/officeDocument/2006/math" xmlns:a14="http://schemas.microsoft.com/office/drawing/2010/main" xmlns:ma14="http://schemas.microsoft.com/office/mac/drawingml/2011/main" val="1"/>
             </a:ext>
           </a:extLst>
         </p:spPr>
@@ -21483,7 +21684,7 @@
         <p:fade thruBlk="1"/>
       </p:transition>
     </mc:Choice>
-    <mc:Fallback xmlns:a14="http://schemas.microsoft.com/office/drawing/2010/main" xmlns:m="http://schemas.openxmlformats.org/officeDocument/2006/math" xmlns="">
+    <mc:Fallback xmlns="" xmlns:m="http://schemas.openxmlformats.org/officeDocument/2006/math" xmlns:a14="http://schemas.microsoft.com/office/drawing/2010/main">
       <p:transition spd="slow">
         <p:fade/>
       </p:transition>
@@ -21604,7 +21805,7 @@
           </a:ln>
           <a:extLst>
             <a:ext uri="{C572A759-6A51-4108-AA02-DFA0A04FC94B}">
-              <ma14:wrappingTextBoxFlag xmlns:ma14="http://schemas.microsoft.com/office/mac/drawingml/2011/main" xmlns:a14="http://schemas.microsoft.com/office/drawing/2010/main" xmlns:m="http://schemas.openxmlformats.org/officeDocument/2006/math" xmlns="" val="1"/>
+              <ma14:wrappingTextBoxFlag xmlns="" xmlns:m="http://schemas.openxmlformats.org/officeDocument/2006/math" xmlns:a14="http://schemas.microsoft.com/office/drawing/2010/main" xmlns:ma14="http://schemas.microsoft.com/office/mac/drawingml/2011/main" val="1"/>
             </a:ext>
           </a:extLst>
         </p:spPr>
@@ -21675,7 +21876,7 @@
           </a:ln>
           <a:extLst>
             <a:ext uri="{C572A759-6A51-4108-AA02-DFA0A04FC94B}">
-              <ma14:wrappingTextBoxFlag xmlns:ma14="http://schemas.microsoft.com/office/mac/drawingml/2011/main" xmlns:a14="http://schemas.microsoft.com/office/drawing/2010/main" xmlns:m="http://schemas.openxmlformats.org/officeDocument/2006/math" xmlns="" val="1"/>
+              <ma14:wrappingTextBoxFlag xmlns="" xmlns:m="http://schemas.openxmlformats.org/officeDocument/2006/math" xmlns:a14="http://schemas.microsoft.com/office/drawing/2010/main" xmlns:ma14="http://schemas.microsoft.com/office/mac/drawingml/2011/main" val="1"/>
             </a:ext>
           </a:extLst>
         </p:spPr>
@@ -21719,7 +21920,7 @@
           </a:ln>
           <a:extLst>
             <a:ext uri="{C572A759-6A51-4108-AA02-DFA0A04FC94B}">
-              <ma14:wrappingTextBoxFlag xmlns:ma14="http://schemas.microsoft.com/office/mac/drawingml/2011/main" xmlns:a14="http://schemas.microsoft.com/office/drawing/2010/main" xmlns:m="http://schemas.openxmlformats.org/officeDocument/2006/math" xmlns="" val="1"/>
+              <ma14:wrappingTextBoxFlag xmlns="" xmlns:m="http://schemas.openxmlformats.org/officeDocument/2006/math" xmlns:a14="http://schemas.microsoft.com/office/drawing/2010/main" xmlns:ma14="http://schemas.microsoft.com/office/mac/drawingml/2011/main" val="1"/>
             </a:ext>
           </a:extLst>
         </p:spPr>
@@ -21923,7 +22124,7 @@
         <p:fade thruBlk="1"/>
       </p:transition>
     </mc:Choice>
-    <mc:Fallback xmlns:a14="http://schemas.microsoft.com/office/drawing/2010/main" xmlns:m="http://schemas.openxmlformats.org/officeDocument/2006/math" xmlns="">
+    <mc:Fallback xmlns="" xmlns:m="http://schemas.openxmlformats.org/officeDocument/2006/math" xmlns:a14="http://schemas.microsoft.com/office/drawing/2010/main">
       <p:transition spd="slow">
         <p:fade/>
       </p:transition>
@@ -22044,7 +22245,7 @@
           </a:ln>
           <a:extLst>
             <a:ext uri="{C572A759-6A51-4108-AA02-DFA0A04FC94B}">
-              <ma14:wrappingTextBoxFlag xmlns:ma14="http://schemas.microsoft.com/office/mac/drawingml/2011/main" xmlns:a14="http://schemas.microsoft.com/office/drawing/2010/main" xmlns:m="http://schemas.openxmlformats.org/officeDocument/2006/math" xmlns="" val="1"/>
+              <ma14:wrappingTextBoxFlag xmlns="" xmlns:m="http://schemas.openxmlformats.org/officeDocument/2006/math" xmlns:a14="http://schemas.microsoft.com/office/drawing/2010/main" xmlns:ma14="http://schemas.microsoft.com/office/mac/drawingml/2011/main" val="1"/>
             </a:ext>
           </a:extLst>
         </p:spPr>
@@ -22115,7 +22316,7 @@
           </a:ln>
           <a:extLst>
             <a:ext uri="{C572A759-6A51-4108-AA02-DFA0A04FC94B}">
-              <ma14:wrappingTextBoxFlag xmlns:ma14="http://schemas.microsoft.com/office/mac/drawingml/2011/main" xmlns:a14="http://schemas.microsoft.com/office/drawing/2010/main" xmlns:m="http://schemas.openxmlformats.org/officeDocument/2006/math" xmlns="" val="1"/>
+              <ma14:wrappingTextBoxFlag xmlns="" xmlns:m="http://schemas.openxmlformats.org/officeDocument/2006/math" xmlns:a14="http://schemas.microsoft.com/office/drawing/2010/main" xmlns:ma14="http://schemas.microsoft.com/office/mac/drawingml/2011/main" val="1"/>
             </a:ext>
           </a:extLst>
         </p:spPr>
@@ -22159,7 +22360,7 @@
           </a:ln>
           <a:extLst>
             <a:ext uri="{C572A759-6A51-4108-AA02-DFA0A04FC94B}">
-              <ma14:wrappingTextBoxFlag xmlns:ma14="http://schemas.microsoft.com/office/mac/drawingml/2011/main" xmlns:a14="http://schemas.microsoft.com/office/drawing/2010/main" xmlns:m="http://schemas.openxmlformats.org/officeDocument/2006/math" xmlns="" val="1"/>
+              <ma14:wrappingTextBoxFlag xmlns="" xmlns:m="http://schemas.openxmlformats.org/officeDocument/2006/math" xmlns:a14="http://schemas.microsoft.com/office/drawing/2010/main" xmlns:ma14="http://schemas.microsoft.com/office/mac/drawingml/2011/main" val="1"/>
             </a:ext>
           </a:extLst>
         </p:spPr>
@@ -22294,7 +22495,7 @@
         <p:fade thruBlk="1"/>
       </p:transition>
     </mc:Choice>
-    <mc:Fallback xmlns:a14="http://schemas.microsoft.com/office/drawing/2010/main" xmlns:m="http://schemas.openxmlformats.org/officeDocument/2006/math" xmlns="">
+    <mc:Fallback xmlns="" xmlns:m="http://schemas.openxmlformats.org/officeDocument/2006/math" xmlns:a14="http://schemas.microsoft.com/office/drawing/2010/main">
       <p:transition spd="slow">
         <p:fade/>
       </p:transition>
@@ -22415,7 +22616,7 @@
           </a:ln>
           <a:extLst>
             <a:ext uri="{C572A759-6A51-4108-AA02-DFA0A04FC94B}">
-              <ma14:wrappingTextBoxFlag xmlns:ma14="http://schemas.microsoft.com/office/mac/drawingml/2011/main" xmlns:a14="http://schemas.microsoft.com/office/drawing/2010/main" xmlns:m="http://schemas.openxmlformats.org/officeDocument/2006/math" xmlns="" val="1"/>
+              <ma14:wrappingTextBoxFlag xmlns="" xmlns:m="http://schemas.openxmlformats.org/officeDocument/2006/math" xmlns:a14="http://schemas.microsoft.com/office/drawing/2010/main" xmlns:ma14="http://schemas.microsoft.com/office/mac/drawingml/2011/main" val="1"/>
             </a:ext>
           </a:extLst>
         </p:spPr>
@@ -22486,7 +22687,7 @@
           </a:ln>
           <a:extLst>
             <a:ext uri="{C572A759-6A51-4108-AA02-DFA0A04FC94B}">
-              <ma14:wrappingTextBoxFlag xmlns:ma14="http://schemas.microsoft.com/office/mac/drawingml/2011/main" xmlns:a14="http://schemas.microsoft.com/office/drawing/2010/main" xmlns:m="http://schemas.openxmlformats.org/officeDocument/2006/math" xmlns="" val="1"/>
+              <ma14:wrappingTextBoxFlag xmlns="" xmlns:m="http://schemas.openxmlformats.org/officeDocument/2006/math" xmlns:a14="http://schemas.microsoft.com/office/drawing/2010/main" xmlns:ma14="http://schemas.microsoft.com/office/mac/drawingml/2011/main" val="1"/>
             </a:ext>
           </a:extLst>
         </p:spPr>
@@ -22530,7 +22731,7 @@
           </a:ln>
           <a:extLst>
             <a:ext uri="{C572A759-6A51-4108-AA02-DFA0A04FC94B}">
-              <ma14:wrappingTextBoxFlag xmlns:ma14="http://schemas.microsoft.com/office/mac/drawingml/2011/main" xmlns:a14="http://schemas.microsoft.com/office/drawing/2010/main" xmlns:m="http://schemas.openxmlformats.org/officeDocument/2006/math" xmlns="" val="1"/>
+              <ma14:wrappingTextBoxFlag xmlns="" xmlns:m="http://schemas.openxmlformats.org/officeDocument/2006/math" xmlns:a14="http://schemas.microsoft.com/office/drawing/2010/main" xmlns:ma14="http://schemas.microsoft.com/office/mac/drawingml/2011/main" val="1"/>
             </a:ext>
           </a:extLst>
         </p:spPr>
@@ -22612,7 +22813,7 @@
         <p:fade thruBlk="1"/>
       </p:transition>
     </mc:Choice>
-    <mc:Fallback xmlns:a14="http://schemas.microsoft.com/office/drawing/2010/main" xmlns:m="http://schemas.openxmlformats.org/officeDocument/2006/math" xmlns="">
+    <mc:Fallback xmlns="" xmlns:m="http://schemas.openxmlformats.org/officeDocument/2006/math" xmlns:a14="http://schemas.microsoft.com/office/drawing/2010/main">
       <p:transition spd="slow">
         <p:fade/>
       </p:transition>
@@ -22733,7 +22934,7 @@
           </a:ln>
           <a:extLst>
             <a:ext uri="{C572A759-6A51-4108-AA02-DFA0A04FC94B}">
-              <ma14:wrappingTextBoxFlag xmlns:ma14="http://schemas.microsoft.com/office/mac/drawingml/2011/main" xmlns:a14="http://schemas.microsoft.com/office/drawing/2010/main" xmlns:m="http://schemas.openxmlformats.org/officeDocument/2006/math" xmlns="" val="1"/>
+              <ma14:wrappingTextBoxFlag xmlns="" xmlns:m="http://schemas.openxmlformats.org/officeDocument/2006/math" xmlns:a14="http://schemas.microsoft.com/office/drawing/2010/main" xmlns:ma14="http://schemas.microsoft.com/office/mac/drawingml/2011/main" val="1"/>
             </a:ext>
           </a:extLst>
         </p:spPr>
@@ -22804,7 +23005,7 @@
           </a:ln>
           <a:extLst>
             <a:ext uri="{C572A759-6A51-4108-AA02-DFA0A04FC94B}">
-              <ma14:wrappingTextBoxFlag xmlns:ma14="http://schemas.microsoft.com/office/mac/drawingml/2011/main" xmlns:a14="http://schemas.microsoft.com/office/drawing/2010/main" xmlns:m="http://schemas.openxmlformats.org/officeDocument/2006/math" xmlns="" val="1"/>
+              <ma14:wrappingTextBoxFlag xmlns="" xmlns:m="http://schemas.openxmlformats.org/officeDocument/2006/math" xmlns:a14="http://schemas.microsoft.com/office/drawing/2010/main" xmlns:ma14="http://schemas.microsoft.com/office/mac/drawingml/2011/main" val="1"/>
             </a:ext>
           </a:extLst>
         </p:spPr>
@@ -23026,7 +23227,7 @@
         <p:fade thruBlk="1"/>
       </p:transition>
     </mc:Choice>
-    <mc:Fallback xmlns:a14="http://schemas.microsoft.com/office/drawing/2010/main" xmlns:m="http://schemas.openxmlformats.org/officeDocument/2006/math" xmlns="">
+    <mc:Fallback xmlns="" xmlns:m="http://schemas.openxmlformats.org/officeDocument/2006/math" xmlns:a14="http://schemas.microsoft.com/office/drawing/2010/main">
       <p:transition spd="slow">
         <p:fade/>
       </p:transition>
@@ -23147,7 +23348,7 @@
           </a:ln>
           <a:extLst>
             <a:ext uri="{C572A759-6A51-4108-AA02-DFA0A04FC94B}">
-              <ma14:wrappingTextBoxFlag xmlns:ma14="http://schemas.microsoft.com/office/mac/drawingml/2011/main" xmlns:a14="http://schemas.microsoft.com/office/drawing/2010/main" xmlns:m="http://schemas.openxmlformats.org/officeDocument/2006/math" xmlns="" val="1"/>
+              <ma14:wrappingTextBoxFlag xmlns="" xmlns:m="http://schemas.openxmlformats.org/officeDocument/2006/math" xmlns:a14="http://schemas.microsoft.com/office/drawing/2010/main" xmlns:ma14="http://schemas.microsoft.com/office/mac/drawingml/2011/main" val="1"/>
             </a:ext>
           </a:extLst>
         </p:spPr>
@@ -23218,7 +23419,7 @@
           </a:ln>
           <a:extLst>
             <a:ext uri="{C572A759-6A51-4108-AA02-DFA0A04FC94B}">
-              <ma14:wrappingTextBoxFlag xmlns:ma14="http://schemas.microsoft.com/office/mac/drawingml/2011/main" xmlns:a14="http://schemas.microsoft.com/office/drawing/2010/main" xmlns:m="http://schemas.openxmlformats.org/officeDocument/2006/math" xmlns="" val="1"/>
+              <ma14:wrappingTextBoxFlag xmlns="" xmlns:m="http://schemas.openxmlformats.org/officeDocument/2006/math" xmlns:a14="http://schemas.microsoft.com/office/drawing/2010/main" xmlns:ma14="http://schemas.microsoft.com/office/mac/drawingml/2011/main" val="1"/>
             </a:ext>
           </a:extLst>
         </p:spPr>
@@ -23264,7 +23465,7 @@
           </a:ln>
           <a:extLst>
             <a:ext uri="{C572A759-6A51-4108-AA02-DFA0A04FC94B}">
-              <ma14:wrappingTextBoxFlag xmlns:ma14="http://schemas.microsoft.com/office/mac/drawingml/2011/main" xmlns:a14="http://schemas.microsoft.com/office/drawing/2010/main" xmlns:m="http://schemas.openxmlformats.org/officeDocument/2006/math" xmlns="" val="1"/>
+              <ma14:wrappingTextBoxFlag xmlns="" xmlns:m="http://schemas.openxmlformats.org/officeDocument/2006/math" xmlns:a14="http://schemas.microsoft.com/office/drawing/2010/main" xmlns:ma14="http://schemas.microsoft.com/office/mac/drawingml/2011/main" val="1"/>
             </a:ext>
           </a:extLst>
         </p:spPr>
@@ -23360,7 +23561,7 @@
         <p:fade thruBlk="1"/>
       </p:transition>
     </mc:Choice>
-    <mc:Fallback xmlns:a14="http://schemas.microsoft.com/office/drawing/2010/main" xmlns:m="http://schemas.openxmlformats.org/officeDocument/2006/math" xmlns="">
+    <mc:Fallback xmlns="" xmlns:m="http://schemas.openxmlformats.org/officeDocument/2006/math" xmlns:a14="http://schemas.microsoft.com/office/drawing/2010/main">
       <p:transition spd="slow">
         <p:fade/>
       </p:transition>
@@ -23481,7 +23682,7 @@
           </a:ln>
           <a:extLst>
             <a:ext uri="{C572A759-6A51-4108-AA02-DFA0A04FC94B}">
-              <ma14:wrappingTextBoxFlag xmlns:ma14="http://schemas.microsoft.com/office/mac/drawingml/2011/main" xmlns:a14="http://schemas.microsoft.com/office/drawing/2010/main" xmlns:m="http://schemas.openxmlformats.org/officeDocument/2006/math" xmlns="" val="1"/>
+              <ma14:wrappingTextBoxFlag xmlns="" xmlns:m="http://schemas.openxmlformats.org/officeDocument/2006/math" xmlns:a14="http://schemas.microsoft.com/office/drawing/2010/main" xmlns:ma14="http://schemas.microsoft.com/office/mac/drawingml/2011/main" val="1"/>
             </a:ext>
           </a:extLst>
         </p:spPr>
@@ -23552,7 +23753,7 @@
           </a:ln>
           <a:extLst>
             <a:ext uri="{C572A759-6A51-4108-AA02-DFA0A04FC94B}">
-              <ma14:wrappingTextBoxFlag xmlns:ma14="http://schemas.microsoft.com/office/mac/drawingml/2011/main" xmlns:a14="http://schemas.microsoft.com/office/drawing/2010/main" xmlns:m="http://schemas.openxmlformats.org/officeDocument/2006/math" xmlns="" val="1"/>
+              <ma14:wrappingTextBoxFlag xmlns="" xmlns:m="http://schemas.openxmlformats.org/officeDocument/2006/math" xmlns:a14="http://schemas.microsoft.com/office/drawing/2010/main" xmlns:ma14="http://schemas.microsoft.com/office/mac/drawingml/2011/main" val="1"/>
             </a:ext>
           </a:extLst>
         </p:spPr>
@@ -23596,7 +23797,7 @@
           </a:ln>
           <a:extLst>
             <a:ext uri="{C572A759-6A51-4108-AA02-DFA0A04FC94B}">
-              <ma14:wrappingTextBoxFlag xmlns:ma14="http://schemas.microsoft.com/office/mac/drawingml/2011/main" xmlns:a14="http://schemas.microsoft.com/office/drawing/2010/main" xmlns:m="http://schemas.openxmlformats.org/officeDocument/2006/math" xmlns="" val="1"/>
+              <ma14:wrappingTextBoxFlag xmlns="" xmlns:m="http://schemas.openxmlformats.org/officeDocument/2006/math" xmlns:a14="http://schemas.microsoft.com/office/drawing/2010/main" xmlns:ma14="http://schemas.microsoft.com/office/mac/drawingml/2011/main" val="1"/>
             </a:ext>
           </a:extLst>
         </p:spPr>
@@ -24249,7 +24450,7 @@
         <p:fade thruBlk="1"/>
       </p:transition>
     </mc:Choice>
-    <mc:Fallback xmlns:a14="http://schemas.microsoft.com/office/drawing/2010/main" xmlns:m="http://schemas.openxmlformats.org/officeDocument/2006/math" xmlns="">
+    <mc:Fallback xmlns="" xmlns:m="http://schemas.openxmlformats.org/officeDocument/2006/math" xmlns:a14="http://schemas.microsoft.com/office/drawing/2010/main">
       <p:transition spd="slow">
         <p:fade/>
       </p:transition>
@@ -24370,7 +24571,7 @@
           </a:ln>
           <a:extLst>
             <a:ext uri="{C572A759-6A51-4108-AA02-DFA0A04FC94B}">
-              <ma14:wrappingTextBoxFlag xmlns:ma14="http://schemas.microsoft.com/office/mac/drawingml/2011/main" xmlns:a14="http://schemas.microsoft.com/office/drawing/2010/main" xmlns:m="http://schemas.openxmlformats.org/officeDocument/2006/math" xmlns="" val="1"/>
+              <ma14:wrappingTextBoxFlag xmlns="" xmlns:m="http://schemas.openxmlformats.org/officeDocument/2006/math" xmlns:a14="http://schemas.microsoft.com/office/drawing/2010/main" xmlns:ma14="http://schemas.microsoft.com/office/mac/drawingml/2011/main" val="1"/>
             </a:ext>
           </a:extLst>
         </p:spPr>
@@ -24441,7 +24642,7 @@
           </a:ln>
           <a:extLst>
             <a:ext uri="{C572A759-6A51-4108-AA02-DFA0A04FC94B}">
-              <ma14:wrappingTextBoxFlag xmlns:ma14="http://schemas.microsoft.com/office/mac/drawingml/2011/main" xmlns:a14="http://schemas.microsoft.com/office/drawing/2010/main" xmlns:m="http://schemas.openxmlformats.org/officeDocument/2006/math" xmlns="" val="1"/>
+              <ma14:wrappingTextBoxFlag xmlns="" xmlns:m="http://schemas.openxmlformats.org/officeDocument/2006/math" xmlns:a14="http://schemas.microsoft.com/office/drawing/2010/main" xmlns:ma14="http://schemas.microsoft.com/office/mac/drawingml/2011/main" val="1"/>
             </a:ext>
           </a:extLst>
         </p:spPr>
@@ -24487,7 +24688,7 @@
           </a:ln>
           <a:extLst>
             <a:ext uri="{C572A759-6A51-4108-AA02-DFA0A04FC94B}">
-              <ma14:wrappingTextBoxFlag xmlns:ma14="http://schemas.microsoft.com/office/mac/drawingml/2011/main" xmlns:a14="http://schemas.microsoft.com/office/drawing/2010/main" xmlns:m="http://schemas.openxmlformats.org/officeDocument/2006/math" xmlns="" val="1"/>
+              <ma14:wrappingTextBoxFlag xmlns="" xmlns:m="http://schemas.openxmlformats.org/officeDocument/2006/math" xmlns:a14="http://schemas.microsoft.com/office/drawing/2010/main" xmlns:ma14="http://schemas.microsoft.com/office/mac/drawingml/2011/main" val="1"/>
             </a:ext>
           </a:extLst>
         </p:spPr>
@@ -24607,7 +24808,7 @@
         <p:fade thruBlk="1"/>
       </p:transition>
     </mc:Choice>
-    <mc:Fallback xmlns:a14="http://schemas.microsoft.com/office/drawing/2010/main" xmlns:m="http://schemas.openxmlformats.org/officeDocument/2006/math" xmlns="">
+    <mc:Fallback xmlns="" xmlns:m="http://schemas.openxmlformats.org/officeDocument/2006/math" xmlns:a14="http://schemas.microsoft.com/office/drawing/2010/main">
       <p:transition spd="slow">
         <p:fade/>
       </p:transition>
@@ -24728,7 +24929,7 @@
           </a:ln>
           <a:extLst>
             <a:ext uri="{C572A759-6A51-4108-AA02-DFA0A04FC94B}">
-              <ma14:wrappingTextBoxFlag xmlns:ma14="http://schemas.microsoft.com/office/mac/drawingml/2011/main" xmlns:a14="http://schemas.microsoft.com/office/drawing/2010/main" xmlns:m="http://schemas.openxmlformats.org/officeDocument/2006/math" xmlns="" val="1"/>
+              <ma14:wrappingTextBoxFlag xmlns="" xmlns:m="http://schemas.openxmlformats.org/officeDocument/2006/math" xmlns:a14="http://schemas.microsoft.com/office/drawing/2010/main" xmlns:ma14="http://schemas.microsoft.com/office/mac/drawingml/2011/main" val="1"/>
             </a:ext>
           </a:extLst>
         </p:spPr>
@@ -24799,7 +25000,7 @@
           </a:ln>
           <a:extLst>
             <a:ext uri="{C572A759-6A51-4108-AA02-DFA0A04FC94B}">
-              <ma14:wrappingTextBoxFlag xmlns:ma14="http://schemas.microsoft.com/office/mac/drawingml/2011/main" xmlns:a14="http://schemas.microsoft.com/office/drawing/2010/main" xmlns:m="http://schemas.openxmlformats.org/officeDocument/2006/math" xmlns="" val="1"/>
+              <ma14:wrappingTextBoxFlag xmlns="" xmlns:m="http://schemas.openxmlformats.org/officeDocument/2006/math" xmlns:a14="http://schemas.microsoft.com/office/drawing/2010/main" xmlns:ma14="http://schemas.microsoft.com/office/mac/drawingml/2011/main" val="1"/>
             </a:ext>
           </a:extLst>
         </p:spPr>
@@ -24845,7 +25046,7 @@
           </a:ln>
           <a:extLst>
             <a:ext uri="{C572A759-6A51-4108-AA02-DFA0A04FC94B}">
-              <ma14:wrappingTextBoxFlag xmlns:ma14="http://schemas.microsoft.com/office/mac/drawingml/2011/main" xmlns:a14="http://schemas.microsoft.com/office/drawing/2010/main" xmlns:m="http://schemas.openxmlformats.org/officeDocument/2006/math" xmlns="" val="1"/>
+              <ma14:wrappingTextBoxFlag xmlns="" xmlns:m="http://schemas.openxmlformats.org/officeDocument/2006/math" xmlns:a14="http://schemas.microsoft.com/office/drawing/2010/main" xmlns:ma14="http://schemas.microsoft.com/office/mac/drawingml/2011/main" val="1"/>
             </a:ext>
           </a:extLst>
         </p:spPr>
@@ -24916,7 +25117,7 @@
         <p:fade thruBlk="1"/>
       </p:transition>
     </mc:Choice>
-    <mc:Fallback xmlns:a14="http://schemas.microsoft.com/office/drawing/2010/main" xmlns:m="http://schemas.openxmlformats.org/officeDocument/2006/math" xmlns="">
+    <mc:Fallback xmlns="" xmlns:m="http://schemas.openxmlformats.org/officeDocument/2006/math" xmlns:a14="http://schemas.microsoft.com/office/drawing/2010/main">
       <p:transition spd="slow">
         <p:fade/>
       </p:transition>
@@ -25037,7 +25238,7 @@
           </a:ln>
           <a:extLst>
             <a:ext uri="{C572A759-6A51-4108-AA02-DFA0A04FC94B}">
-              <ma14:wrappingTextBoxFlag xmlns:ma14="http://schemas.microsoft.com/office/mac/drawingml/2011/main" xmlns:a14="http://schemas.microsoft.com/office/drawing/2010/main" xmlns:m="http://schemas.openxmlformats.org/officeDocument/2006/math" xmlns="" val="1"/>
+              <ma14:wrappingTextBoxFlag xmlns="" xmlns:m="http://schemas.openxmlformats.org/officeDocument/2006/math" xmlns:a14="http://schemas.microsoft.com/office/drawing/2010/main" xmlns:ma14="http://schemas.microsoft.com/office/mac/drawingml/2011/main" val="1"/>
             </a:ext>
           </a:extLst>
         </p:spPr>
@@ -25108,7 +25309,7 @@
           </a:ln>
           <a:extLst>
             <a:ext uri="{C572A759-6A51-4108-AA02-DFA0A04FC94B}">
-              <ma14:wrappingTextBoxFlag xmlns:ma14="http://schemas.microsoft.com/office/mac/drawingml/2011/main" xmlns:a14="http://schemas.microsoft.com/office/drawing/2010/main" xmlns:m="http://schemas.openxmlformats.org/officeDocument/2006/math" xmlns="" val="1"/>
+              <ma14:wrappingTextBoxFlag xmlns="" xmlns:m="http://schemas.openxmlformats.org/officeDocument/2006/math" xmlns:a14="http://schemas.microsoft.com/office/drawing/2010/main" xmlns:ma14="http://schemas.microsoft.com/office/mac/drawingml/2011/main" val="1"/>
             </a:ext>
           </a:extLst>
         </p:spPr>
@@ -25154,7 +25355,7 @@
           </a:ln>
           <a:extLst>
             <a:ext uri="{C572A759-6A51-4108-AA02-DFA0A04FC94B}">
-              <ma14:wrappingTextBoxFlag xmlns:ma14="http://schemas.microsoft.com/office/mac/drawingml/2011/main" xmlns:a14="http://schemas.microsoft.com/office/drawing/2010/main" xmlns:m="http://schemas.openxmlformats.org/officeDocument/2006/math" xmlns="" val="1"/>
+              <ma14:wrappingTextBoxFlag xmlns="" xmlns:m="http://schemas.openxmlformats.org/officeDocument/2006/math" xmlns:a14="http://schemas.microsoft.com/office/drawing/2010/main" xmlns:ma14="http://schemas.microsoft.com/office/mac/drawingml/2011/main" val="1"/>
             </a:ext>
           </a:extLst>
         </p:spPr>
@@ -25285,7 +25486,7 @@
         <p:fade thruBlk="1"/>
       </p:transition>
     </mc:Choice>
-    <mc:Fallback xmlns:a14="http://schemas.microsoft.com/office/drawing/2010/main" xmlns:m="http://schemas.openxmlformats.org/officeDocument/2006/math" xmlns="">
+    <mc:Fallback xmlns="" xmlns:m="http://schemas.openxmlformats.org/officeDocument/2006/math" xmlns:a14="http://schemas.microsoft.com/office/drawing/2010/main">
       <p:transition spd="slow">
         <p:fade/>
       </p:transition>
@@ -25406,7 +25607,7 @@
           </a:ln>
           <a:extLst>
             <a:ext uri="{C572A759-6A51-4108-AA02-DFA0A04FC94B}">
-              <ma14:wrappingTextBoxFlag xmlns:ma14="http://schemas.microsoft.com/office/mac/drawingml/2011/main" xmlns:a14="http://schemas.microsoft.com/office/drawing/2010/main" xmlns:m="http://schemas.openxmlformats.org/officeDocument/2006/math" xmlns="" val="1"/>
+              <ma14:wrappingTextBoxFlag xmlns="" xmlns:m="http://schemas.openxmlformats.org/officeDocument/2006/math" xmlns:a14="http://schemas.microsoft.com/office/drawing/2010/main" xmlns:ma14="http://schemas.microsoft.com/office/mac/drawingml/2011/main" val="1"/>
             </a:ext>
           </a:extLst>
         </p:spPr>
@@ -25477,7 +25678,7 @@
           </a:ln>
           <a:extLst>
             <a:ext uri="{C572A759-6A51-4108-AA02-DFA0A04FC94B}">
-              <ma14:wrappingTextBoxFlag xmlns:ma14="http://schemas.microsoft.com/office/mac/drawingml/2011/main" xmlns:a14="http://schemas.microsoft.com/office/drawing/2010/main" xmlns:m="http://schemas.openxmlformats.org/officeDocument/2006/math" xmlns="" val="1"/>
+              <ma14:wrappingTextBoxFlag xmlns="" xmlns:m="http://schemas.openxmlformats.org/officeDocument/2006/math" xmlns:a14="http://schemas.microsoft.com/office/drawing/2010/main" xmlns:ma14="http://schemas.microsoft.com/office/mac/drawingml/2011/main" val="1"/>
             </a:ext>
           </a:extLst>
         </p:spPr>
@@ -25523,7 +25724,7 @@
           </a:ln>
           <a:extLst>
             <a:ext uri="{C572A759-6A51-4108-AA02-DFA0A04FC94B}">
-              <ma14:wrappingTextBoxFlag xmlns:ma14="http://schemas.microsoft.com/office/mac/drawingml/2011/main" xmlns:a14="http://schemas.microsoft.com/office/drawing/2010/main" xmlns:m="http://schemas.openxmlformats.org/officeDocument/2006/math" xmlns="" val="1"/>
+              <ma14:wrappingTextBoxFlag xmlns="" xmlns:m="http://schemas.openxmlformats.org/officeDocument/2006/math" xmlns:a14="http://schemas.microsoft.com/office/drawing/2010/main" xmlns:ma14="http://schemas.microsoft.com/office/mac/drawingml/2011/main" val="1"/>
             </a:ext>
           </a:extLst>
         </p:spPr>
@@ -25598,7 +25799,7 @@
           </a:ln>
           <a:extLst>
             <a:ext uri="{C572A759-6A51-4108-AA02-DFA0A04FC94B}">
-              <ma14:wrappingTextBoxFlag xmlns:ma14="http://schemas.microsoft.com/office/mac/drawingml/2011/main" xmlns:a14="http://schemas.microsoft.com/office/drawing/2010/main" xmlns:m="http://schemas.openxmlformats.org/officeDocument/2006/math" xmlns="" val="1"/>
+              <ma14:wrappingTextBoxFlag xmlns="" xmlns:m="http://schemas.openxmlformats.org/officeDocument/2006/math" xmlns:a14="http://schemas.microsoft.com/office/drawing/2010/main" xmlns:ma14="http://schemas.microsoft.com/office/mac/drawingml/2011/main" val="1"/>
             </a:ext>
           </a:extLst>
         </p:spPr>
@@ -25699,7 +25900,7 @@
         <p:fade thruBlk="1"/>
       </p:transition>
     </mc:Choice>
-    <mc:Fallback xmlns:a14="http://schemas.microsoft.com/office/drawing/2010/main" xmlns:m="http://schemas.openxmlformats.org/officeDocument/2006/math" xmlns="">
+    <mc:Fallback xmlns="" xmlns:m="http://schemas.openxmlformats.org/officeDocument/2006/math" xmlns:a14="http://schemas.microsoft.com/office/drawing/2010/main">
       <p:transition spd="slow">
         <p:fade/>
       </p:transition>
@@ -25820,7 +26021,7 @@
           </a:ln>
           <a:extLst>
             <a:ext uri="{C572A759-6A51-4108-AA02-DFA0A04FC94B}">
-              <ma14:wrappingTextBoxFlag xmlns:ma14="http://schemas.microsoft.com/office/mac/drawingml/2011/main" xmlns:a14="http://schemas.microsoft.com/office/drawing/2010/main" xmlns:m="http://schemas.openxmlformats.org/officeDocument/2006/math" xmlns="" val="1"/>
+              <ma14:wrappingTextBoxFlag xmlns="" xmlns:m="http://schemas.openxmlformats.org/officeDocument/2006/math" xmlns:a14="http://schemas.microsoft.com/office/drawing/2010/main" xmlns:ma14="http://schemas.microsoft.com/office/mac/drawingml/2011/main" val="1"/>
             </a:ext>
           </a:extLst>
         </p:spPr>
@@ -25891,7 +26092,7 @@
           </a:ln>
           <a:extLst>
             <a:ext uri="{C572A759-6A51-4108-AA02-DFA0A04FC94B}">
-              <ma14:wrappingTextBoxFlag xmlns:ma14="http://schemas.microsoft.com/office/mac/drawingml/2011/main" xmlns:a14="http://schemas.microsoft.com/office/drawing/2010/main" xmlns:m="http://schemas.openxmlformats.org/officeDocument/2006/math" xmlns="" val="1"/>
+              <ma14:wrappingTextBoxFlag xmlns="" xmlns:m="http://schemas.openxmlformats.org/officeDocument/2006/math" xmlns:a14="http://schemas.microsoft.com/office/drawing/2010/main" xmlns:ma14="http://schemas.microsoft.com/office/mac/drawingml/2011/main" val="1"/>
             </a:ext>
           </a:extLst>
         </p:spPr>
@@ -25935,7 +26136,7 @@
           </a:ln>
           <a:extLst>
             <a:ext uri="{C572A759-6A51-4108-AA02-DFA0A04FC94B}">
-              <ma14:wrappingTextBoxFlag xmlns:ma14="http://schemas.microsoft.com/office/mac/drawingml/2011/main" xmlns:a14="http://schemas.microsoft.com/office/drawing/2010/main" xmlns:m="http://schemas.openxmlformats.org/officeDocument/2006/math" xmlns="" val="1"/>
+              <ma14:wrappingTextBoxFlag xmlns="" xmlns:m="http://schemas.openxmlformats.org/officeDocument/2006/math" xmlns:a14="http://schemas.microsoft.com/office/drawing/2010/main" xmlns:ma14="http://schemas.microsoft.com/office/mac/drawingml/2011/main" val="1"/>
             </a:ext>
           </a:extLst>
         </p:spPr>
@@ -26090,7 +26291,7 @@
         <p:fade thruBlk="1"/>
       </p:transition>
     </mc:Choice>
-    <mc:Fallback xmlns:a14="http://schemas.microsoft.com/office/drawing/2010/main" xmlns:m="http://schemas.openxmlformats.org/officeDocument/2006/math" xmlns="">
+    <mc:Fallback xmlns="" xmlns:m="http://schemas.openxmlformats.org/officeDocument/2006/math" xmlns:a14="http://schemas.microsoft.com/office/drawing/2010/main">
       <p:transition spd="slow">
         <p:fade/>
       </p:transition>
@@ -26266,7 +26467,7 @@
           </a:ln>
           <a:extLst>
             <a:ext uri="{C572A759-6A51-4108-AA02-DFA0A04FC94B}">
-              <ma14:wrappingTextBoxFlag xmlns:ma14="http://schemas.microsoft.com/office/mac/drawingml/2011/main" xmlns:a14="http://schemas.microsoft.com/office/drawing/2010/main" xmlns:m="http://schemas.openxmlformats.org/officeDocument/2006/math" xmlns="" val="1"/>
+              <ma14:wrappingTextBoxFlag xmlns="" xmlns:m="http://schemas.openxmlformats.org/officeDocument/2006/math" xmlns:a14="http://schemas.microsoft.com/office/drawing/2010/main" xmlns:ma14="http://schemas.microsoft.com/office/mac/drawingml/2011/main" val="1"/>
             </a:ext>
           </a:extLst>
         </p:spPr>
@@ -26315,7 +26516,7 @@
           </a:ln>
           <a:extLst>
             <a:ext uri="{C572A759-6A51-4108-AA02-DFA0A04FC94B}">
-              <ma14:wrappingTextBoxFlag xmlns:ma14="http://schemas.microsoft.com/office/mac/drawingml/2011/main" xmlns:a14="http://schemas.microsoft.com/office/drawing/2010/main" xmlns:m="http://schemas.openxmlformats.org/officeDocument/2006/math" xmlns="" val="1"/>
+              <ma14:wrappingTextBoxFlag xmlns="" xmlns:m="http://schemas.openxmlformats.org/officeDocument/2006/math" xmlns:a14="http://schemas.microsoft.com/office/drawing/2010/main" xmlns:ma14="http://schemas.microsoft.com/office/mac/drawingml/2011/main" val="1"/>
             </a:ext>
           </a:extLst>
         </p:spPr>
@@ -26388,7 +26589,7 @@
           </a:ln>
           <a:extLst>
             <a:ext uri="{C572A759-6A51-4108-AA02-DFA0A04FC94B}">
-              <ma14:wrappingTextBoxFlag xmlns:ma14="http://schemas.microsoft.com/office/mac/drawingml/2011/main" xmlns:a14="http://schemas.microsoft.com/office/drawing/2010/main" xmlns:m="http://schemas.openxmlformats.org/officeDocument/2006/math" xmlns="" val="1"/>
+              <ma14:wrappingTextBoxFlag xmlns="" xmlns:m="http://schemas.openxmlformats.org/officeDocument/2006/math" xmlns:a14="http://schemas.microsoft.com/office/drawing/2010/main" xmlns:ma14="http://schemas.microsoft.com/office/mac/drawingml/2011/main" val="1"/>
             </a:ext>
           </a:extLst>
         </p:spPr>
@@ -26447,7 +26648,7 @@
           </a:ln>
           <a:extLst>
             <a:ext uri="{C572A759-6A51-4108-AA02-DFA0A04FC94B}">
-              <ma14:wrappingTextBoxFlag xmlns:ma14="http://schemas.microsoft.com/office/mac/drawingml/2011/main" xmlns:a14="http://schemas.microsoft.com/office/drawing/2010/main" xmlns:m="http://schemas.openxmlformats.org/officeDocument/2006/math" xmlns="" val="1"/>
+              <ma14:wrappingTextBoxFlag xmlns="" xmlns:m="http://schemas.openxmlformats.org/officeDocument/2006/math" xmlns:a14="http://schemas.microsoft.com/office/drawing/2010/main" xmlns:ma14="http://schemas.microsoft.com/office/mac/drawingml/2011/main" val="1"/>
             </a:ext>
           </a:extLst>
         </p:spPr>
@@ -26527,7 +26728,7 @@
         <p:fade thruBlk="1"/>
       </p:transition>
     </mc:Choice>
-    <mc:Fallback xmlns:a14="http://schemas.microsoft.com/office/drawing/2010/main" xmlns:m="http://schemas.openxmlformats.org/officeDocument/2006/math" xmlns="">
+    <mc:Fallback xmlns="" xmlns:m="http://schemas.openxmlformats.org/officeDocument/2006/math" xmlns:a14="http://schemas.microsoft.com/office/drawing/2010/main">
       <p:transition spd="slow">
         <p:fade/>
       </p:transition>
@@ -26648,7 +26849,7 @@
           </a:ln>
           <a:extLst>
             <a:ext uri="{C572A759-6A51-4108-AA02-DFA0A04FC94B}">
-              <ma14:wrappingTextBoxFlag xmlns:ma14="http://schemas.microsoft.com/office/mac/drawingml/2011/main" xmlns:a14="http://schemas.microsoft.com/office/drawing/2010/main" xmlns:m="http://schemas.openxmlformats.org/officeDocument/2006/math" xmlns="" val="1"/>
+              <ma14:wrappingTextBoxFlag xmlns="" xmlns:m="http://schemas.openxmlformats.org/officeDocument/2006/math" xmlns:a14="http://schemas.microsoft.com/office/drawing/2010/main" xmlns:ma14="http://schemas.microsoft.com/office/mac/drawingml/2011/main" val="1"/>
             </a:ext>
           </a:extLst>
         </p:spPr>
@@ -26719,7 +26920,7 @@
           </a:ln>
           <a:extLst>
             <a:ext uri="{C572A759-6A51-4108-AA02-DFA0A04FC94B}">
-              <ma14:wrappingTextBoxFlag xmlns:ma14="http://schemas.microsoft.com/office/mac/drawingml/2011/main" xmlns:a14="http://schemas.microsoft.com/office/drawing/2010/main" xmlns:m="http://schemas.openxmlformats.org/officeDocument/2006/math" xmlns="" val="1"/>
+              <ma14:wrappingTextBoxFlag xmlns="" xmlns:m="http://schemas.openxmlformats.org/officeDocument/2006/math" xmlns:a14="http://schemas.microsoft.com/office/drawing/2010/main" xmlns:ma14="http://schemas.microsoft.com/office/mac/drawingml/2011/main" val="1"/>
             </a:ext>
           </a:extLst>
         </p:spPr>
@@ -26763,7 +26964,7 @@
           </a:ln>
           <a:extLst>
             <a:ext uri="{C572A759-6A51-4108-AA02-DFA0A04FC94B}">
-              <ma14:wrappingTextBoxFlag xmlns:ma14="http://schemas.microsoft.com/office/mac/drawingml/2011/main" xmlns:a14="http://schemas.microsoft.com/office/drawing/2010/main" xmlns:m="http://schemas.openxmlformats.org/officeDocument/2006/math" xmlns="" val="1"/>
+              <ma14:wrappingTextBoxFlag xmlns="" xmlns:m="http://schemas.openxmlformats.org/officeDocument/2006/math" xmlns:a14="http://schemas.microsoft.com/office/drawing/2010/main" xmlns:ma14="http://schemas.microsoft.com/office/mac/drawingml/2011/main" val="1"/>
             </a:ext>
           </a:extLst>
         </p:spPr>
@@ -26972,7 +27173,7 @@
         <p:fade thruBlk="1"/>
       </p:transition>
     </mc:Choice>
-    <mc:Fallback xmlns:a14="http://schemas.microsoft.com/office/drawing/2010/main" xmlns:m="http://schemas.openxmlformats.org/officeDocument/2006/math" xmlns="">
+    <mc:Fallback xmlns="" xmlns:m="http://schemas.openxmlformats.org/officeDocument/2006/math" xmlns:a14="http://schemas.microsoft.com/office/drawing/2010/main">
       <p:transition spd="slow">
         <p:fade/>
       </p:transition>
@@ -27093,7 +27294,7 @@
           </a:ln>
           <a:extLst>
             <a:ext uri="{C572A759-6A51-4108-AA02-DFA0A04FC94B}">
-              <ma14:wrappingTextBoxFlag xmlns:ma14="http://schemas.microsoft.com/office/mac/drawingml/2011/main" xmlns:a14="http://schemas.microsoft.com/office/drawing/2010/main" xmlns:m="http://schemas.openxmlformats.org/officeDocument/2006/math" xmlns="" val="1"/>
+              <ma14:wrappingTextBoxFlag xmlns="" xmlns:m="http://schemas.openxmlformats.org/officeDocument/2006/math" xmlns:a14="http://schemas.microsoft.com/office/drawing/2010/main" xmlns:ma14="http://schemas.microsoft.com/office/mac/drawingml/2011/main" val="1"/>
             </a:ext>
           </a:extLst>
         </p:spPr>
@@ -27164,7 +27365,7 @@
           </a:ln>
           <a:extLst>
             <a:ext uri="{C572A759-6A51-4108-AA02-DFA0A04FC94B}">
-              <ma14:wrappingTextBoxFlag xmlns:ma14="http://schemas.microsoft.com/office/mac/drawingml/2011/main" xmlns:a14="http://schemas.microsoft.com/office/drawing/2010/main" xmlns:m="http://schemas.openxmlformats.org/officeDocument/2006/math" xmlns="" val="1"/>
+              <ma14:wrappingTextBoxFlag xmlns="" xmlns:m="http://schemas.openxmlformats.org/officeDocument/2006/math" xmlns:a14="http://schemas.microsoft.com/office/drawing/2010/main" xmlns:ma14="http://schemas.microsoft.com/office/mac/drawingml/2011/main" val="1"/>
             </a:ext>
           </a:extLst>
         </p:spPr>
@@ -27208,7 +27409,7 @@
           </a:ln>
           <a:extLst>
             <a:ext uri="{C572A759-6A51-4108-AA02-DFA0A04FC94B}">
-              <ma14:wrappingTextBoxFlag xmlns:ma14="http://schemas.microsoft.com/office/mac/drawingml/2011/main" xmlns:a14="http://schemas.microsoft.com/office/drawing/2010/main" xmlns:m="http://schemas.openxmlformats.org/officeDocument/2006/math" xmlns="" val="1"/>
+              <ma14:wrappingTextBoxFlag xmlns="" xmlns:m="http://schemas.openxmlformats.org/officeDocument/2006/math" xmlns:a14="http://schemas.microsoft.com/office/drawing/2010/main" xmlns:ma14="http://schemas.microsoft.com/office/mac/drawingml/2011/main" val="1"/>
             </a:ext>
           </a:extLst>
         </p:spPr>
@@ -27368,7 +27569,7 @@
         <p:fade thruBlk="1"/>
       </p:transition>
     </mc:Choice>
-    <mc:Fallback xmlns:a14="http://schemas.microsoft.com/office/drawing/2010/main" xmlns:m="http://schemas.openxmlformats.org/officeDocument/2006/math" xmlns="">
+    <mc:Fallback xmlns="" xmlns:m="http://schemas.openxmlformats.org/officeDocument/2006/math" xmlns:a14="http://schemas.microsoft.com/office/drawing/2010/main">
       <p:transition spd="slow">
         <p:fade/>
       </p:transition>
@@ -27489,7 +27690,7 @@
           </a:ln>
           <a:extLst>
             <a:ext uri="{C572A759-6A51-4108-AA02-DFA0A04FC94B}">
-              <ma14:wrappingTextBoxFlag xmlns:ma14="http://schemas.microsoft.com/office/mac/drawingml/2011/main" xmlns:a14="http://schemas.microsoft.com/office/drawing/2010/main" xmlns:m="http://schemas.openxmlformats.org/officeDocument/2006/math" xmlns="" val="1"/>
+              <ma14:wrappingTextBoxFlag xmlns="" xmlns:m="http://schemas.openxmlformats.org/officeDocument/2006/math" xmlns:a14="http://schemas.microsoft.com/office/drawing/2010/main" xmlns:ma14="http://schemas.microsoft.com/office/mac/drawingml/2011/main" val="1"/>
             </a:ext>
           </a:extLst>
         </p:spPr>
@@ -27560,7 +27761,7 @@
           </a:ln>
           <a:extLst>
             <a:ext uri="{C572A759-6A51-4108-AA02-DFA0A04FC94B}">
-              <ma14:wrappingTextBoxFlag xmlns:ma14="http://schemas.microsoft.com/office/mac/drawingml/2011/main" xmlns:a14="http://schemas.microsoft.com/office/drawing/2010/main" xmlns:m="http://schemas.openxmlformats.org/officeDocument/2006/math" xmlns="" val="1"/>
+              <ma14:wrappingTextBoxFlag xmlns="" xmlns:m="http://schemas.openxmlformats.org/officeDocument/2006/math" xmlns:a14="http://schemas.microsoft.com/office/drawing/2010/main" xmlns:ma14="http://schemas.microsoft.com/office/mac/drawingml/2011/main" val="1"/>
             </a:ext>
           </a:extLst>
         </p:spPr>
@@ -27612,7 +27813,7 @@
           </a:ln>
           <a:extLst>
             <a:ext uri="{C572A759-6A51-4108-AA02-DFA0A04FC94B}">
-              <ma14:wrappingTextBoxFlag xmlns:ma14="http://schemas.microsoft.com/office/mac/drawingml/2011/main" xmlns:a14="http://schemas.microsoft.com/office/drawing/2010/main" xmlns:m="http://schemas.openxmlformats.org/officeDocument/2006/math" xmlns="" val="1"/>
+              <ma14:wrappingTextBoxFlag xmlns="" xmlns:m="http://schemas.openxmlformats.org/officeDocument/2006/math" xmlns:a14="http://schemas.microsoft.com/office/drawing/2010/main" xmlns:ma14="http://schemas.microsoft.com/office/mac/drawingml/2011/main" val="1"/>
             </a:ext>
           </a:extLst>
         </p:spPr>
@@ -27704,7 +27905,7 @@
           </a:ln>
           <a:extLst>
             <a:ext uri="{C572A759-6A51-4108-AA02-DFA0A04FC94B}">
-              <ma14:wrappingTextBoxFlag xmlns:ma14="http://schemas.microsoft.com/office/mac/drawingml/2011/main" xmlns:a14="http://schemas.microsoft.com/office/drawing/2010/main" xmlns:m="http://schemas.openxmlformats.org/officeDocument/2006/math" xmlns="" val="1"/>
+              <ma14:wrappingTextBoxFlag xmlns="" xmlns:m="http://schemas.openxmlformats.org/officeDocument/2006/math" xmlns:a14="http://schemas.microsoft.com/office/drawing/2010/main" xmlns:ma14="http://schemas.microsoft.com/office/mac/drawingml/2011/main" val="1"/>
             </a:ext>
           </a:extLst>
         </p:spPr>
@@ -27778,7 +27979,7 @@
         <p:fade thruBlk="1"/>
       </p:transition>
     </mc:Choice>
-    <mc:Fallback xmlns:a14="http://schemas.microsoft.com/office/drawing/2010/main" xmlns:m="http://schemas.openxmlformats.org/officeDocument/2006/math" xmlns="">
+    <mc:Fallback xmlns="" xmlns:m="http://schemas.openxmlformats.org/officeDocument/2006/math" xmlns:a14="http://schemas.microsoft.com/office/drawing/2010/main">
       <p:transition spd="slow">
         <p:fade/>
       </p:transition>
@@ -27899,7 +28100,7 @@
           </a:ln>
           <a:extLst>
             <a:ext uri="{C572A759-6A51-4108-AA02-DFA0A04FC94B}">
-              <ma14:wrappingTextBoxFlag xmlns:ma14="http://schemas.microsoft.com/office/mac/drawingml/2011/main" xmlns:a14="http://schemas.microsoft.com/office/drawing/2010/main" xmlns:m="http://schemas.openxmlformats.org/officeDocument/2006/math" xmlns="" val="1"/>
+              <ma14:wrappingTextBoxFlag xmlns="" xmlns:m="http://schemas.openxmlformats.org/officeDocument/2006/math" xmlns:a14="http://schemas.microsoft.com/office/drawing/2010/main" xmlns:ma14="http://schemas.microsoft.com/office/mac/drawingml/2011/main" val="1"/>
             </a:ext>
           </a:extLst>
         </p:spPr>
@@ -27970,7 +28171,7 @@
           </a:ln>
           <a:extLst>
             <a:ext uri="{C572A759-6A51-4108-AA02-DFA0A04FC94B}">
-              <ma14:wrappingTextBoxFlag xmlns:ma14="http://schemas.microsoft.com/office/mac/drawingml/2011/main" xmlns:a14="http://schemas.microsoft.com/office/drawing/2010/main" xmlns:m="http://schemas.openxmlformats.org/officeDocument/2006/math" xmlns="" val="1"/>
+              <ma14:wrappingTextBoxFlag xmlns="" xmlns:m="http://schemas.openxmlformats.org/officeDocument/2006/math" xmlns:a14="http://schemas.microsoft.com/office/drawing/2010/main" xmlns:ma14="http://schemas.microsoft.com/office/mac/drawingml/2011/main" val="1"/>
             </a:ext>
           </a:extLst>
         </p:spPr>
@@ -28026,7 +28227,7 @@
           </a:ln>
           <a:extLst>
             <a:ext uri="{C572A759-6A51-4108-AA02-DFA0A04FC94B}">
-              <ma14:wrappingTextBoxFlag xmlns:ma14="http://schemas.microsoft.com/office/mac/drawingml/2011/main" xmlns:a14="http://schemas.microsoft.com/office/drawing/2010/main" xmlns:m="http://schemas.openxmlformats.org/officeDocument/2006/math" xmlns="" val="1"/>
+              <ma14:wrappingTextBoxFlag xmlns="" xmlns:m="http://schemas.openxmlformats.org/officeDocument/2006/math" xmlns:a14="http://schemas.microsoft.com/office/drawing/2010/main" xmlns:ma14="http://schemas.microsoft.com/office/mac/drawingml/2011/main" val="1"/>
             </a:ext>
           </a:extLst>
         </p:spPr>
@@ -28196,7 +28397,7 @@
           </a:ln>
           <a:extLst>
             <a:ext uri="{C572A759-6A51-4108-AA02-DFA0A04FC94B}">
-              <ma14:wrappingTextBoxFlag xmlns:ma14="http://schemas.microsoft.com/office/mac/drawingml/2011/main" xmlns:a14="http://schemas.microsoft.com/office/drawing/2010/main" xmlns:m="http://schemas.openxmlformats.org/officeDocument/2006/math" xmlns="" val="1"/>
+              <ma14:wrappingTextBoxFlag xmlns="" xmlns:m="http://schemas.openxmlformats.org/officeDocument/2006/math" xmlns:a14="http://schemas.microsoft.com/office/drawing/2010/main" xmlns:ma14="http://schemas.microsoft.com/office/mac/drawingml/2011/main" val="1"/>
             </a:ext>
           </a:extLst>
         </p:spPr>
@@ -28267,7 +28468,7 @@
         <p:fade thruBlk="1"/>
       </p:transition>
     </mc:Choice>
-    <mc:Fallback xmlns:a14="http://schemas.microsoft.com/office/drawing/2010/main" xmlns:m="http://schemas.openxmlformats.org/officeDocument/2006/math" xmlns="">
+    <mc:Fallback xmlns="" xmlns:m="http://schemas.openxmlformats.org/officeDocument/2006/math" xmlns:a14="http://schemas.microsoft.com/office/drawing/2010/main">
       <p:transition spd="slow">
         <p:fade/>
       </p:transition>
@@ -28388,7 +28589,7 @@
           </a:ln>
           <a:extLst>
             <a:ext uri="{C572A759-6A51-4108-AA02-DFA0A04FC94B}">
-              <ma14:wrappingTextBoxFlag xmlns:ma14="http://schemas.microsoft.com/office/mac/drawingml/2011/main" xmlns:a14="http://schemas.microsoft.com/office/drawing/2010/main" xmlns:m="http://schemas.openxmlformats.org/officeDocument/2006/math" xmlns="" val="1"/>
+              <ma14:wrappingTextBoxFlag xmlns="" xmlns:m="http://schemas.openxmlformats.org/officeDocument/2006/math" xmlns:a14="http://schemas.microsoft.com/office/drawing/2010/main" xmlns:ma14="http://schemas.microsoft.com/office/mac/drawingml/2011/main" val="1"/>
             </a:ext>
           </a:extLst>
         </p:spPr>
@@ -28459,7 +28660,7 @@
           </a:ln>
           <a:extLst>
             <a:ext uri="{C572A759-6A51-4108-AA02-DFA0A04FC94B}">
-              <ma14:wrappingTextBoxFlag xmlns:ma14="http://schemas.microsoft.com/office/mac/drawingml/2011/main" xmlns:a14="http://schemas.microsoft.com/office/drawing/2010/main" xmlns:m="http://schemas.openxmlformats.org/officeDocument/2006/math" xmlns="" val="1"/>
+              <ma14:wrappingTextBoxFlag xmlns="" xmlns:m="http://schemas.openxmlformats.org/officeDocument/2006/math" xmlns:a14="http://schemas.microsoft.com/office/drawing/2010/main" xmlns:ma14="http://schemas.microsoft.com/office/mac/drawingml/2011/main" val="1"/>
             </a:ext>
           </a:extLst>
         </p:spPr>
@@ -28503,7 +28704,7 @@
           </a:ln>
           <a:extLst>
             <a:ext uri="{C572A759-6A51-4108-AA02-DFA0A04FC94B}">
-              <ma14:wrappingTextBoxFlag xmlns:ma14="http://schemas.microsoft.com/office/mac/drawingml/2011/main" xmlns:a14="http://schemas.microsoft.com/office/drawing/2010/main" xmlns:m="http://schemas.openxmlformats.org/officeDocument/2006/math" xmlns="" val="1"/>
+              <ma14:wrappingTextBoxFlag xmlns="" xmlns:m="http://schemas.openxmlformats.org/officeDocument/2006/math" xmlns:a14="http://schemas.microsoft.com/office/drawing/2010/main" xmlns:ma14="http://schemas.microsoft.com/office/mac/drawingml/2011/main" val="1"/>
             </a:ext>
           </a:extLst>
         </p:spPr>
@@ -29093,7 +29294,7 @@
         <p:fade thruBlk="1"/>
       </p:transition>
     </mc:Choice>
-    <mc:Fallback xmlns:a14="http://schemas.microsoft.com/office/drawing/2010/main" xmlns:m="http://schemas.openxmlformats.org/officeDocument/2006/math" xmlns="">
+    <mc:Fallback xmlns="" xmlns:m="http://schemas.openxmlformats.org/officeDocument/2006/math" xmlns:a14="http://schemas.microsoft.com/office/drawing/2010/main">
       <p:transition spd="slow">
         <p:fade/>
       </p:transition>
@@ -29214,7 +29415,7 @@
           </a:ln>
           <a:extLst>
             <a:ext uri="{C572A759-6A51-4108-AA02-DFA0A04FC94B}">
-              <ma14:wrappingTextBoxFlag xmlns:ma14="http://schemas.microsoft.com/office/mac/drawingml/2011/main" xmlns:a14="http://schemas.microsoft.com/office/drawing/2010/main" xmlns:m="http://schemas.openxmlformats.org/officeDocument/2006/math" xmlns="" val="1"/>
+              <ma14:wrappingTextBoxFlag xmlns="" xmlns:m="http://schemas.openxmlformats.org/officeDocument/2006/math" xmlns:a14="http://schemas.microsoft.com/office/drawing/2010/main" xmlns:ma14="http://schemas.microsoft.com/office/mac/drawingml/2011/main" val="1"/>
             </a:ext>
           </a:extLst>
         </p:spPr>
@@ -29285,7 +29486,7 @@
           </a:ln>
           <a:extLst>
             <a:ext uri="{C572A759-6A51-4108-AA02-DFA0A04FC94B}">
-              <ma14:wrappingTextBoxFlag xmlns:ma14="http://schemas.microsoft.com/office/mac/drawingml/2011/main" xmlns:a14="http://schemas.microsoft.com/office/drawing/2010/main" xmlns:m="http://schemas.openxmlformats.org/officeDocument/2006/math" xmlns="" val="1"/>
+              <ma14:wrappingTextBoxFlag xmlns="" xmlns:m="http://schemas.openxmlformats.org/officeDocument/2006/math" xmlns:a14="http://schemas.microsoft.com/office/drawing/2010/main" xmlns:ma14="http://schemas.microsoft.com/office/mac/drawingml/2011/main" val="1"/>
             </a:ext>
           </a:extLst>
         </p:spPr>
@@ -29606,7 +29807,7 @@
         <p:fade thruBlk="1"/>
       </p:transition>
     </mc:Choice>
-    <mc:Fallback xmlns:a14="http://schemas.microsoft.com/office/drawing/2010/main" xmlns:m="http://schemas.openxmlformats.org/officeDocument/2006/math" xmlns="">
+    <mc:Fallback xmlns="" xmlns:m="http://schemas.openxmlformats.org/officeDocument/2006/math" xmlns:a14="http://schemas.microsoft.com/office/drawing/2010/main">
       <p:transition spd="slow">
         <p:fade/>
       </p:transition>
@@ -29727,7 +29928,7 @@
           </a:ln>
           <a:extLst>
             <a:ext uri="{C572A759-6A51-4108-AA02-DFA0A04FC94B}">
-              <ma14:wrappingTextBoxFlag xmlns:ma14="http://schemas.microsoft.com/office/mac/drawingml/2011/main" xmlns:a14="http://schemas.microsoft.com/office/drawing/2010/main" xmlns:m="http://schemas.openxmlformats.org/officeDocument/2006/math" xmlns="" val="1"/>
+              <ma14:wrappingTextBoxFlag xmlns="" xmlns:m="http://schemas.openxmlformats.org/officeDocument/2006/math" xmlns:a14="http://schemas.microsoft.com/office/drawing/2010/main" xmlns:ma14="http://schemas.microsoft.com/office/mac/drawingml/2011/main" val="1"/>
             </a:ext>
           </a:extLst>
         </p:spPr>
@@ -29798,7 +29999,7 @@
           </a:ln>
           <a:extLst>
             <a:ext uri="{C572A759-6A51-4108-AA02-DFA0A04FC94B}">
-              <ma14:wrappingTextBoxFlag xmlns:ma14="http://schemas.microsoft.com/office/mac/drawingml/2011/main" xmlns:a14="http://schemas.microsoft.com/office/drawing/2010/main" xmlns:m="http://schemas.openxmlformats.org/officeDocument/2006/math" xmlns="" val="1"/>
+              <ma14:wrappingTextBoxFlag xmlns="" xmlns:m="http://schemas.openxmlformats.org/officeDocument/2006/math" xmlns:a14="http://schemas.microsoft.com/office/drawing/2010/main" xmlns:ma14="http://schemas.microsoft.com/office/mac/drawingml/2011/main" val="1"/>
             </a:ext>
           </a:extLst>
         </p:spPr>
@@ -30084,7 +30285,7 @@
         <p:fade thruBlk="1"/>
       </p:transition>
     </mc:Choice>
-    <mc:Fallback xmlns:a14="http://schemas.microsoft.com/office/drawing/2010/main" xmlns:m="http://schemas.openxmlformats.org/officeDocument/2006/math" xmlns="">
+    <mc:Fallback xmlns="" xmlns:m="http://schemas.openxmlformats.org/officeDocument/2006/math" xmlns:a14="http://schemas.microsoft.com/office/drawing/2010/main">
       <p:transition spd="slow">
         <p:fade/>
       </p:transition>
@@ -30205,7 +30406,7 @@
           </a:ln>
           <a:extLst>
             <a:ext uri="{C572A759-6A51-4108-AA02-DFA0A04FC94B}">
-              <ma14:wrappingTextBoxFlag xmlns:ma14="http://schemas.microsoft.com/office/mac/drawingml/2011/main" xmlns:a14="http://schemas.microsoft.com/office/drawing/2010/main" xmlns:m="http://schemas.openxmlformats.org/officeDocument/2006/math" xmlns="" val="1"/>
+              <ma14:wrappingTextBoxFlag xmlns="" xmlns:m="http://schemas.openxmlformats.org/officeDocument/2006/math" xmlns:a14="http://schemas.microsoft.com/office/drawing/2010/main" xmlns:ma14="http://schemas.microsoft.com/office/mac/drawingml/2011/main" val="1"/>
             </a:ext>
           </a:extLst>
         </p:spPr>
@@ -30276,7 +30477,7 @@
           </a:ln>
           <a:extLst>
             <a:ext uri="{C572A759-6A51-4108-AA02-DFA0A04FC94B}">
-              <ma14:wrappingTextBoxFlag xmlns:ma14="http://schemas.microsoft.com/office/mac/drawingml/2011/main" xmlns:a14="http://schemas.microsoft.com/office/drawing/2010/main" xmlns:m="http://schemas.openxmlformats.org/officeDocument/2006/math" xmlns="" val="1"/>
+              <ma14:wrappingTextBoxFlag xmlns="" xmlns:m="http://schemas.openxmlformats.org/officeDocument/2006/math" xmlns:a14="http://schemas.microsoft.com/office/drawing/2010/main" xmlns:ma14="http://schemas.microsoft.com/office/mac/drawingml/2011/main" val="1"/>
             </a:ext>
           </a:extLst>
         </p:spPr>
@@ -30511,7 +30712,7 @@
         <p:fade thruBlk="1"/>
       </p:transition>
     </mc:Choice>
-    <mc:Fallback xmlns:a14="http://schemas.microsoft.com/office/drawing/2010/main" xmlns:m="http://schemas.openxmlformats.org/officeDocument/2006/math" xmlns="">
+    <mc:Fallback xmlns="" xmlns:m="http://schemas.openxmlformats.org/officeDocument/2006/math" xmlns:a14="http://schemas.microsoft.com/office/drawing/2010/main">
       <p:transition spd="slow">
         <p:fade/>
       </p:transition>
@@ -30632,7 +30833,7 @@
           </a:ln>
           <a:extLst>
             <a:ext uri="{C572A759-6A51-4108-AA02-DFA0A04FC94B}">
-              <ma14:wrappingTextBoxFlag xmlns:ma14="http://schemas.microsoft.com/office/mac/drawingml/2011/main" xmlns:a14="http://schemas.microsoft.com/office/drawing/2010/main" xmlns:m="http://schemas.openxmlformats.org/officeDocument/2006/math" xmlns="" val="1"/>
+              <ma14:wrappingTextBoxFlag xmlns="" xmlns:m="http://schemas.openxmlformats.org/officeDocument/2006/math" xmlns:a14="http://schemas.microsoft.com/office/drawing/2010/main" xmlns:ma14="http://schemas.microsoft.com/office/mac/drawingml/2011/main" val="1"/>
             </a:ext>
           </a:extLst>
         </p:spPr>
@@ -30703,7 +30904,7 @@
           </a:ln>
           <a:extLst>
             <a:ext uri="{C572A759-6A51-4108-AA02-DFA0A04FC94B}">
-              <ma14:wrappingTextBoxFlag xmlns:ma14="http://schemas.microsoft.com/office/mac/drawingml/2011/main" xmlns:a14="http://schemas.microsoft.com/office/drawing/2010/main" xmlns:m="http://schemas.openxmlformats.org/officeDocument/2006/math" xmlns="" val="1"/>
+              <ma14:wrappingTextBoxFlag xmlns="" xmlns:m="http://schemas.openxmlformats.org/officeDocument/2006/math" xmlns:a14="http://schemas.microsoft.com/office/drawing/2010/main" xmlns:ma14="http://schemas.microsoft.com/office/mac/drawingml/2011/main" val="1"/>
             </a:ext>
           </a:extLst>
         </p:spPr>
@@ -30919,7 +31120,7 @@
         <p:fade thruBlk="1"/>
       </p:transition>
     </mc:Choice>
-    <mc:Fallback xmlns:a14="http://schemas.microsoft.com/office/drawing/2010/main" xmlns:m="http://schemas.openxmlformats.org/officeDocument/2006/math" xmlns="">
+    <mc:Fallback xmlns="" xmlns:m="http://schemas.openxmlformats.org/officeDocument/2006/math" xmlns:a14="http://schemas.microsoft.com/office/drawing/2010/main">
       <p:transition spd="slow">
         <p:fade/>
       </p:transition>
@@ -31040,7 +31241,7 @@
           </a:ln>
           <a:extLst>
             <a:ext uri="{C572A759-6A51-4108-AA02-DFA0A04FC94B}">
-              <ma14:wrappingTextBoxFlag xmlns:ma14="http://schemas.microsoft.com/office/mac/drawingml/2011/main" xmlns:a14="http://schemas.microsoft.com/office/drawing/2010/main" xmlns:m="http://schemas.openxmlformats.org/officeDocument/2006/math" xmlns="" val="1"/>
+              <ma14:wrappingTextBoxFlag xmlns="" xmlns:m="http://schemas.openxmlformats.org/officeDocument/2006/math" xmlns:a14="http://schemas.microsoft.com/office/drawing/2010/main" xmlns:ma14="http://schemas.microsoft.com/office/mac/drawingml/2011/main" val="1"/>
             </a:ext>
           </a:extLst>
         </p:spPr>
@@ -31111,7 +31312,7 @@
           </a:ln>
           <a:extLst>
             <a:ext uri="{C572A759-6A51-4108-AA02-DFA0A04FC94B}">
-              <ma14:wrappingTextBoxFlag xmlns:ma14="http://schemas.microsoft.com/office/mac/drawingml/2011/main" xmlns:a14="http://schemas.microsoft.com/office/drawing/2010/main" xmlns:m="http://schemas.openxmlformats.org/officeDocument/2006/math" xmlns="" val="1"/>
+              <ma14:wrappingTextBoxFlag xmlns="" xmlns:m="http://schemas.openxmlformats.org/officeDocument/2006/math" xmlns:a14="http://schemas.microsoft.com/office/drawing/2010/main" xmlns:ma14="http://schemas.microsoft.com/office/mac/drawingml/2011/main" val="1"/>
             </a:ext>
           </a:extLst>
         </p:spPr>
@@ -31261,7 +31462,7 @@
         <p:fade thruBlk="1"/>
       </p:transition>
     </mc:Choice>
-    <mc:Fallback xmlns:a14="http://schemas.microsoft.com/office/drawing/2010/main" xmlns:m="http://schemas.openxmlformats.org/officeDocument/2006/math" xmlns="">
+    <mc:Fallback xmlns="" xmlns:m="http://schemas.openxmlformats.org/officeDocument/2006/math" xmlns:a14="http://schemas.microsoft.com/office/drawing/2010/main">
       <p:transition spd="slow">
         <p:fade/>
       </p:transition>
@@ -31382,7 +31583,7 @@
           </a:ln>
           <a:extLst>
             <a:ext uri="{C572A759-6A51-4108-AA02-DFA0A04FC94B}">
-              <ma14:wrappingTextBoxFlag xmlns:ma14="http://schemas.microsoft.com/office/mac/drawingml/2011/main" xmlns:a14="http://schemas.microsoft.com/office/drawing/2010/main" xmlns:m="http://schemas.openxmlformats.org/officeDocument/2006/math" xmlns="" val="1"/>
+              <ma14:wrappingTextBoxFlag xmlns="" xmlns:m="http://schemas.openxmlformats.org/officeDocument/2006/math" xmlns:a14="http://schemas.microsoft.com/office/drawing/2010/main" xmlns:ma14="http://schemas.microsoft.com/office/mac/drawingml/2011/main" val="1"/>
             </a:ext>
           </a:extLst>
         </p:spPr>
@@ -31453,7 +31654,7 @@
           </a:ln>
           <a:extLst>
             <a:ext uri="{C572A759-6A51-4108-AA02-DFA0A04FC94B}">
-              <ma14:wrappingTextBoxFlag xmlns:ma14="http://schemas.microsoft.com/office/mac/drawingml/2011/main" xmlns:a14="http://schemas.microsoft.com/office/drawing/2010/main" xmlns:m="http://schemas.openxmlformats.org/officeDocument/2006/math" xmlns="" val="1"/>
+              <ma14:wrappingTextBoxFlag xmlns="" xmlns:m="http://schemas.openxmlformats.org/officeDocument/2006/math" xmlns:a14="http://schemas.microsoft.com/office/drawing/2010/main" xmlns:ma14="http://schemas.microsoft.com/office/mac/drawingml/2011/main" val="1"/>
             </a:ext>
           </a:extLst>
         </p:spPr>
@@ -31635,7 +31836,7 @@
         <p:fade thruBlk="1"/>
       </p:transition>
     </mc:Choice>
-    <mc:Fallback xmlns:a14="http://schemas.microsoft.com/office/drawing/2010/main" xmlns:m="http://schemas.openxmlformats.org/officeDocument/2006/math" xmlns="">
+    <mc:Fallback xmlns="" xmlns:m="http://schemas.openxmlformats.org/officeDocument/2006/math" xmlns:a14="http://schemas.microsoft.com/office/drawing/2010/main">
       <p:transition spd="slow">
         <p:fade/>
       </p:transition>
@@ -31756,7 +31957,7 @@
           </a:ln>
           <a:extLst>
             <a:ext uri="{C572A759-6A51-4108-AA02-DFA0A04FC94B}">
-              <ma14:wrappingTextBoxFlag xmlns:ma14="http://schemas.microsoft.com/office/mac/drawingml/2011/main" xmlns:a14="http://schemas.microsoft.com/office/drawing/2010/main" xmlns:m="http://schemas.openxmlformats.org/officeDocument/2006/math" xmlns="" val="1"/>
+              <ma14:wrappingTextBoxFlag xmlns="" xmlns:m="http://schemas.openxmlformats.org/officeDocument/2006/math" xmlns:a14="http://schemas.microsoft.com/office/drawing/2010/main" xmlns:ma14="http://schemas.microsoft.com/office/mac/drawingml/2011/main" val="1"/>
             </a:ext>
           </a:extLst>
         </p:spPr>
@@ -31827,7 +32028,7 @@
           </a:ln>
           <a:extLst>
             <a:ext uri="{C572A759-6A51-4108-AA02-DFA0A04FC94B}">
-              <ma14:wrappingTextBoxFlag xmlns:ma14="http://schemas.microsoft.com/office/mac/drawingml/2011/main" xmlns:a14="http://schemas.microsoft.com/office/drawing/2010/main" xmlns:m="http://schemas.openxmlformats.org/officeDocument/2006/math" xmlns="" val="1"/>
+              <ma14:wrappingTextBoxFlag xmlns="" xmlns:m="http://schemas.openxmlformats.org/officeDocument/2006/math" xmlns:a14="http://schemas.microsoft.com/office/drawing/2010/main" xmlns:ma14="http://schemas.microsoft.com/office/mac/drawingml/2011/main" val="1"/>
             </a:ext>
           </a:extLst>
         </p:spPr>
@@ -31871,7 +32072,7 @@
           </a:ln>
           <a:extLst>
             <a:ext uri="{C572A759-6A51-4108-AA02-DFA0A04FC94B}">
-              <ma14:wrappingTextBoxFlag xmlns:ma14="http://schemas.microsoft.com/office/mac/drawingml/2011/main" xmlns:a14="http://schemas.microsoft.com/office/drawing/2010/main" xmlns:m="http://schemas.openxmlformats.org/officeDocument/2006/math" xmlns="" val="1"/>
+              <ma14:wrappingTextBoxFlag xmlns="" xmlns:m="http://schemas.openxmlformats.org/officeDocument/2006/math" xmlns:a14="http://schemas.microsoft.com/office/drawing/2010/main" xmlns:ma14="http://schemas.microsoft.com/office/mac/drawingml/2011/main" val="1"/>
             </a:ext>
           </a:extLst>
         </p:spPr>
@@ -32007,7 +32208,7 @@
         <p:fade thruBlk="1"/>
       </p:transition>
     </mc:Choice>
-    <mc:Fallback xmlns:a14="http://schemas.microsoft.com/office/drawing/2010/main" xmlns:m="http://schemas.openxmlformats.org/officeDocument/2006/math" xmlns="">
+    <mc:Fallback xmlns="" xmlns:m="http://schemas.openxmlformats.org/officeDocument/2006/math" xmlns:a14="http://schemas.microsoft.com/office/drawing/2010/main">
       <p:transition spd="slow">
         <p:fade/>
       </p:transition>
@@ -32183,7 +32384,7 @@
           </a:ln>
           <a:extLst>
             <a:ext uri="{C572A759-6A51-4108-AA02-DFA0A04FC94B}">
-              <ma14:wrappingTextBoxFlag xmlns:ma14="http://schemas.microsoft.com/office/mac/drawingml/2011/main" xmlns:a14="http://schemas.microsoft.com/office/drawing/2010/main" xmlns:m="http://schemas.openxmlformats.org/officeDocument/2006/math" xmlns="" val="1"/>
+              <ma14:wrappingTextBoxFlag xmlns="" xmlns:m="http://schemas.openxmlformats.org/officeDocument/2006/math" xmlns:a14="http://schemas.microsoft.com/office/drawing/2010/main" xmlns:ma14="http://schemas.microsoft.com/office/mac/drawingml/2011/main" val="1"/>
             </a:ext>
           </a:extLst>
         </p:spPr>
@@ -32232,7 +32433,7 @@
           </a:ln>
           <a:extLst>
             <a:ext uri="{C572A759-6A51-4108-AA02-DFA0A04FC94B}">
-              <ma14:wrappingTextBoxFlag xmlns:ma14="http://schemas.microsoft.com/office/mac/drawingml/2011/main" xmlns:a14="http://schemas.microsoft.com/office/drawing/2010/main" xmlns:m="http://schemas.openxmlformats.org/officeDocument/2006/math" xmlns="" val="1"/>
+              <ma14:wrappingTextBoxFlag xmlns="" xmlns:m="http://schemas.openxmlformats.org/officeDocument/2006/math" xmlns:a14="http://schemas.microsoft.com/office/drawing/2010/main" xmlns:ma14="http://schemas.microsoft.com/office/mac/drawingml/2011/main" val="1"/>
             </a:ext>
           </a:extLst>
         </p:spPr>
@@ -32305,7 +32506,7 @@
           </a:ln>
           <a:extLst>
             <a:ext uri="{C572A759-6A51-4108-AA02-DFA0A04FC94B}">
-              <ma14:wrappingTextBoxFlag xmlns:ma14="http://schemas.microsoft.com/office/mac/drawingml/2011/main" xmlns:a14="http://schemas.microsoft.com/office/drawing/2010/main" xmlns:m="http://schemas.openxmlformats.org/officeDocument/2006/math" xmlns="" val="1"/>
+              <ma14:wrappingTextBoxFlag xmlns="" xmlns:m="http://schemas.openxmlformats.org/officeDocument/2006/math" xmlns:a14="http://schemas.microsoft.com/office/drawing/2010/main" xmlns:ma14="http://schemas.microsoft.com/office/mac/drawingml/2011/main" val="1"/>
             </a:ext>
           </a:extLst>
         </p:spPr>
@@ -32364,7 +32565,7 @@
           </a:ln>
           <a:extLst>
             <a:ext uri="{C572A759-6A51-4108-AA02-DFA0A04FC94B}">
-              <ma14:wrappingTextBoxFlag xmlns:ma14="http://schemas.microsoft.com/office/mac/drawingml/2011/main" xmlns:a14="http://schemas.microsoft.com/office/drawing/2010/main" xmlns:m="http://schemas.openxmlformats.org/officeDocument/2006/math" xmlns="" val="1"/>
+              <ma14:wrappingTextBoxFlag xmlns="" xmlns:m="http://schemas.openxmlformats.org/officeDocument/2006/math" xmlns:a14="http://schemas.microsoft.com/office/drawing/2010/main" xmlns:ma14="http://schemas.microsoft.com/office/mac/drawingml/2011/main" val="1"/>
             </a:ext>
           </a:extLst>
         </p:spPr>
@@ -32444,7 +32645,7 @@
         <p:fade thruBlk="1"/>
       </p:transition>
     </mc:Choice>
-    <mc:Fallback xmlns:a14="http://schemas.microsoft.com/office/drawing/2010/main" xmlns:m="http://schemas.openxmlformats.org/officeDocument/2006/math" xmlns="">
+    <mc:Fallback xmlns="" xmlns:m="http://schemas.openxmlformats.org/officeDocument/2006/math" xmlns:a14="http://schemas.microsoft.com/office/drawing/2010/main">
       <p:transition spd="slow">
         <p:fade/>
       </p:transition>
@@ -32565,7 +32766,7 @@
           </a:ln>
           <a:extLst>
             <a:ext uri="{C572A759-6A51-4108-AA02-DFA0A04FC94B}">
-              <ma14:wrappingTextBoxFlag xmlns:ma14="http://schemas.microsoft.com/office/mac/drawingml/2011/main" xmlns:a14="http://schemas.microsoft.com/office/drawing/2010/main" xmlns:m="http://schemas.openxmlformats.org/officeDocument/2006/math" xmlns="" val="1"/>
+              <ma14:wrappingTextBoxFlag xmlns="" xmlns:m="http://schemas.openxmlformats.org/officeDocument/2006/math" xmlns:a14="http://schemas.microsoft.com/office/drawing/2010/main" xmlns:ma14="http://schemas.microsoft.com/office/mac/drawingml/2011/main" val="1"/>
             </a:ext>
           </a:extLst>
         </p:spPr>
@@ -32636,7 +32837,7 @@
           </a:ln>
           <a:extLst>
             <a:ext uri="{C572A759-6A51-4108-AA02-DFA0A04FC94B}">
-              <ma14:wrappingTextBoxFlag xmlns:ma14="http://schemas.microsoft.com/office/mac/drawingml/2011/main" xmlns:a14="http://schemas.microsoft.com/office/drawing/2010/main" xmlns:m="http://schemas.openxmlformats.org/officeDocument/2006/math" xmlns="" val="1"/>
+              <ma14:wrappingTextBoxFlag xmlns="" xmlns:m="http://schemas.openxmlformats.org/officeDocument/2006/math" xmlns:a14="http://schemas.microsoft.com/office/drawing/2010/main" xmlns:ma14="http://schemas.microsoft.com/office/mac/drawingml/2011/main" val="1"/>
             </a:ext>
           </a:extLst>
         </p:spPr>
@@ -32680,7 +32881,7 @@
           </a:ln>
           <a:extLst>
             <a:ext uri="{C572A759-6A51-4108-AA02-DFA0A04FC94B}">
-              <ma14:wrappingTextBoxFlag xmlns:ma14="http://schemas.microsoft.com/office/mac/drawingml/2011/main" xmlns:a14="http://schemas.microsoft.com/office/drawing/2010/main" xmlns:m="http://schemas.openxmlformats.org/officeDocument/2006/math" xmlns="" val="1"/>
+              <ma14:wrappingTextBoxFlag xmlns="" xmlns:m="http://schemas.openxmlformats.org/officeDocument/2006/math" xmlns:a14="http://schemas.microsoft.com/office/drawing/2010/main" xmlns:ma14="http://schemas.microsoft.com/office/mac/drawingml/2011/main" val="1"/>
             </a:ext>
           </a:extLst>
         </p:spPr>
@@ -32869,7 +33070,7 @@
         <p:fade thruBlk="1"/>
       </p:transition>
     </mc:Choice>
-    <mc:Fallback xmlns:a14="http://schemas.microsoft.com/office/drawing/2010/main" xmlns:m="http://schemas.openxmlformats.org/officeDocument/2006/math" xmlns="">
+    <mc:Fallback xmlns="" xmlns:m="http://schemas.openxmlformats.org/officeDocument/2006/math" xmlns:a14="http://schemas.microsoft.com/office/drawing/2010/main">
       <p:transition spd="slow">
         <p:fade/>
       </p:transition>
@@ -32990,7 +33191,7 @@
           </a:ln>
           <a:extLst>
             <a:ext uri="{C572A759-6A51-4108-AA02-DFA0A04FC94B}">
-              <ma14:wrappingTextBoxFlag xmlns:ma14="http://schemas.microsoft.com/office/mac/drawingml/2011/main" xmlns:a14="http://schemas.microsoft.com/office/drawing/2010/main" xmlns:m="http://schemas.openxmlformats.org/officeDocument/2006/math" xmlns="" val="1"/>
+              <ma14:wrappingTextBoxFlag xmlns="" xmlns:m="http://schemas.openxmlformats.org/officeDocument/2006/math" xmlns:a14="http://schemas.microsoft.com/office/drawing/2010/main" xmlns:ma14="http://schemas.microsoft.com/office/mac/drawingml/2011/main" val="1"/>
             </a:ext>
           </a:extLst>
         </p:spPr>
@@ -33061,7 +33262,7 @@
           </a:ln>
           <a:extLst>
             <a:ext uri="{C572A759-6A51-4108-AA02-DFA0A04FC94B}">
-              <ma14:wrappingTextBoxFlag xmlns:ma14="http://schemas.microsoft.com/office/mac/drawingml/2011/main" xmlns:a14="http://schemas.microsoft.com/office/drawing/2010/main" xmlns:m="http://schemas.openxmlformats.org/officeDocument/2006/math" xmlns="" val="1"/>
+              <ma14:wrappingTextBoxFlag xmlns="" xmlns:m="http://schemas.openxmlformats.org/officeDocument/2006/math" xmlns:a14="http://schemas.microsoft.com/office/drawing/2010/main" xmlns:ma14="http://schemas.microsoft.com/office/mac/drawingml/2011/main" val="1"/>
             </a:ext>
           </a:extLst>
         </p:spPr>
@@ -33105,7 +33306,7 @@
           </a:ln>
           <a:extLst>
             <a:ext uri="{C572A759-6A51-4108-AA02-DFA0A04FC94B}">
-              <ma14:wrappingTextBoxFlag xmlns:ma14="http://schemas.microsoft.com/office/mac/drawingml/2011/main" xmlns:a14="http://schemas.microsoft.com/office/drawing/2010/main" xmlns:m="http://schemas.openxmlformats.org/officeDocument/2006/math" xmlns="" val="1"/>
+              <ma14:wrappingTextBoxFlag xmlns="" xmlns:m="http://schemas.openxmlformats.org/officeDocument/2006/math" xmlns:a14="http://schemas.microsoft.com/office/drawing/2010/main" xmlns:ma14="http://schemas.microsoft.com/office/mac/drawingml/2011/main" val="1"/>
             </a:ext>
           </a:extLst>
         </p:spPr>
@@ -33277,7 +33478,7 @@
         <p:fade thruBlk="1"/>
       </p:transition>
     </mc:Choice>
-    <mc:Fallback xmlns:a14="http://schemas.microsoft.com/office/drawing/2010/main" xmlns:m="http://schemas.openxmlformats.org/officeDocument/2006/math" xmlns="">
+    <mc:Fallback xmlns="" xmlns:m="http://schemas.openxmlformats.org/officeDocument/2006/math" xmlns:a14="http://schemas.microsoft.com/office/drawing/2010/main">
       <p:transition spd="slow">
         <p:fade/>
       </p:transition>
@@ -33398,7 +33599,7 @@
           </a:ln>
           <a:extLst>
             <a:ext uri="{C572A759-6A51-4108-AA02-DFA0A04FC94B}">
-              <ma14:wrappingTextBoxFlag xmlns:ma14="http://schemas.microsoft.com/office/mac/drawingml/2011/main" xmlns:a14="http://schemas.microsoft.com/office/drawing/2010/main" xmlns:m="http://schemas.openxmlformats.org/officeDocument/2006/math" xmlns="" val="1"/>
+              <ma14:wrappingTextBoxFlag xmlns="" xmlns:m="http://schemas.openxmlformats.org/officeDocument/2006/math" xmlns:a14="http://schemas.microsoft.com/office/drawing/2010/main" xmlns:ma14="http://schemas.microsoft.com/office/mac/drawingml/2011/main" val="1"/>
             </a:ext>
           </a:extLst>
         </p:spPr>
@@ -33469,7 +33670,7 @@
           </a:ln>
           <a:extLst>
             <a:ext uri="{C572A759-6A51-4108-AA02-DFA0A04FC94B}">
-              <ma14:wrappingTextBoxFlag xmlns:ma14="http://schemas.microsoft.com/office/mac/drawingml/2011/main" xmlns:a14="http://schemas.microsoft.com/office/drawing/2010/main" xmlns:m="http://schemas.openxmlformats.org/officeDocument/2006/math" xmlns="" val="1"/>
+              <ma14:wrappingTextBoxFlag xmlns="" xmlns:m="http://schemas.openxmlformats.org/officeDocument/2006/math" xmlns:a14="http://schemas.microsoft.com/office/drawing/2010/main" xmlns:ma14="http://schemas.microsoft.com/office/mac/drawingml/2011/main" val="1"/>
             </a:ext>
           </a:extLst>
         </p:spPr>
@@ -33513,7 +33714,7 @@
           </a:ln>
           <a:extLst>
             <a:ext uri="{C572A759-6A51-4108-AA02-DFA0A04FC94B}">
-              <ma14:wrappingTextBoxFlag xmlns:ma14="http://schemas.microsoft.com/office/mac/drawingml/2011/main" xmlns:a14="http://schemas.microsoft.com/office/drawing/2010/main" xmlns:m="http://schemas.openxmlformats.org/officeDocument/2006/math" xmlns="" val="1"/>
+              <ma14:wrappingTextBoxFlag xmlns="" xmlns:m="http://schemas.openxmlformats.org/officeDocument/2006/math" xmlns:a14="http://schemas.microsoft.com/office/drawing/2010/main" xmlns:ma14="http://schemas.microsoft.com/office/mac/drawingml/2011/main" val="1"/>
             </a:ext>
           </a:extLst>
         </p:spPr>
@@ -34187,7 +34388,7 @@
         <p:fade thruBlk="1"/>
       </p:transition>
     </mc:Choice>
-    <mc:Fallback xmlns:a14="http://schemas.microsoft.com/office/drawing/2010/main" xmlns:m="http://schemas.openxmlformats.org/officeDocument/2006/math" xmlns="">
+    <mc:Fallback xmlns="" xmlns:m="http://schemas.openxmlformats.org/officeDocument/2006/math" xmlns:a14="http://schemas.microsoft.com/office/drawing/2010/main">
       <p:transition spd="slow">
         <p:fade/>
       </p:transition>
@@ -34308,7 +34509,7 @@
           </a:ln>
           <a:extLst>
             <a:ext uri="{C572A759-6A51-4108-AA02-DFA0A04FC94B}">
-              <ma14:wrappingTextBoxFlag xmlns:ma14="http://schemas.microsoft.com/office/mac/drawingml/2011/main" xmlns:a14="http://schemas.microsoft.com/office/drawing/2010/main" xmlns:m="http://schemas.openxmlformats.org/officeDocument/2006/math" xmlns="" val="1"/>
+              <ma14:wrappingTextBoxFlag xmlns="" xmlns:m="http://schemas.openxmlformats.org/officeDocument/2006/math" xmlns:a14="http://schemas.microsoft.com/office/drawing/2010/main" xmlns:ma14="http://schemas.microsoft.com/office/mac/drawingml/2011/main" val="1"/>
             </a:ext>
           </a:extLst>
         </p:spPr>
@@ -34379,7 +34580,7 @@
           </a:ln>
           <a:extLst>
             <a:ext uri="{C572A759-6A51-4108-AA02-DFA0A04FC94B}">
-              <ma14:wrappingTextBoxFlag xmlns:ma14="http://schemas.microsoft.com/office/mac/drawingml/2011/main" xmlns:a14="http://schemas.microsoft.com/office/drawing/2010/main" xmlns:m="http://schemas.openxmlformats.org/officeDocument/2006/math" xmlns="" val="1"/>
+              <ma14:wrappingTextBoxFlag xmlns="" xmlns:m="http://schemas.openxmlformats.org/officeDocument/2006/math" xmlns:a14="http://schemas.microsoft.com/office/drawing/2010/main" xmlns:ma14="http://schemas.microsoft.com/office/mac/drawingml/2011/main" val="1"/>
             </a:ext>
           </a:extLst>
         </p:spPr>
@@ -34431,7 +34632,7 @@
           </a:ln>
           <a:extLst>
             <a:ext uri="{C572A759-6A51-4108-AA02-DFA0A04FC94B}">
-              <ma14:wrappingTextBoxFlag xmlns:ma14="http://schemas.microsoft.com/office/mac/drawingml/2011/main" xmlns:a14="http://schemas.microsoft.com/office/drawing/2010/main" xmlns:m="http://schemas.openxmlformats.org/officeDocument/2006/math" xmlns="" val="1"/>
+              <ma14:wrappingTextBoxFlag xmlns="" xmlns:m="http://schemas.openxmlformats.org/officeDocument/2006/math" xmlns:a14="http://schemas.microsoft.com/office/drawing/2010/main" xmlns:ma14="http://schemas.microsoft.com/office/mac/drawingml/2011/main" val="1"/>
             </a:ext>
           </a:extLst>
         </p:spPr>
@@ -34629,7 +34830,7 @@
         <p:fade thruBlk="1"/>
       </p:transition>
     </mc:Choice>
-    <mc:Fallback xmlns:a14="http://schemas.microsoft.com/office/drawing/2010/main" xmlns:m="http://schemas.openxmlformats.org/officeDocument/2006/math" xmlns="">
+    <mc:Fallback xmlns="" xmlns:m="http://schemas.openxmlformats.org/officeDocument/2006/math" xmlns:a14="http://schemas.microsoft.com/office/drawing/2010/main">
       <p:transition spd="slow">
         <p:fade/>
       </p:transition>
@@ -34750,7 +34951,7 @@
           </a:ln>
           <a:extLst>
             <a:ext uri="{C572A759-6A51-4108-AA02-DFA0A04FC94B}">
-              <ma14:wrappingTextBoxFlag xmlns:ma14="http://schemas.microsoft.com/office/mac/drawingml/2011/main" xmlns:a14="http://schemas.microsoft.com/office/drawing/2010/main" xmlns:m="http://schemas.openxmlformats.org/officeDocument/2006/math" xmlns="" val="1"/>
+              <ma14:wrappingTextBoxFlag xmlns="" xmlns:m="http://schemas.openxmlformats.org/officeDocument/2006/math" xmlns:a14="http://schemas.microsoft.com/office/drawing/2010/main" xmlns:ma14="http://schemas.microsoft.com/office/mac/drawingml/2011/main" val="1"/>
             </a:ext>
           </a:extLst>
         </p:spPr>
@@ -34821,7 +35022,7 @@
           </a:ln>
           <a:extLst>
             <a:ext uri="{C572A759-6A51-4108-AA02-DFA0A04FC94B}">
-              <ma14:wrappingTextBoxFlag xmlns:ma14="http://schemas.microsoft.com/office/mac/drawingml/2011/main" xmlns:a14="http://schemas.microsoft.com/office/drawing/2010/main" xmlns:m="http://schemas.openxmlformats.org/officeDocument/2006/math" xmlns="" val="1"/>
+              <ma14:wrappingTextBoxFlag xmlns="" xmlns:m="http://schemas.openxmlformats.org/officeDocument/2006/math" xmlns:a14="http://schemas.microsoft.com/office/drawing/2010/main" xmlns:ma14="http://schemas.microsoft.com/office/mac/drawingml/2011/main" val="1"/>
             </a:ext>
           </a:extLst>
         </p:spPr>
@@ -34875,7 +35076,7 @@
           </a:ln>
           <a:extLst>
             <a:ext uri="{C572A759-6A51-4108-AA02-DFA0A04FC94B}">
-              <ma14:wrappingTextBoxFlag xmlns:ma14="http://schemas.microsoft.com/office/mac/drawingml/2011/main" xmlns:a14="http://schemas.microsoft.com/office/drawing/2010/main" xmlns:m="http://schemas.openxmlformats.org/officeDocument/2006/math" xmlns="" val="1"/>
+              <ma14:wrappingTextBoxFlag xmlns="" xmlns:m="http://schemas.openxmlformats.org/officeDocument/2006/math" xmlns:a14="http://schemas.microsoft.com/office/drawing/2010/main" xmlns:ma14="http://schemas.microsoft.com/office/mac/drawingml/2011/main" val="1"/>
             </a:ext>
           </a:extLst>
         </p:spPr>
@@ -35042,7 +35243,7 @@
         <p:fade thruBlk="1"/>
       </p:transition>
     </mc:Choice>
-    <mc:Fallback xmlns:a14="http://schemas.microsoft.com/office/drawing/2010/main" xmlns:m="http://schemas.openxmlformats.org/officeDocument/2006/math" xmlns="">
+    <mc:Fallback xmlns="" xmlns:m="http://schemas.openxmlformats.org/officeDocument/2006/math" xmlns:a14="http://schemas.microsoft.com/office/drawing/2010/main">
       <p:transition spd="slow">
         <p:fade/>
       </p:transition>
@@ -35163,7 +35364,7 @@
           </a:ln>
           <a:extLst>
             <a:ext uri="{C572A759-6A51-4108-AA02-DFA0A04FC94B}">
-              <ma14:wrappingTextBoxFlag xmlns:ma14="http://schemas.microsoft.com/office/mac/drawingml/2011/main" xmlns:a14="http://schemas.microsoft.com/office/drawing/2010/main" xmlns:m="http://schemas.openxmlformats.org/officeDocument/2006/math" xmlns="" val="1"/>
+              <ma14:wrappingTextBoxFlag xmlns="" xmlns:m="http://schemas.openxmlformats.org/officeDocument/2006/math" xmlns:a14="http://schemas.microsoft.com/office/drawing/2010/main" xmlns:ma14="http://schemas.microsoft.com/office/mac/drawingml/2011/main" val="1"/>
             </a:ext>
           </a:extLst>
         </p:spPr>
@@ -35234,7 +35435,7 @@
           </a:ln>
           <a:extLst>
             <a:ext uri="{C572A759-6A51-4108-AA02-DFA0A04FC94B}">
-              <ma14:wrappingTextBoxFlag xmlns:ma14="http://schemas.microsoft.com/office/mac/drawingml/2011/main" xmlns:a14="http://schemas.microsoft.com/office/drawing/2010/main" xmlns:m="http://schemas.openxmlformats.org/officeDocument/2006/math" xmlns="" val="1"/>
+              <ma14:wrappingTextBoxFlag xmlns="" xmlns:m="http://schemas.openxmlformats.org/officeDocument/2006/math" xmlns:a14="http://schemas.microsoft.com/office/drawing/2010/main" xmlns:ma14="http://schemas.microsoft.com/office/mac/drawingml/2011/main" val="1"/>
             </a:ext>
           </a:extLst>
         </p:spPr>
@@ -35288,7 +35489,7 @@
           </a:ln>
           <a:extLst>
             <a:ext uri="{C572A759-6A51-4108-AA02-DFA0A04FC94B}">
-              <ma14:wrappingTextBoxFlag xmlns:ma14="http://schemas.microsoft.com/office/mac/drawingml/2011/main" xmlns:a14="http://schemas.microsoft.com/office/drawing/2010/main" xmlns:m="http://schemas.openxmlformats.org/officeDocument/2006/math" xmlns="" val="1"/>
+              <ma14:wrappingTextBoxFlag xmlns="" xmlns:m="http://schemas.openxmlformats.org/officeDocument/2006/math" xmlns:a14="http://schemas.microsoft.com/office/drawing/2010/main" xmlns:ma14="http://schemas.microsoft.com/office/mac/drawingml/2011/main" val="1"/>
             </a:ext>
           </a:extLst>
         </p:spPr>
@@ -35544,7 +35745,7 @@
         <p:fade thruBlk="1"/>
       </p:transition>
     </mc:Choice>
-    <mc:Fallback xmlns:a14="http://schemas.microsoft.com/office/drawing/2010/main" xmlns:m="http://schemas.openxmlformats.org/officeDocument/2006/math" xmlns="">
+    <mc:Fallback xmlns="" xmlns:m="http://schemas.openxmlformats.org/officeDocument/2006/math" xmlns:a14="http://schemas.microsoft.com/office/drawing/2010/main">
       <p:transition spd="slow">
         <p:fade/>
       </p:transition>
@@ -35665,7 +35866,7 @@
           </a:ln>
           <a:extLst>
             <a:ext uri="{C572A759-6A51-4108-AA02-DFA0A04FC94B}">
-              <ma14:wrappingTextBoxFlag xmlns:ma14="http://schemas.microsoft.com/office/mac/drawingml/2011/main" xmlns:a14="http://schemas.microsoft.com/office/drawing/2010/main" xmlns:m="http://schemas.openxmlformats.org/officeDocument/2006/math" xmlns="" val="1"/>
+              <ma14:wrappingTextBoxFlag xmlns="" xmlns:m="http://schemas.openxmlformats.org/officeDocument/2006/math" xmlns:a14="http://schemas.microsoft.com/office/drawing/2010/main" xmlns:ma14="http://schemas.microsoft.com/office/mac/drawingml/2011/main" val="1"/>
             </a:ext>
           </a:extLst>
         </p:spPr>
@@ -35736,7 +35937,7 @@
           </a:ln>
           <a:extLst>
             <a:ext uri="{C572A759-6A51-4108-AA02-DFA0A04FC94B}">
-              <ma14:wrappingTextBoxFlag xmlns:ma14="http://schemas.microsoft.com/office/mac/drawingml/2011/main" xmlns:a14="http://schemas.microsoft.com/office/drawing/2010/main" xmlns:m="http://schemas.openxmlformats.org/officeDocument/2006/math" xmlns="" val="1"/>
+              <ma14:wrappingTextBoxFlag xmlns="" xmlns:m="http://schemas.openxmlformats.org/officeDocument/2006/math" xmlns:a14="http://schemas.microsoft.com/office/drawing/2010/main" xmlns:ma14="http://schemas.microsoft.com/office/mac/drawingml/2011/main" val="1"/>
             </a:ext>
           </a:extLst>
         </p:spPr>
@@ -35790,7 +35991,7 @@
           </a:ln>
           <a:extLst>
             <a:ext uri="{C572A759-6A51-4108-AA02-DFA0A04FC94B}">
-              <ma14:wrappingTextBoxFlag xmlns:ma14="http://schemas.microsoft.com/office/mac/drawingml/2011/main" xmlns:a14="http://schemas.microsoft.com/office/drawing/2010/main" xmlns:m="http://schemas.openxmlformats.org/officeDocument/2006/math" xmlns="" val="1"/>
+              <ma14:wrappingTextBoxFlag xmlns="" xmlns:m="http://schemas.openxmlformats.org/officeDocument/2006/math" xmlns:a14="http://schemas.microsoft.com/office/drawing/2010/main" xmlns:ma14="http://schemas.microsoft.com/office/mac/drawingml/2011/main" val="1"/>
             </a:ext>
           </a:extLst>
         </p:spPr>
@@ -36256,7 +36457,7 @@
         <p:fade thruBlk="1"/>
       </p:transition>
     </mc:Choice>
-    <mc:Fallback xmlns:a14="http://schemas.microsoft.com/office/drawing/2010/main" xmlns:m="http://schemas.openxmlformats.org/officeDocument/2006/math" xmlns="">
+    <mc:Fallback xmlns="" xmlns:m="http://schemas.openxmlformats.org/officeDocument/2006/math" xmlns:a14="http://schemas.microsoft.com/office/drawing/2010/main">
       <p:transition spd="slow">
         <p:fade/>
       </p:transition>
@@ -36377,7 +36578,7 @@
           </a:ln>
           <a:extLst>
             <a:ext uri="{C572A759-6A51-4108-AA02-DFA0A04FC94B}">
-              <ma14:wrappingTextBoxFlag xmlns:ma14="http://schemas.microsoft.com/office/mac/drawingml/2011/main" xmlns:a14="http://schemas.microsoft.com/office/drawing/2010/main" xmlns:m="http://schemas.openxmlformats.org/officeDocument/2006/math" xmlns="" val="1"/>
+              <ma14:wrappingTextBoxFlag xmlns="" xmlns:m="http://schemas.openxmlformats.org/officeDocument/2006/math" xmlns:a14="http://schemas.microsoft.com/office/drawing/2010/main" xmlns:ma14="http://schemas.microsoft.com/office/mac/drawingml/2011/main" val="1"/>
             </a:ext>
           </a:extLst>
         </p:spPr>
@@ -36448,7 +36649,7 @@
           </a:ln>
           <a:extLst>
             <a:ext uri="{C572A759-6A51-4108-AA02-DFA0A04FC94B}">
-              <ma14:wrappingTextBoxFlag xmlns:ma14="http://schemas.microsoft.com/office/mac/drawingml/2011/main" xmlns:a14="http://schemas.microsoft.com/office/drawing/2010/main" xmlns:m="http://schemas.openxmlformats.org/officeDocument/2006/math" xmlns="" val="1"/>
+              <ma14:wrappingTextBoxFlag xmlns="" xmlns:m="http://schemas.openxmlformats.org/officeDocument/2006/math" xmlns:a14="http://schemas.microsoft.com/office/drawing/2010/main" xmlns:ma14="http://schemas.microsoft.com/office/mac/drawingml/2011/main" val="1"/>
             </a:ext>
           </a:extLst>
         </p:spPr>
@@ -36502,7 +36703,7 @@
           </a:ln>
           <a:extLst>
             <a:ext uri="{C572A759-6A51-4108-AA02-DFA0A04FC94B}">
-              <ma14:wrappingTextBoxFlag xmlns:ma14="http://schemas.microsoft.com/office/mac/drawingml/2011/main" xmlns:a14="http://schemas.microsoft.com/office/drawing/2010/main" xmlns:m="http://schemas.openxmlformats.org/officeDocument/2006/math" xmlns="" val="1"/>
+              <ma14:wrappingTextBoxFlag xmlns="" xmlns:m="http://schemas.openxmlformats.org/officeDocument/2006/math" xmlns:a14="http://schemas.microsoft.com/office/drawing/2010/main" xmlns:ma14="http://schemas.microsoft.com/office/mac/drawingml/2011/main" val="1"/>
             </a:ext>
           </a:extLst>
         </p:spPr>
@@ -36622,7 +36823,7 @@
         <p:fade thruBlk="1"/>
       </p:transition>
     </mc:Choice>
-    <mc:Fallback xmlns:a14="http://schemas.microsoft.com/office/drawing/2010/main" xmlns:m="http://schemas.openxmlformats.org/officeDocument/2006/math" xmlns="">
+    <mc:Fallback xmlns="" xmlns:m="http://schemas.openxmlformats.org/officeDocument/2006/math" xmlns:a14="http://schemas.microsoft.com/office/drawing/2010/main">
       <p:transition spd="slow">
         <p:fade/>
       </p:transition>
@@ -36743,7 +36944,7 @@
           </a:ln>
           <a:extLst>
             <a:ext uri="{C572A759-6A51-4108-AA02-DFA0A04FC94B}">
-              <ma14:wrappingTextBoxFlag xmlns:ma14="http://schemas.microsoft.com/office/mac/drawingml/2011/main" xmlns:a14="http://schemas.microsoft.com/office/drawing/2010/main" xmlns:m="http://schemas.openxmlformats.org/officeDocument/2006/math" xmlns="" val="1"/>
+              <ma14:wrappingTextBoxFlag xmlns="" xmlns:m="http://schemas.openxmlformats.org/officeDocument/2006/math" xmlns:a14="http://schemas.microsoft.com/office/drawing/2010/main" xmlns:ma14="http://schemas.microsoft.com/office/mac/drawingml/2011/main" val="1"/>
             </a:ext>
           </a:extLst>
         </p:spPr>
@@ -36814,7 +37015,7 @@
           </a:ln>
           <a:extLst>
             <a:ext uri="{C572A759-6A51-4108-AA02-DFA0A04FC94B}">
-              <ma14:wrappingTextBoxFlag xmlns:ma14="http://schemas.microsoft.com/office/mac/drawingml/2011/main" xmlns:a14="http://schemas.microsoft.com/office/drawing/2010/main" xmlns:m="http://schemas.openxmlformats.org/officeDocument/2006/math" xmlns="" val="1"/>
+              <ma14:wrappingTextBoxFlag xmlns="" xmlns:m="http://schemas.openxmlformats.org/officeDocument/2006/math" xmlns:a14="http://schemas.microsoft.com/office/drawing/2010/main" xmlns:ma14="http://schemas.microsoft.com/office/mac/drawingml/2011/main" val="1"/>
             </a:ext>
           </a:extLst>
         </p:spPr>
@@ -36868,7 +37069,7 @@
           </a:ln>
           <a:extLst>
             <a:ext uri="{C572A759-6A51-4108-AA02-DFA0A04FC94B}">
-              <ma14:wrappingTextBoxFlag xmlns:ma14="http://schemas.microsoft.com/office/mac/drawingml/2011/main" xmlns:a14="http://schemas.microsoft.com/office/drawing/2010/main" xmlns:m="http://schemas.openxmlformats.org/officeDocument/2006/math" xmlns="" val="1"/>
+              <ma14:wrappingTextBoxFlag xmlns="" xmlns:m="http://schemas.openxmlformats.org/officeDocument/2006/math" xmlns:a14="http://schemas.microsoft.com/office/drawing/2010/main" xmlns:ma14="http://schemas.microsoft.com/office/mac/drawingml/2011/main" val="1"/>
             </a:ext>
           </a:extLst>
         </p:spPr>
@@ -36988,7 +37189,7 @@
         <p:fade thruBlk="1"/>
       </p:transition>
     </mc:Choice>
-    <mc:Fallback xmlns:a14="http://schemas.microsoft.com/office/drawing/2010/main" xmlns:m="http://schemas.openxmlformats.org/officeDocument/2006/math" xmlns="">
+    <mc:Fallback xmlns="" xmlns:m="http://schemas.openxmlformats.org/officeDocument/2006/math" xmlns:a14="http://schemas.microsoft.com/office/drawing/2010/main">
       <p:transition spd="slow">
         <p:fade/>
       </p:transition>
@@ -37109,7 +37310,7 @@
           </a:ln>
           <a:extLst>
             <a:ext uri="{C572A759-6A51-4108-AA02-DFA0A04FC94B}">
-              <ma14:wrappingTextBoxFlag xmlns:ma14="http://schemas.microsoft.com/office/mac/drawingml/2011/main" xmlns:a14="http://schemas.microsoft.com/office/drawing/2010/main" xmlns:m="http://schemas.openxmlformats.org/officeDocument/2006/math" xmlns="" val="1"/>
+              <ma14:wrappingTextBoxFlag xmlns="" xmlns:m="http://schemas.openxmlformats.org/officeDocument/2006/math" xmlns:a14="http://schemas.microsoft.com/office/drawing/2010/main" xmlns:ma14="http://schemas.microsoft.com/office/mac/drawingml/2011/main" val="1"/>
             </a:ext>
           </a:extLst>
         </p:spPr>
@@ -37180,7 +37381,7 @@
           </a:ln>
           <a:extLst>
             <a:ext uri="{C572A759-6A51-4108-AA02-DFA0A04FC94B}">
-              <ma14:wrappingTextBoxFlag xmlns:ma14="http://schemas.microsoft.com/office/mac/drawingml/2011/main" xmlns:a14="http://schemas.microsoft.com/office/drawing/2010/main" xmlns:m="http://schemas.openxmlformats.org/officeDocument/2006/math" xmlns="" val="1"/>
+              <ma14:wrappingTextBoxFlag xmlns="" xmlns:m="http://schemas.openxmlformats.org/officeDocument/2006/math" xmlns:a14="http://schemas.microsoft.com/office/drawing/2010/main" xmlns:ma14="http://schemas.microsoft.com/office/mac/drawingml/2011/main" val="1"/>
             </a:ext>
           </a:extLst>
         </p:spPr>
@@ -37224,7 +37425,7 @@
           </a:ln>
           <a:extLst>
             <a:ext uri="{C572A759-6A51-4108-AA02-DFA0A04FC94B}">
-              <ma14:wrappingTextBoxFlag xmlns:ma14="http://schemas.microsoft.com/office/mac/drawingml/2011/main" xmlns:a14="http://schemas.microsoft.com/office/drawing/2010/main" xmlns:m="http://schemas.openxmlformats.org/officeDocument/2006/math" xmlns="" val="1"/>
+              <ma14:wrappingTextBoxFlag xmlns="" xmlns:m="http://schemas.openxmlformats.org/officeDocument/2006/math" xmlns:a14="http://schemas.microsoft.com/office/drawing/2010/main" xmlns:ma14="http://schemas.microsoft.com/office/mac/drawingml/2011/main" val="1"/>
             </a:ext>
           </a:extLst>
         </p:spPr>
@@ -37289,7 +37490,7 @@
         <p:fade thruBlk="1"/>
       </p:transition>
     </mc:Choice>
-    <mc:Fallback xmlns:a14="http://schemas.microsoft.com/office/drawing/2010/main" xmlns:m="http://schemas.openxmlformats.org/officeDocument/2006/math" xmlns="">
+    <mc:Fallback xmlns="" xmlns:m="http://schemas.openxmlformats.org/officeDocument/2006/math" xmlns:a14="http://schemas.microsoft.com/office/drawing/2010/main">
       <p:transition spd="slow">
         <p:fade/>
       </p:transition>
@@ -37465,7 +37666,7 @@
           </a:ln>
           <a:extLst>
             <a:ext uri="{C572A759-6A51-4108-AA02-DFA0A04FC94B}">
-              <ma14:wrappingTextBoxFlag xmlns:ma14="http://schemas.microsoft.com/office/mac/drawingml/2011/main" xmlns:a14="http://schemas.microsoft.com/office/drawing/2010/main" xmlns:m="http://schemas.openxmlformats.org/officeDocument/2006/math" xmlns="" val="1"/>
+              <ma14:wrappingTextBoxFlag xmlns="" xmlns:m="http://schemas.openxmlformats.org/officeDocument/2006/math" xmlns:a14="http://schemas.microsoft.com/office/drawing/2010/main" xmlns:ma14="http://schemas.microsoft.com/office/mac/drawingml/2011/main" val="1"/>
             </a:ext>
           </a:extLst>
         </p:spPr>
@@ -37514,7 +37715,7 @@
           </a:ln>
           <a:extLst>
             <a:ext uri="{C572A759-6A51-4108-AA02-DFA0A04FC94B}">
-              <ma14:wrappingTextBoxFlag xmlns:ma14="http://schemas.microsoft.com/office/mac/drawingml/2011/main" xmlns:a14="http://schemas.microsoft.com/office/drawing/2010/main" xmlns:m="http://schemas.openxmlformats.org/officeDocument/2006/math" xmlns="" val="1"/>
+              <ma14:wrappingTextBoxFlag xmlns="" xmlns:m="http://schemas.openxmlformats.org/officeDocument/2006/math" xmlns:a14="http://schemas.microsoft.com/office/drawing/2010/main" xmlns:ma14="http://schemas.microsoft.com/office/mac/drawingml/2011/main" val="1"/>
             </a:ext>
           </a:extLst>
         </p:spPr>
@@ -37587,7 +37788,7 @@
           </a:ln>
           <a:extLst>
             <a:ext uri="{C572A759-6A51-4108-AA02-DFA0A04FC94B}">
-              <ma14:wrappingTextBoxFlag xmlns:ma14="http://schemas.microsoft.com/office/mac/drawingml/2011/main" xmlns:a14="http://schemas.microsoft.com/office/drawing/2010/main" xmlns:m="http://schemas.openxmlformats.org/officeDocument/2006/math" xmlns="" val="1"/>
+              <ma14:wrappingTextBoxFlag xmlns="" xmlns:m="http://schemas.openxmlformats.org/officeDocument/2006/math" xmlns:a14="http://schemas.microsoft.com/office/drawing/2010/main" xmlns:ma14="http://schemas.microsoft.com/office/mac/drawingml/2011/main" val="1"/>
             </a:ext>
           </a:extLst>
         </p:spPr>
@@ -37631,7 +37832,7 @@
           </a:ln>
           <a:extLst>
             <a:ext uri="{C572A759-6A51-4108-AA02-DFA0A04FC94B}">
-              <ma14:wrappingTextBoxFlag xmlns:ma14="http://schemas.microsoft.com/office/mac/drawingml/2011/main" xmlns:a14="http://schemas.microsoft.com/office/drawing/2010/main" xmlns:m="http://schemas.openxmlformats.org/officeDocument/2006/math" xmlns="" val="1"/>
+              <ma14:wrappingTextBoxFlag xmlns="" xmlns:m="http://schemas.openxmlformats.org/officeDocument/2006/math" xmlns:a14="http://schemas.microsoft.com/office/drawing/2010/main" xmlns:ma14="http://schemas.microsoft.com/office/mac/drawingml/2011/main" val="1"/>
             </a:ext>
           </a:extLst>
         </p:spPr>
@@ -37711,7 +37912,7 @@
         <p:fade thruBlk="1"/>
       </p:transition>
     </mc:Choice>
-    <mc:Fallback xmlns:a14="http://schemas.microsoft.com/office/drawing/2010/main" xmlns:m="http://schemas.openxmlformats.org/officeDocument/2006/math" xmlns="">
+    <mc:Fallback xmlns="" xmlns:m="http://schemas.openxmlformats.org/officeDocument/2006/math" xmlns:a14="http://schemas.microsoft.com/office/drawing/2010/main">
       <p:transition spd="slow">
         <p:fade/>
       </p:transition>
@@ -37832,7 +38033,7 @@
           </a:ln>
           <a:extLst>
             <a:ext uri="{C572A759-6A51-4108-AA02-DFA0A04FC94B}">
-              <ma14:wrappingTextBoxFlag xmlns:ma14="http://schemas.microsoft.com/office/mac/drawingml/2011/main" xmlns:a14="http://schemas.microsoft.com/office/drawing/2010/main" xmlns:m="http://schemas.openxmlformats.org/officeDocument/2006/math" xmlns="" val="1"/>
+              <ma14:wrappingTextBoxFlag xmlns="" xmlns:m="http://schemas.openxmlformats.org/officeDocument/2006/math" xmlns:a14="http://schemas.microsoft.com/office/drawing/2010/main" xmlns:ma14="http://schemas.microsoft.com/office/mac/drawingml/2011/main" val="1"/>
             </a:ext>
           </a:extLst>
         </p:spPr>
@@ -37903,7 +38104,7 @@
           </a:ln>
           <a:extLst>
             <a:ext uri="{C572A759-6A51-4108-AA02-DFA0A04FC94B}">
-              <ma14:wrappingTextBoxFlag xmlns:ma14="http://schemas.microsoft.com/office/mac/drawingml/2011/main" xmlns:a14="http://schemas.microsoft.com/office/drawing/2010/main" xmlns:m="http://schemas.openxmlformats.org/officeDocument/2006/math" xmlns="" val="1"/>
+              <ma14:wrappingTextBoxFlag xmlns="" xmlns:m="http://schemas.openxmlformats.org/officeDocument/2006/math" xmlns:a14="http://schemas.microsoft.com/office/drawing/2010/main" xmlns:ma14="http://schemas.microsoft.com/office/mac/drawingml/2011/main" val="1"/>
             </a:ext>
           </a:extLst>
         </p:spPr>
@@ -37947,7 +38148,7 @@
           </a:ln>
           <a:extLst>
             <a:ext uri="{C572A759-6A51-4108-AA02-DFA0A04FC94B}">
-              <ma14:wrappingTextBoxFlag xmlns:ma14="http://schemas.microsoft.com/office/mac/drawingml/2011/main" xmlns:a14="http://schemas.microsoft.com/office/drawing/2010/main" xmlns:m="http://schemas.openxmlformats.org/officeDocument/2006/math" xmlns="" val="1"/>
+              <ma14:wrappingTextBoxFlag xmlns="" xmlns:m="http://schemas.openxmlformats.org/officeDocument/2006/math" xmlns:a14="http://schemas.microsoft.com/office/drawing/2010/main" xmlns:ma14="http://schemas.microsoft.com/office/mac/drawingml/2011/main" val="1"/>
             </a:ext>
           </a:extLst>
         </p:spPr>
@@ -38174,7 +38375,7 @@
             </a:pPr>
             <a:r>
               <a:rPr lang="en-US" dirty="0"/>
-              <a:t>Objects</a:t>
+              <a:t>Object Types</a:t>
             </a:r>
           </a:p>
           <a:p>
@@ -38316,7 +38517,7 @@
         <p:fade thruBlk="1"/>
       </p:transition>
     </mc:Choice>
-    <mc:Fallback xmlns:a14="http://schemas.microsoft.com/office/drawing/2010/main" xmlns:m="http://schemas.openxmlformats.org/officeDocument/2006/math" xmlns="">
+    <mc:Fallback xmlns="" xmlns:m="http://schemas.openxmlformats.org/officeDocument/2006/math" xmlns:a14="http://schemas.microsoft.com/office/drawing/2010/main">
       <p:transition spd="slow">
         <p:fade/>
       </p:transition>
@@ -38437,7 +38638,7 @@
           </a:ln>
           <a:extLst>
             <a:ext uri="{C572A759-6A51-4108-AA02-DFA0A04FC94B}">
-              <ma14:wrappingTextBoxFlag xmlns:ma14="http://schemas.microsoft.com/office/mac/drawingml/2011/main" xmlns:a14="http://schemas.microsoft.com/office/drawing/2010/main" xmlns:m="http://schemas.openxmlformats.org/officeDocument/2006/math" xmlns="" val="1"/>
+              <ma14:wrappingTextBoxFlag xmlns="" xmlns:m="http://schemas.openxmlformats.org/officeDocument/2006/math" xmlns:a14="http://schemas.microsoft.com/office/drawing/2010/main" xmlns:ma14="http://schemas.microsoft.com/office/mac/drawingml/2011/main" val="1"/>
             </a:ext>
           </a:extLst>
         </p:spPr>
@@ -38508,7 +38709,7 @@
           </a:ln>
           <a:extLst>
             <a:ext uri="{C572A759-6A51-4108-AA02-DFA0A04FC94B}">
-              <ma14:wrappingTextBoxFlag xmlns:ma14="http://schemas.microsoft.com/office/mac/drawingml/2011/main" xmlns:a14="http://schemas.microsoft.com/office/drawing/2010/main" xmlns:m="http://schemas.openxmlformats.org/officeDocument/2006/math" xmlns="" val="1"/>
+              <ma14:wrappingTextBoxFlag xmlns="" xmlns:m="http://schemas.openxmlformats.org/officeDocument/2006/math" xmlns:a14="http://schemas.microsoft.com/office/drawing/2010/main" xmlns:ma14="http://schemas.microsoft.com/office/mac/drawingml/2011/main" val="1"/>
             </a:ext>
           </a:extLst>
         </p:spPr>
@@ -38552,7 +38753,7 @@
           </a:ln>
           <a:extLst>
             <a:ext uri="{C572A759-6A51-4108-AA02-DFA0A04FC94B}">
-              <ma14:wrappingTextBoxFlag xmlns:ma14="http://schemas.microsoft.com/office/mac/drawingml/2011/main" xmlns:a14="http://schemas.microsoft.com/office/drawing/2010/main" xmlns:m="http://schemas.openxmlformats.org/officeDocument/2006/math" xmlns="" val="1"/>
+              <ma14:wrappingTextBoxFlag xmlns="" xmlns:m="http://schemas.openxmlformats.org/officeDocument/2006/math" xmlns:a14="http://schemas.microsoft.com/office/drawing/2010/main" xmlns:ma14="http://schemas.microsoft.com/office/mac/drawingml/2011/main" val="1"/>
             </a:ext>
           </a:extLst>
         </p:spPr>
@@ -38704,7 +38905,7 @@
         <p:fade thruBlk="1"/>
       </p:transition>
     </mc:Choice>
-    <mc:Fallback xmlns:a14="http://schemas.microsoft.com/office/drawing/2010/main" xmlns:m="http://schemas.openxmlformats.org/officeDocument/2006/math" xmlns="">
+    <mc:Fallback xmlns="" xmlns:m="http://schemas.openxmlformats.org/officeDocument/2006/math" xmlns:a14="http://schemas.microsoft.com/office/drawing/2010/main">
       <p:transition spd="slow">
         <p:fade/>
       </p:transition>
@@ -38825,7 +39026,7 @@
           </a:ln>
           <a:extLst>
             <a:ext uri="{C572A759-6A51-4108-AA02-DFA0A04FC94B}">
-              <ma14:wrappingTextBoxFlag xmlns:ma14="http://schemas.microsoft.com/office/mac/drawingml/2011/main" xmlns:a14="http://schemas.microsoft.com/office/drawing/2010/main" xmlns:m="http://schemas.openxmlformats.org/officeDocument/2006/math" xmlns="" val="1"/>
+              <ma14:wrappingTextBoxFlag xmlns="" xmlns:m="http://schemas.openxmlformats.org/officeDocument/2006/math" xmlns:a14="http://schemas.microsoft.com/office/drawing/2010/main" xmlns:ma14="http://schemas.microsoft.com/office/mac/drawingml/2011/main" val="1"/>
             </a:ext>
           </a:extLst>
         </p:spPr>
@@ -38896,7 +39097,7 @@
           </a:ln>
           <a:extLst>
             <a:ext uri="{C572A759-6A51-4108-AA02-DFA0A04FC94B}">
-              <ma14:wrappingTextBoxFlag xmlns:ma14="http://schemas.microsoft.com/office/mac/drawingml/2011/main" xmlns:a14="http://schemas.microsoft.com/office/drawing/2010/main" xmlns:m="http://schemas.openxmlformats.org/officeDocument/2006/math" xmlns="" val="1"/>
+              <ma14:wrappingTextBoxFlag xmlns="" xmlns:m="http://schemas.openxmlformats.org/officeDocument/2006/math" xmlns:a14="http://schemas.microsoft.com/office/drawing/2010/main" xmlns:ma14="http://schemas.microsoft.com/office/mac/drawingml/2011/main" val="1"/>
             </a:ext>
           </a:extLst>
         </p:spPr>
@@ -38940,7 +39141,7 @@
           </a:ln>
           <a:extLst>
             <a:ext uri="{C572A759-6A51-4108-AA02-DFA0A04FC94B}">
-              <ma14:wrappingTextBoxFlag xmlns:ma14="http://schemas.microsoft.com/office/mac/drawingml/2011/main" xmlns:a14="http://schemas.microsoft.com/office/drawing/2010/main" xmlns:m="http://schemas.openxmlformats.org/officeDocument/2006/math" xmlns="" val="1"/>
+              <ma14:wrappingTextBoxFlag xmlns="" xmlns:m="http://schemas.openxmlformats.org/officeDocument/2006/math" xmlns:a14="http://schemas.microsoft.com/office/drawing/2010/main" xmlns:ma14="http://schemas.microsoft.com/office/mac/drawingml/2011/main" val="1"/>
             </a:ext>
           </a:extLst>
         </p:spPr>
@@ -39000,7 +39201,7 @@
         <p:fade thruBlk="1"/>
       </p:transition>
     </mc:Choice>
-    <mc:Fallback xmlns:a14="http://schemas.microsoft.com/office/drawing/2010/main" xmlns:m="http://schemas.openxmlformats.org/officeDocument/2006/math" xmlns="">
+    <mc:Fallback xmlns="" xmlns:m="http://schemas.openxmlformats.org/officeDocument/2006/math" xmlns:a14="http://schemas.microsoft.com/office/drawing/2010/main">
       <p:transition spd="slow">
         <p:fade/>
       </p:transition>
@@ -39121,7 +39322,7 @@
           </a:ln>
           <a:extLst>
             <a:ext uri="{C572A759-6A51-4108-AA02-DFA0A04FC94B}">
-              <ma14:wrappingTextBoxFlag xmlns:ma14="http://schemas.microsoft.com/office/mac/drawingml/2011/main" xmlns:a14="http://schemas.microsoft.com/office/drawing/2010/main" xmlns:m="http://schemas.openxmlformats.org/officeDocument/2006/math" xmlns="" val="1"/>
+              <ma14:wrappingTextBoxFlag xmlns="" xmlns:m="http://schemas.openxmlformats.org/officeDocument/2006/math" xmlns:a14="http://schemas.microsoft.com/office/drawing/2010/main" xmlns:ma14="http://schemas.microsoft.com/office/mac/drawingml/2011/main" val="1"/>
             </a:ext>
           </a:extLst>
         </p:spPr>
@@ -39192,7 +39393,7 @@
           </a:ln>
           <a:extLst>
             <a:ext uri="{C572A759-6A51-4108-AA02-DFA0A04FC94B}">
-              <ma14:wrappingTextBoxFlag xmlns:ma14="http://schemas.microsoft.com/office/mac/drawingml/2011/main" xmlns:a14="http://schemas.microsoft.com/office/drawing/2010/main" xmlns:m="http://schemas.openxmlformats.org/officeDocument/2006/math" xmlns="" val="1"/>
+              <ma14:wrappingTextBoxFlag xmlns="" xmlns:m="http://schemas.openxmlformats.org/officeDocument/2006/math" xmlns:a14="http://schemas.microsoft.com/office/drawing/2010/main" xmlns:ma14="http://schemas.microsoft.com/office/mac/drawingml/2011/main" val="1"/>
             </a:ext>
           </a:extLst>
         </p:spPr>
@@ -39238,7 +39439,7 @@
           </a:ln>
           <a:extLst>
             <a:ext uri="{C572A759-6A51-4108-AA02-DFA0A04FC94B}">
-              <ma14:wrappingTextBoxFlag xmlns:ma14="http://schemas.microsoft.com/office/mac/drawingml/2011/main" xmlns:a14="http://schemas.microsoft.com/office/drawing/2010/main" xmlns:m="http://schemas.openxmlformats.org/officeDocument/2006/math" xmlns="" val="1"/>
+              <ma14:wrappingTextBoxFlag xmlns="" xmlns:m="http://schemas.openxmlformats.org/officeDocument/2006/math" xmlns:a14="http://schemas.microsoft.com/office/drawing/2010/main" xmlns:ma14="http://schemas.microsoft.com/office/mac/drawingml/2011/main" val="1"/>
             </a:ext>
           </a:extLst>
         </p:spPr>
@@ -39310,7 +39511,7 @@
         <p:fade thruBlk="1"/>
       </p:transition>
     </mc:Choice>
-    <mc:Fallback xmlns:a14="http://schemas.microsoft.com/office/drawing/2010/main" xmlns:m="http://schemas.openxmlformats.org/officeDocument/2006/math" xmlns="">
+    <mc:Fallback xmlns="" xmlns:m="http://schemas.openxmlformats.org/officeDocument/2006/math" xmlns:a14="http://schemas.microsoft.com/office/drawing/2010/main">
       <p:transition spd="slow">
         <p:fade/>
       </p:transition>
@@ -39431,7 +39632,7 @@
           </a:ln>
           <a:extLst>
             <a:ext uri="{C572A759-6A51-4108-AA02-DFA0A04FC94B}">
-              <ma14:wrappingTextBoxFlag xmlns:ma14="http://schemas.microsoft.com/office/mac/drawingml/2011/main" xmlns:a14="http://schemas.microsoft.com/office/drawing/2010/main" xmlns:m="http://schemas.openxmlformats.org/officeDocument/2006/math" xmlns="" val="1"/>
+              <ma14:wrappingTextBoxFlag xmlns="" xmlns:m="http://schemas.openxmlformats.org/officeDocument/2006/math" xmlns:a14="http://schemas.microsoft.com/office/drawing/2010/main" xmlns:ma14="http://schemas.microsoft.com/office/mac/drawingml/2011/main" val="1"/>
             </a:ext>
           </a:extLst>
         </p:spPr>
@@ -39502,7 +39703,7 @@
           </a:ln>
           <a:extLst>
             <a:ext uri="{C572A759-6A51-4108-AA02-DFA0A04FC94B}">
-              <ma14:wrappingTextBoxFlag xmlns:ma14="http://schemas.microsoft.com/office/mac/drawingml/2011/main" xmlns:a14="http://schemas.microsoft.com/office/drawing/2010/main" xmlns:m="http://schemas.openxmlformats.org/officeDocument/2006/math" xmlns="" val="1"/>
+              <ma14:wrappingTextBoxFlag xmlns="" xmlns:m="http://schemas.openxmlformats.org/officeDocument/2006/math" xmlns:a14="http://schemas.microsoft.com/office/drawing/2010/main" xmlns:ma14="http://schemas.microsoft.com/office/mac/drawingml/2011/main" val="1"/>
             </a:ext>
           </a:extLst>
         </p:spPr>
@@ -39548,7 +39749,7 @@
           </a:ln>
           <a:extLst>
             <a:ext uri="{C572A759-6A51-4108-AA02-DFA0A04FC94B}">
-              <ma14:wrappingTextBoxFlag xmlns:ma14="http://schemas.microsoft.com/office/mac/drawingml/2011/main" xmlns:a14="http://schemas.microsoft.com/office/drawing/2010/main" xmlns:m="http://schemas.openxmlformats.org/officeDocument/2006/math" xmlns="" val="1"/>
+              <ma14:wrappingTextBoxFlag xmlns="" xmlns:m="http://schemas.openxmlformats.org/officeDocument/2006/math" xmlns:a14="http://schemas.microsoft.com/office/drawing/2010/main" xmlns:ma14="http://schemas.microsoft.com/office/mac/drawingml/2011/main" val="1"/>
             </a:ext>
           </a:extLst>
         </p:spPr>
@@ -39770,7 +39971,7 @@
         <p:fade thruBlk="1"/>
       </p:transition>
     </mc:Choice>
-    <mc:Fallback xmlns:a14="http://schemas.microsoft.com/office/drawing/2010/main" xmlns:m="http://schemas.openxmlformats.org/officeDocument/2006/math" xmlns="">
+    <mc:Fallback xmlns="" xmlns:m="http://schemas.openxmlformats.org/officeDocument/2006/math" xmlns:a14="http://schemas.microsoft.com/office/drawing/2010/main">
       <p:transition spd="slow">
         <p:fade/>
       </p:transition>
@@ -39891,7 +40092,7 @@
           </a:ln>
           <a:extLst>
             <a:ext uri="{C572A759-6A51-4108-AA02-DFA0A04FC94B}">
-              <ma14:wrappingTextBoxFlag xmlns:ma14="http://schemas.microsoft.com/office/mac/drawingml/2011/main" xmlns:a14="http://schemas.microsoft.com/office/drawing/2010/main" xmlns:m="http://schemas.openxmlformats.org/officeDocument/2006/math" xmlns="" val="1"/>
+              <ma14:wrappingTextBoxFlag xmlns="" xmlns:m="http://schemas.openxmlformats.org/officeDocument/2006/math" xmlns:a14="http://schemas.microsoft.com/office/drawing/2010/main" xmlns:ma14="http://schemas.microsoft.com/office/mac/drawingml/2011/main" val="1"/>
             </a:ext>
           </a:extLst>
         </p:spPr>
@@ -39962,7 +40163,7 @@
           </a:ln>
           <a:extLst>
             <a:ext uri="{C572A759-6A51-4108-AA02-DFA0A04FC94B}">
-              <ma14:wrappingTextBoxFlag xmlns:ma14="http://schemas.microsoft.com/office/mac/drawingml/2011/main" xmlns:a14="http://schemas.microsoft.com/office/drawing/2010/main" xmlns:m="http://schemas.openxmlformats.org/officeDocument/2006/math" xmlns="" val="1"/>
+              <ma14:wrappingTextBoxFlag xmlns="" xmlns:m="http://schemas.openxmlformats.org/officeDocument/2006/math" xmlns:a14="http://schemas.microsoft.com/office/drawing/2010/main" xmlns:ma14="http://schemas.microsoft.com/office/mac/drawingml/2011/main" val="1"/>
             </a:ext>
           </a:extLst>
         </p:spPr>
@@ -40008,7 +40209,7 @@
           </a:ln>
           <a:extLst>
             <a:ext uri="{C572A759-6A51-4108-AA02-DFA0A04FC94B}">
-              <ma14:wrappingTextBoxFlag xmlns:ma14="http://schemas.microsoft.com/office/mac/drawingml/2011/main" xmlns:a14="http://schemas.microsoft.com/office/drawing/2010/main" xmlns:m="http://schemas.openxmlformats.org/officeDocument/2006/math" xmlns="" val="1"/>
+              <ma14:wrappingTextBoxFlag xmlns="" xmlns:m="http://schemas.openxmlformats.org/officeDocument/2006/math" xmlns:a14="http://schemas.microsoft.com/office/drawing/2010/main" xmlns:ma14="http://schemas.microsoft.com/office/mac/drawingml/2011/main" val="1"/>
             </a:ext>
           </a:extLst>
         </p:spPr>
@@ -40180,7 +40381,7 @@
         <p:fade thruBlk="1"/>
       </p:transition>
     </mc:Choice>
-    <mc:Fallback xmlns:a14="http://schemas.microsoft.com/office/drawing/2010/main" xmlns:m="http://schemas.openxmlformats.org/officeDocument/2006/math" xmlns="">
+    <mc:Fallback xmlns="" xmlns:m="http://schemas.openxmlformats.org/officeDocument/2006/math" xmlns:a14="http://schemas.microsoft.com/office/drawing/2010/main">
       <p:transition spd="slow">
         <p:fade/>
       </p:transition>
@@ -40301,7 +40502,7 @@
           </a:ln>
           <a:extLst>
             <a:ext uri="{C572A759-6A51-4108-AA02-DFA0A04FC94B}">
-              <ma14:wrappingTextBoxFlag xmlns:ma14="http://schemas.microsoft.com/office/mac/drawingml/2011/main" xmlns:a14="http://schemas.microsoft.com/office/drawing/2010/main" xmlns:m="http://schemas.openxmlformats.org/officeDocument/2006/math" xmlns="" val="1"/>
+              <ma14:wrappingTextBoxFlag xmlns="" xmlns:m="http://schemas.openxmlformats.org/officeDocument/2006/math" xmlns:a14="http://schemas.microsoft.com/office/drawing/2010/main" xmlns:ma14="http://schemas.microsoft.com/office/mac/drawingml/2011/main" val="1"/>
             </a:ext>
           </a:extLst>
         </p:spPr>
@@ -40372,7 +40573,7 @@
           </a:ln>
           <a:extLst>
             <a:ext uri="{C572A759-6A51-4108-AA02-DFA0A04FC94B}">
-              <ma14:wrappingTextBoxFlag xmlns:ma14="http://schemas.microsoft.com/office/mac/drawingml/2011/main" xmlns:a14="http://schemas.microsoft.com/office/drawing/2010/main" xmlns:m="http://schemas.openxmlformats.org/officeDocument/2006/math" xmlns="" val="1"/>
+              <ma14:wrappingTextBoxFlag xmlns="" xmlns:m="http://schemas.openxmlformats.org/officeDocument/2006/math" xmlns:a14="http://schemas.microsoft.com/office/drawing/2010/main" xmlns:ma14="http://schemas.microsoft.com/office/mac/drawingml/2011/main" val="1"/>
             </a:ext>
           </a:extLst>
         </p:spPr>
@@ -40418,7 +40619,7 @@
           </a:ln>
           <a:extLst>
             <a:ext uri="{C572A759-6A51-4108-AA02-DFA0A04FC94B}">
-              <ma14:wrappingTextBoxFlag xmlns:ma14="http://schemas.microsoft.com/office/mac/drawingml/2011/main" xmlns:a14="http://schemas.microsoft.com/office/drawing/2010/main" xmlns:m="http://schemas.openxmlformats.org/officeDocument/2006/math" xmlns="" val="1"/>
+              <ma14:wrappingTextBoxFlag xmlns="" xmlns:m="http://schemas.openxmlformats.org/officeDocument/2006/math" xmlns:a14="http://schemas.microsoft.com/office/drawing/2010/main" xmlns:ma14="http://schemas.microsoft.com/office/mac/drawingml/2011/main" val="1"/>
             </a:ext>
           </a:extLst>
         </p:spPr>
@@ -40540,7 +40741,7 @@
         <p:fade thruBlk="1"/>
       </p:transition>
     </mc:Choice>
-    <mc:Fallback xmlns:a14="http://schemas.microsoft.com/office/drawing/2010/main" xmlns:m="http://schemas.openxmlformats.org/officeDocument/2006/math" xmlns="">
+    <mc:Fallback xmlns="" xmlns:m="http://schemas.openxmlformats.org/officeDocument/2006/math" xmlns:a14="http://schemas.microsoft.com/office/drawing/2010/main">
       <p:transition spd="slow">
         <p:fade/>
       </p:transition>
@@ -40661,7 +40862,7 @@
           </a:ln>
           <a:extLst>
             <a:ext uri="{C572A759-6A51-4108-AA02-DFA0A04FC94B}">
-              <ma14:wrappingTextBoxFlag xmlns:ma14="http://schemas.microsoft.com/office/mac/drawingml/2011/main" xmlns:a14="http://schemas.microsoft.com/office/drawing/2010/main" xmlns:m="http://schemas.openxmlformats.org/officeDocument/2006/math" xmlns="" val="1"/>
+              <ma14:wrappingTextBoxFlag xmlns="" xmlns:m="http://schemas.openxmlformats.org/officeDocument/2006/math" xmlns:a14="http://schemas.microsoft.com/office/drawing/2010/main" xmlns:ma14="http://schemas.microsoft.com/office/mac/drawingml/2011/main" val="1"/>
             </a:ext>
           </a:extLst>
         </p:spPr>
@@ -40732,7 +40933,7 @@
           </a:ln>
           <a:extLst>
             <a:ext uri="{C572A759-6A51-4108-AA02-DFA0A04FC94B}">
-              <ma14:wrappingTextBoxFlag xmlns:ma14="http://schemas.microsoft.com/office/mac/drawingml/2011/main" xmlns:a14="http://schemas.microsoft.com/office/drawing/2010/main" xmlns:m="http://schemas.openxmlformats.org/officeDocument/2006/math" xmlns="" val="1"/>
+              <ma14:wrappingTextBoxFlag xmlns="" xmlns:m="http://schemas.openxmlformats.org/officeDocument/2006/math" xmlns:a14="http://schemas.microsoft.com/office/drawing/2010/main" xmlns:ma14="http://schemas.microsoft.com/office/mac/drawingml/2011/main" val="1"/>
             </a:ext>
           </a:extLst>
         </p:spPr>
@@ -40778,7 +40979,7 @@
           </a:ln>
           <a:extLst>
             <a:ext uri="{C572A759-6A51-4108-AA02-DFA0A04FC94B}">
-              <ma14:wrappingTextBoxFlag xmlns:ma14="http://schemas.microsoft.com/office/mac/drawingml/2011/main" xmlns:a14="http://schemas.microsoft.com/office/drawing/2010/main" xmlns:m="http://schemas.openxmlformats.org/officeDocument/2006/math" xmlns="" val="1"/>
+              <ma14:wrappingTextBoxFlag xmlns="" xmlns:m="http://schemas.openxmlformats.org/officeDocument/2006/math" xmlns:a14="http://schemas.microsoft.com/office/drawing/2010/main" xmlns:ma14="http://schemas.microsoft.com/office/mac/drawingml/2011/main" val="1"/>
             </a:ext>
           </a:extLst>
         </p:spPr>
@@ -40989,7 +41190,7 @@
         <p:fade thruBlk="1"/>
       </p:transition>
     </mc:Choice>
-    <mc:Fallback xmlns:a14="http://schemas.microsoft.com/office/drawing/2010/main" xmlns:m="http://schemas.openxmlformats.org/officeDocument/2006/math" xmlns="">
+    <mc:Fallback xmlns="" xmlns:m="http://schemas.openxmlformats.org/officeDocument/2006/math" xmlns:a14="http://schemas.microsoft.com/office/drawing/2010/main">
       <p:transition spd="slow">
         <p:fade/>
       </p:transition>
@@ -41110,7 +41311,7 @@
           </a:ln>
           <a:extLst>
             <a:ext uri="{C572A759-6A51-4108-AA02-DFA0A04FC94B}">
-              <ma14:wrappingTextBoxFlag xmlns:ma14="http://schemas.microsoft.com/office/mac/drawingml/2011/main" xmlns:a14="http://schemas.microsoft.com/office/drawing/2010/main" xmlns:m="http://schemas.openxmlformats.org/officeDocument/2006/math" xmlns="" val="1"/>
+              <ma14:wrappingTextBoxFlag xmlns="" xmlns:m="http://schemas.openxmlformats.org/officeDocument/2006/math" xmlns:a14="http://schemas.microsoft.com/office/drawing/2010/main" xmlns:ma14="http://schemas.microsoft.com/office/mac/drawingml/2011/main" val="1"/>
             </a:ext>
           </a:extLst>
         </p:spPr>
@@ -41181,7 +41382,7 @@
           </a:ln>
           <a:extLst>
             <a:ext uri="{C572A759-6A51-4108-AA02-DFA0A04FC94B}">
-              <ma14:wrappingTextBoxFlag xmlns:ma14="http://schemas.microsoft.com/office/mac/drawingml/2011/main" xmlns:a14="http://schemas.microsoft.com/office/drawing/2010/main" xmlns:m="http://schemas.openxmlformats.org/officeDocument/2006/math" xmlns="" val="1"/>
+              <ma14:wrappingTextBoxFlag xmlns="" xmlns:m="http://schemas.openxmlformats.org/officeDocument/2006/math" xmlns:a14="http://schemas.microsoft.com/office/drawing/2010/main" xmlns:ma14="http://schemas.microsoft.com/office/mac/drawingml/2011/main" val="1"/>
             </a:ext>
           </a:extLst>
         </p:spPr>
@@ -41227,7 +41428,7 @@
           </a:ln>
           <a:extLst>
             <a:ext uri="{C572A759-6A51-4108-AA02-DFA0A04FC94B}">
-              <ma14:wrappingTextBoxFlag xmlns:ma14="http://schemas.microsoft.com/office/mac/drawingml/2011/main" xmlns:a14="http://schemas.microsoft.com/office/drawing/2010/main" xmlns:m="http://schemas.openxmlformats.org/officeDocument/2006/math" xmlns="" val="1"/>
+              <ma14:wrappingTextBoxFlag xmlns="" xmlns:m="http://schemas.openxmlformats.org/officeDocument/2006/math" xmlns:a14="http://schemas.microsoft.com/office/drawing/2010/main" xmlns:ma14="http://schemas.microsoft.com/office/mac/drawingml/2011/main" val="1"/>
             </a:ext>
           </a:extLst>
         </p:spPr>
@@ -41379,7 +41580,7 @@
         <p:fade thruBlk="1"/>
       </p:transition>
     </mc:Choice>
-    <mc:Fallback xmlns:a14="http://schemas.microsoft.com/office/drawing/2010/main" xmlns:m="http://schemas.openxmlformats.org/officeDocument/2006/math" xmlns="">
+    <mc:Fallback xmlns="" xmlns:m="http://schemas.openxmlformats.org/officeDocument/2006/math" xmlns:a14="http://schemas.microsoft.com/office/drawing/2010/main">
       <p:transition spd="slow">
         <p:fade/>
       </p:transition>
@@ -41500,7 +41701,7 @@
           </a:ln>
           <a:extLst>
             <a:ext uri="{C572A759-6A51-4108-AA02-DFA0A04FC94B}">
-              <ma14:wrappingTextBoxFlag xmlns:ma14="http://schemas.microsoft.com/office/mac/drawingml/2011/main" xmlns:a14="http://schemas.microsoft.com/office/drawing/2010/main" xmlns:m="http://schemas.openxmlformats.org/officeDocument/2006/math" xmlns="" val="1"/>
+              <ma14:wrappingTextBoxFlag xmlns="" xmlns:m="http://schemas.openxmlformats.org/officeDocument/2006/math" xmlns:a14="http://schemas.microsoft.com/office/drawing/2010/main" xmlns:ma14="http://schemas.microsoft.com/office/mac/drawingml/2011/main" val="1"/>
             </a:ext>
           </a:extLst>
         </p:spPr>
@@ -41571,7 +41772,7 @@
           </a:ln>
           <a:extLst>
             <a:ext uri="{C572A759-6A51-4108-AA02-DFA0A04FC94B}">
-              <ma14:wrappingTextBoxFlag xmlns:ma14="http://schemas.microsoft.com/office/mac/drawingml/2011/main" xmlns:a14="http://schemas.microsoft.com/office/drawing/2010/main" xmlns:m="http://schemas.openxmlformats.org/officeDocument/2006/math" xmlns="" val="1"/>
+              <ma14:wrappingTextBoxFlag xmlns="" xmlns:m="http://schemas.openxmlformats.org/officeDocument/2006/math" xmlns:a14="http://schemas.microsoft.com/office/drawing/2010/main" xmlns:ma14="http://schemas.microsoft.com/office/mac/drawingml/2011/main" val="1"/>
             </a:ext>
           </a:extLst>
         </p:spPr>
@@ -41617,7 +41818,7 @@
           </a:ln>
           <a:extLst>
             <a:ext uri="{C572A759-6A51-4108-AA02-DFA0A04FC94B}">
-              <ma14:wrappingTextBoxFlag xmlns:ma14="http://schemas.microsoft.com/office/mac/drawingml/2011/main" xmlns:a14="http://schemas.microsoft.com/office/drawing/2010/main" xmlns:m="http://schemas.openxmlformats.org/officeDocument/2006/math" xmlns="" val="1"/>
+              <ma14:wrappingTextBoxFlag xmlns="" xmlns:m="http://schemas.openxmlformats.org/officeDocument/2006/math" xmlns:a14="http://schemas.microsoft.com/office/drawing/2010/main" xmlns:ma14="http://schemas.microsoft.com/office/mac/drawingml/2011/main" val="1"/>
             </a:ext>
           </a:extLst>
         </p:spPr>
@@ -41731,7 +41932,7 @@
         <p:fade thruBlk="1"/>
       </p:transition>
     </mc:Choice>
-    <mc:Fallback xmlns:a14="http://schemas.microsoft.com/office/drawing/2010/main" xmlns:m="http://schemas.openxmlformats.org/officeDocument/2006/math" xmlns="">
+    <mc:Fallback xmlns="" xmlns:m="http://schemas.openxmlformats.org/officeDocument/2006/math" xmlns:a14="http://schemas.microsoft.com/office/drawing/2010/main">
       <p:transition spd="slow">
         <p:fade/>
       </p:transition>
@@ -41852,7 +42053,7 @@
           </a:ln>
           <a:extLst>
             <a:ext uri="{C572A759-6A51-4108-AA02-DFA0A04FC94B}">
-              <ma14:wrappingTextBoxFlag xmlns:ma14="http://schemas.microsoft.com/office/mac/drawingml/2011/main" xmlns:a14="http://schemas.microsoft.com/office/drawing/2010/main" xmlns:m="http://schemas.openxmlformats.org/officeDocument/2006/math" xmlns="" val="1"/>
+              <ma14:wrappingTextBoxFlag xmlns="" xmlns:m="http://schemas.openxmlformats.org/officeDocument/2006/math" xmlns:a14="http://schemas.microsoft.com/office/drawing/2010/main" xmlns:ma14="http://schemas.microsoft.com/office/mac/drawingml/2011/main" val="1"/>
             </a:ext>
           </a:extLst>
         </p:spPr>
@@ -41923,7 +42124,7 @@
           </a:ln>
           <a:extLst>
             <a:ext uri="{C572A759-6A51-4108-AA02-DFA0A04FC94B}">
-              <ma14:wrappingTextBoxFlag xmlns:ma14="http://schemas.microsoft.com/office/mac/drawingml/2011/main" xmlns:a14="http://schemas.microsoft.com/office/drawing/2010/main" xmlns:m="http://schemas.openxmlformats.org/officeDocument/2006/math" xmlns="" val="1"/>
+              <ma14:wrappingTextBoxFlag xmlns="" xmlns:m="http://schemas.openxmlformats.org/officeDocument/2006/math" xmlns:a14="http://schemas.microsoft.com/office/drawing/2010/main" xmlns:ma14="http://schemas.microsoft.com/office/mac/drawingml/2011/main" val="1"/>
             </a:ext>
           </a:extLst>
         </p:spPr>
@@ -41969,7 +42170,7 @@
           </a:ln>
           <a:extLst>
             <a:ext uri="{C572A759-6A51-4108-AA02-DFA0A04FC94B}">
-              <ma14:wrappingTextBoxFlag xmlns:ma14="http://schemas.microsoft.com/office/mac/drawingml/2011/main" xmlns:a14="http://schemas.microsoft.com/office/drawing/2010/main" xmlns:m="http://schemas.openxmlformats.org/officeDocument/2006/math" xmlns="" val="1"/>
+              <ma14:wrappingTextBoxFlag xmlns="" xmlns:m="http://schemas.openxmlformats.org/officeDocument/2006/math" xmlns:a14="http://schemas.microsoft.com/office/drawing/2010/main" xmlns:ma14="http://schemas.microsoft.com/office/mac/drawingml/2011/main" val="1"/>
             </a:ext>
           </a:extLst>
         </p:spPr>
@@ -42065,7 +42266,7 @@
         <p:fade thruBlk="1"/>
       </p:transition>
     </mc:Choice>
-    <mc:Fallback xmlns:a14="http://schemas.microsoft.com/office/drawing/2010/main" xmlns:m="http://schemas.openxmlformats.org/officeDocument/2006/math" xmlns="">
+    <mc:Fallback xmlns="" xmlns:m="http://schemas.openxmlformats.org/officeDocument/2006/math" xmlns:a14="http://schemas.microsoft.com/office/drawing/2010/main">
       <p:transition spd="slow">
         <p:fade/>
       </p:transition>
@@ -42186,7 +42387,7 @@
           </a:ln>
           <a:extLst>
             <a:ext uri="{C572A759-6A51-4108-AA02-DFA0A04FC94B}">
-              <ma14:wrappingTextBoxFlag xmlns:ma14="http://schemas.microsoft.com/office/mac/drawingml/2011/main" xmlns:a14="http://schemas.microsoft.com/office/drawing/2010/main" xmlns:m="http://schemas.openxmlformats.org/officeDocument/2006/math" xmlns="" val="1"/>
+              <ma14:wrappingTextBoxFlag xmlns="" xmlns:m="http://schemas.openxmlformats.org/officeDocument/2006/math" xmlns:a14="http://schemas.microsoft.com/office/drawing/2010/main" xmlns:ma14="http://schemas.microsoft.com/office/mac/drawingml/2011/main" val="1"/>
             </a:ext>
           </a:extLst>
         </p:spPr>
@@ -42257,7 +42458,7 @@
           </a:ln>
           <a:extLst>
             <a:ext uri="{C572A759-6A51-4108-AA02-DFA0A04FC94B}">
-              <ma14:wrappingTextBoxFlag xmlns:ma14="http://schemas.microsoft.com/office/mac/drawingml/2011/main" xmlns:a14="http://schemas.microsoft.com/office/drawing/2010/main" xmlns:m="http://schemas.openxmlformats.org/officeDocument/2006/math" xmlns="" val="1"/>
+              <ma14:wrappingTextBoxFlag xmlns="" xmlns:m="http://schemas.openxmlformats.org/officeDocument/2006/math" xmlns:a14="http://schemas.microsoft.com/office/drawing/2010/main" xmlns:ma14="http://schemas.microsoft.com/office/mac/drawingml/2011/main" val="1"/>
             </a:ext>
           </a:extLst>
         </p:spPr>
@@ -42303,7 +42504,7 @@
           </a:ln>
           <a:extLst>
             <a:ext uri="{C572A759-6A51-4108-AA02-DFA0A04FC94B}">
-              <ma14:wrappingTextBoxFlag xmlns:ma14="http://schemas.microsoft.com/office/mac/drawingml/2011/main" xmlns:a14="http://schemas.microsoft.com/office/drawing/2010/main" xmlns:m="http://schemas.openxmlformats.org/officeDocument/2006/math" xmlns="" val="1"/>
+              <ma14:wrappingTextBoxFlag xmlns="" xmlns:m="http://schemas.openxmlformats.org/officeDocument/2006/math" xmlns:a14="http://schemas.microsoft.com/office/drawing/2010/main" xmlns:ma14="http://schemas.microsoft.com/office/mac/drawingml/2011/main" val="1"/>
             </a:ext>
           </a:extLst>
         </p:spPr>
@@ -42399,7 +42600,7 @@
         <p:fade thruBlk="1"/>
       </p:transition>
     </mc:Choice>
-    <mc:Fallback xmlns:a14="http://schemas.microsoft.com/office/drawing/2010/main" xmlns:m="http://schemas.openxmlformats.org/officeDocument/2006/math" xmlns="">
+    <mc:Fallback xmlns="" xmlns:m="http://schemas.openxmlformats.org/officeDocument/2006/math" xmlns:a14="http://schemas.microsoft.com/office/drawing/2010/main">
       <p:transition spd="slow">
         <p:fade/>
       </p:transition>
@@ -42520,7 +42721,7 @@
           </a:ln>
           <a:extLst>
             <a:ext uri="{C572A759-6A51-4108-AA02-DFA0A04FC94B}">
-              <ma14:wrappingTextBoxFlag xmlns:ma14="http://schemas.microsoft.com/office/mac/drawingml/2011/main" xmlns:a14="http://schemas.microsoft.com/office/drawing/2010/main" xmlns:m="http://schemas.openxmlformats.org/officeDocument/2006/math" xmlns="" val="1"/>
+              <ma14:wrappingTextBoxFlag xmlns="" xmlns:m="http://schemas.openxmlformats.org/officeDocument/2006/math" xmlns:a14="http://schemas.microsoft.com/office/drawing/2010/main" xmlns:ma14="http://schemas.microsoft.com/office/mac/drawingml/2011/main" val="1"/>
             </a:ext>
           </a:extLst>
         </p:spPr>
@@ -42591,7 +42792,7 @@
           </a:ln>
           <a:extLst>
             <a:ext uri="{C572A759-6A51-4108-AA02-DFA0A04FC94B}">
-              <ma14:wrappingTextBoxFlag xmlns:ma14="http://schemas.microsoft.com/office/mac/drawingml/2011/main" xmlns:a14="http://schemas.microsoft.com/office/drawing/2010/main" xmlns:m="http://schemas.openxmlformats.org/officeDocument/2006/math" xmlns="" val="1"/>
+              <ma14:wrappingTextBoxFlag xmlns="" xmlns:m="http://schemas.openxmlformats.org/officeDocument/2006/math" xmlns:a14="http://schemas.microsoft.com/office/drawing/2010/main" xmlns:ma14="http://schemas.microsoft.com/office/mac/drawingml/2011/main" val="1"/>
             </a:ext>
           </a:extLst>
         </p:spPr>
@@ -42637,7 +42838,7 @@
           </a:ln>
           <a:extLst>
             <a:ext uri="{C572A759-6A51-4108-AA02-DFA0A04FC94B}">
-              <ma14:wrappingTextBoxFlag xmlns:ma14="http://schemas.microsoft.com/office/mac/drawingml/2011/main" xmlns:a14="http://schemas.microsoft.com/office/drawing/2010/main" xmlns:m="http://schemas.openxmlformats.org/officeDocument/2006/math" xmlns="" val="1"/>
+              <ma14:wrappingTextBoxFlag xmlns="" xmlns:m="http://schemas.openxmlformats.org/officeDocument/2006/math" xmlns:a14="http://schemas.microsoft.com/office/drawing/2010/main" xmlns:ma14="http://schemas.microsoft.com/office/mac/drawingml/2011/main" val="1"/>
             </a:ext>
           </a:extLst>
         </p:spPr>
@@ -42783,7 +42984,7 @@
         <p:fade thruBlk="1"/>
       </p:transition>
     </mc:Choice>
-    <mc:Fallback xmlns:a14="http://schemas.microsoft.com/office/drawing/2010/main" xmlns:m="http://schemas.openxmlformats.org/officeDocument/2006/math" xmlns="">
+    <mc:Fallback xmlns="" xmlns:m="http://schemas.openxmlformats.org/officeDocument/2006/math" xmlns:a14="http://schemas.microsoft.com/office/drawing/2010/main">
       <p:transition spd="slow">
         <p:fade/>
       </p:transition>
@@ -42904,7 +43105,7 @@
           </a:ln>
           <a:extLst>
             <a:ext uri="{C572A759-6A51-4108-AA02-DFA0A04FC94B}">
-              <ma14:wrappingTextBoxFlag xmlns:ma14="http://schemas.microsoft.com/office/mac/drawingml/2011/main" xmlns:a14="http://schemas.microsoft.com/office/drawing/2010/main" xmlns:m="http://schemas.openxmlformats.org/officeDocument/2006/math" xmlns="" val="1"/>
+              <ma14:wrappingTextBoxFlag xmlns="" xmlns:m="http://schemas.openxmlformats.org/officeDocument/2006/math" xmlns:a14="http://schemas.microsoft.com/office/drawing/2010/main" xmlns:ma14="http://schemas.microsoft.com/office/mac/drawingml/2011/main" val="1"/>
             </a:ext>
           </a:extLst>
         </p:spPr>
@@ -42975,7 +43176,7 @@
           </a:ln>
           <a:extLst>
             <a:ext uri="{C572A759-6A51-4108-AA02-DFA0A04FC94B}">
-              <ma14:wrappingTextBoxFlag xmlns:ma14="http://schemas.microsoft.com/office/mac/drawingml/2011/main" xmlns:a14="http://schemas.microsoft.com/office/drawing/2010/main" xmlns:m="http://schemas.openxmlformats.org/officeDocument/2006/math" xmlns="" val="1"/>
+              <ma14:wrappingTextBoxFlag xmlns="" xmlns:m="http://schemas.openxmlformats.org/officeDocument/2006/math" xmlns:a14="http://schemas.microsoft.com/office/drawing/2010/main" xmlns:ma14="http://schemas.microsoft.com/office/mac/drawingml/2011/main" val="1"/>
             </a:ext>
           </a:extLst>
         </p:spPr>
@@ -43019,7 +43220,7 @@
           </a:ln>
           <a:extLst>
             <a:ext uri="{C572A759-6A51-4108-AA02-DFA0A04FC94B}">
-              <ma14:wrappingTextBoxFlag xmlns:ma14="http://schemas.microsoft.com/office/mac/drawingml/2011/main" xmlns:a14="http://schemas.microsoft.com/office/drawing/2010/main" xmlns:m="http://schemas.openxmlformats.org/officeDocument/2006/math" xmlns="" val="1"/>
+              <ma14:wrappingTextBoxFlag xmlns="" xmlns:m="http://schemas.openxmlformats.org/officeDocument/2006/math" xmlns:a14="http://schemas.microsoft.com/office/drawing/2010/main" xmlns:ma14="http://schemas.microsoft.com/office/mac/drawingml/2011/main" val="1"/>
             </a:ext>
           </a:extLst>
         </p:spPr>
@@ -43183,7 +43384,7 @@
         <p:fade thruBlk="1"/>
       </p:transition>
     </mc:Choice>
-    <mc:Fallback xmlns:a14="http://schemas.microsoft.com/office/drawing/2010/main" xmlns:m="http://schemas.openxmlformats.org/officeDocument/2006/math" xmlns="">
+    <mc:Fallback xmlns="" xmlns:m="http://schemas.openxmlformats.org/officeDocument/2006/math" xmlns:a14="http://schemas.microsoft.com/office/drawing/2010/main">
       <p:transition spd="slow">
         <p:fade/>
       </p:transition>
@@ -43304,7 +43505,7 @@
           </a:ln>
           <a:extLst>
             <a:ext uri="{C572A759-6A51-4108-AA02-DFA0A04FC94B}">
-              <ma14:wrappingTextBoxFlag xmlns:ma14="http://schemas.microsoft.com/office/mac/drawingml/2011/main" xmlns:a14="http://schemas.microsoft.com/office/drawing/2010/main" xmlns:m="http://schemas.openxmlformats.org/officeDocument/2006/math" xmlns="" val="1"/>
+              <ma14:wrappingTextBoxFlag xmlns="" xmlns:m="http://schemas.openxmlformats.org/officeDocument/2006/math" xmlns:a14="http://schemas.microsoft.com/office/drawing/2010/main" xmlns:ma14="http://schemas.microsoft.com/office/mac/drawingml/2011/main" val="1"/>
             </a:ext>
           </a:extLst>
         </p:spPr>
@@ -43375,7 +43576,7 @@
           </a:ln>
           <a:extLst>
             <a:ext uri="{C572A759-6A51-4108-AA02-DFA0A04FC94B}">
-              <ma14:wrappingTextBoxFlag xmlns:ma14="http://schemas.microsoft.com/office/mac/drawingml/2011/main" xmlns:a14="http://schemas.microsoft.com/office/drawing/2010/main" xmlns:m="http://schemas.openxmlformats.org/officeDocument/2006/math" xmlns="" val="1"/>
+              <ma14:wrappingTextBoxFlag xmlns="" xmlns:m="http://schemas.openxmlformats.org/officeDocument/2006/math" xmlns:a14="http://schemas.microsoft.com/office/drawing/2010/main" xmlns:ma14="http://schemas.microsoft.com/office/mac/drawingml/2011/main" val="1"/>
             </a:ext>
           </a:extLst>
         </p:spPr>
@@ -43421,7 +43622,7 @@
           </a:ln>
           <a:extLst>
             <a:ext uri="{C572A759-6A51-4108-AA02-DFA0A04FC94B}">
-              <ma14:wrappingTextBoxFlag xmlns:ma14="http://schemas.microsoft.com/office/mac/drawingml/2011/main" xmlns:a14="http://schemas.microsoft.com/office/drawing/2010/main" xmlns:m="http://schemas.openxmlformats.org/officeDocument/2006/math" xmlns="" val="1"/>
+              <ma14:wrappingTextBoxFlag xmlns="" xmlns:m="http://schemas.openxmlformats.org/officeDocument/2006/math" xmlns:a14="http://schemas.microsoft.com/office/drawing/2010/main" xmlns:ma14="http://schemas.microsoft.com/office/mac/drawingml/2011/main" val="1"/>
             </a:ext>
           </a:extLst>
         </p:spPr>
@@ -43501,7 +43702,7 @@
           </a:ln>
           <a:extLst>
             <a:ext uri="{C572A759-6A51-4108-AA02-DFA0A04FC94B}">
-              <ma14:wrappingTextBoxFlag xmlns:ma14="http://schemas.microsoft.com/office/mac/drawingml/2011/main" xmlns:a14="http://schemas.microsoft.com/office/drawing/2010/main" xmlns:m="http://schemas.openxmlformats.org/officeDocument/2006/math" xmlns="" val="1"/>
+              <ma14:wrappingTextBoxFlag xmlns="" xmlns:m="http://schemas.openxmlformats.org/officeDocument/2006/math" xmlns:a14="http://schemas.microsoft.com/office/drawing/2010/main" xmlns:ma14="http://schemas.microsoft.com/office/mac/drawingml/2011/main" val="1"/>
             </a:ext>
           </a:extLst>
         </p:spPr>
@@ -43585,7 +43786,7 @@
         <p:fade thruBlk="1"/>
       </p:transition>
     </mc:Choice>
-    <mc:Fallback xmlns:a14="http://schemas.microsoft.com/office/drawing/2010/main" xmlns:m="http://schemas.openxmlformats.org/officeDocument/2006/math" xmlns="">
+    <mc:Fallback xmlns="" xmlns:m="http://schemas.openxmlformats.org/officeDocument/2006/math" xmlns:a14="http://schemas.microsoft.com/office/drawing/2010/main">
       <p:transition spd="slow">
         <p:fade/>
       </p:transition>
@@ -43706,7 +43907,7 @@
           </a:ln>
           <a:extLst>
             <a:ext uri="{C572A759-6A51-4108-AA02-DFA0A04FC94B}">
-              <ma14:wrappingTextBoxFlag xmlns:ma14="http://schemas.microsoft.com/office/mac/drawingml/2011/main" xmlns:a14="http://schemas.microsoft.com/office/drawing/2010/main" xmlns:m="http://schemas.openxmlformats.org/officeDocument/2006/math" xmlns="" val="1"/>
+              <ma14:wrappingTextBoxFlag xmlns="" xmlns:m="http://schemas.openxmlformats.org/officeDocument/2006/math" xmlns:a14="http://schemas.microsoft.com/office/drawing/2010/main" xmlns:ma14="http://schemas.microsoft.com/office/mac/drawingml/2011/main" val="1"/>
             </a:ext>
           </a:extLst>
         </p:spPr>
@@ -43777,7 +43978,7 @@
           </a:ln>
           <a:extLst>
             <a:ext uri="{C572A759-6A51-4108-AA02-DFA0A04FC94B}">
-              <ma14:wrappingTextBoxFlag xmlns:ma14="http://schemas.microsoft.com/office/mac/drawingml/2011/main" xmlns:a14="http://schemas.microsoft.com/office/drawing/2010/main" xmlns:m="http://schemas.openxmlformats.org/officeDocument/2006/math" xmlns="" val="1"/>
+              <ma14:wrappingTextBoxFlag xmlns="" xmlns:m="http://schemas.openxmlformats.org/officeDocument/2006/math" xmlns:a14="http://schemas.microsoft.com/office/drawing/2010/main" xmlns:ma14="http://schemas.microsoft.com/office/mac/drawingml/2011/main" val="1"/>
             </a:ext>
           </a:extLst>
         </p:spPr>
@@ -43829,7 +44030,7 @@
           </a:ln>
           <a:extLst>
             <a:ext uri="{C572A759-6A51-4108-AA02-DFA0A04FC94B}">
-              <ma14:wrappingTextBoxFlag xmlns:ma14="http://schemas.microsoft.com/office/mac/drawingml/2011/main" xmlns:a14="http://schemas.microsoft.com/office/drawing/2010/main" xmlns:m="http://schemas.openxmlformats.org/officeDocument/2006/math" xmlns="" val="1"/>
+              <ma14:wrappingTextBoxFlag xmlns="" xmlns:m="http://schemas.openxmlformats.org/officeDocument/2006/math" xmlns:a14="http://schemas.microsoft.com/office/drawing/2010/main" xmlns:ma14="http://schemas.microsoft.com/office/mac/drawingml/2011/main" val="1"/>
             </a:ext>
           </a:extLst>
         </p:spPr>
@@ -43950,7 +44151,7 @@
         <p:fade thruBlk="1"/>
       </p:transition>
     </mc:Choice>
-    <mc:Fallback xmlns:a14="http://schemas.microsoft.com/office/drawing/2010/main" xmlns:m="http://schemas.openxmlformats.org/officeDocument/2006/math" xmlns="">
+    <mc:Fallback xmlns="" xmlns:m="http://schemas.openxmlformats.org/officeDocument/2006/math" xmlns:a14="http://schemas.microsoft.com/office/drawing/2010/main">
       <p:transition spd="slow">
         <p:fade/>
       </p:transition>
@@ -44071,7 +44272,7 @@
           </a:ln>
           <a:extLst>
             <a:ext uri="{C572A759-6A51-4108-AA02-DFA0A04FC94B}">
-              <ma14:wrappingTextBoxFlag xmlns:ma14="http://schemas.microsoft.com/office/mac/drawingml/2011/main" xmlns:a14="http://schemas.microsoft.com/office/drawing/2010/main" xmlns:m="http://schemas.openxmlformats.org/officeDocument/2006/math" xmlns="" val="1"/>
+              <ma14:wrappingTextBoxFlag xmlns="" xmlns:m="http://schemas.openxmlformats.org/officeDocument/2006/math" xmlns:a14="http://schemas.microsoft.com/office/drawing/2010/main" xmlns:ma14="http://schemas.microsoft.com/office/mac/drawingml/2011/main" val="1"/>
             </a:ext>
           </a:extLst>
         </p:spPr>
@@ -44142,7 +44343,7 @@
           </a:ln>
           <a:extLst>
             <a:ext uri="{C572A759-6A51-4108-AA02-DFA0A04FC94B}">
-              <ma14:wrappingTextBoxFlag xmlns:ma14="http://schemas.microsoft.com/office/mac/drawingml/2011/main" xmlns:a14="http://schemas.microsoft.com/office/drawing/2010/main" xmlns:m="http://schemas.openxmlformats.org/officeDocument/2006/math" xmlns="" val="1"/>
+              <ma14:wrappingTextBoxFlag xmlns="" xmlns:m="http://schemas.openxmlformats.org/officeDocument/2006/math" xmlns:a14="http://schemas.microsoft.com/office/drawing/2010/main" xmlns:ma14="http://schemas.microsoft.com/office/mac/drawingml/2011/main" val="1"/>
             </a:ext>
           </a:extLst>
         </p:spPr>
@@ -44194,7 +44395,7 @@
           </a:ln>
           <a:extLst>
             <a:ext uri="{C572A759-6A51-4108-AA02-DFA0A04FC94B}">
-              <ma14:wrappingTextBoxFlag xmlns:ma14="http://schemas.microsoft.com/office/mac/drawingml/2011/main" xmlns:a14="http://schemas.microsoft.com/office/drawing/2010/main" xmlns:m="http://schemas.openxmlformats.org/officeDocument/2006/math" xmlns="" val="1"/>
+              <ma14:wrappingTextBoxFlag xmlns="" xmlns:m="http://schemas.openxmlformats.org/officeDocument/2006/math" xmlns:a14="http://schemas.microsoft.com/office/drawing/2010/main" xmlns:ma14="http://schemas.microsoft.com/office/mac/drawingml/2011/main" val="1"/>
             </a:ext>
           </a:extLst>
         </p:spPr>
@@ -44290,7 +44491,7 @@
         <p:fade thruBlk="1"/>
       </p:transition>
     </mc:Choice>
-    <mc:Fallback xmlns:a14="http://schemas.microsoft.com/office/drawing/2010/main" xmlns:m="http://schemas.openxmlformats.org/officeDocument/2006/math" xmlns="">
+    <mc:Fallback xmlns="" xmlns:m="http://schemas.openxmlformats.org/officeDocument/2006/math" xmlns:a14="http://schemas.microsoft.com/office/drawing/2010/main">
       <p:transition spd="slow">
         <p:fade/>
       </p:transition>
@@ -44411,7 +44612,7 @@
           </a:ln>
           <a:extLst>
             <a:ext uri="{C572A759-6A51-4108-AA02-DFA0A04FC94B}">
-              <ma14:wrappingTextBoxFlag xmlns:ma14="http://schemas.microsoft.com/office/mac/drawingml/2011/main" xmlns:a14="http://schemas.microsoft.com/office/drawing/2010/main" xmlns:m="http://schemas.openxmlformats.org/officeDocument/2006/math" xmlns="" val="1"/>
+              <ma14:wrappingTextBoxFlag xmlns="" xmlns:m="http://schemas.openxmlformats.org/officeDocument/2006/math" xmlns:a14="http://schemas.microsoft.com/office/drawing/2010/main" xmlns:ma14="http://schemas.microsoft.com/office/mac/drawingml/2011/main" val="1"/>
             </a:ext>
           </a:extLst>
         </p:spPr>
@@ -44482,7 +44683,7 @@
           </a:ln>
           <a:extLst>
             <a:ext uri="{C572A759-6A51-4108-AA02-DFA0A04FC94B}">
-              <ma14:wrappingTextBoxFlag xmlns:ma14="http://schemas.microsoft.com/office/mac/drawingml/2011/main" xmlns:a14="http://schemas.microsoft.com/office/drawing/2010/main" xmlns:m="http://schemas.openxmlformats.org/officeDocument/2006/math" xmlns="" val="1"/>
+              <ma14:wrappingTextBoxFlag xmlns="" xmlns:m="http://schemas.openxmlformats.org/officeDocument/2006/math" xmlns:a14="http://schemas.microsoft.com/office/drawing/2010/main" xmlns:ma14="http://schemas.microsoft.com/office/mac/drawingml/2011/main" val="1"/>
             </a:ext>
           </a:extLst>
         </p:spPr>
@@ -44534,7 +44735,7 @@
           </a:ln>
           <a:extLst>
             <a:ext uri="{C572A759-6A51-4108-AA02-DFA0A04FC94B}">
-              <ma14:wrappingTextBoxFlag xmlns:ma14="http://schemas.microsoft.com/office/mac/drawingml/2011/main" xmlns:a14="http://schemas.microsoft.com/office/drawing/2010/main" xmlns:m="http://schemas.openxmlformats.org/officeDocument/2006/math" xmlns="" val="1"/>
+              <ma14:wrappingTextBoxFlag xmlns="" xmlns:m="http://schemas.openxmlformats.org/officeDocument/2006/math" xmlns:a14="http://schemas.microsoft.com/office/drawing/2010/main" xmlns:ma14="http://schemas.microsoft.com/office/mac/drawingml/2011/main" val="1"/>
             </a:ext>
           </a:extLst>
         </p:spPr>
@@ -44605,7 +44806,7 @@
         <p:fade thruBlk="1"/>
       </p:transition>
     </mc:Choice>
-    <mc:Fallback xmlns:a14="http://schemas.microsoft.com/office/drawing/2010/main" xmlns:m="http://schemas.openxmlformats.org/officeDocument/2006/math" xmlns="">
+    <mc:Fallback xmlns="" xmlns:m="http://schemas.openxmlformats.org/officeDocument/2006/math" xmlns:a14="http://schemas.microsoft.com/office/drawing/2010/main">
       <p:transition spd="slow">
         <p:fade/>
       </p:transition>
@@ -44726,7 +44927,7 @@
           </a:ln>
           <a:extLst>
             <a:ext uri="{C572A759-6A51-4108-AA02-DFA0A04FC94B}">
-              <ma14:wrappingTextBoxFlag xmlns:ma14="http://schemas.microsoft.com/office/mac/drawingml/2011/main" xmlns:a14="http://schemas.microsoft.com/office/drawing/2010/main" xmlns:m="http://schemas.openxmlformats.org/officeDocument/2006/math" xmlns="" val="1"/>
+              <ma14:wrappingTextBoxFlag xmlns="" xmlns:m="http://schemas.openxmlformats.org/officeDocument/2006/math" xmlns:a14="http://schemas.microsoft.com/office/drawing/2010/main" xmlns:ma14="http://schemas.microsoft.com/office/mac/drawingml/2011/main" val="1"/>
             </a:ext>
           </a:extLst>
         </p:spPr>
@@ -44797,7 +44998,7 @@
           </a:ln>
           <a:extLst>
             <a:ext uri="{C572A759-6A51-4108-AA02-DFA0A04FC94B}">
-              <ma14:wrappingTextBoxFlag xmlns:ma14="http://schemas.microsoft.com/office/mac/drawingml/2011/main" xmlns:a14="http://schemas.microsoft.com/office/drawing/2010/main" xmlns:m="http://schemas.openxmlformats.org/officeDocument/2006/math" xmlns="" val="1"/>
+              <ma14:wrappingTextBoxFlag xmlns="" xmlns:m="http://schemas.openxmlformats.org/officeDocument/2006/math" xmlns:a14="http://schemas.microsoft.com/office/drawing/2010/main" xmlns:ma14="http://schemas.microsoft.com/office/mac/drawingml/2011/main" val="1"/>
             </a:ext>
           </a:extLst>
         </p:spPr>
@@ -44849,7 +45050,7 @@
           </a:ln>
           <a:extLst>
             <a:ext uri="{C572A759-6A51-4108-AA02-DFA0A04FC94B}">
-              <ma14:wrappingTextBoxFlag xmlns:ma14="http://schemas.microsoft.com/office/mac/drawingml/2011/main" xmlns:a14="http://schemas.microsoft.com/office/drawing/2010/main" xmlns:m="http://schemas.openxmlformats.org/officeDocument/2006/math" xmlns="" val="1"/>
+              <ma14:wrappingTextBoxFlag xmlns="" xmlns:m="http://schemas.openxmlformats.org/officeDocument/2006/math" xmlns:a14="http://schemas.microsoft.com/office/drawing/2010/main" xmlns:ma14="http://schemas.microsoft.com/office/mac/drawingml/2011/main" val="1"/>
             </a:ext>
           </a:extLst>
         </p:spPr>
@@ -44920,7 +45121,7 @@
         <p:fade thruBlk="1"/>
       </p:transition>
     </mc:Choice>
-    <mc:Fallback xmlns:a14="http://schemas.microsoft.com/office/drawing/2010/main" xmlns:m="http://schemas.openxmlformats.org/officeDocument/2006/math" xmlns="">
+    <mc:Fallback xmlns="" xmlns:m="http://schemas.openxmlformats.org/officeDocument/2006/math" xmlns:a14="http://schemas.microsoft.com/office/drawing/2010/main">
       <p:transition spd="slow">
         <p:fade/>
       </p:transition>
@@ -45041,7 +45242,7 @@
           </a:ln>
           <a:extLst>
             <a:ext uri="{C572A759-6A51-4108-AA02-DFA0A04FC94B}">
-              <ma14:wrappingTextBoxFlag xmlns:ma14="http://schemas.microsoft.com/office/mac/drawingml/2011/main" xmlns:a14="http://schemas.microsoft.com/office/drawing/2010/main" xmlns:m="http://schemas.openxmlformats.org/officeDocument/2006/math" xmlns="" val="1"/>
+              <ma14:wrappingTextBoxFlag xmlns="" xmlns:m="http://schemas.openxmlformats.org/officeDocument/2006/math" xmlns:a14="http://schemas.microsoft.com/office/drawing/2010/main" xmlns:ma14="http://schemas.microsoft.com/office/mac/drawingml/2011/main" val="1"/>
             </a:ext>
           </a:extLst>
         </p:spPr>
@@ -45112,7 +45313,7 @@
           </a:ln>
           <a:extLst>
             <a:ext uri="{C572A759-6A51-4108-AA02-DFA0A04FC94B}">
-              <ma14:wrappingTextBoxFlag xmlns:ma14="http://schemas.microsoft.com/office/mac/drawingml/2011/main" xmlns:a14="http://schemas.microsoft.com/office/drawing/2010/main" xmlns:m="http://schemas.openxmlformats.org/officeDocument/2006/math" xmlns="" val="1"/>
+              <ma14:wrappingTextBoxFlag xmlns="" xmlns:m="http://schemas.openxmlformats.org/officeDocument/2006/math" xmlns:a14="http://schemas.microsoft.com/office/drawing/2010/main" xmlns:ma14="http://schemas.microsoft.com/office/mac/drawingml/2011/main" val="1"/>
             </a:ext>
           </a:extLst>
         </p:spPr>
@@ -45164,7 +45365,7 @@
           </a:ln>
           <a:extLst>
             <a:ext uri="{C572A759-6A51-4108-AA02-DFA0A04FC94B}">
-              <ma14:wrappingTextBoxFlag xmlns:ma14="http://schemas.microsoft.com/office/mac/drawingml/2011/main" xmlns:a14="http://schemas.microsoft.com/office/drawing/2010/main" xmlns:m="http://schemas.openxmlformats.org/officeDocument/2006/math" xmlns="" val="1"/>
+              <ma14:wrappingTextBoxFlag xmlns="" xmlns:m="http://schemas.openxmlformats.org/officeDocument/2006/math" xmlns:a14="http://schemas.microsoft.com/office/drawing/2010/main" xmlns:ma14="http://schemas.microsoft.com/office/mac/drawingml/2011/main" val="1"/>
             </a:ext>
           </a:extLst>
         </p:spPr>
@@ -45285,7 +45486,7 @@
         <p:fade thruBlk="1"/>
       </p:transition>
     </mc:Choice>
-    <mc:Fallback xmlns:a14="http://schemas.microsoft.com/office/drawing/2010/main" xmlns:m="http://schemas.openxmlformats.org/officeDocument/2006/math" xmlns="">
+    <mc:Fallback xmlns="" xmlns:m="http://schemas.openxmlformats.org/officeDocument/2006/math" xmlns:a14="http://schemas.microsoft.com/office/drawing/2010/main">
       <p:transition spd="slow">
         <p:fade/>
       </p:transition>
@@ -45406,7 +45607,7 @@
           </a:ln>
           <a:extLst>
             <a:ext uri="{C572A759-6A51-4108-AA02-DFA0A04FC94B}">
-              <ma14:wrappingTextBoxFlag xmlns:ma14="http://schemas.microsoft.com/office/mac/drawingml/2011/main" xmlns:a14="http://schemas.microsoft.com/office/drawing/2010/main" xmlns:m="http://schemas.openxmlformats.org/officeDocument/2006/math" xmlns="" val="1"/>
+              <ma14:wrappingTextBoxFlag xmlns="" xmlns:m="http://schemas.openxmlformats.org/officeDocument/2006/math" xmlns:a14="http://schemas.microsoft.com/office/drawing/2010/main" xmlns:ma14="http://schemas.microsoft.com/office/mac/drawingml/2011/main" val="1"/>
             </a:ext>
           </a:extLst>
         </p:spPr>
@@ -45477,7 +45678,7 @@
           </a:ln>
           <a:extLst>
             <a:ext uri="{C572A759-6A51-4108-AA02-DFA0A04FC94B}">
-              <ma14:wrappingTextBoxFlag xmlns:ma14="http://schemas.microsoft.com/office/mac/drawingml/2011/main" xmlns:a14="http://schemas.microsoft.com/office/drawing/2010/main" xmlns:m="http://schemas.openxmlformats.org/officeDocument/2006/math" xmlns="" val="1"/>
+              <ma14:wrappingTextBoxFlag xmlns="" xmlns:m="http://schemas.openxmlformats.org/officeDocument/2006/math" xmlns:a14="http://schemas.microsoft.com/office/drawing/2010/main" xmlns:ma14="http://schemas.microsoft.com/office/mac/drawingml/2011/main" val="1"/>
             </a:ext>
           </a:extLst>
         </p:spPr>
@@ -45529,7 +45730,7 @@
           </a:ln>
           <a:extLst>
             <a:ext uri="{C572A759-6A51-4108-AA02-DFA0A04FC94B}">
-              <ma14:wrappingTextBoxFlag xmlns:ma14="http://schemas.microsoft.com/office/mac/drawingml/2011/main" xmlns:a14="http://schemas.microsoft.com/office/drawing/2010/main" xmlns:m="http://schemas.openxmlformats.org/officeDocument/2006/math" xmlns="" val="1"/>
+              <ma14:wrappingTextBoxFlag xmlns="" xmlns:m="http://schemas.openxmlformats.org/officeDocument/2006/math" xmlns:a14="http://schemas.microsoft.com/office/drawing/2010/main" xmlns:ma14="http://schemas.microsoft.com/office/mac/drawingml/2011/main" val="1"/>
             </a:ext>
           </a:extLst>
         </p:spPr>
@@ -45772,7 +45973,7 @@
         <p:fade thruBlk="1"/>
       </p:transition>
     </mc:Choice>
-    <mc:Fallback xmlns:a14="http://schemas.microsoft.com/office/drawing/2010/main" xmlns:m="http://schemas.openxmlformats.org/officeDocument/2006/math" xmlns="">
+    <mc:Fallback xmlns="" xmlns:m="http://schemas.openxmlformats.org/officeDocument/2006/math" xmlns:a14="http://schemas.microsoft.com/office/drawing/2010/main">
       <p:transition spd="slow">
         <p:fade/>
       </p:transition>
@@ -45800,7 +46001,7 @@
       </p:grpSpPr>
       <p:sp>
         <p:nvSpPr>
-          <p:cNvPr id="480" name="Rectangle 8"/>
+          <p:cNvPr id="457" name="Rectangle 8"/>
           <p:cNvSpPr/>
           <p:nvPr/>
         </p:nvSpPr>
@@ -45838,7 +46039,7 @@
       </p:sp>
       <p:sp>
         <p:nvSpPr>
-          <p:cNvPr id="481" name="Rectangle 7"/>
+          <p:cNvPr id="458" name="Rectangle 7"/>
           <p:cNvSpPr/>
           <p:nvPr/>
         </p:nvSpPr>
@@ -45876,7 +46077,7 @@
       </p:sp>
       <p:sp>
         <p:nvSpPr>
-          <p:cNvPr id="482" name="TextBox 9"/>
+          <p:cNvPr id="459" name="TextBox 9"/>
           <p:cNvSpPr txBox="1"/>
           <p:nvPr/>
         </p:nvSpPr>
@@ -45893,7 +46094,7 @@
           </a:ln>
           <a:extLst>
             <a:ext uri="{C572A759-6A51-4108-AA02-DFA0A04FC94B}">
-              <ma14:wrappingTextBoxFlag xmlns:ma14="http://schemas.microsoft.com/office/mac/drawingml/2011/main" xmlns:a14="http://schemas.microsoft.com/office/drawing/2010/main" xmlns:m="http://schemas.openxmlformats.org/officeDocument/2006/math" xmlns="" val="1"/>
+              <ma14:wrappingTextBoxFlag xmlns="" xmlns:m="http://schemas.openxmlformats.org/officeDocument/2006/math" xmlns:a14="http://schemas.microsoft.com/office/drawing/2010/main" xmlns:ma14="http://schemas.microsoft.com/office/mac/drawingml/2011/main" val="1"/>
             </a:ext>
           </a:extLst>
         </p:spPr>
@@ -45919,7 +46120,7 @@
       </p:sp>
       <p:sp>
         <p:nvSpPr>
-          <p:cNvPr id="483" name="Straight Connector 11"/>
+          <p:cNvPr id="460" name="Straight Connector 11"/>
           <p:cNvSpPr/>
           <p:nvPr/>
         </p:nvSpPr>
@@ -45947,7 +46148,7 @@
       </p:sp>
       <p:sp>
         <p:nvSpPr>
-          <p:cNvPr id="484" name="TextBox 12"/>
+          <p:cNvPr id="461" name="TextBox 12"/>
           <p:cNvSpPr txBox="1"/>
           <p:nvPr/>
         </p:nvSpPr>
@@ -45964,7 +46165,7 @@
           </a:ln>
           <a:extLst>
             <a:ext uri="{C572A759-6A51-4108-AA02-DFA0A04FC94B}">
-              <ma14:wrappingTextBoxFlag xmlns:ma14="http://schemas.microsoft.com/office/mac/drawingml/2011/main" xmlns:a14="http://schemas.microsoft.com/office/drawing/2010/main" xmlns:m="http://schemas.openxmlformats.org/officeDocument/2006/math" xmlns="" val="1"/>
+              <ma14:wrappingTextBoxFlag xmlns="" xmlns:m="http://schemas.openxmlformats.org/officeDocument/2006/math" xmlns:a14="http://schemas.microsoft.com/office/drawing/2010/main" xmlns:ma14="http://schemas.microsoft.com/office/mac/drawingml/2011/main" val="1"/>
             </a:ext>
           </a:extLst>
         </p:spPr>
@@ -45984,6 +46185,1529 @@
           </a:lstStyle>
           <a:p>
             <a:r>
+              <a:rPr lang="en-IN" dirty="0"/>
+              <a:t>“this” Keyword</a:t>
+            </a:r>
+            <a:endParaRPr dirty="0"/>
+          </a:p>
+        </p:txBody>
+      </p:sp>
+      <p:sp>
+        <p:nvSpPr>
+          <p:cNvPr id="2" name="TextBox 1">
+            <a:extLst>
+              <a:ext uri="{FF2B5EF4-FFF2-40B4-BE49-F238E27FC236}">
+                <a16:creationId xmlns:a16="http://schemas.microsoft.com/office/drawing/2014/main" id="{BBA902EE-8B1A-9A29-6249-9A95B118CC7B}"/>
+              </a:ext>
+            </a:extLst>
+          </p:cNvPr>
+          <p:cNvSpPr txBox="1"/>
+          <p:nvPr/>
+        </p:nvSpPr>
+        <p:spPr>
+          <a:xfrm>
+            <a:off x="684372" y="1065330"/>
+            <a:ext cx="7909497" cy="1600438"/>
+          </a:xfrm>
+          <a:prstGeom prst="rect">
+            <a:avLst/>
+          </a:prstGeom>
+          <a:ln w="12700">
+            <a:miter lim="400000"/>
+          </a:ln>
+          <a:extLst>
+            <a:ext uri="{C572A759-6A51-4108-AA02-DFA0A04FC94B}">
+              <ma14:wrappingTextBoxFlag xmlns="" xmlns:m="http://schemas.openxmlformats.org/officeDocument/2006/math" xmlns:a14="http://schemas.microsoft.com/office/drawing/2010/main" xmlns:ma14="http://schemas.microsoft.com/office/mac/drawingml/2011/main" val="1"/>
+            </a:ext>
+          </a:extLst>
+        </p:spPr>
+        <p:txBody>
+          <a:bodyPr wrap="square" lIns="45719" rIns="45719">
+            <a:spAutoFit/>
+          </a:bodyPr>
+          <a:lstStyle/>
+          <a:p>
+            <a:pPr lvl="7">
+              <a:defRPr>
+                <a:latin typeface="Oswald"/>
+                <a:ea typeface="Oswald"/>
+                <a:cs typeface="Oswald"/>
+                <a:sym typeface="Oswald"/>
+              </a:defRPr>
+            </a:pPr>
+            <a:r>
+              <a:rPr lang="en-US" dirty="0"/>
+              <a:t>The "this" keyword always points to the object that is calling a particular method.</a:t>
+            </a:r>
+          </a:p>
+          <a:p>
+            <a:pPr lvl="7">
+              <a:defRPr>
+                <a:latin typeface="Oswald"/>
+                <a:ea typeface="Oswald"/>
+                <a:cs typeface="Oswald"/>
+                <a:sym typeface="Oswald"/>
+              </a:defRPr>
+            </a:pPr>
+            <a:r>
+              <a:rPr lang="en-US" dirty="0"/>
+              <a:t> </a:t>
+            </a:r>
+          </a:p>
+          <a:p>
+            <a:pPr lvl="7">
+              <a:defRPr>
+                <a:latin typeface="Oswald"/>
+                <a:ea typeface="Oswald"/>
+                <a:cs typeface="Oswald"/>
+                <a:sym typeface="Oswald"/>
+              </a:defRPr>
+            </a:pPr>
+            <a:r>
+              <a:rPr lang="en-US" dirty="0"/>
+              <a:t>The type of "this" in an expression depends on the location in which the reference occurs:</a:t>
+            </a:r>
+            <a:br>
+              <a:rPr lang="en-US" dirty="0"/>
+            </a:br>
+            <a:endParaRPr lang="en-US" dirty="0"/>
+          </a:p>
+          <a:p>
+            <a:pPr marL="285750" lvl="7" indent="-285750">
+              <a:buFont typeface="Arial" panose="020B0604020202020204" pitchFamily="34" charset="0"/>
+              <a:buChar char="•"/>
+              <a:defRPr>
+                <a:latin typeface="Oswald"/>
+                <a:ea typeface="Oswald"/>
+                <a:cs typeface="Oswald"/>
+                <a:sym typeface="Oswald"/>
+              </a:defRPr>
+            </a:pPr>
+            <a:r>
+              <a:rPr lang="en-US" dirty="0"/>
+              <a:t>In a constructor, member function, or member accessor, this is of the class instance type of the containing class.</a:t>
+            </a:r>
+          </a:p>
+          <a:p>
+            <a:pPr marL="285750" lvl="7" indent="-285750">
+              <a:buFont typeface="Arial" panose="020B0604020202020204" pitchFamily="34" charset="0"/>
+              <a:buChar char="•"/>
+              <a:defRPr>
+                <a:latin typeface="Oswald"/>
+                <a:ea typeface="Oswald"/>
+                <a:cs typeface="Oswald"/>
+                <a:sym typeface="Oswald"/>
+              </a:defRPr>
+            </a:pPr>
+            <a:r>
+              <a:rPr lang="en-US" dirty="0"/>
+              <a:t>In a static function or static accessor, this is of the constructor function type of the containing class.</a:t>
+            </a:r>
+          </a:p>
+          <a:p>
+            <a:pPr marL="285750" lvl="7" indent="-285750">
+              <a:buFont typeface="Arial" panose="020B0604020202020204" pitchFamily="34" charset="0"/>
+              <a:buChar char="•"/>
+              <a:defRPr>
+                <a:latin typeface="Oswald"/>
+                <a:ea typeface="Oswald"/>
+                <a:cs typeface="Oswald"/>
+                <a:sym typeface="Oswald"/>
+              </a:defRPr>
+            </a:pPr>
+            <a:r>
+              <a:rPr lang="en-US" dirty="0"/>
+              <a:t>In a function declaration or a standard function expression, this is of type Any.</a:t>
+            </a:r>
+          </a:p>
+        </p:txBody>
+      </p:sp>
+    </p:spTree>
+    <p:extLst>
+      <p:ext uri="{BB962C8B-B14F-4D97-AF65-F5344CB8AC3E}">
+        <p14:creationId xmlns:p14="http://schemas.microsoft.com/office/powerpoint/2010/main" val="2203815582"/>
+      </p:ext>
+    </p:extLst>
+  </p:cSld>
+  <p:clrMapOvr>
+    <a:masterClrMapping/>
+  </p:clrMapOvr>
+  <mc:AlternateContent xmlns:mc="http://schemas.openxmlformats.org/markup-compatibility/2006" xmlns:p14="http://schemas.microsoft.com/office/powerpoint/2010/main">
+    <mc:Choice Requires="p14">
+      <p:transition spd="slow" p14:dur="1200">
+        <p:fade thruBlk="1"/>
+      </p:transition>
+    </mc:Choice>
+    <mc:Fallback xmlns="" xmlns:m="http://schemas.openxmlformats.org/officeDocument/2006/math" xmlns:a14="http://schemas.microsoft.com/office/drawing/2010/main">
+      <p:transition spd="slow">
+        <p:fade/>
+      </p:transition>
+    </mc:Fallback>
+  </mc:AlternateContent>
+</p:sld>
+</file>
+
+<file path=ppt/slides/slide88.xml><?xml version="1.0" encoding="utf-8"?>
+<p:sld xmlns:a="http://schemas.openxmlformats.org/drawingml/2006/main" xmlns:r="http://schemas.openxmlformats.org/officeDocument/2006/relationships" xmlns:p="http://schemas.openxmlformats.org/presentationml/2006/main">
+  <p:cSld>
+    <p:spTree>
+      <p:nvGrpSpPr>
+        <p:cNvPr id="1" name=""/>
+        <p:cNvGrpSpPr/>
+        <p:nvPr/>
+      </p:nvGrpSpPr>
+      <p:grpSpPr>
+        <a:xfrm>
+          <a:off x="0" y="0"/>
+          <a:ext cx="0" cy="0"/>
+          <a:chOff x="0" y="0"/>
+          <a:chExt cx="0" cy="0"/>
+        </a:xfrm>
+      </p:grpSpPr>
+      <p:sp>
+        <p:nvSpPr>
+          <p:cNvPr id="457" name="Rectangle 8"/>
+          <p:cNvSpPr/>
+          <p:nvPr/>
+        </p:nvSpPr>
+        <p:spPr>
+          <a:xfrm>
+            <a:off x="385771" y="4950621"/>
+            <a:ext cx="8358179" cy="181697"/>
+          </a:xfrm>
+          <a:prstGeom prst="rect">
+            <a:avLst/>
+          </a:prstGeom>
+          <a:solidFill>
+            <a:srgbClr val="000000"/>
+          </a:solidFill>
+          <a:ln w="25400">
+            <a:solidFill>
+              <a:srgbClr val="000000"/>
+            </a:solidFill>
+          </a:ln>
+        </p:spPr>
+        <p:txBody>
+          <a:bodyPr lIns="45719" rIns="45719" anchor="ctr"/>
+          <a:lstStyle/>
+          <a:p>
+            <a:pPr algn="ctr">
+              <a:defRPr>
+                <a:solidFill>
+                  <a:srgbClr val="FFFFFF"/>
+                </a:solidFill>
+              </a:defRPr>
+            </a:pPr>
+            <a:endParaRPr/>
+          </a:p>
+        </p:txBody>
+      </p:sp>
+      <p:sp>
+        <p:nvSpPr>
+          <p:cNvPr id="458" name="Rectangle 7"/>
+          <p:cNvSpPr/>
+          <p:nvPr/>
+        </p:nvSpPr>
+        <p:spPr>
+          <a:xfrm>
+            <a:off x="1300162" y="7143"/>
+            <a:ext cx="6800851" cy="121446"/>
+          </a:xfrm>
+          <a:prstGeom prst="rect">
+            <a:avLst/>
+          </a:prstGeom>
+          <a:solidFill>
+            <a:srgbClr val="FF5050"/>
+          </a:solidFill>
+          <a:ln w="25400">
+            <a:solidFill>
+              <a:srgbClr val="FF5050"/>
+            </a:solidFill>
+          </a:ln>
+        </p:spPr>
+        <p:txBody>
+          <a:bodyPr lIns="45719" rIns="45719" anchor="ctr"/>
+          <a:lstStyle/>
+          <a:p>
+            <a:pPr algn="ctr">
+              <a:defRPr>
+                <a:solidFill>
+                  <a:srgbClr val="FFFFFF"/>
+                </a:solidFill>
+              </a:defRPr>
+            </a:pPr>
+            <a:endParaRPr/>
+          </a:p>
+        </p:txBody>
+      </p:sp>
+      <p:sp>
+        <p:nvSpPr>
+          <p:cNvPr id="459" name="TextBox 9"/>
+          <p:cNvSpPr txBox="1"/>
+          <p:nvPr/>
+        </p:nvSpPr>
+        <p:spPr>
+          <a:xfrm>
+            <a:off x="781521" y="4929194"/>
+            <a:ext cx="3551873" cy="214701"/>
+          </a:xfrm>
+          <a:prstGeom prst="rect">
+            <a:avLst/>
+          </a:prstGeom>
+          <a:ln w="12700">
+            <a:miter lim="400000"/>
+          </a:ln>
+          <a:extLst>
+            <a:ext uri="{C572A759-6A51-4108-AA02-DFA0A04FC94B}">
+              <ma14:wrappingTextBoxFlag xmlns="" xmlns:m="http://schemas.openxmlformats.org/officeDocument/2006/math" xmlns:a14="http://schemas.microsoft.com/office/drawing/2010/main" xmlns:ma14="http://schemas.microsoft.com/office/mac/drawingml/2011/main" val="1"/>
+            </a:ext>
+          </a:extLst>
+        </p:spPr>
+        <p:txBody>
+          <a:bodyPr lIns="45719" rIns="45719">
+            <a:spAutoFit/>
+          </a:bodyPr>
+          <a:lstStyle>
+            <a:lvl1pPr>
+              <a:defRPr sz="900">
+                <a:solidFill>
+                  <a:srgbClr val="FFFFFF"/>
+                </a:solidFill>
+              </a:defRPr>
+            </a:lvl1pPr>
+          </a:lstStyle>
+          <a:p>
+            <a:r>
+              <a:t>© 2021 Mindmajix Technologies Pvt. Ltd. All rights reserved</a:t>
+            </a:r>
+          </a:p>
+        </p:txBody>
+      </p:sp>
+      <p:sp>
+        <p:nvSpPr>
+          <p:cNvPr id="460" name="Straight Connector 11"/>
+          <p:cNvSpPr/>
+          <p:nvPr/>
+        </p:nvSpPr>
+        <p:spPr>
+          <a:xfrm>
+            <a:off x="578644" y="971549"/>
+            <a:ext cx="8036720" cy="1590"/>
+          </a:xfrm>
+          <a:prstGeom prst="line">
+            <a:avLst/>
+          </a:prstGeom>
+          <a:ln>
+            <a:solidFill>
+              <a:srgbClr val="000000"/>
+            </a:solidFill>
+          </a:ln>
+        </p:spPr>
+        <p:txBody>
+          <a:bodyPr lIns="45719" rIns="45719"/>
+          <a:lstStyle/>
+          <a:p>
+            <a:endParaRPr/>
+          </a:p>
+        </p:txBody>
+      </p:sp>
+      <p:sp>
+        <p:nvSpPr>
+          <p:cNvPr id="461" name="TextBox 12"/>
+          <p:cNvSpPr txBox="1"/>
+          <p:nvPr/>
+        </p:nvSpPr>
+        <p:spPr>
+          <a:xfrm>
+            <a:off x="795820" y="514354"/>
+            <a:ext cx="7545228" cy="459741"/>
+          </a:xfrm>
+          <a:prstGeom prst="rect">
+            <a:avLst/>
+          </a:prstGeom>
+          <a:ln w="12700">
+            <a:miter lim="400000"/>
+          </a:ln>
+          <a:extLst>
+            <a:ext uri="{C572A759-6A51-4108-AA02-DFA0A04FC94B}">
+              <ma14:wrappingTextBoxFlag xmlns="" xmlns:m="http://schemas.openxmlformats.org/officeDocument/2006/math" xmlns:a14="http://schemas.microsoft.com/office/drawing/2010/main" xmlns:ma14="http://schemas.microsoft.com/office/mac/drawingml/2011/main" val="1"/>
+            </a:ext>
+          </a:extLst>
+        </p:spPr>
+        <p:txBody>
+          <a:bodyPr lIns="45719" rIns="45719">
+            <a:spAutoFit/>
+          </a:bodyPr>
+          <a:lstStyle>
+            <a:lvl1pPr>
+              <a:defRPr sz="2400">
+                <a:latin typeface="Oswald"/>
+                <a:ea typeface="Oswald"/>
+                <a:cs typeface="Oswald"/>
+                <a:sym typeface="Oswald"/>
+              </a:defRPr>
+            </a:lvl1pPr>
+          </a:lstStyle>
+          <a:p>
+            <a:r>
+              <a:rPr lang="en-IN" dirty="0"/>
+              <a:t>Object Types</a:t>
+            </a:r>
+            <a:endParaRPr dirty="0"/>
+          </a:p>
+        </p:txBody>
+      </p:sp>
+      <p:sp>
+        <p:nvSpPr>
+          <p:cNvPr id="2" name="TextBox 1">
+            <a:extLst>
+              <a:ext uri="{FF2B5EF4-FFF2-40B4-BE49-F238E27FC236}">
+                <a16:creationId xmlns:a16="http://schemas.microsoft.com/office/drawing/2014/main" id="{BBA902EE-8B1A-9A29-6249-9A95B118CC7B}"/>
+              </a:ext>
+            </a:extLst>
+          </p:cNvPr>
+          <p:cNvSpPr txBox="1"/>
+          <p:nvPr/>
+        </p:nvSpPr>
+        <p:spPr>
+          <a:xfrm>
+            <a:off x="684372" y="1065330"/>
+            <a:ext cx="7909497" cy="1384995"/>
+          </a:xfrm>
+          <a:prstGeom prst="rect">
+            <a:avLst/>
+          </a:prstGeom>
+          <a:ln w="12700">
+            <a:miter lim="400000"/>
+          </a:ln>
+          <a:extLst>
+            <a:ext uri="{C572A759-6A51-4108-AA02-DFA0A04FC94B}">
+              <ma14:wrappingTextBoxFlag xmlns="" xmlns:m="http://schemas.openxmlformats.org/officeDocument/2006/math" xmlns:a14="http://schemas.microsoft.com/office/drawing/2010/main" xmlns:ma14="http://schemas.microsoft.com/office/mac/drawingml/2011/main" val="1"/>
+            </a:ext>
+          </a:extLst>
+        </p:spPr>
+        <p:txBody>
+          <a:bodyPr wrap="square" lIns="45719" rIns="45719">
+            <a:spAutoFit/>
+          </a:bodyPr>
+          <a:lstStyle/>
+          <a:p>
+            <a:pPr lvl="7">
+              <a:defRPr>
+                <a:latin typeface="Oswald"/>
+                <a:ea typeface="Oswald"/>
+                <a:cs typeface="Oswald"/>
+                <a:sym typeface="Oswald"/>
+              </a:defRPr>
+            </a:pPr>
+            <a:r>
+              <a:rPr lang="en-US" dirty="0"/>
+              <a:t>In JavaScript, the fundamental way that we group and pass around data is through objects. In TypeScript, we represent those through object types. Typescript object can be either named or anonymous.</a:t>
+            </a:r>
+          </a:p>
+          <a:p>
+            <a:pPr lvl="7">
+              <a:defRPr>
+                <a:latin typeface="Oswald"/>
+                <a:ea typeface="Oswald"/>
+                <a:cs typeface="Oswald"/>
+                <a:sym typeface="Oswald"/>
+              </a:defRPr>
+            </a:pPr>
+            <a:endParaRPr lang="en-US" dirty="0"/>
+          </a:p>
+          <a:p>
+            <a:pPr lvl="7">
+              <a:defRPr>
+                <a:latin typeface="Oswald"/>
+                <a:ea typeface="Oswald"/>
+                <a:cs typeface="Oswald"/>
+                <a:sym typeface="Oswald"/>
+              </a:defRPr>
+            </a:pPr>
+            <a:r>
+              <a:rPr lang="en-US" dirty="0"/>
+              <a:t>Anonymous object </a:t>
+            </a:r>
+          </a:p>
+          <a:p>
+            <a:pPr lvl="7">
+              <a:defRPr>
+                <a:latin typeface="Oswald"/>
+                <a:ea typeface="Oswald"/>
+                <a:cs typeface="Oswald"/>
+                <a:sym typeface="Oswald"/>
+              </a:defRPr>
+            </a:pPr>
+            <a:endParaRPr lang="en-US"/>
+          </a:p>
+          <a:p>
+            <a:pPr lvl="7">
+              <a:defRPr>
+                <a:latin typeface="Oswald"/>
+                <a:ea typeface="Oswald"/>
+                <a:cs typeface="Oswald"/>
+                <a:sym typeface="Oswald"/>
+              </a:defRPr>
+            </a:pPr>
+            <a:endParaRPr lang="en-US" dirty="0"/>
+          </a:p>
+        </p:txBody>
+      </p:sp>
+      <p:pic>
+        <p:nvPicPr>
+          <p:cNvPr id="4" name="Picture 3">
+            <a:extLst>
+              <a:ext uri="{FF2B5EF4-FFF2-40B4-BE49-F238E27FC236}">
+                <a16:creationId xmlns:a16="http://schemas.microsoft.com/office/drawing/2014/main" id="{D2DD8643-D22D-3B9D-48EA-4AFDB583921A}"/>
+              </a:ext>
+            </a:extLst>
+          </p:cNvPr>
+          <p:cNvPicPr>
+            <a:picLocks noChangeAspect="1"/>
+          </p:cNvPicPr>
+          <p:nvPr/>
+        </p:nvPicPr>
+        <p:blipFill>
+          <a:blip r:embed="rId3"/>
+          <a:stretch>
+            <a:fillRect/>
+          </a:stretch>
+        </p:blipFill>
+        <p:spPr>
+          <a:xfrm>
+            <a:off x="1300162" y="2203289"/>
+            <a:ext cx="6400800" cy="2041010"/>
+          </a:xfrm>
+          <a:prstGeom prst="rect">
+            <a:avLst/>
+          </a:prstGeom>
+        </p:spPr>
+      </p:pic>
+    </p:spTree>
+    <p:extLst>
+      <p:ext uri="{BB962C8B-B14F-4D97-AF65-F5344CB8AC3E}">
+        <p14:creationId xmlns:p14="http://schemas.microsoft.com/office/powerpoint/2010/main" val="2840354240"/>
+      </p:ext>
+    </p:extLst>
+  </p:cSld>
+  <p:clrMapOvr>
+    <a:masterClrMapping/>
+  </p:clrMapOvr>
+  <mc:AlternateContent xmlns:mc="http://schemas.openxmlformats.org/markup-compatibility/2006" xmlns:p14="http://schemas.microsoft.com/office/powerpoint/2010/main">
+    <mc:Choice Requires="p14">
+      <p:transition spd="slow" p14:dur="1200">
+        <p:fade thruBlk="1"/>
+      </p:transition>
+    </mc:Choice>
+    <mc:Fallback xmlns="" xmlns:m="http://schemas.openxmlformats.org/officeDocument/2006/math" xmlns:a14="http://schemas.microsoft.com/office/drawing/2010/main">
+      <p:transition spd="slow">
+        <p:fade/>
+      </p:transition>
+    </mc:Fallback>
+  </mc:AlternateContent>
+</p:sld>
+</file>
+
+<file path=ppt/slides/slide89.xml><?xml version="1.0" encoding="utf-8"?>
+<p:sld xmlns:a="http://schemas.openxmlformats.org/drawingml/2006/main" xmlns:r="http://schemas.openxmlformats.org/officeDocument/2006/relationships" xmlns:p="http://schemas.openxmlformats.org/presentationml/2006/main">
+  <p:cSld>
+    <p:spTree>
+      <p:nvGrpSpPr>
+        <p:cNvPr id="1" name=""/>
+        <p:cNvGrpSpPr/>
+        <p:nvPr/>
+      </p:nvGrpSpPr>
+      <p:grpSpPr>
+        <a:xfrm>
+          <a:off x="0" y="0"/>
+          <a:ext cx="0" cy="0"/>
+          <a:chOff x="0" y="0"/>
+          <a:chExt cx="0" cy="0"/>
+        </a:xfrm>
+      </p:grpSpPr>
+      <p:sp>
+        <p:nvSpPr>
+          <p:cNvPr id="457" name="Rectangle 8"/>
+          <p:cNvSpPr/>
+          <p:nvPr/>
+        </p:nvSpPr>
+        <p:spPr>
+          <a:xfrm>
+            <a:off x="385771" y="4950621"/>
+            <a:ext cx="8358179" cy="181697"/>
+          </a:xfrm>
+          <a:prstGeom prst="rect">
+            <a:avLst/>
+          </a:prstGeom>
+          <a:solidFill>
+            <a:srgbClr val="000000"/>
+          </a:solidFill>
+          <a:ln w="25400">
+            <a:solidFill>
+              <a:srgbClr val="000000"/>
+            </a:solidFill>
+          </a:ln>
+        </p:spPr>
+        <p:txBody>
+          <a:bodyPr lIns="45719" rIns="45719" anchor="ctr"/>
+          <a:lstStyle/>
+          <a:p>
+            <a:pPr algn="ctr">
+              <a:defRPr>
+                <a:solidFill>
+                  <a:srgbClr val="FFFFFF"/>
+                </a:solidFill>
+              </a:defRPr>
+            </a:pPr>
+            <a:endParaRPr/>
+          </a:p>
+        </p:txBody>
+      </p:sp>
+      <p:sp>
+        <p:nvSpPr>
+          <p:cNvPr id="458" name="Rectangle 7"/>
+          <p:cNvSpPr/>
+          <p:nvPr/>
+        </p:nvSpPr>
+        <p:spPr>
+          <a:xfrm>
+            <a:off x="1300162" y="7143"/>
+            <a:ext cx="6800851" cy="121446"/>
+          </a:xfrm>
+          <a:prstGeom prst="rect">
+            <a:avLst/>
+          </a:prstGeom>
+          <a:solidFill>
+            <a:srgbClr val="FF5050"/>
+          </a:solidFill>
+          <a:ln w="25400">
+            <a:solidFill>
+              <a:srgbClr val="FF5050"/>
+            </a:solidFill>
+          </a:ln>
+        </p:spPr>
+        <p:txBody>
+          <a:bodyPr lIns="45719" rIns="45719" anchor="ctr"/>
+          <a:lstStyle/>
+          <a:p>
+            <a:pPr algn="ctr">
+              <a:defRPr>
+                <a:solidFill>
+                  <a:srgbClr val="FFFFFF"/>
+                </a:solidFill>
+              </a:defRPr>
+            </a:pPr>
+            <a:endParaRPr/>
+          </a:p>
+        </p:txBody>
+      </p:sp>
+      <p:sp>
+        <p:nvSpPr>
+          <p:cNvPr id="459" name="TextBox 9"/>
+          <p:cNvSpPr txBox="1"/>
+          <p:nvPr/>
+        </p:nvSpPr>
+        <p:spPr>
+          <a:xfrm>
+            <a:off x="781521" y="4929194"/>
+            <a:ext cx="3551873" cy="214701"/>
+          </a:xfrm>
+          <a:prstGeom prst="rect">
+            <a:avLst/>
+          </a:prstGeom>
+          <a:ln w="12700">
+            <a:miter lim="400000"/>
+          </a:ln>
+          <a:extLst>
+            <a:ext uri="{C572A759-6A51-4108-AA02-DFA0A04FC94B}">
+              <ma14:wrappingTextBoxFlag xmlns="" xmlns:m="http://schemas.openxmlformats.org/officeDocument/2006/math" xmlns:a14="http://schemas.microsoft.com/office/drawing/2010/main" xmlns:ma14="http://schemas.microsoft.com/office/mac/drawingml/2011/main" val="1"/>
+            </a:ext>
+          </a:extLst>
+        </p:spPr>
+        <p:txBody>
+          <a:bodyPr lIns="45719" rIns="45719">
+            <a:spAutoFit/>
+          </a:bodyPr>
+          <a:lstStyle>
+            <a:lvl1pPr>
+              <a:defRPr sz="900">
+                <a:solidFill>
+                  <a:srgbClr val="FFFFFF"/>
+                </a:solidFill>
+              </a:defRPr>
+            </a:lvl1pPr>
+          </a:lstStyle>
+          <a:p>
+            <a:r>
+              <a:t>© 2021 Mindmajix Technologies Pvt. Ltd. All rights reserved</a:t>
+            </a:r>
+          </a:p>
+        </p:txBody>
+      </p:sp>
+      <p:sp>
+        <p:nvSpPr>
+          <p:cNvPr id="460" name="Straight Connector 11"/>
+          <p:cNvSpPr/>
+          <p:nvPr/>
+        </p:nvSpPr>
+        <p:spPr>
+          <a:xfrm>
+            <a:off x="578644" y="971549"/>
+            <a:ext cx="8036720" cy="1590"/>
+          </a:xfrm>
+          <a:prstGeom prst="line">
+            <a:avLst/>
+          </a:prstGeom>
+          <a:ln>
+            <a:solidFill>
+              <a:srgbClr val="000000"/>
+            </a:solidFill>
+          </a:ln>
+        </p:spPr>
+        <p:txBody>
+          <a:bodyPr lIns="45719" rIns="45719"/>
+          <a:lstStyle/>
+          <a:p>
+            <a:endParaRPr/>
+          </a:p>
+        </p:txBody>
+      </p:sp>
+      <p:sp>
+        <p:nvSpPr>
+          <p:cNvPr id="461" name="TextBox 12"/>
+          <p:cNvSpPr txBox="1"/>
+          <p:nvPr/>
+        </p:nvSpPr>
+        <p:spPr>
+          <a:xfrm>
+            <a:off x="795820" y="514354"/>
+            <a:ext cx="7545228" cy="459741"/>
+          </a:xfrm>
+          <a:prstGeom prst="rect">
+            <a:avLst/>
+          </a:prstGeom>
+          <a:ln w="12700">
+            <a:miter lim="400000"/>
+          </a:ln>
+          <a:extLst>
+            <a:ext uri="{C572A759-6A51-4108-AA02-DFA0A04FC94B}">
+              <ma14:wrappingTextBoxFlag xmlns="" xmlns:m="http://schemas.openxmlformats.org/officeDocument/2006/math" xmlns:a14="http://schemas.microsoft.com/office/drawing/2010/main" xmlns:ma14="http://schemas.microsoft.com/office/mac/drawingml/2011/main" val="1"/>
+            </a:ext>
+          </a:extLst>
+        </p:spPr>
+        <p:txBody>
+          <a:bodyPr lIns="45719" rIns="45719">
+            <a:spAutoFit/>
+          </a:bodyPr>
+          <a:lstStyle>
+            <a:lvl1pPr>
+              <a:defRPr sz="2400">
+                <a:latin typeface="Oswald"/>
+                <a:ea typeface="Oswald"/>
+                <a:cs typeface="Oswald"/>
+                <a:sym typeface="Oswald"/>
+              </a:defRPr>
+            </a:lvl1pPr>
+          </a:lstStyle>
+          <a:p>
+            <a:r>
+              <a:rPr lang="en-IN" dirty="0"/>
+              <a:t>Object Types</a:t>
+            </a:r>
+            <a:endParaRPr dirty="0"/>
+          </a:p>
+        </p:txBody>
+      </p:sp>
+      <p:sp>
+        <p:nvSpPr>
+          <p:cNvPr id="2" name="TextBox 1">
+            <a:extLst>
+              <a:ext uri="{FF2B5EF4-FFF2-40B4-BE49-F238E27FC236}">
+                <a16:creationId xmlns:a16="http://schemas.microsoft.com/office/drawing/2014/main" id="{BBA902EE-8B1A-9A29-6249-9A95B118CC7B}"/>
+              </a:ext>
+            </a:extLst>
+          </p:cNvPr>
+          <p:cNvSpPr txBox="1"/>
+          <p:nvPr/>
+        </p:nvSpPr>
+        <p:spPr>
+          <a:xfrm>
+            <a:off x="684372" y="1065330"/>
+            <a:ext cx="7909497" cy="738664"/>
+          </a:xfrm>
+          <a:prstGeom prst="rect">
+            <a:avLst/>
+          </a:prstGeom>
+          <a:ln w="12700">
+            <a:miter lim="400000"/>
+          </a:ln>
+          <a:extLst>
+            <a:ext uri="{C572A759-6A51-4108-AA02-DFA0A04FC94B}">
+              <ma14:wrappingTextBoxFlag xmlns="" xmlns:m="http://schemas.openxmlformats.org/officeDocument/2006/math" xmlns:a14="http://schemas.microsoft.com/office/drawing/2010/main" xmlns:ma14="http://schemas.microsoft.com/office/mac/drawingml/2011/main" val="1"/>
+            </a:ext>
+          </a:extLst>
+        </p:spPr>
+        <p:txBody>
+          <a:bodyPr wrap="square" lIns="45719" rIns="45719">
+            <a:spAutoFit/>
+          </a:bodyPr>
+          <a:lstStyle/>
+          <a:p>
+            <a:pPr lvl="7">
+              <a:defRPr>
+                <a:latin typeface="Oswald"/>
+                <a:ea typeface="Oswald"/>
+                <a:cs typeface="Oswald"/>
+                <a:sym typeface="Oswald"/>
+              </a:defRPr>
+            </a:pPr>
+            <a:r>
+              <a:rPr lang="en-US" dirty="0"/>
+              <a:t>Named with Type Alias </a:t>
+            </a:r>
+          </a:p>
+          <a:p>
+            <a:pPr lvl="7">
+              <a:defRPr>
+                <a:latin typeface="Oswald"/>
+                <a:ea typeface="Oswald"/>
+                <a:cs typeface="Oswald"/>
+                <a:sym typeface="Oswald"/>
+              </a:defRPr>
+            </a:pPr>
+            <a:endParaRPr lang="en-US" dirty="0"/>
+          </a:p>
+          <a:p>
+            <a:pPr lvl="7">
+              <a:defRPr>
+                <a:latin typeface="Oswald"/>
+                <a:ea typeface="Oswald"/>
+                <a:cs typeface="Oswald"/>
+                <a:sym typeface="Oswald"/>
+              </a:defRPr>
+            </a:pPr>
+            <a:endParaRPr lang="en-US" dirty="0"/>
+          </a:p>
+        </p:txBody>
+      </p:sp>
+      <p:pic>
+        <p:nvPicPr>
+          <p:cNvPr id="5" name="Picture 4">
+            <a:extLst>
+              <a:ext uri="{FF2B5EF4-FFF2-40B4-BE49-F238E27FC236}">
+                <a16:creationId xmlns:a16="http://schemas.microsoft.com/office/drawing/2014/main" id="{F26D9CA7-20D4-1470-C71B-A57EB21DF088}"/>
+              </a:ext>
+            </a:extLst>
+          </p:cNvPr>
+          <p:cNvPicPr>
+            <a:picLocks noChangeAspect="1"/>
+          </p:cNvPicPr>
+          <p:nvPr/>
+        </p:nvPicPr>
+        <p:blipFill>
+          <a:blip r:embed="rId3"/>
+          <a:stretch>
+            <a:fillRect/>
+          </a:stretch>
+        </p:blipFill>
+        <p:spPr>
+          <a:xfrm>
+            <a:off x="2623929" y="1507496"/>
+            <a:ext cx="3068991" cy="1438590"/>
+          </a:xfrm>
+          <a:prstGeom prst="rect">
+            <a:avLst/>
+          </a:prstGeom>
+        </p:spPr>
+      </p:pic>
+      <p:sp>
+        <p:nvSpPr>
+          <p:cNvPr id="6" name="TextBox 5">
+            <a:extLst>
+              <a:ext uri="{FF2B5EF4-FFF2-40B4-BE49-F238E27FC236}">
+                <a16:creationId xmlns:a16="http://schemas.microsoft.com/office/drawing/2014/main" id="{01524703-2CDD-7A9B-04C2-02DBB79F37B5}"/>
+              </a:ext>
+            </a:extLst>
+          </p:cNvPr>
+          <p:cNvSpPr txBox="1"/>
+          <p:nvPr/>
+        </p:nvSpPr>
+        <p:spPr>
+          <a:xfrm>
+            <a:off x="684371" y="3188263"/>
+            <a:ext cx="7909497" cy="738664"/>
+          </a:xfrm>
+          <a:prstGeom prst="rect">
+            <a:avLst/>
+          </a:prstGeom>
+          <a:ln w="12700">
+            <a:miter lim="400000"/>
+          </a:ln>
+          <a:extLst>
+            <a:ext uri="{C572A759-6A51-4108-AA02-DFA0A04FC94B}">
+              <ma14:wrappingTextBoxFlag xmlns="" xmlns:m="http://schemas.openxmlformats.org/officeDocument/2006/math" xmlns:a14="http://schemas.microsoft.com/office/drawing/2010/main" xmlns:ma14="http://schemas.microsoft.com/office/mac/drawingml/2011/main" val="1"/>
+            </a:ext>
+          </a:extLst>
+        </p:spPr>
+        <p:txBody>
+          <a:bodyPr wrap="square" lIns="45719" rIns="45719">
+            <a:spAutoFit/>
+          </a:bodyPr>
+          <a:lstStyle/>
+          <a:p>
+            <a:pPr lvl="7">
+              <a:defRPr>
+                <a:latin typeface="Oswald"/>
+                <a:ea typeface="Oswald"/>
+                <a:cs typeface="Oswald"/>
+                <a:sym typeface="Oswald"/>
+              </a:defRPr>
+            </a:pPr>
+            <a:r>
+              <a:rPr lang="en-US" dirty="0"/>
+              <a:t>Named Interfaces</a:t>
+            </a:r>
+          </a:p>
+          <a:p>
+            <a:pPr lvl="7">
+              <a:defRPr>
+                <a:latin typeface="Oswald"/>
+                <a:ea typeface="Oswald"/>
+                <a:cs typeface="Oswald"/>
+                <a:sym typeface="Oswald"/>
+              </a:defRPr>
+            </a:pPr>
+            <a:endParaRPr lang="en-US" dirty="0"/>
+          </a:p>
+          <a:p>
+            <a:pPr lvl="7">
+              <a:defRPr>
+                <a:latin typeface="Oswald"/>
+                <a:ea typeface="Oswald"/>
+                <a:cs typeface="Oswald"/>
+                <a:sym typeface="Oswald"/>
+              </a:defRPr>
+            </a:pPr>
+            <a:endParaRPr lang="en-US" dirty="0"/>
+          </a:p>
+        </p:txBody>
+      </p:sp>
+      <p:pic>
+        <p:nvPicPr>
+          <p:cNvPr id="8" name="Picture 7">
+            <a:extLst>
+              <a:ext uri="{FF2B5EF4-FFF2-40B4-BE49-F238E27FC236}">
+                <a16:creationId xmlns:a16="http://schemas.microsoft.com/office/drawing/2014/main" id="{F3DF8CA0-21DE-AB08-4146-5BB22813FEAF}"/>
+              </a:ext>
+            </a:extLst>
+          </p:cNvPr>
+          <p:cNvPicPr>
+            <a:picLocks noChangeAspect="1"/>
+          </p:cNvPicPr>
+          <p:nvPr/>
+        </p:nvPicPr>
+        <p:blipFill>
+          <a:blip r:embed="rId4"/>
+          <a:stretch>
+            <a:fillRect/>
+          </a:stretch>
+        </p:blipFill>
+        <p:spPr>
+          <a:xfrm>
+            <a:off x="2623928" y="3388251"/>
+            <a:ext cx="3068991" cy="1438589"/>
+          </a:xfrm>
+          <a:prstGeom prst="rect">
+            <a:avLst/>
+          </a:prstGeom>
+        </p:spPr>
+      </p:pic>
+    </p:spTree>
+    <p:extLst>
+      <p:ext uri="{BB962C8B-B14F-4D97-AF65-F5344CB8AC3E}">
+        <p14:creationId xmlns:p14="http://schemas.microsoft.com/office/powerpoint/2010/main" val="1960512486"/>
+      </p:ext>
+    </p:extLst>
+  </p:cSld>
+  <p:clrMapOvr>
+    <a:masterClrMapping/>
+  </p:clrMapOvr>
+  <mc:AlternateContent xmlns:mc="http://schemas.openxmlformats.org/markup-compatibility/2006" xmlns:p14="http://schemas.microsoft.com/office/powerpoint/2010/main">
+    <mc:Choice Requires="p14">
+      <p:transition spd="slow" p14:dur="1200">
+        <p:fade thruBlk="1"/>
+      </p:transition>
+    </mc:Choice>
+    <mc:Fallback xmlns="" xmlns:m="http://schemas.openxmlformats.org/officeDocument/2006/math" xmlns:a14="http://schemas.microsoft.com/office/drawing/2010/main">
+      <p:transition spd="slow">
+        <p:fade/>
+      </p:transition>
+    </mc:Fallback>
+  </mc:AlternateContent>
+</p:sld>
+</file>
+
+<file path=ppt/slides/slide9.xml><?xml version="1.0" encoding="utf-8"?>
+<p:sld xmlns:a="http://schemas.openxmlformats.org/drawingml/2006/main" xmlns:r="http://schemas.openxmlformats.org/officeDocument/2006/relationships" xmlns:p="http://schemas.openxmlformats.org/presentationml/2006/main">
+  <p:cSld>
+    <p:spTree>
+      <p:nvGrpSpPr>
+        <p:cNvPr id="1" name=""/>
+        <p:cNvGrpSpPr/>
+        <p:nvPr/>
+      </p:nvGrpSpPr>
+      <p:grpSpPr>
+        <a:xfrm>
+          <a:off x="0" y="0"/>
+          <a:ext cx="0" cy="0"/>
+          <a:chOff x="0" y="0"/>
+          <a:chExt cx="0" cy="0"/>
+        </a:xfrm>
+      </p:grpSpPr>
+      <p:sp>
+        <p:nvSpPr>
+          <p:cNvPr id="186" name="Rectangle 8"/>
+          <p:cNvSpPr/>
+          <p:nvPr/>
+        </p:nvSpPr>
+        <p:spPr>
+          <a:xfrm>
+            <a:off x="385771" y="4950621"/>
+            <a:ext cx="8358179" cy="181697"/>
+          </a:xfrm>
+          <a:prstGeom prst="rect">
+            <a:avLst/>
+          </a:prstGeom>
+          <a:solidFill>
+            <a:srgbClr val="000000"/>
+          </a:solidFill>
+          <a:ln w="25400">
+            <a:solidFill>
+              <a:srgbClr val="000000"/>
+            </a:solidFill>
+          </a:ln>
+        </p:spPr>
+        <p:txBody>
+          <a:bodyPr lIns="45719" rIns="45719" anchor="ctr"/>
+          <a:lstStyle/>
+          <a:p>
+            <a:pPr algn="ctr">
+              <a:defRPr>
+                <a:solidFill>
+                  <a:srgbClr val="FFFFFF"/>
+                </a:solidFill>
+              </a:defRPr>
+            </a:pPr>
+            <a:endParaRPr/>
+          </a:p>
+        </p:txBody>
+      </p:sp>
+      <p:sp>
+        <p:nvSpPr>
+          <p:cNvPr id="187" name="Rectangle 7"/>
+          <p:cNvSpPr/>
+          <p:nvPr/>
+        </p:nvSpPr>
+        <p:spPr>
+          <a:xfrm>
+            <a:off x="1300162" y="7143"/>
+            <a:ext cx="6800851" cy="121446"/>
+          </a:xfrm>
+          <a:prstGeom prst="rect">
+            <a:avLst/>
+          </a:prstGeom>
+          <a:solidFill>
+            <a:srgbClr val="FF5050"/>
+          </a:solidFill>
+          <a:ln w="25400">
+            <a:solidFill>
+              <a:srgbClr val="FF5050"/>
+            </a:solidFill>
+          </a:ln>
+        </p:spPr>
+        <p:txBody>
+          <a:bodyPr lIns="45719" rIns="45719" anchor="ctr"/>
+          <a:lstStyle/>
+          <a:p>
+            <a:pPr algn="ctr">
+              <a:defRPr>
+                <a:solidFill>
+                  <a:srgbClr val="FFFFFF"/>
+                </a:solidFill>
+              </a:defRPr>
+            </a:pPr>
+            <a:endParaRPr/>
+          </a:p>
+        </p:txBody>
+      </p:sp>
+      <p:sp>
+        <p:nvSpPr>
+          <p:cNvPr id="188" name="TextBox 9"/>
+          <p:cNvSpPr txBox="1"/>
+          <p:nvPr/>
+        </p:nvSpPr>
+        <p:spPr>
+          <a:xfrm>
+            <a:off x="781521" y="4929194"/>
+            <a:ext cx="3551873" cy="214701"/>
+          </a:xfrm>
+          <a:prstGeom prst="rect">
+            <a:avLst/>
+          </a:prstGeom>
+          <a:ln w="12700">
+            <a:miter lim="400000"/>
+          </a:ln>
+          <a:extLst>
+            <a:ext uri="{C572A759-6A51-4108-AA02-DFA0A04FC94B}">
+              <ma14:wrappingTextBoxFlag xmlns="" xmlns:m="http://schemas.openxmlformats.org/officeDocument/2006/math" xmlns:a14="http://schemas.microsoft.com/office/drawing/2010/main" xmlns:ma14="http://schemas.microsoft.com/office/mac/drawingml/2011/main" val="1"/>
+            </a:ext>
+          </a:extLst>
+        </p:spPr>
+        <p:txBody>
+          <a:bodyPr lIns="45719" rIns="45719">
+            <a:spAutoFit/>
+          </a:bodyPr>
+          <a:lstStyle>
+            <a:lvl1pPr>
+              <a:defRPr sz="900">
+                <a:solidFill>
+                  <a:srgbClr val="FFFFFF"/>
+                </a:solidFill>
+              </a:defRPr>
+            </a:lvl1pPr>
+          </a:lstStyle>
+          <a:p>
+            <a:r>
+              <a:t>© 2021 Mindmajix Technologies Pvt. Ltd. All rights reserved</a:t>
+            </a:r>
+          </a:p>
+        </p:txBody>
+      </p:sp>
+      <p:sp>
+        <p:nvSpPr>
+          <p:cNvPr id="189" name="Straight Connector 11"/>
+          <p:cNvSpPr/>
+          <p:nvPr/>
+        </p:nvSpPr>
+        <p:spPr>
+          <a:xfrm>
+            <a:off x="578644" y="971549"/>
+            <a:ext cx="8036720" cy="1590"/>
+          </a:xfrm>
+          <a:prstGeom prst="line">
+            <a:avLst/>
+          </a:prstGeom>
+          <a:ln>
+            <a:solidFill>
+              <a:srgbClr val="000000"/>
+            </a:solidFill>
+          </a:ln>
+        </p:spPr>
+        <p:txBody>
+          <a:bodyPr lIns="45719" rIns="45719"/>
+          <a:lstStyle/>
+          <a:p>
+            <a:endParaRPr/>
+          </a:p>
+        </p:txBody>
+      </p:sp>
+      <p:sp>
+        <p:nvSpPr>
+          <p:cNvPr id="190" name="TextBox 12"/>
+          <p:cNvSpPr txBox="1"/>
+          <p:nvPr/>
+        </p:nvSpPr>
+        <p:spPr>
+          <a:xfrm>
+            <a:off x="795820" y="514354"/>
+            <a:ext cx="7545228" cy="459741"/>
+          </a:xfrm>
+          <a:prstGeom prst="rect">
+            <a:avLst/>
+          </a:prstGeom>
+          <a:ln w="12700">
+            <a:miter lim="400000"/>
+          </a:ln>
+          <a:extLst>
+            <a:ext uri="{C572A759-6A51-4108-AA02-DFA0A04FC94B}">
+              <ma14:wrappingTextBoxFlag xmlns="" xmlns:m="http://schemas.openxmlformats.org/officeDocument/2006/math" xmlns:a14="http://schemas.microsoft.com/office/drawing/2010/main" xmlns:ma14="http://schemas.microsoft.com/office/mac/drawingml/2011/main" val="1"/>
+            </a:ext>
+          </a:extLst>
+        </p:spPr>
+        <p:txBody>
+          <a:bodyPr lIns="45719" rIns="45719">
+            <a:spAutoFit/>
+          </a:bodyPr>
+          <a:lstStyle>
+            <a:lvl1pPr>
+              <a:defRPr sz="2400">
+                <a:latin typeface="Oswald"/>
+                <a:ea typeface="Oswald"/>
+                <a:cs typeface="Oswald"/>
+                <a:sym typeface="Oswald"/>
+              </a:defRPr>
+            </a:lvl1pPr>
+          </a:lstStyle>
+          <a:p>
+            <a:r>
+              <a:t>Lab Setup</a:t>
+            </a:r>
+          </a:p>
+        </p:txBody>
+      </p:sp>
+      <p:sp>
+        <p:nvSpPr>
+          <p:cNvPr id="191" name="TextBox 10"/>
+          <p:cNvSpPr txBox="1"/>
+          <p:nvPr/>
+        </p:nvSpPr>
+        <p:spPr>
+          <a:xfrm>
+            <a:off x="824385" y="1293019"/>
+            <a:ext cx="5966465" cy="1602741"/>
+          </a:xfrm>
+          <a:prstGeom prst="rect">
+            <a:avLst/>
+          </a:prstGeom>
+          <a:ln w="12700">
+            <a:miter lim="400000"/>
+          </a:ln>
+          <a:extLst>
+            <a:ext uri="{C572A759-6A51-4108-AA02-DFA0A04FC94B}">
+              <ma14:wrappingTextBoxFlag xmlns="" xmlns:m="http://schemas.openxmlformats.org/officeDocument/2006/math" xmlns:a14="http://schemas.microsoft.com/office/drawing/2010/main" xmlns:ma14="http://schemas.microsoft.com/office/mac/drawingml/2011/main" val="1"/>
+            </a:ext>
+          </a:extLst>
+        </p:spPr>
+        <p:txBody>
+          <a:bodyPr lIns="45719" rIns="45719">
+            <a:spAutoFit/>
+          </a:bodyPr>
+          <a:lstStyle/>
+          <a:p>
+            <a:pPr>
+              <a:defRPr>
+                <a:latin typeface="Oswald"/>
+                <a:ea typeface="Oswald"/>
+                <a:cs typeface="Oswald"/>
+                <a:sym typeface="Oswald"/>
+              </a:defRPr>
+            </a:pPr>
+            <a:r>
+              <a:t>Prerequisites:  High Speed Internet, Desktop/Laptop</a:t>
+            </a:r>
+          </a:p>
+          <a:p>
+            <a:pPr>
+              <a:buClr>
+                <a:srgbClr val="000000"/>
+              </a:buClr>
+              <a:buSzPct val="100000"/>
+              <a:buChar char="▪"/>
+              <a:defRPr>
+                <a:latin typeface="Oswald"/>
+                <a:ea typeface="Oswald"/>
+                <a:cs typeface="Oswald"/>
+                <a:sym typeface="Oswald"/>
+              </a:defRPr>
+            </a:pPr>
+            <a:endParaRPr/>
+          </a:p>
+          <a:p>
+            <a:pPr>
+              <a:defRPr>
+                <a:latin typeface="Oswald"/>
+                <a:ea typeface="Oswald"/>
+                <a:cs typeface="Oswald"/>
+                <a:sym typeface="Oswald"/>
+              </a:defRPr>
+            </a:pPr>
+            <a:r>
+              <a:t>System requirements:</a:t>
+            </a:r>
+          </a:p>
+          <a:p>
+            <a:pPr marL="285750" lvl="5" indent="-285750">
+              <a:buClr>
+                <a:srgbClr val="000000"/>
+              </a:buClr>
+              <a:buSzPct val="100000"/>
+              <a:buFont typeface="Arial"/>
+              <a:buChar char="•"/>
+              <a:defRPr>
+                <a:latin typeface="Oswald"/>
+                <a:ea typeface="Oswald"/>
+                <a:cs typeface="Oswald"/>
+                <a:sym typeface="Oswald"/>
+              </a:defRPr>
+            </a:pPr>
+            <a:r>
+              <a:t>Any operating system (Mac OS/ Windows / Linux)</a:t>
+            </a:r>
+          </a:p>
+          <a:p>
+            <a:pPr marL="285750" lvl="5" indent="-285750">
+              <a:buClr>
+                <a:srgbClr val="000000"/>
+              </a:buClr>
+              <a:buSzPct val="100000"/>
+              <a:buFont typeface="Arial"/>
+              <a:buChar char="•"/>
+              <a:defRPr>
+                <a:latin typeface="Oswald"/>
+                <a:ea typeface="Oswald"/>
+                <a:cs typeface="Oswald"/>
+                <a:sym typeface="Oswald"/>
+              </a:defRPr>
+            </a:pPr>
+            <a:r>
+              <a:t>Nodejs and NPM installed (latest versions)</a:t>
+            </a:r>
+          </a:p>
+          <a:p>
+            <a:pPr marL="285750" lvl="5" indent="-285750">
+              <a:buClr>
+                <a:srgbClr val="000000"/>
+              </a:buClr>
+              <a:buSzPct val="100000"/>
+              <a:buFont typeface="Arial"/>
+              <a:buChar char="•"/>
+              <a:defRPr>
+                <a:latin typeface="Oswald"/>
+                <a:ea typeface="Oswald"/>
+                <a:cs typeface="Oswald"/>
+                <a:sym typeface="Oswald"/>
+              </a:defRPr>
+            </a:pPr>
+            <a:r>
+              <a:t>IDE – Visual Studio Code </a:t>
+            </a:r>
+          </a:p>
+        </p:txBody>
+      </p:sp>
+    </p:spTree>
+  </p:cSld>
+  <p:clrMapOvr>
+    <a:masterClrMapping/>
+  </p:clrMapOvr>
+  <mc:AlternateContent xmlns:mc="http://schemas.openxmlformats.org/markup-compatibility/2006" xmlns:p14="http://schemas.microsoft.com/office/powerpoint/2010/main">
+    <mc:Choice Requires="p14">
+      <p:transition spd="slow" p14:dur="1200">
+        <p:fade thruBlk="1"/>
+      </p:transition>
+    </mc:Choice>
+    <mc:Fallback xmlns="" xmlns:m="http://schemas.openxmlformats.org/officeDocument/2006/math" xmlns:a14="http://schemas.microsoft.com/office/drawing/2010/main">
+      <p:transition spd="slow">
+        <p:fade/>
+      </p:transition>
+    </mc:Fallback>
+  </mc:AlternateContent>
+</p:sld>
+</file>
+
+<file path=ppt/slides/slide90.xml><?xml version="1.0" encoding="utf-8"?>
+<p:sld xmlns:a="http://schemas.openxmlformats.org/drawingml/2006/main" xmlns:r="http://schemas.openxmlformats.org/officeDocument/2006/relationships" xmlns:p="http://schemas.openxmlformats.org/presentationml/2006/main">
+  <p:cSld>
+    <p:spTree>
+      <p:nvGrpSpPr>
+        <p:cNvPr id="1" name=""/>
+        <p:cNvGrpSpPr/>
+        <p:nvPr/>
+      </p:nvGrpSpPr>
+      <p:grpSpPr>
+        <a:xfrm>
+          <a:off x="0" y="0"/>
+          <a:ext cx="0" cy="0"/>
+          <a:chOff x="0" y="0"/>
+          <a:chExt cx="0" cy="0"/>
+        </a:xfrm>
+      </p:grpSpPr>
+      <p:sp>
+        <p:nvSpPr>
+          <p:cNvPr id="480" name="Rectangle 8"/>
+          <p:cNvSpPr/>
+          <p:nvPr/>
+        </p:nvSpPr>
+        <p:spPr>
+          <a:xfrm>
+            <a:off x="385771" y="4950621"/>
+            <a:ext cx="8358179" cy="181697"/>
+          </a:xfrm>
+          <a:prstGeom prst="rect">
+            <a:avLst/>
+          </a:prstGeom>
+          <a:solidFill>
+            <a:srgbClr val="000000"/>
+          </a:solidFill>
+          <a:ln w="25400">
+            <a:solidFill>
+              <a:srgbClr val="000000"/>
+            </a:solidFill>
+          </a:ln>
+        </p:spPr>
+        <p:txBody>
+          <a:bodyPr lIns="45719" rIns="45719" anchor="ctr"/>
+          <a:lstStyle/>
+          <a:p>
+            <a:pPr algn="ctr">
+              <a:defRPr>
+                <a:solidFill>
+                  <a:srgbClr val="FFFFFF"/>
+                </a:solidFill>
+              </a:defRPr>
+            </a:pPr>
+            <a:endParaRPr/>
+          </a:p>
+        </p:txBody>
+      </p:sp>
+      <p:sp>
+        <p:nvSpPr>
+          <p:cNvPr id="481" name="Rectangle 7"/>
+          <p:cNvSpPr/>
+          <p:nvPr/>
+        </p:nvSpPr>
+        <p:spPr>
+          <a:xfrm>
+            <a:off x="1300162" y="7143"/>
+            <a:ext cx="6800851" cy="121446"/>
+          </a:xfrm>
+          <a:prstGeom prst="rect">
+            <a:avLst/>
+          </a:prstGeom>
+          <a:solidFill>
+            <a:srgbClr val="FF5050"/>
+          </a:solidFill>
+          <a:ln w="25400">
+            <a:solidFill>
+              <a:srgbClr val="FF5050"/>
+            </a:solidFill>
+          </a:ln>
+        </p:spPr>
+        <p:txBody>
+          <a:bodyPr lIns="45719" rIns="45719" anchor="ctr"/>
+          <a:lstStyle/>
+          <a:p>
+            <a:pPr algn="ctr">
+              <a:defRPr>
+                <a:solidFill>
+                  <a:srgbClr val="FFFFFF"/>
+                </a:solidFill>
+              </a:defRPr>
+            </a:pPr>
+            <a:endParaRPr/>
+          </a:p>
+        </p:txBody>
+      </p:sp>
+      <p:sp>
+        <p:nvSpPr>
+          <p:cNvPr id="482" name="TextBox 9"/>
+          <p:cNvSpPr txBox="1"/>
+          <p:nvPr/>
+        </p:nvSpPr>
+        <p:spPr>
+          <a:xfrm>
+            <a:off x="781521" y="4929194"/>
+            <a:ext cx="3551873" cy="214701"/>
+          </a:xfrm>
+          <a:prstGeom prst="rect">
+            <a:avLst/>
+          </a:prstGeom>
+          <a:ln w="12700">
+            <a:miter lim="400000"/>
+          </a:ln>
+          <a:extLst>
+            <a:ext uri="{C572A759-6A51-4108-AA02-DFA0A04FC94B}">
+              <ma14:wrappingTextBoxFlag xmlns="" xmlns:m="http://schemas.openxmlformats.org/officeDocument/2006/math" xmlns:a14="http://schemas.microsoft.com/office/drawing/2010/main" xmlns:ma14="http://schemas.microsoft.com/office/mac/drawingml/2011/main" val="1"/>
+            </a:ext>
+          </a:extLst>
+        </p:spPr>
+        <p:txBody>
+          <a:bodyPr lIns="45719" rIns="45719">
+            <a:spAutoFit/>
+          </a:bodyPr>
+          <a:lstStyle>
+            <a:lvl1pPr>
+              <a:defRPr sz="900">
+                <a:solidFill>
+                  <a:srgbClr val="FFFFFF"/>
+                </a:solidFill>
+              </a:defRPr>
+            </a:lvl1pPr>
+          </a:lstStyle>
+          <a:p>
+            <a:r>
+              <a:t>© 2021 Mindmajix Technologies Pvt. Ltd. All rights reserved</a:t>
+            </a:r>
+          </a:p>
+        </p:txBody>
+      </p:sp>
+      <p:sp>
+        <p:nvSpPr>
+          <p:cNvPr id="483" name="Straight Connector 11"/>
+          <p:cNvSpPr/>
+          <p:nvPr/>
+        </p:nvSpPr>
+        <p:spPr>
+          <a:xfrm>
+            <a:off x="578644" y="971549"/>
+            <a:ext cx="8036720" cy="1590"/>
+          </a:xfrm>
+          <a:prstGeom prst="line">
+            <a:avLst/>
+          </a:prstGeom>
+          <a:ln>
+            <a:solidFill>
+              <a:srgbClr val="000000"/>
+            </a:solidFill>
+          </a:ln>
+        </p:spPr>
+        <p:txBody>
+          <a:bodyPr lIns="45719" rIns="45719"/>
+          <a:lstStyle/>
+          <a:p>
+            <a:endParaRPr/>
+          </a:p>
+        </p:txBody>
+      </p:sp>
+      <p:sp>
+        <p:nvSpPr>
+          <p:cNvPr id="484" name="TextBox 12"/>
+          <p:cNvSpPr txBox="1"/>
+          <p:nvPr/>
+        </p:nvSpPr>
+        <p:spPr>
+          <a:xfrm>
+            <a:off x="795820" y="514354"/>
+            <a:ext cx="7545228" cy="459741"/>
+          </a:xfrm>
+          <a:prstGeom prst="rect">
+            <a:avLst/>
+          </a:prstGeom>
+          <a:ln w="12700">
+            <a:miter lim="400000"/>
+          </a:ln>
+          <a:extLst>
+            <a:ext uri="{C572A759-6A51-4108-AA02-DFA0A04FC94B}">
+              <ma14:wrappingTextBoxFlag xmlns="" xmlns:m="http://schemas.openxmlformats.org/officeDocument/2006/math" xmlns:a14="http://schemas.microsoft.com/office/drawing/2010/main" xmlns:ma14="http://schemas.microsoft.com/office/mac/drawingml/2011/main" val="1"/>
+            </a:ext>
+          </a:extLst>
+        </p:spPr>
+        <p:txBody>
+          <a:bodyPr lIns="45719" rIns="45719">
+            <a:spAutoFit/>
+          </a:bodyPr>
+          <a:lstStyle>
+            <a:lvl1pPr>
+              <a:defRPr sz="2400">
+                <a:latin typeface="Oswald"/>
+                <a:ea typeface="Oswald"/>
+                <a:cs typeface="Oswald"/>
+                <a:sym typeface="Oswald"/>
+              </a:defRPr>
+            </a:lvl1pPr>
+          </a:lstStyle>
+          <a:p>
+            <a:r>
               <a:t>Summary / Conclusion</a:t>
             </a:r>
           </a:p>
@@ -46008,7 +47732,7 @@
           </a:ln>
           <a:extLst>
             <a:ext uri="{C572A759-6A51-4108-AA02-DFA0A04FC94B}">
-              <ma14:wrappingTextBoxFlag xmlns:ma14="http://schemas.microsoft.com/office/mac/drawingml/2011/main" xmlns:a14="http://schemas.microsoft.com/office/drawing/2010/main" xmlns:m="http://schemas.openxmlformats.org/officeDocument/2006/math" xmlns="" val="1"/>
+              <ma14:wrappingTextBoxFlag xmlns="" xmlns:m="http://schemas.openxmlformats.org/officeDocument/2006/math" xmlns:a14="http://schemas.microsoft.com/office/drawing/2010/main" xmlns:ma14="http://schemas.microsoft.com/office/mac/drawingml/2011/main" val="1"/>
             </a:ext>
           </a:extLst>
         </p:spPr>
@@ -46115,7 +47839,7 @@
         <p:fade thruBlk="1"/>
       </p:transition>
     </mc:Choice>
-    <mc:Fallback xmlns:a14="http://schemas.microsoft.com/office/drawing/2010/main" xmlns:m="http://schemas.openxmlformats.org/officeDocument/2006/math" xmlns="">
+    <mc:Fallback xmlns="" xmlns:m="http://schemas.openxmlformats.org/officeDocument/2006/math" xmlns:a14="http://schemas.microsoft.com/office/drawing/2010/main">
       <p:transition spd="slow">
         <p:fade/>
       </p:transition>
@@ -46201,7 +47925,7 @@
 </p:sld>
 </file>
 
-<file path=ppt/slides/slide88.xml><?xml version="1.0" encoding="utf-8"?>
+<file path=ppt/slides/slide91.xml><?xml version="1.0" encoding="utf-8"?>
 <p:sld xmlns:a="http://schemas.openxmlformats.org/drawingml/2006/main" xmlns:r="http://schemas.openxmlformats.org/officeDocument/2006/relationships" xmlns:p="http://schemas.openxmlformats.org/presentationml/2006/main">
   <p:cSld>
     <p:spTree>
@@ -46313,7 +48037,7 @@
           </a:ln>
           <a:extLst>
             <a:ext uri="{C572A759-6A51-4108-AA02-DFA0A04FC94B}">
-              <ma14:wrappingTextBoxFlag xmlns:ma14="http://schemas.microsoft.com/office/mac/drawingml/2011/main" xmlns:a14="http://schemas.microsoft.com/office/drawing/2010/main" xmlns:m="http://schemas.openxmlformats.org/officeDocument/2006/math" xmlns="" val="1"/>
+              <ma14:wrappingTextBoxFlag xmlns="" xmlns:m="http://schemas.openxmlformats.org/officeDocument/2006/math" xmlns:a14="http://schemas.microsoft.com/office/drawing/2010/main" xmlns:ma14="http://schemas.microsoft.com/office/mac/drawingml/2011/main" val="1"/>
             </a:ext>
           </a:extLst>
         </p:spPr>
@@ -46356,7 +48080,7 @@
           </a:ln>
           <a:extLst>
             <a:ext uri="{C572A759-6A51-4108-AA02-DFA0A04FC94B}">
-              <ma14:wrappingTextBoxFlag xmlns:ma14="http://schemas.microsoft.com/office/mac/drawingml/2011/main" xmlns:a14="http://schemas.microsoft.com/office/drawing/2010/main" xmlns:m="http://schemas.openxmlformats.org/officeDocument/2006/math" xmlns="" val="1"/>
+              <ma14:wrappingTextBoxFlag xmlns="" xmlns:m="http://schemas.openxmlformats.org/officeDocument/2006/math" xmlns:a14="http://schemas.microsoft.com/office/drawing/2010/main" xmlns:ma14="http://schemas.microsoft.com/office/mac/drawingml/2011/main" val="1"/>
             </a:ext>
           </a:extLst>
         </p:spPr>
@@ -46400,7 +48124,7 @@
         <p:fade thruBlk="1"/>
       </p:transition>
     </mc:Choice>
-    <mc:Fallback xmlns:a14="http://schemas.microsoft.com/office/drawing/2010/main" xmlns:m="http://schemas.openxmlformats.org/officeDocument/2006/math" xmlns="">
+    <mc:Fallback xmlns="" xmlns:m="http://schemas.openxmlformats.org/officeDocument/2006/math" xmlns:a14="http://schemas.microsoft.com/office/drawing/2010/main">
       <p:transition spd="slow">
         <p:fade/>
       </p:transition>
@@ -46409,7 +48133,7 @@
 </p:sld>
 </file>
 
-<file path=ppt/slides/slide89.xml><?xml version="1.0" encoding="utf-8"?>
+<file path=ppt/slides/slide92.xml><?xml version="1.0" encoding="utf-8"?>
 <p:sld xmlns:a="http://schemas.openxmlformats.org/drawingml/2006/main" xmlns:r="http://schemas.openxmlformats.org/officeDocument/2006/relationships" xmlns:p="http://schemas.openxmlformats.org/presentationml/2006/main">
   <p:cSld>
     <p:spTree>
@@ -46521,7 +48245,7 @@
           </a:ln>
           <a:extLst>
             <a:ext uri="{C572A759-6A51-4108-AA02-DFA0A04FC94B}">
-              <ma14:wrappingTextBoxFlag xmlns:ma14="http://schemas.microsoft.com/office/mac/drawingml/2011/main" xmlns:a14="http://schemas.microsoft.com/office/drawing/2010/main" xmlns:m="http://schemas.openxmlformats.org/officeDocument/2006/math" xmlns="" val="1"/>
+              <ma14:wrappingTextBoxFlag xmlns="" xmlns:m="http://schemas.openxmlformats.org/officeDocument/2006/math" xmlns:a14="http://schemas.microsoft.com/office/drawing/2010/main" xmlns:ma14="http://schemas.microsoft.com/office/mac/drawingml/2011/main" val="1"/>
             </a:ext>
           </a:extLst>
         </p:spPr>
@@ -46592,7 +48316,7 @@
           </a:ln>
           <a:extLst>
             <a:ext uri="{C572A759-6A51-4108-AA02-DFA0A04FC94B}">
-              <ma14:wrappingTextBoxFlag xmlns:ma14="http://schemas.microsoft.com/office/mac/drawingml/2011/main" xmlns:a14="http://schemas.microsoft.com/office/drawing/2010/main" xmlns:m="http://schemas.openxmlformats.org/officeDocument/2006/math" xmlns="" val="1"/>
+              <ma14:wrappingTextBoxFlag xmlns="" xmlns:m="http://schemas.openxmlformats.org/officeDocument/2006/math" xmlns:a14="http://schemas.microsoft.com/office/drawing/2010/main" xmlns:ma14="http://schemas.microsoft.com/office/mac/drawingml/2011/main" val="1"/>
             </a:ext>
           </a:extLst>
         </p:spPr>
@@ -46636,7 +48360,7 @@
           </a:ln>
           <a:extLst>
             <a:ext uri="{C572A759-6A51-4108-AA02-DFA0A04FC94B}">
-              <ma14:wrappingTextBoxFlag xmlns:ma14="http://schemas.microsoft.com/office/mac/drawingml/2011/main" xmlns:a14="http://schemas.microsoft.com/office/drawing/2010/main" xmlns:m="http://schemas.openxmlformats.org/officeDocument/2006/math" xmlns="" val="1"/>
+              <ma14:wrappingTextBoxFlag xmlns="" xmlns:m="http://schemas.openxmlformats.org/officeDocument/2006/math" xmlns:a14="http://schemas.microsoft.com/office/drawing/2010/main" xmlns:ma14="http://schemas.microsoft.com/office/mac/drawingml/2011/main" val="1"/>
             </a:ext>
           </a:extLst>
         </p:spPr>
@@ -46796,7 +48520,7 @@
         <p:fade thruBlk="1"/>
       </p:transition>
     </mc:Choice>
-    <mc:Fallback xmlns:a14="http://schemas.microsoft.com/office/drawing/2010/main" xmlns:m="http://schemas.openxmlformats.org/officeDocument/2006/math" xmlns="">
+    <mc:Fallback xmlns="" xmlns:m="http://schemas.openxmlformats.org/officeDocument/2006/math" xmlns:a14="http://schemas.microsoft.com/office/drawing/2010/main">
       <p:transition spd="slow">
         <p:fade/>
       </p:transition>
@@ -46805,7 +48529,7 @@
 </p:sld>
 </file>
 
-<file path=ppt/slides/slide9.xml><?xml version="1.0" encoding="utf-8"?>
+<file path=ppt/slides/slide93.xml><?xml version="1.0" encoding="utf-8"?>
 <p:sld xmlns:a="http://schemas.openxmlformats.org/drawingml/2006/main" xmlns:r="http://schemas.openxmlformats.org/officeDocument/2006/relationships" xmlns:p="http://schemas.openxmlformats.org/presentationml/2006/main">
   <p:cSld>
     <p:spTree>
@@ -46824,7 +48548,7 @@
       </p:grpSpPr>
       <p:sp>
         <p:nvSpPr>
-          <p:cNvPr id="186" name="Rectangle 8"/>
+          <p:cNvPr id="505" name="Rectangle 8"/>
           <p:cNvSpPr/>
           <p:nvPr/>
         </p:nvSpPr>
@@ -46862,7 +48586,7 @@
       </p:sp>
       <p:sp>
         <p:nvSpPr>
-          <p:cNvPr id="187" name="Rectangle 7"/>
+          <p:cNvPr id="506" name="Rectangle 7"/>
           <p:cNvSpPr/>
           <p:nvPr/>
         </p:nvSpPr>
@@ -46900,7 +48624,7 @@
       </p:sp>
       <p:sp>
         <p:nvSpPr>
-          <p:cNvPr id="188" name="TextBox 9"/>
+          <p:cNvPr id="507" name="TextBox 9"/>
           <p:cNvSpPr txBox="1"/>
           <p:nvPr/>
         </p:nvSpPr>
@@ -46917,7 +48641,7 @@
           </a:ln>
           <a:extLst>
             <a:ext uri="{C572A759-6A51-4108-AA02-DFA0A04FC94B}">
-              <ma14:wrappingTextBoxFlag xmlns:ma14="http://schemas.microsoft.com/office/mac/drawingml/2011/main" xmlns:a14="http://schemas.microsoft.com/office/drawing/2010/main" xmlns:m="http://schemas.openxmlformats.org/officeDocument/2006/math" xmlns="" val="1"/>
+              <ma14:wrappingTextBoxFlag xmlns="" xmlns:m="http://schemas.openxmlformats.org/officeDocument/2006/math" xmlns:a14="http://schemas.microsoft.com/office/drawing/2010/main" xmlns:ma14="http://schemas.microsoft.com/office/mac/drawingml/2011/main" val="1"/>
             </a:ext>
           </a:extLst>
         </p:spPr>
@@ -46943,7 +48667,7 @@
       </p:sp>
       <p:sp>
         <p:nvSpPr>
-          <p:cNvPr id="189" name="Straight Connector 11"/>
+          <p:cNvPr id="508" name="Straight Connector 11"/>
           <p:cNvSpPr/>
           <p:nvPr/>
         </p:nvSpPr>
@@ -46971,7 +48695,7 @@
       </p:sp>
       <p:sp>
         <p:nvSpPr>
-          <p:cNvPr id="190" name="TextBox 12"/>
+          <p:cNvPr id="509" name="TextBox 12"/>
           <p:cNvSpPr txBox="1"/>
           <p:nvPr/>
         </p:nvSpPr>
@@ -46988,364 +48712,7 @@
           </a:ln>
           <a:extLst>
             <a:ext uri="{C572A759-6A51-4108-AA02-DFA0A04FC94B}">
-              <ma14:wrappingTextBoxFlag xmlns:ma14="http://schemas.microsoft.com/office/mac/drawingml/2011/main" xmlns:a14="http://schemas.microsoft.com/office/drawing/2010/main" xmlns:m="http://schemas.openxmlformats.org/officeDocument/2006/math" xmlns="" val="1"/>
-            </a:ext>
-          </a:extLst>
-        </p:spPr>
-        <p:txBody>
-          <a:bodyPr lIns="45719" rIns="45719">
-            <a:spAutoFit/>
-          </a:bodyPr>
-          <a:lstStyle>
-            <a:lvl1pPr>
-              <a:defRPr sz="2400">
-                <a:latin typeface="Oswald"/>
-                <a:ea typeface="Oswald"/>
-                <a:cs typeface="Oswald"/>
-                <a:sym typeface="Oswald"/>
-              </a:defRPr>
-            </a:lvl1pPr>
-          </a:lstStyle>
-          <a:p>
-            <a:r>
-              <a:t>Lab Setup</a:t>
-            </a:r>
-          </a:p>
-        </p:txBody>
-      </p:sp>
-      <p:sp>
-        <p:nvSpPr>
-          <p:cNvPr id="191" name="TextBox 10"/>
-          <p:cNvSpPr txBox="1"/>
-          <p:nvPr/>
-        </p:nvSpPr>
-        <p:spPr>
-          <a:xfrm>
-            <a:off x="824385" y="1293019"/>
-            <a:ext cx="5966465" cy="1602741"/>
-          </a:xfrm>
-          <a:prstGeom prst="rect">
-            <a:avLst/>
-          </a:prstGeom>
-          <a:ln w="12700">
-            <a:miter lim="400000"/>
-          </a:ln>
-          <a:extLst>
-            <a:ext uri="{C572A759-6A51-4108-AA02-DFA0A04FC94B}">
-              <ma14:wrappingTextBoxFlag xmlns:ma14="http://schemas.microsoft.com/office/mac/drawingml/2011/main" xmlns:a14="http://schemas.microsoft.com/office/drawing/2010/main" xmlns:m="http://schemas.openxmlformats.org/officeDocument/2006/math" xmlns="" val="1"/>
-            </a:ext>
-          </a:extLst>
-        </p:spPr>
-        <p:txBody>
-          <a:bodyPr lIns="45719" rIns="45719">
-            <a:spAutoFit/>
-          </a:bodyPr>
-          <a:lstStyle/>
-          <a:p>
-            <a:pPr>
-              <a:defRPr>
-                <a:latin typeface="Oswald"/>
-                <a:ea typeface="Oswald"/>
-                <a:cs typeface="Oswald"/>
-                <a:sym typeface="Oswald"/>
-              </a:defRPr>
-            </a:pPr>
-            <a:r>
-              <a:t>Prerequisites:  High Speed Internet, Desktop/Laptop</a:t>
-            </a:r>
-          </a:p>
-          <a:p>
-            <a:pPr>
-              <a:buClr>
-                <a:srgbClr val="000000"/>
-              </a:buClr>
-              <a:buSzPct val="100000"/>
-              <a:buChar char="▪"/>
-              <a:defRPr>
-                <a:latin typeface="Oswald"/>
-                <a:ea typeface="Oswald"/>
-                <a:cs typeface="Oswald"/>
-                <a:sym typeface="Oswald"/>
-              </a:defRPr>
-            </a:pPr>
-            <a:endParaRPr/>
-          </a:p>
-          <a:p>
-            <a:pPr>
-              <a:defRPr>
-                <a:latin typeface="Oswald"/>
-                <a:ea typeface="Oswald"/>
-                <a:cs typeface="Oswald"/>
-                <a:sym typeface="Oswald"/>
-              </a:defRPr>
-            </a:pPr>
-            <a:r>
-              <a:t>System requirements:</a:t>
-            </a:r>
-          </a:p>
-          <a:p>
-            <a:pPr marL="285750" lvl="5" indent="-285750">
-              <a:buClr>
-                <a:srgbClr val="000000"/>
-              </a:buClr>
-              <a:buSzPct val="100000"/>
-              <a:buFont typeface="Arial"/>
-              <a:buChar char="•"/>
-              <a:defRPr>
-                <a:latin typeface="Oswald"/>
-                <a:ea typeface="Oswald"/>
-                <a:cs typeface="Oswald"/>
-                <a:sym typeface="Oswald"/>
-              </a:defRPr>
-            </a:pPr>
-            <a:r>
-              <a:t>Any operating system (Mac OS/ Windows / Linux)</a:t>
-            </a:r>
-          </a:p>
-          <a:p>
-            <a:pPr marL="285750" lvl="5" indent="-285750">
-              <a:buClr>
-                <a:srgbClr val="000000"/>
-              </a:buClr>
-              <a:buSzPct val="100000"/>
-              <a:buFont typeface="Arial"/>
-              <a:buChar char="•"/>
-              <a:defRPr>
-                <a:latin typeface="Oswald"/>
-                <a:ea typeface="Oswald"/>
-                <a:cs typeface="Oswald"/>
-                <a:sym typeface="Oswald"/>
-              </a:defRPr>
-            </a:pPr>
-            <a:r>
-              <a:t>Nodejs and NPM installed (latest versions)</a:t>
-            </a:r>
-          </a:p>
-          <a:p>
-            <a:pPr marL="285750" lvl="5" indent="-285750">
-              <a:buClr>
-                <a:srgbClr val="000000"/>
-              </a:buClr>
-              <a:buSzPct val="100000"/>
-              <a:buFont typeface="Arial"/>
-              <a:buChar char="•"/>
-              <a:defRPr>
-                <a:latin typeface="Oswald"/>
-                <a:ea typeface="Oswald"/>
-                <a:cs typeface="Oswald"/>
-                <a:sym typeface="Oswald"/>
-              </a:defRPr>
-            </a:pPr>
-            <a:r>
-              <a:t>IDE – Visual Studio Code </a:t>
-            </a:r>
-          </a:p>
-        </p:txBody>
-      </p:sp>
-    </p:spTree>
-  </p:cSld>
-  <p:clrMapOvr>
-    <a:masterClrMapping/>
-  </p:clrMapOvr>
-  <mc:AlternateContent xmlns:mc="http://schemas.openxmlformats.org/markup-compatibility/2006" xmlns:p14="http://schemas.microsoft.com/office/powerpoint/2010/main">
-    <mc:Choice Requires="p14">
-      <p:transition spd="slow" p14:dur="1200">
-        <p:fade thruBlk="1"/>
-      </p:transition>
-    </mc:Choice>
-    <mc:Fallback xmlns:a14="http://schemas.microsoft.com/office/drawing/2010/main" xmlns:m="http://schemas.openxmlformats.org/officeDocument/2006/math" xmlns="">
-      <p:transition spd="slow">
-        <p:fade/>
-      </p:transition>
-    </mc:Fallback>
-  </mc:AlternateContent>
-</p:sld>
-</file>
-
-<file path=ppt/slides/slide90.xml><?xml version="1.0" encoding="utf-8"?>
-<p:sld xmlns:a="http://schemas.openxmlformats.org/drawingml/2006/main" xmlns:r="http://schemas.openxmlformats.org/officeDocument/2006/relationships" xmlns:p="http://schemas.openxmlformats.org/presentationml/2006/main">
-  <p:cSld>
-    <p:spTree>
-      <p:nvGrpSpPr>
-        <p:cNvPr id="1" name=""/>
-        <p:cNvGrpSpPr/>
-        <p:nvPr/>
-      </p:nvGrpSpPr>
-      <p:grpSpPr>
-        <a:xfrm>
-          <a:off x="0" y="0"/>
-          <a:ext cx="0" cy="0"/>
-          <a:chOff x="0" y="0"/>
-          <a:chExt cx="0" cy="0"/>
-        </a:xfrm>
-      </p:grpSpPr>
-      <p:sp>
-        <p:nvSpPr>
-          <p:cNvPr id="505" name="Rectangle 8"/>
-          <p:cNvSpPr/>
-          <p:nvPr/>
-        </p:nvSpPr>
-        <p:spPr>
-          <a:xfrm>
-            <a:off x="385771" y="4950621"/>
-            <a:ext cx="8358179" cy="181697"/>
-          </a:xfrm>
-          <a:prstGeom prst="rect">
-            <a:avLst/>
-          </a:prstGeom>
-          <a:solidFill>
-            <a:srgbClr val="000000"/>
-          </a:solidFill>
-          <a:ln w="25400">
-            <a:solidFill>
-              <a:srgbClr val="000000"/>
-            </a:solidFill>
-          </a:ln>
-        </p:spPr>
-        <p:txBody>
-          <a:bodyPr lIns="45719" rIns="45719" anchor="ctr"/>
-          <a:lstStyle/>
-          <a:p>
-            <a:pPr algn="ctr">
-              <a:defRPr>
-                <a:solidFill>
-                  <a:srgbClr val="FFFFFF"/>
-                </a:solidFill>
-              </a:defRPr>
-            </a:pPr>
-            <a:endParaRPr/>
-          </a:p>
-        </p:txBody>
-      </p:sp>
-      <p:sp>
-        <p:nvSpPr>
-          <p:cNvPr id="506" name="Rectangle 7"/>
-          <p:cNvSpPr/>
-          <p:nvPr/>
-        </p:nvSpPr>
-        <p:spPr>
-          <a:xfrm>
-            <a:off x="1300162" y="7143"/>
-            <a:ext cx="6800851" cy="121446"/>
-          </a:xfrm>
-          <a:prstGeom prst="rect">
-            <a:avLst/>
-          </a:prstGeom>
-          <a:solidFill>
-            <a:srgbClr val="FF5050"/>
-          </a:solidFill>
-          <a:ln w="25400">
-            <a:solidFill>
-              <a:srgbClr val="FF5050"/>
-            </a:solidFill>
-          </a:ln>
-        </p:spPr>
-        <p:txBody>
-          <a:bodyPr lIns="45719" rIns="45719" anchor="ctr"/>
-          <a:lstStyle/>
-          <a:p>
-            <a:pPr algn="ctr">
-              <a:defRPr>
-                <a:solidFill>
-                  <a:srgbClr val="FFFFFF"/>
-                </a:solidFill>
-              </a:defRPr>
-            </a:pPr>
-            <a:endParaRPr/>
-          </a:p>
-        </p:txBody>
-      </p:sp>
-      <p:sp>
-        <p:nvSpPr>
-          <p:cNvPr id="507" name="TextBox 9"/>
-          <p:cNvSpPr txBox="1"/>
-          <p:nvPr/>
-        </p:nvSpPr>
-        <p:spPr>
-          <a:xfrm>
-            <a:off x="781521" y="4929194"/>
-            <a:ext cx="3551873" cy="214701"/>
-          </a:xfrm>
-          <a:prstGeom prst="rect">
-            <a:avLst/>
-          </a:prstGeom>
-          <a:ln w="12700">
-            <a:miter lim="400000"/>
-          </a:ln>
-          <a:extLst>
-            <a:ext uri="{C572A759-6A51-4108-AA02-DFA0A04FC94B}">
-              <ma14:wrappingTextBoxFlag xmlns:ma14="http://schemas.microsoft.com/office/mac/drawingml/2011/main" xmlns:a14="http://schemas.microsoft.com/office/drawing/2010/main" xmlns:m="http://schemas.openxmlformats.org/officeDocument/2006/math" xmlns="" val="1"/>
-            </a:ext>
-          </a:extLst>
-        </p:spPr>
-        <p:txBody>
-          <a:bodyPr lIns="45719" rIns="45719">
-            <a:spAutoFit/>
-          </a:bodyPr>
-          <a:lstStyle>
-            <a:lvl1pPr>
-              <a:defRPr sz="900">
-                <a:solidFill>
-                  <a:srgbClr val="FFFFFF"/>
-                </a:solidFill>
-              </a:defRPr>
-            </a:lvl1pPr>
-          </a:lstStyle>
-          <a:p>
-            <a:r>
-              <a:t>© 2021 Mindmajix Technologies Pvt. Ltd. All rights reserved</a:t>
-            </a:r>
-          </a:p>
-        </p:txBody>
-      </p:sp>
-      <p:sp>
-        <p:nvSpPr>
-          <p:cNvPr id="508" name="Straight Connector 11"/>
-          <p:cNvSpPr/>
-          <p:nvPr/>
-        </p:nvSpPr>
-        <p:spPr>
-          <a:xfrm>
-            <a:off x="578644" y="971549"/>
-            <a:ext cx="8036720" cy="1590"/>
-          </a:xfrm>
-          <a:prstGeom prst="line">
-            <a:avLst/>
-          </a:prstGeom>
-          <a:ln>
-            <a:solidFill>
-              <a:srgbClr val="000000"/>
-            </a:solidFill>
-          </a:ln>
-        </p:spPr>
-        <p:txBody>
-          <a:bodyPr lIns="45719" rIns="45719"/>
-          <a:lstStyle/>
-          <a:p>
-            <a:endParaRPr/>
-          </a:p>
-        </p:txBody>
-      </p:sp>
-      <p:sp>
-        <p:nvSpPr>
-          <p:cNvPr id="509" name="TextBox 12"/>
-          <p:cNvSpPr txBox="1"/>
-          <p:nvPr/>
-        </p:nvSpPr>
-        <p:spPr>
-          <a:xfrm>
-            <a:off x="795820" y="514354"/>
-            <a:ext cx="7545228" cy="459741"/>
-          </a:xfrm>
-          <a:prstGeom prst="rect">
-            <a:avLst/>
-          </a:prstGeom>
-          <a:ln w="12700">
-            <a:miter lim="400000"/>
-          </a:ln>
-          <a:extLst>
-            <a:ext uri="{C572A759-6A51-4108-AA02-DFA0A04FC94B}">
-              <ma14:wrappingTextBoxFlag xmlns:ma14="http://schemas.microsoft.com/office/mac/drawingml/2011/main" xmlns:a14="http://schemas.microsoft.com/office/drawing/2010/main" xmlns:m="http://schemas.openxmlformats.org/officeDocument/2006/math" xmlns="" val="1"/>
+              <ma14:wrappingTextBoxFlag xmlns="" xmlns:m="http://schemas.openxmlformats.org/officeDocument/2006/math" xmlns:a14="http://schemas.microsoft.com/office/drawing/2010/main" xmlns:ma14="http://schemas.microsoft.com/office/mac/drawingml/2011/main" val="1"/>
             </a:ext>
           </a:extLst>
         </p:spPr>
@@ -47408,7 +48775,7 @@
         <p:fade thruBlk="1"/>
       </p:transition>
     </mc:Choice>
-    <mc:Fallback xmlns:a14="http://schemas.microsoft.com/office/drawing/2010/main" xmlns:m="http://schemas.openxmlformats.org/officeDocument/2006/math" xmlns="">
+    <mc:Fallback xmlns="" xmlns:m="http://schemas.openxmlformats.org/officeDocument/2006/math" xmlns:a14="http://schemas.microsoft.com/office/drawing/2010/main">
       <p:transition spd="slow">
         <p:fade/>
       </p:transition>
